--- a/603-ET/social networking ethical issues.pptx
+++ b/603-ET/social networking ethical issues.pptx
@@ -8,7 +8,8 @@
     <p:sldId id="256" r:id="rId2"/>
     <p:sldId id="257" r:id="rId3"/>
     <p:sldId id="258" r:id="rId4"/>
-    <p:sldId id="259" r:id="rId5"/>
+    <p:sldId id="260" r:id="rId5"/>
+    <p:sldId id="259" r:id="rId6"/>
   </p:sldIdLst>
   <p:sldSz cx="12192000" cy="6858000"/>
   <p:notesSz cx="6858000" cy="9144000"/>
@@ -107,6 +108,11 @@
       </a:defRPr>
     </a:lvl9pPr>
   </p:defaultTextStyle>
+  <p:extLst>
+    <p:ext uri="{EFAFB233-063F-42B5-8137-9DF3F51BA10A}">
+      <p15:sldGuideLst xmlns:p15="http://schemas.microsoft.com/office/powerpoint/2012/main"/>
+    </p:ext>
+  </p:extLst>
 </p:presentation>
 </file>
 
@@ -241,7 +247,7 @@
           <a:p>
             <a:fld id="{9EF7D3A6-9E8E-4941-BB94-5A31170A0B6C}" type="datetimeFigureOut">
               <a:rPr lang="en-US" smtClean="0"/>
-              <a:t>7/19/2018</a:t>
+              <a:t>9/1/2018</a:t>
             </a:fld>
             <a:endParaRPr lang="en-US"/>
           </a:p>
@@ -411,7 +417,7 @@
           <a:p>
             <a:fld id="{9EF7D3A6-9E8E-4941-BB94-5A31170A0B6C}" type="datetimeFigureOut">
               <a:rPr lang="en-US" smtClean="0"/>
-              <a:t>7/19/2018</a:t>
+              <a:t>9/1/2018</a:t>
             </a:fld>
             <a:endParaRPr lang="en-US"/>
           </a:p>
@@ -591,7 +597,7 @@
           <a:p>
             <a:fld id="{9EF7D3A6-9E8E-4941-BB94-5A31170A0B6C}" type="datetimeFigureOut">
               <a:rPr lang="en-US" smtClean="0"/>
-              <a:t>7/19/2018</a:t>
+              <a:t>9/1/2018</a:t>
             </a:fld>
             <a:endParaRPr lang="en-US"/>
           </a:p>
@@ -761,7 +767,7 @@
           <a:p>
             <a:fld id="{9EF7D3A6-9E8E-4941-BB94-5A31170A0B6C}" type="datetimeFigureOut">
               <a:rPr lang="en-US" smtClean="0"/>
-              <a:t>7/19/2018</a:t>
+              <a:t>9/1/2018</a:t>
             </a:fld>
             <a:endParaRPr lang="en-US"/>
           </a:p>
@@ -1007,7 +1013,7 @@
           <a:p>
             <a:fld id="{9EF7D3A6-9E8E-4941-BB94-5A31170A0B6C}" type="datetimeFigureOut">
               <a:rPr lang="en-US" smtClean="0"/>
-              <a:t>7/19/2018</a:t>
+              <a:t>9/1/2018</a:t>
             </a:fld>
             <a:endParaRPr lang="en-US"/>
           </a:p>
@@ -1239,7 +1245,7 @@
           <a:p>
             <a:fld id="{9EF7D3A6-9E8E-4941-BB94-5A31170A0B6C}" type="datetimeFigureOut">
               <a:rPr lang="en-US" smtClean="0"/>
-              <a:t>7/19/2018</a:t>
+              <a:t>9/1/2018</a:t>
             </a:fld>
             <a:endParaRPr lang="en-US"/>
           </a:p>
@@ -1606,7 +1612,7 @@
           <a:p>
             <a:fld id="{9EF7D3A6-9E8E-4941-BB94-5A31170A0B6C}" type="datetimeFigureOut">
               <a:rPr lang="en-US" smtClean="0"/>
-              <a:t>7/19/2018</a:t>
+              <a:t>9/1/2018</a:t>
             </a:fld>
             <a:endParaRPr lang="en-US"/>
           </a:p>
@@ -1724,7 +1730,7 @@
           <a:p>
             <a:fld id="{9EF7D3A6-9E8E-4941-BB94-5A31170A0B6C}" type="datetimeFigureOut">
               <a:rPr lang="en-US" smtClean="0"/>
-              <a:t>7/19/2018</a:t>
+              <a:t>9/1/2018</a:t>
             </a:fld>
             <a:endParaRPr lang="en-US"/>
           </a:p>
@@ -1819,7 +1825,7 @@
           <a:p>
             <a:fld id="{9EF7D3A6-9E8E-4941-BB94-5A31170A0B6C}" type="datetimeFigureOut">
               <a:rPr lang="en-US" smtClean="0"/>
-              <a:t>7/19/2018</a:t>
+              <a:t>9/1/2018</a:t>
             </a:fld>
             <a:endParaRPr lang="en-US"/>
           </a:p>
@@ -2096,7 +2102,7 @@
           <a:p>
             <a:fld id="{9EF7D3A6-9E8E-4941-BB94-5A31170A0B6C}" type="datetimeFigureOut">
               <a:rPr lang="en-US" smtClean="0"/>
-              <a:t>7/19/2018</a:t>
+              <a:t>9/1/2018</a:t>
             </a:fld>
             <a:endParaRPr lang="en-US"/>
           </a:p>
@@ -2349,7 +2355,7 @@
           <a:p>
             <a:fld id="{9EF7D3A6-9E8E-4941-BB94-5A31170A0B6C}" type="datetimeFigureOut">
               <a:rPr lang="en-US" smtClean="0"/>
-              <a:t>7/19/2018</a:t>
+              <a:t>9/1/2018</a:t>
             </a:fld>
             <a:endParaRPr lang="en-US"/>
           </a:p>
@@ -2562,7 +2568,7 @@
           <a:p>
             <a:fld id="{9EF7D3A6-9E8E-4941-BB94-5A31170A0B6C}" type="datetimeFigureOut">
               <a:rPr lang="en-US" smtClean="0"/>
-              <a:t>7/19/2018</a:t>
+              <a:t>9/1/2018</a:t>
             </a:fld>
             <a:endParaRPr lang="en-US"/>
           </a:p>
@@ -2953,6 +2959,20 @@
 <file path=ppt/slides/slide1.xml><?xml version="1.0" encoding="utf-8"?>
 <p:sld xmlns:a="http://schemas.openxmlformats.org/drawingml/2006/main" xmlns:r="http://schemas.openxmlformats.org/officeDocument/2006/relationships" xmlns:p="http://schemas.openxmlformats.org/presentationml/2006/main">
   <p:cSld>
+    <p:bg>
+      <p:bgPr>
+        <a:blipFill dpi="0" rotWithShape="1">
+          <a:blip r:embed="rId2">
+            <a:lum/>
+          </a:blip>
+          <a:srcRect/>
+          <a:stretch>
+            <a:fillRect t="-9000" b="-9000"/>
+          </a:stretch>
+        </a:blipFill>
+        <a:effectLst/>
+      </p:bgPr>
+    </p:bg>
     <p:spTree>
       <p:nvGrpSpPr>
         <p:cNvPr id="1" name=""/>
@@ -2977,96 +2997,130 @@
             <p:ph type="ctrTitle"/>
           </p:nvPr>
         </p:nvSpPr>
-        <p:spPr/>
-        <p:txBody>
-          <a:bodyPr/>
-          <a:lstStyle/>
-          <a:p>
+        <p:spPr>
+          <a:xfrm>
+            <a:off x="0" y="4027796"/>
+            <a:ext cx="12192000" cy="2830204"/>
+          </a:xfrm>
+          <a:solidFill>
+            <a:schemeClr val="tx1">
+              <a:lumMod val="95000"/>
+              <a:lumOff val="5000"/>
+              <a:alpha val="84000"/>
+            </a:schemeClr>
+          </a:solidFill>
+        </p:spPr>
+        <p:txBody>
+          <a:bodyPr>
+            <a:normAutofit/>
+          </a:bodyPr>
+          <a:lstStyle/>
+          <a:p>
+            <a:r>
+              <a:rPr lang="en-US" dirty="0" smtClean="0">
+                <a:solidFill>
+                  <a:srgbClr val="FFFF00"/>
+                </a:solidFill>
+                <a:latin typeface="Copperplate Gothic Bold" panose="020E0705020206020404" pitchFamily="34" charset="0"/>
+              </a:rPr>
+              <a:t>Social Networking Ethical </a:t>
+            </a:r>
+            <a:r>
+              <a:rPr lang="en-US" dirty="0" smtClean="0">
+                <a:solidFill>
+                  <a:srgbClr val="FFFF00"/>
+                </a:solidFill>
+                <a:latin typeface="Copperplate Gothic Bold" panose="020E0705020206020404" pitchFamily="34" charset="0"/>
+              </a:rPr>
+              <a:t>Issues</a:t>
+            </a:r>
             <a:r>
               <a:rPr lang="en-US" dirty="0" smtClean="0">
                 <a:latin typeface="Copperplate Gothic Bold" panose="020E0705020206020404" pitchFamily="34" charset="0"/>
               </a:rPr>
-              <a:t>Social Networking Ethical Issues</a:t>
-            </a:r>
-            <a:endParaRPr lang="en-US" dirty="0">
-              <a:latin typeface="Copperplate Gothic Bold" panose="020E0705020206020404" pitchFamily="34" charset="0"/>
-            </a:endParaRPr>
-          </a:p>
-        </p:txBody>
-      </p:sp>
-      <p:sp>
-        <p:nvSpPr>
-          <p:cNvPr id="3" name="Subtitle 2"/>
-          <p:cNvSpPr>
-            <a:spLocks noGrp="1"/>
-          </p:cNvSpPr>
-          <p:nvPr>
-            <p:ph type="subTitle" idx="1"/>
-          </p:nvPr>
-        </p:nvSpPr>
-        <p:spPr/>
-        <p:txBody>
-          <a:bodyPr>
-            <a:normAutofit/>
-          </a:bodyPr>
-          <a:lstStyle/>
-          <a:p>
-            <a:endParaRPr lang="en-US" sz="2600" b="1" dirty="0" smtClean="0">
-              <a:latin typeface="Segoe Print" panose="02000600000000000000" pitchFamily="2" charset="0"/>
-            </a:endParaRPr>
-          </a:p>
-          <a:p>
-            <a:r>
-              <a:rPr lang="en-US" sz="2600" b="1" dirty="0" smtClean="0">
+              <a:t/>
+            </a:r>
+            <a:br>
+              <a:rPr lang="en-US" dirty="0" smtClean="0">
+                <a:latin typeface="Copperplate Gothic Bold" panose="020E0705020206020404" pitchFamily="34" charset="0"/>
+              </a:rPr>
+            </a:br>
+            <a:r>
+              <a:rPr lang="en-US" sz="2200" b="1" dirty="0">
+                <a:solidFill>
+                  <a:schemeClr val="bg1"/>
+                </a:solidFill>
                 <a:latin typeface="Segoe Print" panose="02000600000000000000" pitchFamily="2" charset="0"/>
               </a:rPr>
               <a:t>Presented by: Atiq Ahammed(BSSE0817)</a:t>
             </a:r>
-          </a:p>
-          <a:p>
-            <a:r>
-              <a:rPr lang="en-US" sz="2600" b="1" dirty="0" smtClean="0">
+            <a:br>
+              <a:rPr lang="en-US" sz="2200" b="1" dirty="0">
+                <a:solidFill>
+                  <a:schemeClr val="bg1"/>
+                </a:solidFill>
                 <a:latin typeface="Segoe Print" panose="02000600000000000000" pitchFamily="2" charset="0"/>
               </a:rPr>
-              <a:t>Presented </a:t>
-            </a:r>
-            <a:r>
-              <a:rPr lang="en-US" sz="2600" b="1" dirty="0" smtClean="0">
+            </a:br>
+            <a:r>
+              <a:rPr lang="en-US" sz="2200" b="1" dirty="0">
+                <a:solidFill>
+                  <a:schemeClr val="bg1"/>
+                </a:solidFill>
                 <a:latin typeface="Segoe Print" panose="02000600000000000000" pitchFamily="2" charset="0"/>
               </a:rPr>
-              <a:t>to: </a:t>
-            </a:r>
-            <a:r>
-              <a:rPr lang="en-US" sz="2600" b="1" dirty="0" err="1" smtClean="0">
+              <a:t>Presented to: </a:t>
+            </a:r>
+            <a:r>
+              <a:rPr lang="en-US" sz="2200" b="1" dirty="0" err="1">
+                <a:solidFill>
+                  <a:schemeClr val="bg1"/>
+                </a:solidFill>
                 <a:latin typeface="Segoe Print" panose="02000600000000000000" pitchFamily="2" charset="0"/>
               </a:rPr>
               <a:t>Rezvi</a:t>
             </a:r>
             <a:r>
-              <a:rPr lang="en-US" sz="2600" b="1" dirty="0" smtClean="0">
+              <a:rPr lang="en-US" sz="2200" b="1" dirty="0">
+                <a:solidFill>
+                  <a:schemeClr val="bg1"/>
+                </a:solidFill>
                 <a:latin typeface="Segoe Print" panose="02000600000000000000" pitchFamily="2" charset="0"/>
               </a:rPr>
               <a:t> </a:t>
             </a:r>
             <a:r>
-              <a:rPr lang="en-US" sz="2600" b="1" dirty="0" err="1" smtClean="0">
+              <a:rPr lang="en-US" sz="2200" b="1" dirty="0" err="1">
+                <a:solidFill>
+                  <a:schemeClr val="bg1"/>
+                </a:solidFill>
                 <a:latin typeface="Segoe Print" panose="02000600000000000000" pitchFamily="2" charset="0"/>
               </a:rPr>
               <a:t>Shahariar</a:t>
             </a:r>
             <a:r>
-              <a:rPr lang="en-US" sz="2600" b="1" dirty="0" smtClean="0">
+              <a:rPr lang="en-US" sz="2200" b="1" dirty="0">
+                <a:solidFill>
+                  <a:schemeClr val="bg1"/>
+                </a:solidFill>
                 <a:latin typeface="Segoe Print" panose="02000600000000000000" pitchFamily="2" charset="0"/>
               </a:rPr>
-              <a:t> &amp; BSSE8th batch</a:t>
-            </a:r>
-            <a:endParaRPr lang="en-US" sz="2600" b="1" dirty="0">
-              <a:latin typeface="Segoe Print" panose="02000600000000000000" pitchFamily="2" charset="0"/>
-            </a:endParaRPr>
-          </a:p>
-          <a:p>
-            <a:endParaRPr lang="en-US" sz="2600" b="1" dirty="0">
-              <a:latin typeface="Segoe Print" panose="02000600000000000000" pitchFamily="2" charset="0"/>
+              <a:t> &amp; BSSE8th </a:t>
+            </a:r>
+            <a:r>
+              <a:rPr lang="en-US" sz="2200" b="1" dirty="0" smtClean="0">
+                <a:solidFill>
+                  <a:schemeClr val="bg1"/>
+                </a:solidFill>
+                <a:latin typeface="Segoe Print" panose="02000600000000000000" pitchFamily="2" charset="0"/>
+              </a:rPr>
+              <a:t>batch</a:t>
+            </a:r>
+            <a:endParaRPr lang="en-US" dirty="0">
+              <a:solidFill>
+                <a:schemeClr val="bg1"/>
+              </a:solidFill>
+              <a:latin typeface="Copperplate Gothic Bold" panose="020E0705020206020404" pitchFamily="34" charset="0"/>
             </a:endParaRPr>
           </a:p>
         </p:txBody>
@@ -3096,16 +3150,9 @@
   <p:cSld>
     <p:bg>
       <p:bgPr>
-        <a:blipFill dpi="0" rotWithShape="1">
-          <a:blip r:embed="rId2">
-            <a:alphaModFix amt="4000"/>
-            <a:lum/>
-          </a:blip>
-          <a:srcRect/>
-          <a:stretch>
-            <a:fillRect t="-39000" b="-39000"/>
-          </a:stretch>
-        </a:blipFill>
+        <a:solidFill>
+          <a:schemeClr val="bg1"/>
+        </a:solidFill>
         <a:effectLst/>
       </p:bgPr>
     </p:bg>
@@ -3133,236 +3180,813 @@
             <p:ph type="title"/>
           </p:nvPr>
         </p:nvSpPr>
-        <p:spPr/>
-        <p:txBody>
-          <a:bodyPr/>
-          <a:lstStyle/>
-          <a:p>
-            <a:r>
-              <a:rPr lang="en-US" sz="3600" dirty="0" smtClean="0">
-                <a:latin typeface="Copperplate Gothic Bold" panose="020E0705020206020404" pitchFamily="34" charset="0"/>
-              </a:rPr>
-              <a:t>Social Networking Ethical Issues</a:t>
-            </a:r>
-            <a:r>
-              <a:rPr lang="en-US" dirty="0" smtClean="0"/>
-              <a:t> </a:t>
-            </a:r>
-            <a:endParaRPr lang="en-US" dirty="0"/>
-          </a:p>
-        </p:txBody>
-      </p:sp>
-      <p:sp>
-        <p:nvSpPr>
-          <p:cNvPr id="3" name="Text Placeholder 2"/>
-          <p:cNvSpPr>
-            <a:spLocks noGrp="1"/>
-          </p:cNvSpPr>
-          <p:nvPr>
-            <p:ph type="body" idx="1"/>
-          </p:nvPr>
-        </p:nvSpPr>
-        <p:spPr/>
-        <p:txBody>
-          <a:bodyPr/>
-          <a:lstStyle/>
-          <a:p>
-            <a:r>
-              <a:rPr lang="en-US" dirty="0" smtClean="0">
-                <a:latin typeface="Arial Rounded MT Bold" panose="020F0704030504030204" pitchFamily="34" charset="0"/>
-              </a:rPr>
-              <a:t>Facts</a:t>
-            </a:r>
-            <a:endParaRPr lang="en-US" dirty="0">
-              <a:latin typeface="Arial Rounded MT Bold" panose="020F0704030504030204" pitchFamily="34" charset="0"/>
-            </a:endParaRPr>
-          </a:p>
-        </p:txBody>
-      </p:sp>
-      <p:sp>
-        <p:nvSpPr>
-          <p:cNvPr id="4" name="Content Placeholder 3"/>
-          <p:cNvSpPr>
-            <a:spLocks noGrp="1"/>
-          </p:cNvSpPr>
-          <p:nvPr>
-            <p:ph sz="half" idx="2"/>
-          </p:nvPr>
-        </p:nvSpPr>
-        <p:spPr/>
-        <p:txBody>
-          <a:bodyPr>
-            <a:normAutofit fontScale="92500" lnSpcReduction="10000"/>
-          </a:bodyPr>
-          <a:lstStyle/>
-          <a:p>
-            <a:r>
-              <a:rPr lang="en-US" sz="2000" dirty="0" smtClean="0">
-                <a:latin typeface="Arial Rounded MT Bold" panose="020F0704030504030204" pitchFamily="34" charset="0"/>
-              </a:rPr>
-              <a:t>All users are not loyal</a:t>
-            </a:r>
-          </a:p>
-          <a:p>
-            <a:r>
-              <a:rPr lang="en-US" sz="2000" dirty="0" smtClean="0">
-                <a:latin typeface="Arial Rounded MT Bold" panose="020F0704030504030204" pitchFamily="34" charset="0"/>
-              </a:rPr>
-              <a:t>Some exceed the bounds</a:t>
-            </a:r>
-          </a:p>
-          <a:p>
-            <a:endParaRPr lang="en-US" sz="2000" dirty="0">
-              <a:latin typeface="Copperplate Gothic Bold" panose="020E0705020206020404" pitchFamily="34" charset="0"/>
-            </a:endParaRPr>
-          </a:p>
-          <a:p>
-            <a:endParaRPr lang="en-US" sz="2000" dirty="0" smtClean="0">
-              <a:latin typeface="Copperplate Gothic Bold" panose="020E0705020206020404" pitchFamily="34" charset="0"/>
-            </a:endParaRPr>
-          </a:p>
-          <a:p>
-            <a:endParaRPr lang="en-US" sz="2000" dirty="0">
-              <a:latin typeface="Copperplate Gothic Bold" panose="020E0705020206020404" pitchFamily="34" charset="0"/>
-            </a:endParaRPr>
-          </a:p>
-          <a:p>
-            <a:endParaRPr lang="en-US" sz="2000" dirty="0" smtClean="0">
-              <a:latin typeface="Copperplate Gothic Bold" panose="020E0705020206020404" pitchFamily="34" charset="0"/>
-            </a:endParaRPr>
-          </a:p>
-          <a:p>
-            <a:endParaRPr lang="en-US" sz="2000" dirty="0" smtClean="0">
-              <a:latin typeface="Copperplate Gothic Bold" panose="020E0705020206020404" pitchFamily="34" charset="0"/>
-            </a:endParaRPr>
-          </a:p>
-          <a:p>
-            <a:endParaRPr lang="en-US" sz="2000" dirty="0">
-              <a:latin typeface="Copperplate Gothic Bold" panose="020E0705020206020404" pitchFamily="34" charset="0"/>
-            </a:endParaRPr>
-          </a:p>
-          <a:p>
-            <a:endParaRPr lang="en-US" sz="2000" dirty="0" smtClean="0">
-              <a:latin typeface="Copperplate Gothic Bold" panose="020E0705020206020404" pitchFamily="34" charset="0"/>
-            </a:endParaRPr>
-          </a:p>
-          <a:p>
-            <a:pPr marL="0" indent="0">
-              <a:buNone/>
-            </a:pPr>
-            <a:r>
-              <a:rPr lang="en-US" sz="1500" dirty="0" smtClean="0">
-                <a:latin typeface="Segoe Print" panose="02000600000000000000" pitchFamily="2" charset="0"/>
-              </a:rPr>
-              <a:t>Background: http://finroo.com/black-and-white-tshirts/503-good-and-evil.html</a:t>
-            </a:r>
-            <a:endParaRPr lang="en-US" sz="1500" dirty="0">
-              <a:latin typeface="Segoe Print" panose="02000600000000000000" pitchFamily="2" charset="0"/>
-            </a:endParaRPr>
-          </a:p>
-        </p:txBody>
-      </p:sp>
-      <p:sp>
-        <p:nvSpPr>
-          <p:cNvPr id="5" name="Text Placeholder 4"/>
-          <p:cNvSpPr>
-            <a:spLocks noGrp="1"/>
-          </p:cNvSpPr>
-          <p:nvPr>
-            <p:ph type="body" sz="quarter" idx="3"/>
-          </p:nvPr>
-        </p:nvSpPr>
-        <p:spPr/>
-        <p:txBody>
-          <a:bodyPr/>
-          <a:lstStyle/>
-          <a:p>
-            <a:r>
-              <a:rPr lang="en-US" dirty="0" smtClean="0">
-                <a:latin typeface="Arial Rounded MT Bold" panose="020F0704030504030204" pitchFamily="34" charset="0"/>
-              </a:rPr>
-              <a:t>Issues</a:t>
-            </a:r>
-            <a:endParaRPr lang="en-US" dirty="0">
-              <a:latin typeface="Arial Rounded MT Bold" panose="020F0704030504030204" pitchFamily="34" charset="0"/>
-            </a:endParaRPr>
-          </a:p>
-        </p:txBody>
-      </p:sp>
-      <p:sp>
-        <p:nvSpPr>
-          <p:cNvPr id="6" name="Content Placeholder 5"/>
-          <p:cNvSpPr>
-            <a:spLocks noGrp="1"/>
-          </p:cNvSpPr>
-          <p:nvPr>
-            <p:ph sz="quarter" idx="4"/>
-          </p:nvPr>
-        </p:nvSpPr>
-        <p:spPr/>
+        <p:spPr>
+          <a:xfrm>
+            <a:off x="0" y="0"/>
+            <a:ext cx="12192000" cy="1548581"/>
+          </a:xfrm>
+          <a:solidFill>
+            <a:srgbClr val="FFDE03"/>
+          </a:solidFill>
+        </p:spPr>
         <p:txBody>
           <a:bodyPr>
             <a:normAutofit/>
           </a:bodyPr>
           <a:lstStyle/>
           <a:p>
-            <a:r>
-              <a:rPr lang="en-US" sz="2000" dirty="0">
+            <a:pPr algn="ctr"/>
+            <a:r>
+              <a:rPr lang="en-US" sz="4000" dirty="0" smtClean="0">
+                <a:latin typeface="Copperplate Gothic Bold" panose="020E0705020206020404" pitchFamily="34" charset="0"/>
+              </a:rPr>
+              <a:t>Facts &amp; </a:t>
+            </a:r>
+            <a:r>
+              <a:rPr lang="en-US" sz="4000" dirty="0" smtClean="0">
+                <a:latin typeface="Copperplate Gothic Bold" panose="020E0705020206020404" pitchFamily="34" charset="0"/>
+              </a:rPr>
+              <a:t>Issues</a:t>
+            </a:r>
+            <a:r>
+              <a:rPr lang="en-US" sz="4000" dirty="0" smtClean="0"/>
+              <a:t> </a:t>
+            </a:r>
+            <a:endParaRPr lang="en-US" sz="4000" dirty="0"/>
+          </a:p>
+        </p:txBody>
+      </p:sp>
+      <p:grpSp>
+        <p:nvGrpSpPr>
+          <p:cNvPr id="28" name="Group 27"/>
+          <p:cNvGrpSpPr/>
+          <p:nvPr/>
+        </p:nvGrpSpPr>
+        <p:grpSpPr>
+          <a:xfrm>
+            <a:off x="675853" y="2480522"/>
+            <a:ext cx="3760884" cy="3116775"/>
+            <a:chOff x="675853" y="2480522"/>
+            <a:chExt cx="3760884" cy="3116775"/>
+          </a:xfrm>
+          <a:effectLst>
+            <a:outerShdw blurRad="152400" dir="5400000" sx="90000" sy="-19000" rotWithShape="0">
+              <a:prstClr val="black">
+                <a:alpha val="15000"/>
+              </a:prstClr>
+            </a:outerShdw>
+          </a:effectLst>
+        </p:grpSpPr>
+        <p:sp>
+          <p:nvSpPr>
+            <p:cNvPr id="21" name="Pentagon 20"/>
+            <p:cNvSpPr/>
+            <p:nvPr/>
+          </p:nvSpPr>
+          <p:spPr>
+            <a:xfrm>
+              <a:off x="675853" y="3021911"/>
+              <a:ext cx="3330848" cy="1017000"/>
+            </a:xfrm>
+            <a:prstGeom prst="homePlate">
+              <a:avLst>
+                <a:gd name="adj" fmla="val 0"/>
+              </a:avLst>
+            </a:prstGeom>
+            <a:solidFill>
+              <a:srgbClr val="F9AA33"/>
+            </a:solidFill>
+            <a:ln>
+              <a:noFill/>
+            </a:ln>
+          </p:spPr>
+          <p:style>
+            <a:lnRef idx="2">
+              <a:schemeClr val="accent1">
+                <a:shade val="50000"/>
+              </a:schemeClr>
+            </a:lnRef>
+            <a:fillRef idx="1">
+              <a:schemeClr val="accent1"/>
+            </a:fillRef>
+            <a:effectRef idx="0">
+              <a:schemeClr val="accent1"/>
+            </a:effectRef>
+            <a:fontRef idx="minor">
+              <a:schemeClr val="lt1"/>
+            </a:fontRef>
+          </p:style>
+          <p:txBody>
+            <a:bodyPr rtlCol="0" anchor="ctr"/>
+            <a:lstStyle/>
+            <a:p>
+              <a:r>
+                <a:rPr lang="en-US" sz="4000" b="1" dirty="0" smtClean="0">
+                  <a:latin typeface="Arial Rounded MT Bold" panose="020F0704030504030204" pitchFamily="34" charset="0"/>
+                </a:rPr>
+                <a:t>1 |</a:t>
+              </a:r>
+              <a:r>
+                <a:rPr lang="en-US" b="1" dirty="0" smtClean="0">
+                  <a:latin typeface="Arial Rounded MT Bold" panose="020F0704030504030204" pitchFamily="34" charset="0"/>
+                </a:rPr>
+                <a:t>  Disloyal</a:t>
+              </a:r>
+              <a:endParaRPr lang="en-US" b="1" dirty="0">
                 <a:latin typeface="Arial Rounded MT Bold" panose="020F0704030504030204" pitchFamily="34" charset="0"/>
-              </a:rPr>
-              <a:t>C</a:t>
-            </a:r>
-            <a:r>
-              <a:rPr lang="en-US" sz="2000" dirty="0" smtClean="0">
+              </a:endParaRPr>
+            </a:p>
+          </p:txBody>
+        </p:sp>
+        <p:sp>
+          <p:nvSpPr>
+            <p:cNvPr id="22" name="Pentagon 21"/>
+            <p:cNvSpPr/>
+            <p:nvPr/>
+          </p:nvSpPr>
+          <p:spPr>
+            <a:xfrm>
+              <a:off x="685704" y="4192079"/>
+              <a:ext cx="3320998" cy="1017000"/>
+            </a:xfrm>
+            <a:prstGeom prst="homePlate">
+              <a:avLst>
+                <a:gd name="adj" fmla="val 0"/>
+              </a:avLst>
+            </a:prstGeom>
+            <a:solidFill>
+              <a:srgbClr val="B00020"/>
+            </a:solidFill>
+            <a:ln>
+              <a:noFill/>
+            </a:ln>
+          </p:spPr>
+          <p:style>
+            <a:lnRef idx="2">
+              <a:schemeClr val="accent1">
+                <a:shade val="50000"/>
+              </a:schemeClr>
+            </a:lnRef>
+            <a:fillRef idx="1">
+              <a:schemeClr val="accent1"/>
+            </a:fillRef>
+            <a:effectRef idx="0">
+              <a:schemeClr val="accent1"/>
+            </a:effectRef>
+            <a:fontRef idx="minor">
+              <a:schemeClr val="lt1"/>
+            </a:fontRef>
+          </p:style>
+          <p:txBody>
+            <a:bodyPr rtlCol="0" anchor="ctr"/>
+            <a:lstStyle/>
+            <a:p>
+              <a:r>
+                <a:rPr lang="en-US" sz="4000" b="1" dirty="0" smtClean="0">
+                  <a:latin typeface="Arial Rounded MT Bold" panose="020F0704030504030204" pitchFamily="34" charset="0"/>
+                </a:rPr>
+                <a:t>2 </a:t>
+              </a:r>
+              <a:r>
+                <a:rPr lang="en-US" sz="4000" b="1" dirty="0">
+                  <a:latin typeface="Arial Rounded MT Bold" panose="020F0704030504030204" pitchFamily="34" charset="0"/>
+                </a:rPr>
+                <a:t>|</a:t>
+              </a:r>
+              <a:r>
+                <a:rPr lang="en-US" b="1" dirty="0">
+                  <a:latin typeface="Arial Rounded MT Bold" panose="020F0704030504030204" pitchFamily="34" charset="0"/>
+                </a:rPr>
+                <a:t>  </a:t>
+              </a:r>
+              <a:r>
+                <a:rPr lang="en-US" b="1" dirty="0" smtClean="0">
+                  <a:latin typeface="Arial Rounded MT Bold" panose="020F0704030504030204" pitchFamily="34" charset="0"/>
+                </a:rPr>
+                <a:t>crosses limit</a:t>
+              </a:r>
+              <a:endParaRPr lang="en-US" dirty="0"/>
+            </a:p>
+          </p:txBody>
+        </p:sp>
+        <p:sp>
+          <p:nvSpPr>
+            <p:cNvPr id="25" name="Half Frame 24"/>
+            <p:cNvSpPr/>
+            <p:nvPr/>
+          </p:nvSpPr>
+          <p:spPr>
+            <a:xfrm rot="8164286">
+              <a:off x="1156694" y="2633698"/>
+              <a:ext cx="2665804" cy="2810426"/>
+            </a:xfrm>
+            <a:prstGeom prst="halfFrame">
+              <a:avLst>
+                <a:gd name="adj1" fmla="val 14399"/>
+                <a:gd name="adj2" fmla="val 15533"/>
+              </a:avLst>
+            </a:prstGeom>
+            <a:solidFill>
+              <a:schemeClr val="bg1"/>
+            </a:solidFill>
+            <a:ln>
+              <a:noFill/>
+            </a:ln>
+          </p:spPr>
+          <p:style>
+            <a:lnRef idx="2">
+              <a:schemeClr val="accent1">
+                <a:shade val="50000"/>
+              </a:schemeClr>
+            </a:lnRef>
+            <a:fillRef idx="1">
+              <a:schemeClr val="accent1"/>
+            </a:fillRef>
+            <a:effectRef idx="0">
+              <a:schemeClr val="accent1"/>
+            </a:effectRef>
+            <a:fontRef idx="minor">
+              <a:schemeClr val="lt1"/>
+            </a:fontRef>
+          </p:style>
+          <p:txBody>
+            <a:bodyPr rtlCol="0" anchor="ctr"/>
+            <a:lstStyle/>
+            <a:p>
+              <a:pPr algn="ctr"/>
+              <a:endParaRPr lang="en-US">
+                <a:solidFill>
+                  <a:schemeClr val="tx1"/>
+                </a:solidFill>
+              </a:endParaRPr>
+            </a:p>
+          </p:txBody>
+        </p:sp>
+        <p:sp>
+          <p:nvSpPr>
+            <p:cNvPr id="26" name="Half Frame 25"/>
+            <p:cNvSpPr/>
+            <p:nvPr/>
+          </p:nvSpPr>
+          <p:spPr>
+            <a:xfrm rot="8164286">
+              <a:off x="1560834" y="2480522"/>
+              <a:ext cx="2875903" cy="3116775"/>
+            </a:xfrm>
+            <a:prstGeom prst="halfFrame">
+              <a:avLst>
+                <a:gd name="adj1" fmla="val 17029"/>
+                <a:gd name="adj2" fmla="val 15575"/>
+              </a:avLst>
+            </a:prstGeom>
+            <a:solidFill>
+              <a:schemeClr val="bg1">
+                <a:lumMod val="50000"/>
+              </a:schemeClr>
+            </a:solidFill>
+            <a:ln w="57150">
+              <a:solidFill>
+                <a:schemeClr val="bg1">
+                  <a:lumMod val="50000"/>
+                </a:schemeClr>
+              </a:solidFill>
+            </a:ln>
+          </p:spPr>
+          <p:style>
+            <a:lnRef idx="2">
+              <a:schemeClr val="accent1">
+                <a:shade val="50000"/>
+              </a:schemeClr>
+            </a:lnRef>
+            <a:fillRef idx="1">
+              <a:schemeClr val="accent1"/>
+            </a:fillRef>
+            <a:effectRef idx="0">
+              <a:schemeClr val="accent1"/>
+            </a:effectRef>
+            <a:fontRef idx="minor">
+              <a:schemeClr val="lt1"/>
+            </a:fontRef>
+          </p:style>
+          <p:txBody>
+            <a:bodyPr rtlCol="0" anchor="ctr"/>
+            <a:lstStyle/>
+            <a:p>
+              <a:pPr algn="ctr"/>
+              <a:endParaRPr lang="en-US">
+                <a:solidFill>
+                  <a:schemeClr val="tx1"/>
+                </a:solidFill>
+              </a:endParaRPr>
+            </a:p>
+          </p:txBody>
+        </p:sp>
+      </p:grpSp>
+      <p:grpSp>
+        <p:nvGrpSpPr>
+          <p:cNvPr id="53" name="Group 52"/>
+          <p:cNvGrpSpPr/>
+          <p:nvPr/>
+        </p:nvGrpSpPr>
+        <p:grpSpPr>
+          <a:xfrm>
+            <a:off x="5321718" y="1548581"/>
+            <a:ext cx="6540315" cy="5309419"/>
+            <a:chOff x="5321718" y="1548581"/>
+            <a:chExt cx="6540315" cy="5309419"/>
+          </a:xfrm>
+        </p:grpSpPr>
+        <p:cxnSp>
+          <p:nvCxnSpPr>
+            <p:cNvPr id="31" name="Straight Connector 30"/>
+            <p:cNvCxnSpPr/>
+            <p:nvPr/>
+          </p:nvCxnSpPr>
+          <p:spPr>
+            <a:xfrm>
+              <a:off x="7586819" y="1548581"/>
+              <a:ext cx="0" cy="5309419"/>
+            </a:xfrm>
+            <a:prstGeom prst="line">
+              <a:avLst/>
+            </a:prstGeom>
+            <a:ln w="34925">
+              <a:solidFill>
+                <a:schemeClr val="bg1">
+                  <a:lumMod val="50000"/>
+                </a:schemeClr>
+              </a:solidFill>
+              <a:bevel/>
+            </a:ln>
+          </p:spPr>
+          <p:style>
+            <a:lnRef idx="1">
+              <a:schemeClr val="accent1"/>
+            </a:lnRef>
+            <a:fillRef idx="0">
+              <a:schemeClr val="accent1"/>
+            </a:fillRef>
+            <a:effectRef idx="0">
+              <a:schemeClr val="accent1"/>
+            </a:effectRef>
+            <a:fontRef idx="minor">
+              <a:schemeClr val="tx1"/>
+            </a:fontRef>
+          </p:style>
+        </p:cxnSp>
+        <p:sp>
+          <p:nvSpPr>
+            <p:cNvPr id="36" name="Pentagon 35"/>
+            <p:cNvSpPr/>
+            <p:nvPr/>
+          </p:nvSpPr>
+          <p:spPr>
+            <a:xfrm flipH="1">
+              <a:off x="5321718" y="2013646"/>
+              <a:ext cx="2265101" cy="822960"/>
+            </a:xfrm>
+            <a:prstGeom prst="homePlate">
+              <a:avLst/>
+            </a:prstGeom>
+            <a:solidFill>
+              <a:srgbClr val="5D1049"/>
+            </a:solidFill>
+            <a:ln>
+              <a:noFill/>
+            </a:ln>
+          </p:spPr>
+          <p:style>
+            <a:lnRef idx="2">
+              <a:schemeClr val="accent1">
+                <a:shade val="50000"/>
+              </a:schemeClr>
+            </a:lnRef>
+            <a:fillRef idx="1">
+              <a:schemeClr val="accent1"/>
+            </a:fillRef>
+            <a:effectRef idx="0">
+              <a:schemeClr val="accent1"/>
+            </a:effectRef>
+            <a:fontRef idx="minor">
+              <a:schemeClr val="lt1"/>
+            </a:fontRef>
+          </p:style>
+          <p:txBody>
+            <a:bodyPr rtlCol="0" anchor="ctr"/>
+            <a:lstStyle/>
+            <a:p>
+              <a:r>
+                <a:rPr lang="en-US" dirty="0" smtClean="0">
+                  <a:latin typeface="Bahnschrift SemiBold" panose="020B0502040204020203" pitchFamily="34" charset="0"/>
+                </a:rPr>
+                <a:t>Cyber </a:t>
+              </a:r>
+              <a:r>
+                <a:rPr lang="en-US" dirty="0">
+                  <a:latin typeface="Bahnschrift SemiBold" panose="020B0502040204020203" pitchFamily="34" charset="0"/>
+                </a:rPr>
+                <a:t>bullying</a:t>
+              </a:r>
+            </a:p>
+          </p:txBody>
+        </p:sp>
+        <p:sp>
+          <p:nvSpPr>
+            <p:cNvPr id="37" name="Pentagon 36"/>
+            <p:cNvSpPr/>
+            <p:nvPr/>
+          </p:nvSpPr>
+          <p:spPr>
+            <a:xfrm flipH="1">
+              <a:off x="5442821" y="4165356"/>
+              <a:ext cx="2143998" cy="822960"/>
+            </a:xfrm>
+            <a:prstGeom prst="homePlate">
+              <a:avLst/>
+            </a:prstGeom>
+            <a:solidFill>
+              <a:srgbClr val="356859"/>
+            </a:solidFill>
+            <a:ln>
+              <a:noFill/>
+            </a:ln>
+          </p:spPr>
+          <p:style>
+            <a:lnRef idx="2">
+              <a:schemeClr val="accent1">
+                <a:shade val="50000"/>
+              </a:schemeClr>
+            </a:lnRef>
+            <a:fillRef idx="1">
+              <a:schemeClr val="accent1"/>
+            </a:fillRef>
+            <a:effectRef idx="0">
+              <a:schemeClr val="accent1"/>
+            </a:effectRef>
+            <a:fontRef idx="minor">
+              <a:schemeClr val="lt1"/>
+            </a:fontRef>
+          </p:style>
+          <p:txBody>
+            <a:bodyPr rtlCol="0" anchor="ctr"/>
+            <a:lstStyle/>
+            <a:p>
+              <a:r>
+                <a:rPr lang="en-US" dirty="0">
+                  <a:latin typeface="Bahnschrift SemiBold" panose="020B0502040204020203" pitchFamily="34" charset="0"/>
+                </a:rPr>
+                <a:t>Cyberstalking</a:t>
+              </a:r>
+            </a:p>
+          </p:txBody>
+        </p:sp>
+        <p:sp>
+          <p:nvSpPr>
+            <p:cNvPr id="38" name="Pentagon 37"/>
+            <p:cNvSpPr/>
+            <p:nvPr/>
+          </p:nvSpPr>
+          <p:spPr>
+            <a:xfrm>
+              <a:off x="7586820" y="3089501"/>
+              <a:ext cx="4138053" cy="822960"/>
+            </a:xfrm>
+            <a:prstGeom prst="homePlate">
+              <a:avLst/>
+            </a:prstGeom>
+            <a:solidFill>
+              <a:srgbClr val="344955"/>
+            </a:solidFill>
+            <a:ln>
+              <a:noFill/>
+            </a:ln>
+          </p:spPr>
+          <p:style>
+            <a:lnRef idx="2">
+              <a:schemeClr val="accent1">
+                <a:shade val="50000"/>
+              </a:schemeClr>
+            </a:lnRef>
+            <a:fillRef idx="1">
+              <a:schemeClr val="accent1"/>
+            </a:fillRef>
+            <a:effectRef idx="0">
+              <a:schemeClr val="accent1"/>
+            </a:effectRef>
+            <a:fontRef idx="minor">
+              <a:schemeClr val="lt1"/>
+            </a:fontRef>
+          </p:style>
+          <p:txBody>
+            <a:bodyPr rtlCol="0" anchor="ctr"/>
+            <a:lstStyle/>
+            <a:p>
+              <a:pPr algn="r"/>
+              <a:r>
+                <a:rPr lang="en-US" dirty="0">
+                  <a:latin typeface="Bahnschrift SemiBold" panose="020B0502040204020203" pitchFamily="34" charset="0"/>
+                </a:rPr>
+                <a:t>Encounters with sexual predators</a:t>
+              </a:r>
+            </a:p>
+          </p:txBody>
+        </p:sp>
+        <p:sp>
+          <p:nvSpPr>
+            <p:cNvPr id="39" name="Pentagon 38"/>
+            <p:cNvSpPr/>
+            <p:nvPr/>
+          </p:nvSpPr>
+          <p:spPr>
+            <a:xfrm>
+              <a:off x="7586819" y="5241211"/>
+              <a:ext cx="4275214" cy="822960"/>
+            </a:xfrm>
+            <a:prstGeom prst="homePlate">
+              <a:avLst/>
+            </a:prstGeom>
+            <a:solidFill>
+              <a:srgbClr val="442C2E"/>
+            </a:solidFill>
+            <a:ln>
+              <a:noFill/>
+            </a:ln>
+          </p:spPr>
+          <p:style>
+            <a:lnRef idx="2">
+              <a:schemeClr val="accent1">
+                <a:shade val="50000"/>
+              </a:schemeClr>
+            </a:lnRef>
+            <a:fillRef idx="1">
+              <a:schemeClr val="accent1"/>
+            </a:fillRef>
+            <a:effectRef idx="0">
+              <a:schemeClr val="accent1"/>
+            </a:effectRef>
+            <a:fontRef idx="minor">
+              <a:schemeClr val="lt1"/>
+            </a:fontRef>
+          </p:style>
+          <p:txBody>
+            <a:bodyPr rtlCol="0" anchor="ctr"/>
+            <a:lstStyle/>
+            <a:p>
+              <a:pPr algn="r"/>
+              <a:r>
+                <a:rPr lang="en-US" dirty="0">
+                  <a:latin typeface="Bahnschrift SemiBold" panose="020B0502040204020203" pitchFamily="34" charset="0"/>
+                </a:rPr>
+                <a:t>Uploading of inappropriate material</a:t>
+              </a:r>
+            </a:p>
+          </p:txBody>
+        </p:sp>
+        <p:sp>
+          <p:nvSpPr>
+            <p:cNvPr id="48" name="Hexagon 47"/>
+            <p:cNvSpPr/>
+            <p:nvPr/>
+          </p:nvSpPr>
+          <p:spPr>
+            <a:xfrm>
+              <a:off x="7205818" y="2013646"/>
+              <a:ext cx="730733" cy="822960"/>
+            </a:xfrm>
+            <a:prstGeom prst="hexagon">
+              <a:avLst/>
+            </a:prstGeom>
+            <a:solidFill>
+              <a:srgbClr val="E30425"/>
+            </a:solidFill>
+            <a:ln>
+              <a:noFill/>
+            </a:ln>
+            <a:effectLst>
+              <a:outerShdw blurRad="50800" dist="50800" dir="5400000" algn="ctr" rotWithShape="0">
+                <a:srgbClr val="000000">
+                  <a:alpha val="43137"/>
+                </a:srgbClr>
+              </a:outerShdw>
+            </a:effectLst>
+          </p:spPr>
+          <p:style>
+            <a:lnRef idx="2">
+              <a:schemeClr val="accent1">
+                <a:shade val="50000"/>
+              </a:schemeClr>
+            </a:lnRef>
+            <a:fillRef idx="1">
+              <a:schemeClr val="accent1"/>
+            </a:fillRef>
+            <a:effectRef idx="0">
+              <a:schemeClr val="accent1"/>
+            </a:effectRef>
+            <a:fontRef idx="minor">
+              <a:schemeClr val="lt1"/>
+            </a:fontRef>
+          </p:style>
+          <p:txBody>
+            <a:bodyPr rtlCol="0" anchor="ctr"/>
+            <a:lstStyle/>
+            <a:p>
+              <a:pPr algn="ctr"/>
+              <a:r>
+                <a:rPr lang="en-US" sz="4800" dirty="0" smtClean="0">
+                  <a:latin typeface="Arial Rounded MT Bold" panose="020F0704030504030204" pitchFamily="34" charset="0"/>
+                </a:rPr>
+                <a:t>1</a:t>
+              </a:r>
+              <a:endParaRPr lang="en-US" sz="4800" dirty="0">
                 <a:latin typeface="Arial Rounded MT Bold" panose="020F0704030504030204" pitchFamily="34" charset="0"/>
-              </a:rPr>
-              <a:t>yberbullying</a:t>
-            </a:r>
-          </a:p>
-          <a:p>
-            <a:r>
-              <a:rPr lang="en-US" sz="2000" dirty="0" smtClean="0">
+              </a:endParaRPr>
+            </a:p>
+          </p:txBody>
+        </p:sp>
+        <p:sp>
+          <p:nvSpPr>
+            <p:cNvPr id="49" name="Hexagon 48"/>
+            <p:cNvSpPr/>
+            <p:nvPr/>
+          </p:nvSpPr>
+          <p:spPr>
+            <a:xfrm>
+              <a:off x="7205817" y="3094337"/>
+              <a:ext cx="730733" cy="822960"/>
+            </a:xfrm>
+            <a:prstGeom prst="hexagon">
+              <a:avLst/>
+            </a:prstGeom>
+            <a:solidFill>
+              <a:srgbClr val="E30425"/>
+            </a:solidFill>
+            <a:ln>
+              <a:noFill/>
+            </a:ln>
+            <a:effectLst>
+              <a:outerShdw blurRad="50800" dist="50800" dir="5400000" algn="ctr" rotWithShape="0">
+                <a:srgbClr val="000000">
+                  <a:alpha val="43137"/>
+                </a:srgbClr>
+              </a:outerShdw>
+            </a:effectLst>
+          </p:spPr>
+          <p:style>
+            <a:lnRef idx="2">
+              <a:schemeClr val="accent1">
+                <a:shade val="50000"/>
+              </a:schemeClr>
+            </a:lnRef>
+            <a:fillRef idx="1">
+              <a:schemeClr val="accent1"/>
+            </a:fillRef>
+            <a:effectRef idx="0">
+              <a:schemeClr val="accent1"/>
+            </a:effectRef>
+            <a:fontRef idx="minor">
+              <a:schemeClr val="lt1"/>
+            </a:fontRef>
+          </p:style>
+          <p:txBody>
+            <a:bodyPr rtlCol="0" anchor="ctr"/>
+            <a:lstStyle/>
+            <a:p>
+              <a:pPr algn="ctr"/>
+              <a:r>
+                <a:rPr lang="en-US" sz="4800" dirty="0">
+                  <a:latin typeface="Arial Rounded MT Bold" panose="020F0704030504030204" pitchFamily="34" charset="0"/>
+                </a:rPr>
+                <a:t>2</a:t>
+              </a:r>
+              <a:endParaRPr lang="en-US" sz="4800" dirty="0">
                 <a:latin typeface="Arial Rounded MT Bold" panose="020F0704030504030204" pitchFamily="34" charset="0"/>
-              </a:rPr>
-              <a:t>Cyberstalking</a:t>
-            </a:r>
-          </a:p>
-          <a:p>
-            <a:r>
-              <a:rPr lang="en-US" sz="2000" dirty="0">
+              </a:endParaRPr>
+            </a:p>
+          </p:txBody>
+        </p:sp>
+        <p:sp>
+          <p:nvSpPr>
+            <p:cNvPr id="50" name="Hexagon 49"/>
+            <p:cNvSpPr/>
+            <p:nvPr/>
+          </p:nvSpPr>
+          <p:spPr>
+            <a:xfrm>
+              <a:off x="7221450" y="4161446"/>
+              <a:ext cx="730733" cy="822960"/>
+            </a:xfrm>
+            <a:prstGeom prst="hexagon">
+              <a:avLst/>
+            </a:prstGeom>
+            <a:solidFill>
+              <a:srgbClr val="E30425"/>
+            </a:solidFill>
+            <a:ln>
+              <a:noFill/>
+            </a:ln>
+            <a:effectLst>
+              <a:outerShdw blurRad="50800" dist="50800" dir="5400000" algn="ctr" rotWithShape="0">
+                <a:srgbClr val="000000">
+                  <a:alpha val="43137"/>
+                </a:srgbClr>
+              </a:outerShdw>
+            </a:effectLst>
+          </p:spPr>
+          <p:style>
+            <a:lnRef idx="2">
+              <a:schemeClr val="accent1">
+                <a:shade val="50000"/>
+              </a:schemeClr>
+            </a:lnRef>
+            <a:fillRef idx="1">
+              <a:schemeClr val="accent1"/>
+            </a:fillRef>
+            <a:effectRef idx="0">
+              <a:schemeClr val="accent1"/>
+            </a:effectRef>
+            <a:fontRef idx="minor">
+              <a:schemeClr val="lt1"/>
+            </a:fontRef>
+          </p:style>
+          <p:txBody>
+            <a:bodyPr rtlCol="0" anchor="ctr"/>
+            <a:lstStyle/>
+            <a:p>
+              <a:pPr algn="ctr"/>
+              <a:r>
+                <a:rPr lang="en-US" sz="4800" dirty="0">
+                  <a:latin typeface="Arial Rounded MT Bold" panose="020F0704030504030204" pitchFamily="34" charset="0"/>
+                </a:rPr>
+                <a:t>3</a:t>
+              </a:r>
+              <a:endParaRPr lang="en-US" sz="4800" dirty="0">
                 <a:latin typeface="Arial Rounded MT Bold" panose="020F0704030504030204" pitchFamily="34" charset="0"/>
-              </a:rPr>
-              <a:t>E</a:t>
-            </a:r>
-            <a:r>
-              <a:rPr lang="en-US" sz="2000" dirty="0" smtClean="0">
+              </a:endParaRPr>
+            </a:p>
+          </p:txBody>
+        </p:sp>
+        <p:sp>
+          <p:nvSpPr>
+            <p:cNvPr id="51" name="Hexagon 50"/>
+            <p:cNvSpPr/>
+            <p:nvPr/>
+          </p:nvSpPr>
+          <p:spPr>
+            <a:xfrm>
+              <a:off x="7221451" y="5247705"/>
+              <a:ext cx="730733" cy="822960"/>
+            </a:xfrm>
+            <a:prstGeom prst="hexagon">
+              <a:avLst/>
+            </a:prstGeom>
+            <a:solidFill>
+              <a:srgbClr val="E30425"/>
+            </a:solidFill>
+            <a:ln>
+              <a:noFill/>
+            </a:ln>
+            <a:effectLst>
+              <a:outerShdw blurRad="50800" dist="50800" dir="5400000" algn="ctr" rotWithShape="0">
+                <a:srgbClr val="000000">
+                  <a:alpha val="43137"/>
+                </a:srgbClr>
+              </a:outerShdw>
+            </a:effectLst>
+          </p:spPr>
+          <p:style>
+            <a:lnRef idx="2">
+              <a:schemeClr val="accent1">
+                <a:shade val="50000"/>
+              </a:schemeClr>
+            </a:lnRef>
+            <a:fillRef idx="1">
+              <a:schemeClr val="accent1"/>
+            </a:fillRef>
+            <a:effectRef idx="0">
+              <a:schemeClr val="accent1"/>
+            </a:effectRef>
+            <a:fontRef idx="minor">
+              <a:schemeClr val="lt1"/>
+            </a:fontRef>
+          </p:style>
+          <p:txBody>
+            <a:bodyPr rtlCol="0" anchor="ctr"/>
+            <a:lstStyle/>
+            <a:p>
+              <a:pPr algn="ctr"/>
+              <a:r>
+                <a:rPr lang="en-US" sz="4800" dirty="0">
+                  <a:latin typeface="Arial Rounded MT Bold" panose="020F0704030504030204" pitchFamily="34" charset="0"/>
+                </a:rPr>
+                <a:t>4</a:t>
+              </a:r>
+              <a:endParaRPr lang="en-US" sz="4800" dirty="0">
                 <a:latin typeface="Arial Rounded MT Bold" panose="020F0704030504030204" pitchFamily="34" charset="0"/>
-              </a:rPr>
-              <a:t>ncounters with sexual predators </a:t>
-            </a:r>
-          </a:p>
-          <a:p>
-            <a:r>
-              <a:rPr lang="en-US" sz="2000" dirty="0">
-                <a:latin typeface="Arial Rounded MT Bold" panose="020F0704030504030204" pitchFamily="34" charset="0"/>
-              </a:rPr>
-              <a:t>U</a:t>
-            </a:r>
-            <a:r>
-              <a:rPr lang="en-US" sz="2000" dirty="0" smtClean="0">
-                <a:latin typeface="Arial Rounded MT Bold" panose="020F0704030504030204" pitchFamily="34" charset="0"/>
-              </a:rPr>
-              <a:t>ploading </a:t>
-            </a:r>
-            <a:r>
-              <a:rPr lang="en-US" sz="2000" dirty="0">
-                <a:latin typeface="Arial Rounded MT Bold" panose="020F0704030504030204" pitchFamily="34" charset="0"/>
-              </a:rPr>
-              <a:t>of inappropriate material</a:t>
-            </a:r>
-          </a:p>
-        </p:txBody>
-      </p:sp>
+              </a:endParaRPr>
+            </a:p>
+          </p:txBody>
+        </p:sp>
+      </p:grpSp>
     </p:spTree>
     <p:extLst>
       <p:ext uri="{BB962C8B-B14F-4D97-AF65-F5344CB8AC3E}">
@@ -3402,6 +4026,484 @@
       </p:grpSpPr>
       <p:sp>
         <p:nvSpPr>
+          <p:cNvPr id="10" name="Pentagon 9"/>
+          <p:cNvSpPr/>
+          <p:nvPr/>
+        </p:nvSpPr>
+        <p:spPr>
+          <a:xfrm flipH="1">
+            <a:off x="4754880" y="4644207"/>
+            <a:ext cx="7437120" cy="731520"/>
+          </a:xfrm>
+          <a:prstGeom prst="homePlate">
+            <a:avLst>
+              <a:gd name="adj" fmla="val 0"/>
+            </a:avLst>
+          </a:prstGeom>
+          <a:solidFill>
+            <a:srgbClr val="002060"/>
+          </a:solidFill>
+          <a:ln>
+            <a:noFill/>
+          </a:ln>
+        </p:spPr>
+        <p:style>
+          <a:lnRef idx="2">
+            <a:schemeClr val="accent1">
+              <a:shade val="50000"/>
+            </a:schemeClr>
+          </a:lnRef>
+          <a:fillRef idx="1">
+            <a:schemeClr val="accent1"/>
+          </a:fillRef>
+          <a:effectRef idx="0">
+            <a:schemeClr val="accent1"/>
+          </a:effectRef>
+          <a:fontRef idx="minor">
+            <a:schemeClr val="lt1"/>
+          </a:fontRef>
+        </p:style>
+        <p:txBody>
+          <a:bodyPr rtlCol="0" anchor="ctr"/>
+          <a:lstStyle/>
+          <a:p>
+            <a:pPr algn="r"/>
+            <a:r>
+              <a:rPr lang="en-US" dirty="0" smtClean="0">
+                <a:latin typeface="Bahnschrift" panose="020B0502040204020203" pitchFamily="34" charset="0"/>
+              </a:rPr>
+              <a:t>More common in Female</a:t>
+            </a:r>
+            <a:endParaRPr lang="en-US" dirty="0">
+              <a:latin typeface="Bahnschrift" panose="020B0502040204020203" pitchFamily="34" charset="0"/>
+            </a:endParaRPr>
+          </a:p>
+        </p:txBody>
+      </p:sp>
+      <p:sp>
+        <p:nvSpPr>
+          <p:cNvPr id="14" name="Pentagon 13"/>
+          <p:cNvSpPr/>
+          <p:nvPr/>
+        </p:nvSpPr>
+        <p:spPr>
+          <a:xfrm flipH="1">
+            <a:off x="4933268" y="3846363"/>
+            <a:ext cx="7239102" cy="731520"/>
+          </a:xfrm>
+          <a:prstGeom prst="homePlate">
+            <a:avLst>
+              <a:gd name="adj" fmla="val 0"/>
+            </a:avLst>
+          </a:prstGeom>
+          <a:solidFill>
+            <a:srgbClr val="F9AA33"/>
+          </a:solidFill>
+          <a:ln>
+            <a:noFill/>
+          </a:ln>
+        </p:spPr>
+        <p:style>
+          <a:lnRef idx="2">
+            <a:schemeClr val="accent1">
+              <a:shade val="50000"/>
+            </a:schemeClr>
+          </a:lnRef>
+          <a:fillRef idx="1">
+            <a:schemeClr val="accent1"/>
+          </a:fillRef>
+          <a:effectRef idx="0">
+            <a:schemeClr val="accent1"/>
+          </a:effectRef>
+          <a:fontRef idx="minor">
+            <a:schemeClr val="lt1"/>
+          </a:fontRef>
+        </p:style>
+        <p:txBody>
+          <a:bodyPr rtlCol="0" anchor="ctr"/>
+          <a:lstStyle/>
+          <a:p>
+            <a:pPr algn="r"/>
+            <a:r>
+              <a:rPr lang="en-US" dirty="0" smtClean="0">
+                <a:latin typeface="Bahnschrift" panose="020B0502040204020203" pitchFamily="34" charset="0"/>
+              </a:rPr>
+              <a:t>Among 15 – 16 years olds</a:t>
+            </a:r>
+            <a:endParaRPr lang="en-US" dirty="0">
+              <a:latin typeface="Bahnschrift" panose="020B0502040204020203" pitchFamily="34" charset="0"/>
+            </a:endParaRPr>
+          </a:p>
+        </p:txBody>
+      </p:sp>
+      <p:sp>
+        <p:nvSpPr>
+          <p:cNvPr id="15" name="Pentagon 14"/>
+          <p:cNvSpPr/>
+          <p:nvPr/>
+        </p:nvSpPr>
+        <p:spPr>
+          <a:xfrm flipH="1">
+            <a:off x="5074916" y="3055596"/>
+            <a:ext cx="7097454" cy="731520"/>
+          </a:xfrm>
+          <a:prstGeom prst="homePlate">
+            <a:avLst>
+              <a:gd name="adj" fmla="val 0"/>
+            </a:avLst>
+          </a:prstGeom>
+          <a:solidFill>
+            <a:srgbClr val="0070C0"/>
+          </a:solidFill>
+          <a:ln>
+            <a:noFill/>
+          </a:ln>
+        </p:spPr>
+        <p:style>
+          <a:lnRef idx="2">
+            <a:schemeClr val="accent1">
+              <a:shade val="50000"/>
+            </a:schemeClr>
+          </a:lnRef>
+          <a:fillRef idx="1">
+            <a:schemeClr val="accent1"/>
+          </a:fillRef>
+          <a:effectRef idx="0">
+            <a:schemeClr val="accent1"/>
+          </a:effectRef>
+          <a:fontRef idx="minor">
+            <a:schemeClr val="lt1"/>
+          </a:fontRef>
+        </p:style>
+        <p:txBody>
+          <a:bodyPr rtlCol="0" anchor="ctr"/>
+          <a:lstStyle/>
+          <a:p>
+            <a:pPr algn="r"/>
+            <a:r>
+              <a:rPr lang="en-US" dirty="0" smtClean="0">
+                <a:latin typeface="Bahnschrift" panose="020B0502040204020203" pitchFamily="34" charset="0"/>
+              </a:rPr>
+              <a:t>Via Internet or phone call</a:t>
+            </a:r>
+            <a:endParaRPr lang="en-US" dirty="0">
+              <a:latin typeface="Bahnschrift" panose="020B0502040204020203" pitchFamily="34" charset="0"/>
+            </a:endParaRPr>
+          </a:p>
+        </p:txBody>
+      </p:sp>
+      <p:sp>
+        <p:nvSpPr>
+          <p:cNvPr id="16" name="Pentagon 15"/>
+          <p:cNvSpPr/>
+          <p:nvPr/>
+        </p:nvSpPr>
+        <p:spPr>
+          <a:xfrm flipH="1">
+            <a:off x="4571997" y="2264829"/>
+            <a:ext cx="7600373" cy="731520"/>
+          </a:xfrm>
+          <a:prstGeom prst="homePlate">
+            <a:avLst/>
+          </a:prstGeom>
+          <a:solidFill>
+            <a:srgbClr val="7030A0"/>
+          </a:solidFill>
+          <a:ln>
+            <a:noFill/>
+          </a:ln>
+        </p:spPr>
+        <p:style>
+          <a:lnRef idx="2">
+            <a:schemeClr val="accent1">
+              <a:shade val="50000"/>
+            </a:schemeClr>
+          </a:lnRef>
+          <a:fillRef idx="1">
+            <a:schemeClr val="accent1"/>
+          </a:fillRef>
+          <a:effectRef idx="0">
+            <a:schemeClr val="accent1"/>
+          </a:effectRef>
+          <a:fontRef idx="minor">
+            <a:schemeClr val="lt1"/>
+          </a:fontRef>
+        </p:style>
+        <p:txBody>
+          <a:bodyPr rtlCol="0" anchor="ctr"/>
+          <a:lstStyle/>
+          <a:p>
+            <a:pPr algn="r"/>
+            <a:r>
+              <a:rPr lang="en-US" dirty="0" smtClean="0">
+                <a:latin typeface="Bahnschrift" panose="020B0502040204020203" pitchFamily="34" charset="0"/>
+              </a:rPr>
+              <a:t>Threatening</a:t>
+            </a:r>
+            <a:endParaRPr lang="en-US" dirty="0">
+              <a:latin typeface="Bahnschrift" panose="020B0502040204020203" pitchFamily="34" charset="0"/>
+            </a:endParaRPr>
+          </a:p>
+        </p:txBody>
+      </p:sp>
+      <p:sp>
+        <p:nvSpPr>
+          <p:cNvPr id="17" name="Pentagon 16"/>
+          <p:cNvSpPr/>
+          <p:nvPr/>
+        </p:nvSpPr>
+        <p:spPr>
+          <a:xfrm flipH="1">
+            <a:off x="4571997" y="1474062"/>
+            <a:ext cx="7600374" cy="731520"/>
+          </a:xfrm>
+          <a:prstGeom prst="homePlate">
+            <a:avLst/>
+          </a:prstGeom>
+          <a:solidFill>
+            <a:srgbClr val="356859"/>
+          </a:solidFill>
+          <a:ln>
+            <a:noFill/>
+          </a:ln>
+        </p:spPr>
+        <p:style>
+          <a:lnRef idx="2">
+            <a:schemeClr val="accent1">
+              <a:shade val="50000"/>
+            </a:schemeClr>
+          </a:lnRef>
+          <a:fillRef idx="1">
+            <a:schemeClr val="accent1"/>
+          </a:fillRef>
+          <a:effectRef idx="0">
+            <a:schemeClr val="accent1"/>
+          </a:effectRef>
+          <a:fontRef idx="minor">
+            <a:schemeClr val="lt1"/>
+          </a:fontRef>
+        </p:style>
+        <p:txBody>
+          <a:bodyPr rtlCol="0" anchor="ctr"/>
+          <a:lstStyle/>
+          <a:p>
+            <a:pPr algn="r"/>
+            <a:r>
+              <a:rPr lang="en-US" dirty="0" smtClean="0">
+                <a:latin typeface="Bahnschrift" panose="020B0502040204020203" pitchFamily="34" charset="0"/>
+              </a:rPr>
+              <a:t>Humiliation</a:t>
+            </a:r>
+            <a:endParaRPr lang="en-US" dirty="0">
+              <a:latin typeface="Bahnschrift" panose="020B0502040204020203" pitchFamily="34" charset="0"/>
+            </a:endParaRPr>
+          </a:p>
+        </p:txBody>
+      </p:sp>
+      <p:sp>
+        <p:nvSpPr>
+          <p:cNvPr id="18" name="Pentagon 17"/>
+          <p:cNvSpPr/>
+          <p:nvPr/>
+        </p:nvSpPr>
+        <p:spPr>
+          <a:xfrm flipH="1">
+            <a:off x="4571997" y="678621"/>
+            <a:ext cx="7600374" cy="731520"/>
+          </a:xfrm>
+          <a:prstGeom prst="homePlate">
+            <a:avLst/>
+          </a:prstGeom>
+          <a:solidFill>
+            <a:srgbClr val="002060"/>
+          </a:solidFill>
+          <a:ln>
+            <a:noFill/>
+          </a:ln>
+        </p:spPr>
+        <p:style>
+          <a:lnRef idx="2">
+            <a:schemeClr val="accent1">
+              <a:shade val="50000"/>
+            </a:schemeClr>
+          </a:lnRef>
+          <a:fillRef idx="1">
+            <a:schemeClr val="accent1"/>
+          </a:fillRef>
+          <a:effectRef idx="0">
+            <a:schemeClr val="accent1"/>
+          </a:effectRef>
+          <a:fontRef idx="minor">
+            <a:schemeClr val="lt1"/>
+          </a:fontRef>
+        </p:style>
+        <p:txBody>
+          <a:bodyPr rtlCol="0" anchor="ctr"/>
+          <a:lstStyle/>
+          <a:p>
+            <a:pPr algn="r"/>
+            <a:r>
+              <a:rPr lang="en-US" dirty="0" smtClean="0">
+                <a:latin typeface="Bahnschrift" panose="020B0502040204020203" pitchFamily="34" charset="0"/>
+              </a:rPr>
+              <a:t>Harassment</a:t>
+            </a:r>
+            <a:endParaRPr lang="en-US" dirty="0">
+              <a:latin typeface="Bahnschrift" panose="020B0502040204020203" pitchFamily="34" charset="0"/>
+            </a:endParaRPr>
+          </a:p>
+        </p:txBody>
+      </p:sp>
+      <p:sp>
+        <p:nvSpPr>
+          <p:cNvPr id="20" name="Pentagon 19"/>
+          <p:cNvSpPr/>
+          <p:nvPr/>
+        </p:nvSpPr>
+        <p:spPr>
+          <a:xfrm flipH="1">
+            <a:off x="4735250" y="5447858"/>
+            <a:ext cx="7437120" cy="731520"/>
+          </a:xfrm>
+          <a:prstGeom prst="homePlate">
+            <a:avLst>
+              <a:gd name="adj" fmla="val 0"/>
+            </a:avLst>
+          </a:prstGeom>
+          <a:solidFill>
+            <a:srgbClr val="FF0000"/>
+          </a:solidFill>
+          <a:ln>
+            <a:noFill/>
+          </a:ln>
+        </p:spPr>
+        <p:style>
+          <a:lnRef idx="2">
+            <a:schemeClr val="accent1">
+              <a:shade val="50000"/>
+            </a:schemeClr>
+          </a:lnRef>
+          <a:fillRef idx="1">
+            <a:schemeClr val="accent1"/>
+          </a:fillRef>
+          <a:effectRef idx="0">
+            <a:schemeClr val="accent1"/>
+          </a:effectRef>
+          <a:fontRef idx="minor">
+            <a:schemeClr val="lt1"/>
+          </a:fontRef>
+        </p:style>
+        <p:txBody>
+          <a:bodyPr rtlCol="0" anchor="ctr"/>
+          <a:lstStyle/>
+          <a:p>
+            <a:pPr algn="r"/>
+            <a:r>
+              <a:rPr lang="en-US" dirty="0" smtClean="0">
+                <a:latin typeface="Bahnschrift" panose="020B0502040204020203" pitchFamily="34" charset="0"/>
+              </a:rPr>
+              <a:t>Last stage cause Suicide</a:t>
+            </a:r>
+            <a:endParaRPr lang="en-US" dirty="0">
+              <a:latin typeface="Bahnschrift" panose="020B0502040204020203" pitchFamily="34" charset="0"/>
+            </a:endParaRPr>
+          </a:p>
+        </p:txBody>
+      </p:sp>
+      <p:sp>
+        <p:nvSpPr>
+          <p:cNvPr id="23" name="Diamond 22"/>
+          <p:cNvSpPr/>
+          <p:nvPr/>
+        </p:nvSpPr>
+        <p:spPr>
+          <a:xfrm rot="20767747">
+            <a:off x="1378861" y="206481"/>
+            <a:ext cx="7872438" cy="6874689"/>
+          </a:xfrm>
+          <a:prstGeom prst="diamond">
+            <a:avLst/>
+          </a:prstGeom>
+          <a:solidFill>
+            <a:schemeClr val="bg1"/>
+          </a:solidFill>
+          <a:ln>
+            <a:noFill/>
+          </a:ln>
+        </p:spPr>
+        <p:style>
+          <a:lnRef idx="2">
+            <a:schemeClr val="accent1">
+              <a:shade val="50000"/>
+            </a:schemeClr>
+          </a:lnRef>
+          <a:fillRef idx="1">
+            <a:schemeClr val="accent1"/>
+          </a:fillRef>
+          <a:effectRef idx="0">
+            <a:schemeClr val="accent1"/>
+          </a:effectRef>
+          <a:fontRef idx="minor">
+            <a:schemeClr val="lt1"/>
+          </a:fontRef>
+        </p:style>
+        <p:txBody>
+          <a:bodyPr rtlCol="0" anchor="ctr"/>
+          <a:lstStyle/>
+          <a:p>
+            <a:pPr algn="ctr"/>
+            <a:endParaRPr lang="en-US"/>
+          </a:p>
+        </p:txBody>
+      </p:sp>
+      <p:sp>
+        <p:nvSpPr>
+          <p:cNvPr id="5" name="Rectangle 4"/>
+          <p:cNvSpPr/>
+          <p:nvPr/>
+        </p:nvSpPr>
+        <p:spPr>
+          <a:xfrm>
+            <a:off x="0" y="0"/>
+            <a:ext cx="3520440" cy="6858000"/>
+          </a:xfrm>
+          <a:prstGeom prst="rect">
+            <a:avLst/>
+          </a:prstGeom>
+          <a:solidFill>
+            <a:srgbClr val="FFDE03"/>
+          </a:solidFill>
+          <a:ln>
+            <a:noFill/>
+          </a:ln>
+        </p:spPr>
+        <p:style>
+          <a:lnRef idx="2">
+            <a:schemeClr val="accent1">
+              <a:shade val="50000"/>
+            </a:schemeClr>
+          </a:lnRef>
+          <a:fillRef idx="1">
+            <a:schemeClr val="accent1"/>
+          </a:fillRef>
+          <a:effectRef idx="0">
+            <a:schemeClr val="accent1"/>
+          </a:effectRef>
+          <a:fontRef idx="minor">
+            <a:schemeClr val="lt1"/>
+          </a:fontRef>
+        </p:style>
+        <p:txBody>
+          <a:bodyPr rtlCol="0" anchor="ctr"/>
+          <a:lstStyle/>
+          <a:p>
+            <a:pPr algn="ctr"/>
+            <a:endParaRPr lang="en-US"/>
+          </a:p>
+        </p:txBody>
+      </p:sp>
+      <p:sp>
+        <p:nvSpPr>
           <p:cNvPr id="2" name="Title 1"/>
           <p:cNvSpPr>
             <a:spLocks noGrp="1"/>
@@ -3410,7 +4512,12 @@
             <p:ph type="title"/>
           </p:nvPr>
         </p:nvSpPr>
-        <p:spPr/>
+        <p:spPr>
+          <a:xfrm rot="18193852">
+            <a:off x="-610653" y="792481"/>
+            <a:ext cx="3932237" cy="1600200"/>
+          </a:xfrm>
+        </p:spPr>
         <p:txBody>
           <a:bodyPr/>
           <a:lstStyle/>
@@ -3419,16 +4526,10 @@
               <a:rPr lang="en-US" dirty="0" smtClean="0">
                 <a:latin typeface="Copperplate Gothic Bold" panose="020E0705020206020404" pitchFamily="34" charset="0"/>
               </a:rPr>
-              <a:t>Cyberbullying</a:t>
-            </a:r>
-            <a:r>
-              <a:rPr lang="en-US" dirty="0">
-                <a:latin typeface="Copperplate Gothic Bold" panose="020E0705020206020404" pitchFamily="34" charset="0"/>
-              </a:rPr>
-              <a:t/>
+              <a:t>Cyber bullying</a:t>
             </a:r>
             <a:br>
-              <a:rPr lang="en-US" dirty="0">
+              <a:rPr lang="en-US" dirty="0" smtClean="0">
                 <a:latin typeface="Copperplate Gothic Bold" panose="020E0705020206020404" pitchFamily="34" charset="0"/>
               </a:rPr>
             </a:br>
@@ -3440,99 +4541,49 @@
       </p:sp>
       <p:sp>
         <p:nvSpPr>
-          <p:cNvPr id="3" name="Content Placeholder 2"/>
-          <p:cNvSpPr>
-            <a:spLocks noGrp="1"/>
-          </p:cNvSpPr>
-          <p:nvPr>
-            <p:ph idx="1"/>
-          </p:nvPr>
-        </p:nvSpPr>
-        <p:spPr/>
-        <p:txBody>
-          <a:bodyPr>
-            <a:normAutofit/>
-          </a:bodyPr>
-          <a:lstStyle/>
-          <a:p>
-            <a:r>
-              <a:rPr lang="en-US" sz="2400" dirty="0" smtClean="0">
-                <a:latin typeface="Arial Rounded MT Bold" panose="020F0704030504030204" pitchFamily="34" charset="0"/>
-              </a:rPr>
-              <a:t>Harassment</a:t>
-            </a:r>
-          </a:p>
-          <a:p>
-            <a:r>
-              <a:rPr lang="en-US" sz="2400" dirty="0" smtClean="0">
-                <a:latin typeface="Arial Rounded MT Bold" panose="020F0704030504030204" pitchFamily="34" charset="0"/>
-              </a:rPr>
-              <a:t>Humiliation</a:t>
-            </a:r>
-          </a:p>
-          <a:p>
-            <a:r>
-              <a:rPr lang="en-US" sz="2400" dirty="0" smtClean="0">
-                <a:latin typeface="Arial Rounded MT Bold" panose="020F0704030504030204" pitchFamily="34" charset="0"/>
-              </a:rPr>
-              <a:t>Threatening</a:t>
-            </a:r>
-          </a:p>
-          <a:p>
-            <a:r>
-              <a:rPr lang="en-US" sz="2400" dirty="0" smtClean="0">
-                <a:latin typeface="Arial Rounded MT Bold" panose="020F0704030504030204" pitchFamily="34" charset="0"/>
-              </a:rPr>
-              <a:t>Via internet or phone call</a:t>
-            </a:r>
-          </a:p>
-          <a:p>
-            <a:r>
-              <a:rPr lang="en-US" sz="2400" dirty="0" smtClean="0">
-                <a:latin typeface="Arial Rounded MT Bold" panose="020F0704030504030204" pitchFamily="34" charset="0"/>
-              </a:rPr>
-              <a:t>Among </a:t>
-            </a:r>
-            <a:r>
-              <a:rPr lang="en-US" sz="2400" dirty="0">
-                <a:latin typeface="Arial Rounded MT Bold" panose="020F0704030504030204" pitchFamily="34" charset="0"/>
-              </a:rPr>
-              <a:t>15- and </a:t>
-            </a:r>
-            <a:r>
-              <a:rPr lang="en-US" sz="2400" dirty="0" smtClean="0">
-                <a:latin typeface="Arial Rounded MT Bold" panose="020F0704030504030204" pitchFamily="34" charset="0"/>
-              </a:rPr>
-              <a:t>16-year-olds</a:t>
-            </a:r>
-          </a:p>
-          <a:p>
-            <a:r>
-              <a:rPr lang="en-US" sz="2400" dirty="0" smtClean="0">
-                <a:latin typeface="Arial Rounded MT Bold" panose="020F0704030504030204" pitchFamily="34" charset="0"/>
-              </a:rPr>
-              <a:t>More </a:t>
-            </a:r>
-            <a:r>
-              <a:rPr lang="en-US" sz="2400" dirty="0">
-                <a:latin typeface="Arial Rounded MT Bold" panose="020F0704030504030204" pitchFamily="34" charset="0"/>
-              </a:rPr>
-              <a:t>common among females</a:t>
-            </a:r>
-            <a:endParaRPr lang="en-US" sz="2400" dirty="0" smtClean="0">
-              <a:latin typeface="Arial Rounded MT Bold" panose="020F0704030504030204" pitchFamily="34" charset="0"/>
-            </a:endParaRPr>
-          </a:p>
-          <a:p>
-            <a:r>
-              <a:rPr lang="en-US" sz="2400" dirty="0" smtClean="0">
-                <a:latin typeface="Arial Rounded MT Bold" panose="020F0704030504030204" pitchFamily="34" charset="0"/>
-              </a:rPr>
-              <a:t>Last stage causes suicide </a:t>
-            </a:r>
-            <a:endParaRPr lang="en-US" sz="2400" dirty="0">
-              <a:latin typeface="Arial Rounded MT Bold" panose="020F0704030504030204" pitchFamily="34" charset="0"/>
-            </a:endParaRPr>
+          <p:cNvPr id="6" name="Trapezoid 5"/>
+          <p:cNvSpPr/>
+          <p:nvPr/>
+        </p:nvSpPr>
+        <p:spPr>
+          <a:xfrm rot="1534288">
+            <a:off x="1233743" y="75511"/>
+            <a:ext cx="3825863" cy="6263563"/>
+          </a:xfrm>
+          <a:prstGeom prst="trapezoid">
+            <a:avLst>
+              <a:gd name="adj" fmla="val 19328"/>
+            </a:avLst>
+          </a:prstGeom>
+          <a:solidFill>
+            <a:schemeClr val="bg1"/>
+          </a:solidFill>
+          <a:ln>
+            <a:noFill/>
+          </a:ln>
+        </p:spPr>
+        <p:style>
+          <a:lnRef idx="2">
+            <a:schemeClr val="accent1">
+              <a:shade val="50000"/>
+            </a:schemeClr>
+          </a:lnRef>
+          <a:fillRef idx="1">
+            <a:schemeClr val="accent1"/>
+          </a:fillRef>
+          <a:effectRef idx="0">
+            <a:schemeClr val="accent1"/>
+          </a:effectRef>
+          <a:fontRef idx="minor">
+            <a:schemeClr val="lt1"/>
+          </a:fontRef>
+        </p:style>
+        <p:txBody>
+          <a:bodyPr rtlCol="0" anchor="ctr"/>
+          <a:lstStyle/>
+          <a:p>
+            <a:pPr algn="ctr"/>
+            <a:endParaRPr lang="en-US"/>
           </a:p>
         </p:txBody>
       </p:sp>
@@ -3547,6 +4598,10 @@
           </p:nvPr>
         </p:nvSpPr>
         <p:spPr>
+          <a:xfrm>
+            <a:off x="2597953" y="1410141"/>
+            <a:ext cx="3679894" cy="4384933"/>
+          </a:xfrm>
           <a:blipFill dpi="0" rotWithShape="1">
             <a:blip r:embed="rId2">
               <a:extLst>
@@ -3632,12 +4687,6 @@
             </a:endParaRPr>
           </a:p>
           <a:p>
-            <a:r>
-              <a:rPr lang="en-US" sz="1000" dirty="0" smtClean="0">
-                <a:latin typeface="Segoe Print" panose="02000600000000000000" pitchFamily="2" charset="0"/>
-              </a:rPr>
-              <a:t>Image: https://www.thriveglobal.com/stories/10625-7-ways-to-deal-with-cyberbullying</a:t>
-            </a:r>
             <a:endParaRPr lang="en-US" sz="1000" dirty="0">
               <a:latin typeface="Segoe Print" panose="02000600000000000000" pitchFamily="2" charset="0"/>
             </a:endParaRPr>
@@ -3665,6 +4714,1012 @@
 </file>
 
 <file path=ppt/slides/slide4.xml><?xml version="1.0" encoding="utf-8"?>
+<p:sld xmlns:a="http://schemas.openxmlformats.org/drawingml/2006/main" xmlns:r="http://schemas.openxmlformats.org/officeDocument/2006/relationships" xmlns:p="http://schemas.openxmlformats.org/presentationml/2006/main">
+  <p:cSld>
+    <p:spTree>
+      <p:nvGrpSpPr>
+        <p:cNvPr id="1" name=""/>
+        <p:cNvGrpSpPr/>
+        <p:nvPr/>
+      </p:nvGrpSpPr>
+      <p:grpSpPr>
+        <a:xfrm>
+          <a:off x="0" y="0"/>
+          <a:ext cx="0" cy="0"/>
+          <a:chOff x="0" y="0"/>
+          <a:chExt cx="0" cy="0"/>
+        </a:xfrm>
+      </p:grpSpPr>
+      <p:sp>
+        <p:nvSpPr>
+          <p:cNvPr id="7" name="Rectangle 6"/>
+          <p:cNvSpPr/>
+          <p:nvPr/>
+        </p:nvSpPr>
+        <p:spPr>
+          <a:xfrm>
+            <a:off x="3855720" y="4648200"/>
+            <a:ext cx="4617720" cy="2209800"/>
+          </a:xfrm>
+          <a:prstGeom prst="rect">
+            <a:avLst/>
+          </a:prstGeom>
+          <a:blipFill dpi="0" rotWithShape="1">
+            <a:blip r:embed="rId2">
+              <a:extLst>
+                <a:ext uri="{28A0092B-C50C-407E-A947-70E740481C1C}">
+                  <a14:useLocalDpi xmlns:a14="http://schemas.microsoft.com/office/drawing/2010/main" val="0"/>
+                </a:ext>
+              </a:extLst>
+            </a:blip>
+            <a:srcRect/>
+            <a:stretch>
+              <a:fillRect/>
+            </a:stretch>
+          </a:blipFill>
+          <a:ln>
+            <a:noFill/>
+          </a:ln>
+        </p:spPr>
+        <p:style>
+          <a:lnRef idx="2">
+            <a:schemeClr val="accent1">
+              <a:shade val="50000"/>
+            </a:schemeClr>
+          </a:lnRef>
+          <a:fillRef idx="1">
+            <a:schemeClr val="accent1"/>
+          </a:fillRef>
+          <a:effectRef idx="0">
+            <a:schemeClr val="accent1"/>
+          </a:effectRef>
+          <a:fontRef idx="minor">
+            <a:schemeClr val="lt1"/>
+          </a:fontRef>
+        </p:style>
+        <p:txBody>
+          <a:bodyPr rtlCol="0" anchor="ctr"/>
+          <a:lstStyle/>
+          <a:p>
+            <a:pPr algn="ctr"/>
+            <a:endParaRPr lang="en-US"/>
+          </a:p>
+        </p:txBody>
+      </p:sp>
+      <p:sp>
+        <p:nvSpPr>
+          <p:cNvPr id="26" name="Oval 25"/>
+          <p:cNvSpPr/>
+          <p:nvPr/>
+        </p:nvSpPr>
+        <p:spPr>
+          <a:xfrm>
+            <a:off x="9178659" y="3859159"/>
+            <a:ext cx="2595716" cy="2595716"/>
+          </a:xfrm>
+          <a:prstGeom prst="ellipse">
+            <a:avLst/>
+          </a:prstGeom>
+          <a:solidFill>
+            <a:srgbClr val="5D1049"/>
+          </a:solidFill>
+          <a:ln>
+            <a:noFill/>
+          </a:ln>
+          <a:effectLst>
+            <a:glow rad="228600">
+              <a:srgbClr val="5D1049">
+                <a:alpha val="40000"/>
+              </a:srgbClr>
+            </a:glow>
+          </a:effectLst>
+        </p:spPr>
+        <p:style>
+          <a:lnRef idx="2">
+            <a:schemeClr val="accent1">
+              <a:shade val="50000"/>
+            </a:schemeClr>
+          </a:lnRef>
+          <a:fillRef idx="1">
+            <a:schemeClr val="accent1"/>
+          </a:fillRef>
+          <a:effectRef idx="0">
+            <a:schemeClr val="accent1"/>
+          </a:effectRef>
+          <a:fontRef idx="minor">
+            <a:schemeClr val="lt1"/>
+          </a:fontRef>
+        </p:style>
+        <p:txBody>
+          <a:bodyPr rtlCol="0" anchor="ctr"/>
+          <a:lstStyle/>
+          <a:p>
+            <a:pPr algn="ctr"/>
+            <a:endParaRPr lang="en-US"/>
+          </a:p>
+        </p:txBody>
+      </p:sp>
+      <p:sp>
+        <p:nvSpPr>
+          <p:cNvPr id="27" name="Oval 26"/>
+          <p:cNvSpPr/>
+          <p:nvPr/>
+        </p:nvSpPr>
+        <p:spPr>
+          <a:xfrm>
+            <a:off x="9304020" y="4039827"/>
+            <a:ext cx="2344993" cy="2234379"/>
+          </a:xfrm>
+          <a:prstGeom prst="ellipse">
+            <a:avLst/>
+          </a:prstGeom>
+          <a:blipFill dpi="0" rotWithShape="1">
+            <a:blip r:embed="rId3" cstate="print">
+              <a:extLst>
+                <a:ext uri="{28A0092B-C50C-407E-A947-70E740481C1C}">
+                  <a14:useLocalDpi xmlns:a14="http://schemas.microsoft.com/office/drawing/2010/main" val="0"/>
+                </a:ext>
+              </a:extLst>
+            </a:blip>
+            <a:srcRect/>
+            <a:stretch>
+              <a:fillRect/>
+            </a:stretch>
+          </a:blipFill>
+        </p:spPr>
+        <p:style>
+          <a:lnRef idx="2">
+            <a:schemeClr val="accent1">
+              <a:shade val="50000"/>
+            </a:schemeClr>
+          </a:lnRef>
+          <a:fillRef idx="1">
+            <a:schemeClr val="accent1"/>
+          </a:fillRef>
+          <a:effectRef idx="0">
+            <a:schemeClr val="accent1"/>
+          </a:effectRef>
+          <a:fontRef idx="minor">
+            <a:schemeClr val="lt1"/>
+          </a:fontRef>
+        </p:style>
+        <p:txBody>
+          <a:bodyPr rtlCol="0" anchor="ctr"/>
+          <a:lstStyle/>
+          <a:p>
+            <a:pPr algn="ctr"/>
+            <a:r>
+              <a:rPr lang="en-US" dirty="0">
+                <a:solidFill>
+                  <a:schemeClr val="tx1"/>
+                </a:solidFill>
+                <a:latin typeface="Arial Rounded MT Bold" panose="020F0704030504030204" pitchFamily="34" charset="0"/>
+              </a:rPr>
+              <a:t>Posting mean, personal, or false information</a:t>
+            </a:r>
+          </a:p>
+          <a:p>
+            <a:pPr algn="ctr"/>
+            <a:endParaRPr lang="en-US" dirty="0">
+              <a:solidFill>
+                <a:schemeClr val="tx1"/>
+              </a:solidFill>
+            </a:endParaRPr>
+          </a:p>
+        </p:txBody>
+      </p:sp>
+      <p:sp>
+        <p:nvSpPr>
+          <p:cNvPr id="25" name="Rectangle 24"/>
+          <p:cNvSpPr/>
+          <p:nvPr/>
+        </p:nvSpPr>
+        <p:spPr>
+          <a:xfrm>
+            <a:off x="9986378" y="3075035"/>
+            <a:ext cx="980276" cy="874458"/>
+          </a:xfrm>
+          <a:prstGeom prst="rect">
+            <a:avLst/>
+          </a:prstGeom>
+          <a:blipFill dpi="0" rotWithShape="1">
+            <a:blip r:embed="rId4" cstate="print">
+              <a:extLst>
+                <a:ext uri="{28A0092B-C50C-407E-A947-70E740481C1C}">
+                  <a14:useLocalDpi xmlns:a14="http://schemas.microsoft.com/office/drawing/2010/main" val="0"/>
+                </a:ext>
+              </a:extLst>
+            </a:blip>
+            <a:srcRect/>
+            <a:stretch>
+              <a:fillRect/>
+            </a:stretch>
+          </a:blipFill>
+          <a:ln>
+            <a:noFill/>
+          </a:ln>
+        </p:spPr>
+        <p:style>
+          <a:lnRef idx="2">
+            <a:schemeClr val="accent1">
+              <a:shade val="50000"/>
+            </a:schemeClr>
+          </a:lnRef>
+          <a:fillRef idx="1">
+            <a:schemeClr val="accent1"/>
+          </a:fillRef>
+          <a:effectRef idx="0">
+            <a:schemeClr val="accent1"/>
+          </a:effectRef>
+          <a:fontRef idx="minor">
+            <a:schemeClr val="lt1"/>
+          </a:fontRef>
+        </p:style>
+        <p:txBody>
+          <a:bodyPr rtlCol="0" anchor="ctr"/>
+          <a:lstStyle/>
+          <a:p>
+            <a:pPr algn="ctr"/>
+            <a:endParaRPr lang="en-US"/>
+          </a:p>
+        </p:txBody>
+      </p:sp>
+      <p:cxnSp>
+        <p:nvCxnSpPr>
+          <p:cNvPr id="29" name="Straight Connector 28"/>
+          <p:cNvCxnSpPr>
+            <a:stCxn id="25" idx="0"/>
+          </p:cNvCxnSpPr>
+          <p:nvPr/>
+        </p:nvCxnSpPr>
+        <p:spPr>
+          <a:xfrm flipH="1" flipV="1">
+            <a:off x="10471355" y="0"/>
+            <a:ext cx="5161" cy="3075035"/>
+          </a:xfrm>
+          <a:prstGeom prst="line">
+            <a:avLst/>
+          </a:prstGeom>
+          <a:ln w="38100"/>
+        </p:spPr>
+        <p:style>
+          <a:lnRef idx="1">
+            <a:schemeClr val="dk1"/>
+          </a:lnRef>
+          <a:fillRef idx="0">
+            <a:schemeClr val="dk1"/>
+          </a:fillRef>
+          <a:effectRef idx="0">
+            <a:schemeClr val="dk1"/>
+          </a:effectRef>
+          <a:fontRef idx="minor">
+            <a:schemeClr val="tx1"/>
+          </a:fontRef>
+        </p:style>
+      </p:cxnSp>
+      <p:sp>
+        <p:nvSpPr>
+          <p:cNvPr id="36" name="Oval 35"/>
+          <p:cNvSpPr/>
+          <p:nvPr/>
+        </p:nvSpPr>
+        <p:spPr>
+          <a:xfrm>
+            <a:off x="6337873" y="2164324"/>
+            <a:ext cx="2595716" cy="2595716"/>
+          </a:xfrm>
+          <a:prstGeom prst="ellipse">
+            <a:avLst/>
+          </a:prstGeom>
+          <a:solidFill>
+            <a:srgbClr val="B00020"/>
+          </a:solidFill>
+          <a:ln>
+            <a:noFill/>
+          </a:ln>
+          <a:effectLst>
+            <a:glow rad="228600">
+              <a:srgbClr val="B00020">
+                <a:alpha val="40000"/>
+              </a:srgbClr>
+            </a:glow>
+          </a:effectLst>
+        </p:spPr>
+        <p:style>
+          <a:lnRef idx="2">
+            <a:schemeClr val="accent1">
+              <a:shade val="50000"/>
+            </a:schemeClr>
+          </a:lnRef>
+          <a:fillRef idx="1">
+            <a:schemeClr val="accent1"/>
+          </a:fillRef>
+          <a:effectRef idx="0">
+            <a:schemeClr val="accent1"/>
+          </a:effectRef>
+          <a:fontRef idx="minor">
+            <a:schemeClr val="lt1"/>
+          </a:fontRef>
+        </p:style>
+        <p:txBody>
+          <a:bodyPr rtlCol="0" anchor="ctr"/>
+          <a:lstStyle/>
+          <a:p>
+            <a:pPr algn="ctr"/>
+            <a:endParaRPr lang="en-US"/>
+          </a:p>
+        </p:txBody>
+      </p:sp>
+      <p:sp>
+        <p:nvSpPr>
+          <p:cNvPr id="37" name="Oval 36"/>
+          <p:cNvSpPr/>
+          <p:nvPr/>
+        </p:nvSpPr>
+        <p:spPr>
+          <a:xfrm>
+            <a:off x="6463234" y="2344992"/>
+            <a:ext cx="2344993" cy="2234379"/>
+          </a:xfrm>
+          <a:prstGeom prst="ellipse">
+            <a:avLst/>
+          </a:prstGeom>
+          <a:blipFill dpi="0" rotWithShape="1">
+            <a:blip r:embed="rId3" cstate="print">
+              <a:extLst>
+                <a:ext uri="{28A0092B-C50C-407E-A947-70E740481C1C}">
+                  <a14:useLocalDpi xmlns:a14="http://schemas.microsoft.com/office/drawing/2010/main" val="0"/>
+                </a:ext>
+              </a:extLst>
+            </a:blip>
+            <a:srcRect/>
+            <a:stretch>
+              <a:fillRect/>
+            </a:stretch>
+          </a:blipFill>
+        </p:spPr>
+        <p:style>
+          <a:lnRef idx="2">
+            <a:schemeClr val="accent1">
+              <a:shade val="50000"/>
+            </a:schemeClr>
+          </a:lnRef>
+          <a:fillRef idx="1">
+            <a:schemeClr val="accent1"/>
+          </a:fillRef>
+          <a:effectRef idx="0">
+            <a:schemeClr val="accent1"/>
+          </a:effectRef>
+          <a:fontRef idx="minor">
+            <a:schemeClr val="lt1"/>
+          </a:fontRef>
+        </p:style>
+        <p:txBody>
+          <a:bodyPr rtlCol="0" anchor="ctr"/>
+          <a:lstStyle/>
+          <a:p>
+            <a:pPr algn="ctr"/>
+            <a:r>
+              <a:rPr lang="en-US" dirty="0">
+                <a:solidFill>
+                  <a:schemeClr val="tx1"/>
+                </a:solidFill>
+                <a:latin typeface="Arial Rounded MT Bold" panose="020F0704030504030204" pitchFamily="34" charset="0"/>
+              </a:rPr>
+              <a:t>Stealing the victim’s password and modifying his or her profile</a:t>
+            </a:r>
+          </a:p>
+          <a:p>
+            <a:pPr algn="ctr"/>
+            <a:endParaRPr lang="en-US" dirty="0">
+              <a:solidFill>
+                <a:schemeClr val="tx1"/>
+              </a:solidFill>
+            </a:endParaRPr>
+          </a:p>
+        </p:txBody>
+      </p:sp>
+      <p:sp>
+        <p:nvSpPr>
+          <p:cNvPr id="35" name="Rectangle 34"/>
+          <p:cNvSpPr/>
+          <p:nvPr/>
+        </p:nvSpPr>
+        <p:spPr>
+          <a:xfrm>
+            <a:off x="7145592" y="1380200"/>
+            <a:ext cx="980276" cy="874458"/>
+          </a:xfrm>
+          <a:prstGeom prst="rect">
+            <a:avLst/>
+          </a:prstGeom>
+          <a:blipFill dpi="0" rotWithShape="1">
+            <a:blip r:embed="rId4" cstate="print">
+              <a:extLst>
+                <a:ext uri="{28A0092B-C50C-407E-A947-70E740481C1C}">
+                  <a14:useLocalDpi xmlns:a14="http://schemas.microsoft.com/office/drawing/2010/main" val="0"/>
+                </a:ext>
+              </a:extLst>
+            </a:blip>
+            <a:srcRect/>
+            <a:stretch>
+              <a:fillRect/>
+            </a:stretch>
+          </a:blipFill>
+          <a:ln>
+            <a:noFill/>
+          </a:ln>
+        </p:spPr>
+        <p:style>
+          <a:lnRef idx="2">
+            <a:schemeClr val="accent1">
+              <a:shade val="50000"/>
+            </a:schemeClr>
+          </a:lnRef>
+          <a:fillRef idx="1">
+            <a:schemeClr val="accent1"/>
+          </a:fillRef>
+          <a:effectRef idx="0">
+            <a:schemeClr val="accent1"/>
+          </a:effectRef>
+          <a:fontRef idx="minor">
+            <a:schemeClr val="lt1"/>
+          </a:fontRef>
+        </p:style>
+        <p:txBody>
+          <a:bodyPr rtlCol="0" anchor="ctr"/>
+          <a:lstStyle/>
+          <a:p>
+            <a:pPr algn="ctr"/>
+            <a:endParaRPr lang="en-US"/>
+          </a:p>
+        </p:txBody>
+      </p:sp>
+      <p:cxnSp>
+        <p:nvCxnSpPr>
+          <p:cNvPr id="33" name="Straight Connector 32"/>
+          <p:cNvCxnSpPr>
+            <a:stCxn id="35" idx="0"/>
+          </p:cNvCxnSpPr>
+          <p:nvPr/>
+        </p:nvCxnSpPr>
+        <p:spPr>
+          <a:xfrm flipV="1">
+            <a:off x="7635730" y="-1122109"/>
+            <a:ext cx="0" cy="2502309"/>
+          </a:xfrm>
+          <a:prstGeom prst="line">
+            <a:avLst/>
+          </a:prstGeom>
+          <a:ln w="38100"/>
+        </p:spPr>
+        <p:style>
+          <a:lnRef idx="1">
+            <a:schemeClr val="dk1"/>
+          </a:lnRef>
+          <a:fillRef idx="0">
+            <a:schemeClr val="dk1"/>
+          </a:fillRef>
+          <a:effectRef idx="0">
+            <a:schemeClr val="dk1"/>
+          </a:effectRef>
+          <a:fontRef idx="minor">
+            <a:schemeClr val="tx1"/>
+          </a:fontRef>
+        </p:style>
+      </p:cxnSp>
+      <p:sp>
+        <p:nvSpPr>
+          <p:cNvPr id="43" name="Oval 42"/>
+          <p:cNvSpPr/>
+          <p:nvPr/>
+        </p:nvSpPr>
+        <p:spPr>
+          <a:xfrm>
+            <a:off x="3115962" y="2215944"/>
+            <a:ext cx="2595716" cy="2595716"/>
+          </a:xfrm>
+          <a:prstGeom prst="ellipse">
+            <a:avLst/>
+          </a:prstGeom>
+          <a:solidFill>
+            <a:srgbClr val="442C2E"/>
+          </a:solidFill>
+          <a:ln>
+            <a:noFill/>
+          </a:ln>
+          <a:effectLst>
+            <a:glow rad="228600">
+              <a:srgbClr val="442C2E">
+                <a:alpha val="40000"/>
+              </a:srgbClr>
+            </a:glow>
+          </a:effectLst>
+        </p:spPr>
+        <p:style>
+          <a:lnRef idx="2">
+            <a:schemeClr val="accent1">
+              <a:shade val="50000"/>
+            </a:schemeClr>
+          </a:lnRef>
+          <a:fillRef idx="1">
+            <a:schemeClr val="accent1"/>
+          </a:fillRef>
+          <a:effectRef idx="0">
+            <a:schemeClr val="accent1"/>
+          </a:effectRef>
+          <a:fontRef idx="minor">
+            <a:schemeClr val="lt1"/>
+          </a:fontRef>
+        </p:style>
+        <p:txBody>
+          <a:bodyPr rtlCol="0" anchor="ctr"/>
+          <a:lstStyle/>
+          <a:p>
+            <a:pPr algn="ctr"/>
+            <a:endParaRPr lang="en-US"/>
+          </a:p>
+        </p:txBody>
+      </p:sp>
+      <p:sp>
+        <p:nvSpPr>
+          <p:cNvPr id="44" name="Oval 43"/>
+          <p:cNvSpPr/>
+          <p:nvPr/>
+        </p:nvSpPr>
+        <p:spPr>
+          <a:xfrm>
+            <a:off x="3241323" y="2396612"/>
+            <a:ext cx="2344993" cy="2234379"/>
+          </a:xfrm>
+          <a:prstGeom prst="ellipse">
+            <a:avLst/>
+          </a:prstGeom>
+          <a:blipFill dpi="0" rotWithShape="1">
+            <a:blip r:embed="rId3" cstate="print">
+              <a:extLst>
+                <a:ext uri="{28A0092B-C50C-407E-A947-70E740481C1C}">
+                  <a14:useLocalDpi xmlns:a14="http://schemas.microsoft.com/office/drawing/2010/main" val="0"/>
+                </a:ext>
+              </a:extLst>
+            </a:blip>
+            <a:srcRect/>
+            <a:stretch>
+              <a:fillRect/>
+            </a:stretch>
+          </a:blipFill>
+        </p:spPr>
+        <p:style>
+          <a:lnRef idx="2">
+            <a:schemeClr val="accent1">
+              <a:shade val="50000"/>
+            </a:schemeClr>
+          </a:lnRef>
+          <a:fillRef idx="1">
+            <a:schemeClr val="accent1"/>
+          </a:fillRef>
+          <a:effectRef idx="0">
+            <a:schemeClr val="accent1"/>
+          </a:effectRef>
+          <a:fontRef idx="minor">
+            <a:schemeClr val="lt1"/>
+          </a:fontRef>
+        </p:style>
+        <p:txBody>
+          <a:bodyPr rtlCol="0" anchor="ctr"/>
+          <a:lstStyle/>
+          <a:p>
+            <a:pPr algn="ctr"/>
+            <a:r>
+              <a:rPr lang="en-US" dirty="0">
+                <a:solidFill>
+                  <a:schemeClr val="tx1"/>
+                </a:solidFill>
+                <a:latin typeface="Arial Rounded MT Bold" panose="020F0704030504030204" pitchFamily="34" charset="0"/>
+              </a:rPr>
+              <a:t>Sending </a:t>
+            </a:r>
+            <a:r>
+              <a:rPr lang="en-US" dirty="0" smtClean="0">
+                <a:solidFill>
+                  <a:schemeClr val="tx1"/>
+                </a:solidFill>
+                <a:latin typeface="Arial Rounded MT Bold" panose="020F0704030504030204" pitchFamily="34" charset="0"/>
+              </a:rPr>
+              <a:t>inappropriate </a:t>
+            </a:r>
+            <a:r>
+              <a:rPr lang="en-US" dirty="0">
+                <a:solidFill>
+                  <a:schemeClr val="tx1"/>
+                </a:solidFill>
+                <a:latin typeface="Arial Rounded MT Bold" panose="020F0704030504030204" pitchFamily="34" charset="0"/>
+              </a:rPr>
+              <a:t>messages</a:t>
+            </a:r>
+          </a:p>
+          <a:p>
+            <a:pPr algn="ctr"/>
+            <a:endParaRPr lang="en-US" sz="2000" dirty="0">
+              <a:solidFill>
+                <a:schemeClr val="tx1"/>
+              </a:solidFill>
+            </a:endParaRPr>
+          </a:p>
+        </p:txBody>
+      </p:sp>
+      <p:sp>
+        <p:nvSpPr>
+          <p:cNvPr id="42" name="Rectangle 41"/>
+          <p:cNvSpPr/>
+          <p:nvPr/>
+        </p:nvSpPr>
+        <p:spPr>
+          <a:xfrm>
+            <a:off x="3923681" y="1431820"/>
+            <a:ext cx="980276" cy="874458"/>
+          </a:xfrm>
+          <a:prstGeom prst="rect">
+            <a:avLst/>
+          </a:prstGeom>
+          <a:blipFill dpi="0" rotWithShape="1">
+            <a:blip r:embed="rId4" cstate="print">
+              <a:extLst>
+                <a:ext uri="{28A0092B-C50C-407E-A947-70E740481C1C}">
+                  <a14:useLocalDpi xmlns:a14="http://schemas.microsoft.com/office/drawing/2010/main" val="0"/>
+                </a:ext>
+              </a:extLst>
+            </a:blip>
+            <a:srcRect/>
+            <a:stretch>
+              <a:fillRect/>
+            </a:stretch>
+          </a:blipFill>
+          <a:ln>
+            <a:noFill/>
+          </a:ln>
+        </p:spPr>
+        <p:style>
+          <a:lnRef idx="2">
+            <a:schemeClr val="accent1">
+              <a:shade val="50000"/>
+            </a:schemeClr>
+          </a:lnRef>
+          <a:fillRef idx="1">
+            <a:schemeClr val="accent1"/>
+          </a:fillRef>
+          <a:effectRef idx="0">
+            <a:schemeClr val="accent1"/>
+          </a:effectRef>
+          <a:fontRef idx="minor">
+            <a:schemeClr val="lt1"/>
+          </a:fontRef>
+        </p:style>
+        <p:txBody>
+          <a:bodyPr rtlCol="0" anchor="ctr"/>
+          <a:lstStyle/>
+          <a:p>
+            <a:pPr algn="ctr"/>
+            <a:endParaRPr lang="en-US"/>
+          </a:p>
+        </p:txBody>
+      </p:sp>
+      <p:cxnSp>
+        <p:nvCxnSpPr>
+          <p:cNvPr id="40" name="Straight Connector 39"/>
+          <p:cNvCxnSpPr>
+            <a:stCxn id="42" idx="0"/>
+          </p:cNvCxnSpPr>
+          <p:nvPr/>
+        </p:nvCxnSpPr>
+        <p:spPr>
+          <a:xfrm flipV="1">
+            <a:off x="4413819" y="-1070489"/>
+            <a:ext cx="0" cy="2502309"/>
+          </a:xfrm>
+          <a:prstGeom prst="line">
+            <a:avLst/>
+          </a:prstGeom>
+          <a:ln w="38100"/>
+        </p:spPr>
+        <p:style>
+          <a:lnRef idx="1">
+            <a:schemeClr val="dk1"/>
+          </a:lnRef>
+          <a:fillRef idx="0">
+            <a:schemeClr val="dk1"/>
+          </a:fillRef>
+          <a:effectRef idx="0">
+            <a:schemeClr val="dk1"/>
+          </a:effectRef>
+          <a:fontRef idx="minor">
+            <a:schemeClr val="tx1"/>
+          </a:fontRef>
+        </p:style>
+      </p:cxnSp>
+      <p:sp>
+        <p:nvSpPr>
+          <p:cNvPr id="50" name="Oval 49"/>
+          <p:cNvSpPr/>
+          <p:nvPr/>
+        </p:nvSpPr>
+        <p:spPr>
+          <a:xfrm>
+            <a:off x="220733" y="3513803"/>
+            <a:ext cx="2595716" cy="2595716"/>
+          </a:xfrm>
+          <a:prstGeom prst="ellipse">
+            <a:avLst/>
+          </a:prstGeom>
+          <a:solidFill>
+            <a:srgbClr val="002060"/>
+          </a:solidFill>
+          <a:ln>
+            <a:noFill/>
+          </a:ln>
+          <a:effectLst>
+            <a:glow rad="228600">
+              <a:srgbClr val="002060">
+                <a:alpha val="40000"/>
+              </a:srgbClr>
+            </a:glow>
+          </a:effectLst>
+        </p:spPr>
+        <p:style>
+          <a:lnRef idx="2">
+            <a:schemeClr val="accent1">
+              <a:shade val="50000"/>
+            </a:schemeClr>
+          </a:lnRef>
+          <a:fillRef idx="1">
+            <a:schemeClr val="accent1"/>
+          </a:fillRef>
+          <a:effectRef idx="0">
+            <a:schemeClr val="accent1"/>
+          </a:effectRef>
+          <a:fontRef idx="minor">
+            <a:schemeClr val="lt1"/>
+          </a:fontRef>
+        </p:style>
+        <p:txBody>
+          <a:bodyPr rtlCol="0" anchor="ctr"/>
+          <a:lstStyle/>
+          <a:p>
+            <a:pPr algn="ctr"/>
+            <a:endParaRPr lang="en-US"/>
+          </a:p>
+        </p:txBody>
+      </p:sp>
+      <p:sp>
+        <p:nvSpPr>
+          <p:cNvPr id="51" name="Oval 50"/>
+          <p:cNvSpPr/>
+          <p:nvPr/>
+        </p:nvSpPr>
+        <p:spPr>
+          <a:xfrm>
+            <a:off x="346094" y="3694471"/>
+            <a:ext cx="2344993" cy="2234379"/>
+          </a:xfrm>
+          <a:prstGeom prst="ellipse">
+            <a:avLst/>
+          </a:prstGeom>
+          <a:blipFill dpi="0" rotWithShape="1">
+            <a:blip r:embed="rId3" cstate="print">
+              <a:extLst>
+                <a:ext uri="{28A0092B-C50C-407E-A947-70E740481C1C}">
+                  <a14:useLocalDpi xmlns:a14="http://schemas.microsoft.com/office/drawing/2010/main" val="0"/>
+                </a:ext>
+              </a:extLst>
+            </a:blip>
+            <a:srcRect/>
+            <a:stretch>
+              <a:fillRect/>
+            </a:stretch>
+          </a:blipFill>
+        </p:spPr>
+        <p:style>
+          <a:lnRef idx="2">
+            <a:schemeClr val="accent1">
+              <a:shade val="50000"/>
+            </a:schemeClr>
+          </a:lnRef>
+          <a:fillRef idx="1">
+            <a:schemeClr val="accent1"/>
+          </a:fillRef>
+          <a:effectRef idx="0">
+            <a:schemeClr val="accent1"/>
+          </a:effectRef>
+          <a:fontRef idx="minor">
+            <a:schemeClr val="lt1"/>
+          </a:fontRef>
+        </p:style>
+        <p:txBody>
+          <a:bodyPr rtlCol="0" anchor="ctr"/>
+          <a:lstStyle/>
+          <a:p>
+            <a:pPr algn="ctr"/>
+            <a:r>
+              <a:rPr lang="en-US" sz="2000" dirty="0">
+                <a:solidFill>
+                  <a:schemeClr val="tx1"/>
+                </a:solidFill>
+                <a:latin typeface="Arial Rounded MT Bold" panose="020F0704030504030204" pitchFamily="34" charset="0"/>
+              </a:rPr>
+              <a:t>Sending threatening messages</a:t>
+            </a:r>
+          </a:p>
+        </p:txBody>
+      </p:sp>
+      <p:sp>
+        <p:nvSpPr>
+          <p:cNvPr id="49" name="Rectangle 48"/>
+          <p:cNvSpPr/>
+          <p:nvPr/>
+        </p:nvSpPr>
+        <p:spPr>
+          <a:xfrm>
+            <a:off x="1028452" y="2729679"/>
+            <a:ext cx="980276" cy="874458"/>
+          </a:xfrm>
+          <a:prstGeom prst="rect">
+            <a:avLst/>
+          </a:prstGeom>
+          <a:blipFill dpi="0" rotWithShape="1">
+            <a:blip r:embed="rId4" cstate="print">
+              <a:extLst>
+                <a:ext uri="{28A0092B-C50C-407E-A947-70E740481C1C}">
+                  <a14:useLocalDpi xmlns:a14="http://schemas.microsoft.com/office/drawing/2010/main" val="0"/>
+                </a:ext>
+              </a:extLst>
+            </a:blip>
+            <a:srcRect/>
+            <a:stretch>
+              <a:fillRect/>
+            </a:stretch>
+          </a:blipFill>
+          <a:ln>
+            <a:noFill/>
+          </a:ln>
+        </p:spPr>
+        <p:style>
+          <a:lnRef idx="2">
+            <a:schemeClr val="accent1">
+              <a:shade val="50000"/>
+            </a:schemeClr>
+          </a:lnRef>
+          <a:fillRef idx="1">
+            <a:schemeClr val="accent1"/>
+          </a:fillRef>
+          <a:effectRef idx="0">
+            <a:schemeClr val="accent1"/>
+          </a:effectRef>
+          <a:fontRef idx="minor">
+            <a:schemeClr val="lt1"/>
+          </a:fontRef>
+        </p:style>
+        <p:txBody>
+          <a:bodyPr rtlCol="0" anchor="ctr"/>
+          <a:lstStyle/>
+          <a:p>
+            <a:pPr algn="ctr"/>
+            <a:endParaRPr lang="en-US"/>
+          </a:p>
+        </p:txBody>
+      </p:sp>
+      <p:cxnSp>
+        <p:nvCxnSpPr>
+          <p:cNvPr id="47" name="Straight Connector 46"/>
+          <p:cNvCxnSpPr>
+            <a:stCxn id="49" idx="0"/>
+          </p:cNvCxnSpPr>
+          <p:nvPr/>
+        </p:nvCxnSpPr>
+        <p:spPr>
+          <a:xfrm flipV="1">
+            <a:off x="1518590" y="227370"/>
+            <a:ext cx="0" cy="2502309"/>
+          </a:xfrm>
+          <a:prstGeom prst="line">
+            <a:avLst/>
+          </a:prstGeom>
+          <a:ln w="38100"/>
+        </p:spPr>
+        <p:style>
+          <a:lnRef idx="1">
+            <a:schemeClr val="dk1"/>
+          </a:lnRef>
+          <a:fillRef idx="0">
+            <a:schemeClr val="dk1"/>
+          </a:fillRef>
+          <a:effectRef idx="0">
+            <a:schemeClr val="dk1"/>
+          </a:effectRef>
+          <a:fontRef idx="minor">
+            <a:schemeClr val="tx1"/>
+          </a:fontRef>
+        </p:style>
+      </p:cxnSp>
+      <p:sp>
+        <p:nvSpPr>
+          <p:cNvPr id="53" name="Rectangle 52"/>
+          <p:cNvSpPr/>
+          <p:nvPr/>
+        </p:nvSpPr>
+        <p:spPr>
+          <a:xfrm>
+            <a:off x="0" y="0"/>
+            <a:ext cx="12192000" cy="1032387"/>
+          </a:xfrm>
+          <a:prstGeom prst="rect">
+            <a:avLst/>
+          </a:prstGeom>
+          <a:solidFill>
+            <a:srgbClr val="FFDE03"/>
+          </a:solidFill>
+          <a:ln>
+            <a:noFill/>
+          </a:ln>
+        </p:spPr>
+        <p:style>
+          <a:lnRef idx="2">
+            <a:schemeClr val="accent1">
+              <a:shade val="50000"/>
+            </a:schemeClr>
+          </a:lnRef>
+          <a:fillRef idx="1">
+            <a:schemeClr val="accent1"/>
+          </a:fillRef>
+          <a:effectRef idx="0">
+            <a:schemeClr val="accent1"/>
+          </a:effectRef>
+          <a:fontRef idx="minor">
+            <a:schemeClr val="lt1"/>
+          </a:fontRef>
+        </p:style>
+        <p:txBody>
+          <a:bodyPr rtlCol="0" anchor="ctr"/>
+          <a:lstStyle/>
+          <a:p>
+            <a:pPr algn="ctr"/>
+            <a:r>
+              <a:rPr lang="en-US" sz="4000" dirty="0" smtClean="0">
+                <a:solidFill>
+                  <a:schemeClr val="tx1"/>
+                </a:solidFill>
+                <a:latin typeface="Copperplate Gothic Bold" panose="020E0705020206020404" pitchFamily="34" charset="0"/>
+              </a:rPr>
+              <a:t>Form of Cyber bullying</a:t>
+            </a:r>
+            <a:endParaRPr lang="en-US" sz="4000" dirty="0">
+              <a:solidFill>
+                <a:schemeClr val="tx1"/>
+              </a:solidFill>
+            </a:endParaRPr>
+          </a:p>
+        </p:txBody>
+      </p:sp>
+    </p:spTree>
+    <p:extLst>
+      <p:ext uri="{BB962C8B-B14F-4D97-AF65-F5344CB8AC3E}">
+        <p14:creationId xmlns:p14="http://schemas.microsoft.com/office/powerpoint/2010/main" val="1829241534"/>
+      </p:ext>
+    </p:extLst>
+  </p:cSld>
+  <p:clrMapOvr>
+    <a:masterClrMapping/>
+  </p:clrMapOvr>
+  <p:timing>
+    <p:tnLst>
+      <p:par>
+        <p:cTn id="1" dur="indefinite" restart="never" nodeType="tmRoot"/>
+      </p:par>
+    </p:tnLst>
+  </p:timing>
+</p:sld>
+</file>
+
+<file path=ppt/slides/slide5.xml><?xml version="1.0" encoding="utf-8"?>
 <p:sld xmlns:a="http://schemas.openxmlformats.org/drawingml/2006/main" xmlns:r="http://schemas.openxmlformats.org/officeDocument/2006/relationships" xmlns:p="http://schemas.openxmlformats.org/presentationml/2006/main">
   <p:cSld>
     <p:bg>
@@ -3846,13 +5901,7 @@
               <a:rPr lang="en-US" sz="1900" dirty="0" smtClean="0">
                 <a:latin typeface="Arial Rounded MT Bold" panose="020F0704030504030204" pitchFamily="34" charset="0"/>
               </a:rPr>
-              <a:t>osting</a:t>
-            </a:r>
-            <a:r>
-              <a:rPr lang="en-US" sz="1900" dirty="0" smtClean="0">
-                <a:latin typeface="Arial Rounded MT Bold" panose="020F0704030504030204" pitchFamily="34" charset="0"/>
-              </a:rPr>
-              <a:t> </a:t>
+              <a:t>osting </a:t>
             </a:r>
             <a:r>
               <a:rPr lang="en-US" sz="1900" dirty="0">

--- a/603-ET/social networking ethical issues.pptx
+++ b/603-ET/social networking ethical issues.pptx
@@ -9,7 +9,10 @@
     <p:sldId id="257" r:id="rId3"/>
     <p:sldId id="258" r:id="rId4"/>
     <p:sldId id="260" r:id="rId5"/>
-    <p:sldId id="259" r:id="rId6"/>
+    <p:sldId id="262" r:id="rId6"/>
+    <p:sldId id="263" r:id="rId7"/>
+    <p:sldId id="261" r:id="rId8"/>
+    <p:sldId id="264" r:id="rId9"/>
   </p:sldIdLst>
   <p:sldSz cx="12192000" cy="6858000"/>
   <p:notesSz cx="6858000" cy="9144000"/>
@@ -3023,16 +3026,7 @@
                 </a:solidFill>
                 <a:latin typeface="Copperplate Gothic Bold" panose="020E0705020206020404" pitchFamily="34" charset="0"/>
               </a:rPr>
-              <a:t>Social Networking Ethical </a:t>
-            </a:r>
-            <a:r>
-              <a:rPr lang="en-US" dirty="0" smtClean="0">
-                <a:solidFill>
-                  <a:srgbClr val="FFFF00"/>
-                </a:solidFill>
-                <a:latin typeface="Copperplate Gothic Bold" panose="020E0705020206020404" pitchFamily="34" charset="0"/>
-              </a:rPr>
-              <a:t>Issues</a:t>
+              <a:t>Social Networking Ethical Issues</a:t>
             </a:r>
             <a:r>
               <a:rPr lang="en-US" dirty="0" smtClean="0">
@@ -3200,13 +3194,7 @@
               <a:rPr lang="en-US" sz="4000" dirty="0" smtClean="0">
                 <a:latin typeface="Copperplate Gothic Bold" panose="020E0705020206020404" pitchFamily="34" charset="0"/>
               </a:rPr>
-              <a:t>Facts &amp; </a:t>
-            </a:r>
-            <a:r>
-              <a:rPr lang="en-US" sz="4000" dirty="0" smtClean="0">
-                <a:latin typeface="Copperplate Gothic Bold" panose="020E0705020206020404" pitchFamily="34" charset="0"/>
-              </a:rPr>
-              <a:t>Issues</a:t>
+              <a:t>Facts &amp; Issues</a:t>
             </a:r>
             <a:r>
               <a:rPr lang="en-US" sz="4000" dirty="0" smtClean="0"/>
@@ -3858,9 +3846,6 @@
                 </a:rPr>
                 <a:t>2</a:t>
               </a:r>
-              <a:endParaRPr lang="en-US" sz="4800" dirty="0">
-                <a:latin typeface="Arial Rounded MT Bold" panose="020F0704030504030204" pitchFamily="34" charset="0"/>
-              </a:endParaRPr>
             </a:p>
           </p:txBody>
         </p:sp>
@@ -3919,9 +3904,6 @@
                 </a:rPr>
                 <a:t>3</a:t>
               </a:r>
-              <a:endParaRPr lang="en-US" sz="4800" dirty="0">
-                <a:latin typeface="Arial Rounded MT Bold" panose="020F0704030504030204" pitchFamily="34" charset="0"/>
-              </a:endParaRPr>
             </a:p>
           </p:txBody>
         </p:sp>
@@ -3980,12 +3962,625 @@
                 </a:rPr>
                 <a:t>4</a:t>
               </a:r>
-              <a:endParaRPr lang="en-US" sz="4800" dirty="0">
-                <a:latin typeface="Arial Rounded MT Bold" panose="020F0704030504030204" pitchFamily="34" charset="0"/>
-              </a:endParaRPr>
             </a:p>
           </p:txBody>
         </p:sp>
+      </p:grpSp>
+      <p:grpSp>
+        <p:nvGrpSpPr>
+          <p:cNvPr id="5" name="Group 4"/>
+          <p:cNvGrpSpPr/>
+          <p:nvPr/>
+        </p:nvGrpSpPr>
+        <p:grpSpPr>
+          <a:xfrm>
+            <a:off x="-219911" y="-337067"/>
+            <a:ext cx="2820549" cy="3358978"/>
+            <a:chOff x="-484124" y="0"/>
+            <a:chExt cx="3331291" cy="2899099"/>
+          </a:xfrm>
+          <a:blipFill dpi="0" rotWithShape="1">
+            <a:blip r:embed="rId2">
+              <a:extLst>
+                <a:ext uri="{28A0092B-C50C-407E-A947-70E740481C1C}">
+                  <a14:useLocalDpi xmlns:a14="http://schemas.microsoft.com/office/drawing/2010/main" val="0"/>
+                </a:ext>
+              </a:extLst>
+            </a:blip>
+            <a:srcRect/>
+            <a:stretch>
+              <a:fillRect/>
+            </a:stretch>
+          </a:blipFill>
+        </p:grpSpPr>
+        <p:sp>
+          <p:nvSpPr>
+            <p:cNvPr id="30" name="Diamond 29"/>
+            <p:cNvSpPr/>
+            <p:nvPr/>
+          </p:nvSpPr>
+          <p:spPr>
+            <a:xfrm>
+              <a:off x="484124" y="1473520"/>
+              <a:ext cx="914400" cy="914400"/>
+            </a:xfrm>
+            <a:prstGeom prst="diamond">
+              <a:avLst/>
+            </a:prstGeom>
+            <a:grpFill/>
+            <a:ln>
+              <a:noFill/>
+            </a:ln>
+          </p:spPr>
+          <p:style>
+            <a:lnRef idx="2">
+              <a:schemeClr val="accent1">
+                <a:shade val="50000"/>
+              </a:schemeClr>
+            </a:lnRef>
+            <a:fillRef idx="1">
+              <a:schemeClr val="accent1"/>
+            </a:fillRef>
+            <a:effectRef idx="0">
+              <a:schemeClr val="accent1"/>
+            </a:effectRef>
+            <a:fontRef idx="minor">
+              <a:schemeClr val="lt1"/>
+            </a:fontRef>
+          </p:style>
+          <p:txBody>
+            <a:bodyPr rtlCol="0" anchor="ctr"/>
+            <a:lstStyle/>
+            <a:p>
+              <a:pPr algn="ctr"/>
+              <a:endParaRPr lang="en-US"/>
+            </a:p>
+          </p:txBody>
+        </p:sp>
+        <p:sp>
+          <p:nvSpPr>
+            <p:cNvPr id="35" name="Diamond 34"/>
+            <p:cNvSpPr/>
+            <p:nvPr/>
+          </p:nvSpPr>
+          <p:spPr>
+            <a:xfrm>
+              <a:off x="1465005" y="1455074"/>
+              <a:ext cx="914400" cy="914400"/>
+            </a:xfrm>
+            <a:prstGeom prst="diamond">
+              <a:avLst/>
+            </a:prstGeom>
+            <a:grpFill/>
+            <a:ln>
+              <a:noFill/>
+            </a:ln>
+          </p:spPr>
+          <p:style>
+            <a:lnRef idx="2">
+              <a:schemeClr val="accent1">
+                <a:shade val="50000"/>
+              </a:schemeClr>
+            </a:lnRef>
+            <a:fillRef idx="1">
+              <a:schemeClr val="accent1"/>
+            </a:fillRef>
+            <a:effectRef idx="0">
+              <a:schemeClr val="accent1"/>
+            </a:effectRef>
+            <a:fontRef idx="minor">
+              <a:schemeClr val="lt1"/>
+            </a:fontRef>
+          </p:style>
+          <p:txBody>
+            <a:bodyPr rtlCol="0" anchor="ctr"/>
+            <a:lstStyle/>
+            <a:p>
+              <a:pPr algn="ctr"/>
+              <a:endParaRPr lang="en-US"/>
+            </a:p>
+          </p:txBody>
+        </p:sp>
+        <p:grpSp>
+          <p:nvGrpSpPr>
+            <p:cNvPr id="4" name="Group 3"/>
+            <p:cNvGrpSpPr/>
+            <p:nvPr/>
+          </p:nvGrpSpPr>
+          <p:grpSpPr>
+            <a:xfrm>
+              <a:off x="-484124" y="0"/>
+              <a:ext cx="3331291" cy="2899099"/>
+              <a:chOff x="-484124" y="0"/>
+              <a:chExt cx="3331291" cy="2899099"/>
+            </a:xfrm>
+            <a:grpFill/>
+          </p:grpSpPr>
+          <p:sp>
+            <p:nvSpPr>
+              <p:cNvPr id="3" name="Diamond 2"/>
+              <p:cNvSpPr/>
+              <p:nvPr/>
+            </p:nvSpPr>
+            <p:spPr>
+              <a:xfrm>
+                <a:off x="0" y="0"/>
+                <a:ext cx="914400" cy="914400"/>
+              </a:xfrm>
+              <a:prstGeom prst="diamond">
+                <a:avLst/>
+              </a:prstGeom>
+              <a:grpFill/>
+              <a:ln>
+                <a:noFill/>
+              </a:ln>
+            </p:spPr>
+            <p:style>
+              <a:lnRef idx="2">
+                <a:schemeClr val="accent1">
+                  <a:shade val="50000"/>
+                </a:schemeClr>
+              </a:lnRef>
+              <a:fillRef idx="1">
+                <a:schemeClr val="accent1"/>
+              </a:fillRef>
+              <a:effectRef idx="0">
+                <a:schemeClr val="accent1"/>
+              </a:effectRef>
+              <a:fontRef idx="minor">
+                <a:schemeClr val="lt1"/>
+              </a:fontRef>
+            </p:style>
+            <p:txBody>
+              <a:bodyPr rtlCol="0" anchor="ctr"/>
+              <a:lstStyle/>
+              <a:p>
+                <a:pPr algn="ctr"/>
+                <a:endParaRPr lang="en-US"/>
+              </a:p>
+            </p:txBody>
+          </p:sp>
+          <p:sp>
+            <p:nvSpPr>
+              <p:cNvPr id="19" name="Diamond 18"/>
+              <p:cNvSpPr/>
+              <p:nvPr/>
+            </p:nvSpPr>
+            <p:spPr>
+              <a:xfrm>
+                <a:off x="484124" y="494072"/>
+                <a:ext cx="914400" cy="914400"/>
+              </a:xfrm>
+              <a:prstGeom prst="diamond">
+                <a:avLst/>
+              </a:prstGeom>
+              <a:grpFill/>
+              <a:ln>
+                <a:noFill/>
+              </a:ln>
+            </p:spPr>
+            <p:style>
+              <a:lnRef idx="2">
+                <a:schemeClr val="accent1">
+                  <a:shade val="50000"/>
+                </a:schemeClr>
+              </a:lnRef>
+              <a:fillRef idx="1">
+                <a:schemeClr val="accent1"/>
+              </a:fillRef>
+              <a:effectRef idx="0">
+                <a:schemeClr val="accent1"/>
+              </a:effectRef>
+              <a:fontRef idx="minor">
+                <a:schemeClr val="lt1"/>
+              </a:fontRef>
+            </p:style>
+            <p:txBody>
+              <a:bodyPr rtlCol="0" anchor="ctr"/>
+              <a:lstStyle/>
+              <a:p>
+                <a:pPr algn="ctr"/>
+                <a:endParaRPr lang="en-US"/>
+              </a:p>
+            </p:txBody>
+          </p:sp>
+          <p:sp>
+            <p:nvSpPr>
+              <p:cNvPr id="20" name="Diamond 19"/>
+              <p:cNvSpPr/>
+              <p:nvPr/>
+            </p:nvSpPr>
+            <p:spPr>
+              <a:xfrm>
+                <a:off x="-484124" y="500289"/>
+                <a:ext cx="914400" cy="914400"/>
+              </a:xfrm>
+              <a:prstGeom prst="diamond">
+                <a:avLst/>
+              </a:prstGeom>
+              <a:grpFill/>
+              <a:ln>
+                <a:noFill/>
+              </a:ln>
+            </p:spPr>
+            <p:style>
+              <a:lnRef idx="2">
+                <a:schemeClr val="accent1">
+                  <a:shade val="50000"/>
+                </a:schemeClr>
+              </a:lnRef>
+              <a:fillRef idx="1">
+                <a:schemeClr val="accent1"/>
+              </a:fillRef>
+              <a:effectRef idx="0">
+                <a:schemeClr val="accent1"/>
+              </a:effectRef>
+              <a:fontRef idx="minor">
+                <a:schemeClr val="lt1"/>
+              </a:fontRef>
+            </p:style>
+            <p:txBody>
+              <a:bodyPr rtlCol="0" anchor="ctr"/>
+              <a:lstStyle/>
+              <a:p>
+                <a:pPr algn="ctr"/>
+                <a:endParaRPr lang="en-US"/>
+              </a:p>
+            </p:txBody>
+          </p:sp>
+          <p:sp>
+            <p:nvSpPr>
+              <p:cNvPr id="23" name="Diamond 22"/>
+              <p:cNvSpPr/>
+              <p:nvPr/>
+            </p:nvSpPr>
+            <p:spPr>
+              <a:xfrm>
+                <a:off x="0" y="994361"/>
+                <a:ext cx="914400" cy="914400"/>
+              </a:xfrm>
+              <a:prstGeom prst="diamond">
+                <a:avLst/>
+              </a:prstGeom>
+              <a:grpFill/>
+              <a:ln>
+                <a:noFill/>
+              </a:ln>
+            </p:spPr>
+            <p:style>
+              <a:lnRef idx="2">
+                <a:schemeClr val="accent1">
+                  <a:shade val="50000"/>
+                </a:schemeClr>
+              </a:lnRef>
+              <a:fillRef idx="1">
+                <a:schemeClr val="accent1"/>
+              </a:fillRef>
+              <a:effectRef idx="0">
+                <a:schemeClr val="accent1"/>
+              </a:effectRef>
+              <a:fontRef idx="minor">
+                <a:schemeClr val="lt1"/>
+              </a:fontRef>
+            </p:style>
+            <p:txBody>
+              <a:bodyPr rtlCol="0" anchor="ctr"/>
+              <a:lstStyle/>
+              <a:p>
+                <a:pPr algn="ctr"/>
+                <a:endParaRPr lang="en-US"/>
+              </a:p>
+            </p:txBody>
+          </p:sp>
+          <p:sp>
+            <p:nvSpPr>
+              <p:cNvPr id="24" name="Diamond 23"/>
+              <p:cNvSpPr/>
+              <p:nvPr/>
+            </p:nvSpPr>
+            <p:spPr>
+              <a:xfrm>
+                <a:off x="980881" y="8521"/>
+                <a:ext cx="914400" cy="914400"/>
+              </a:xfrm>
+              <a:prstGeom prst="diamond">
+                <a:avLst/>
+              </a:prstGeom>
+              <a:grpFill/>
+              <a:ln>
+                <a:noFill/>
+              </a:ln>
+            </p:spPr>
+            <p:style>
+              <a:lnRef idx="2">
+                <a:schemeClr val="accent1">
+                  <a:shade val="50000"/>
+                </a:schemeClr>
+              </a:lnRef>
+              <a:fillRef idx="1">
+                <a:schemeClr val="accent1"/>
+              </a:fillRef>
+              <a:effectRef idx="0">
+                <a:schemeClr val="accent1"/>
+              </a:effectRef>
+              <a:fontRef idx="minor">
+                <a:schemeClr val="lt1"/>
+              </a:fontRef>
+            </p:style>
+            <p:txBody>
+              <a:bodyPr rtlCol="0" anchor="ctr"/>
+              <a:lstStyle/>
+              <a:p>
+                <a:pPr algn="ctr"/>
+                <a:endParaRPr lang="en-US"/>
+              </a:p>
+            </p:txBody>
+          </p:sp>
+          <p:sp>
+            <p:nvSpPr>
+              <p:cNvPr id="27" name="Diamond 26"/>
+              <p:cNvSpPr/>
+              <p:nvPr/>
+            </p:nvSpPr>
+            <p:spPr>
+              <a:xfrm>
+                <a:off x="1465005" y="484526"/>
+                <a:ext cx="914400" cy="914400"/>
+              </a:xfrm>
+              <a:prstGeom prst="diamond">
+                <a:avLst/>
+              </a:prstGeom>
+              <a:grpFill/>
+              <a:ln>
+                <a:noFill/>
+              </a:ln>
+            </p:spPr>
+            <p:style>
+              <a:lnRef idx="2">
+                <a:schemeClr val="accent1">
+                  <a:shade val="50000"/>
+                </a:schemeClr>
+              </a:lnRef>
+              <a:fillRef idx="1">
+                <a:schemeClr val="accent1"/>
+              </a:fillRef>
+              <a:effectRef idx="0">
+                <a:schemeClr val="accent1"/>
+              </a:effectRef>
+              <a:fontRef idx="minor">
+                <a:schemeClr val="lt1"/>
+              </a:fontRef>
+            </p:style>
+            <p:txBody>
+              <a:bodyPr rtlCol="0" anchor="ctr"/>
+              <a:lstStyle/>
+              <a:p>
+                <a:pPr algn="ctr"/>
+                <a:endParaRPr lang="en-US"/>
+              </a:p>
+            </p:txBody>
+          </p:sp>
+          <p:sp>
+            <p:nvSpPr>
+              <p:cNvPr id="29" name="Diamond 28"/>
+              <p:cNvSpPr/>
+              <p:nvPr/>
+            </p:nvSpPr>
+            <p:spPr>
+              <a:xfrm>
+                <a:off x="980881" y="994361"/>
+                <a:ext cx="914400" cy="914400"/>
+              </a:xfrm>
+              <a:prstGeom prst="diamond">
+                <a:avLst/>
+              </a:prstGeom>
+              <a:grpFill/>
+              <a:ln>
+                <a:noFill/>
+              </a:ln>
+            </p:spPr>
+            <p:style>
+              <a:lnRef idx="2">
+                <a:schemeClr val="accent1">
+                  <a:shade val="50000"/>
+                </a:schemeClr>
+              </a:lnRef>
+              <a:fillRef idx="1">
+                <a:schemeClr val="accent1"/>
+              </a:fillRef>
+              <a:effectRef idx="0">
+                <a:schemeClr val="accent1"/>
+              </a:effectRef>
+              <a:fontRef idx="minor">
+                <a:schemeClr val="lt1"/>
+              </a:fontRef>
+            </p:style>
+            <p:txBody>
+              <a:bodyPr rtlCol="0" anchor="ctr"/>
+              <a:lstStyle/>
+              <a:p>
+                <a:pPr algn="ctr"/>
+                <a:endParaRPr lang="en-US"/>
+              </a:p>
+            </p:txBody>
+          </p:sp>
+          <p:sp>
+            <p:nvSpPr>
+              <p:cNvPr id="32" name="Diamond 31"/>
+              <p:cNvSpPr/>
+              <p:nvPr/>
+            </p:nvSpPr>
+            <p:spPr>
+              <a:xfrm>
+                <a:off x="-469833" y="1494230"/>
+                <a:ext cx="914400" cy="914400"/>
+              </a:xfrm>
+              <a:prstGeom prst="diamond">
+                <a:avLst/>
+              </a:prstGeom>
+              <a:grpFill/>
+              <a:ln>
+                <a:noFill/>
+              </a:ln>
+            </p:spPr>
+            <p:style>
+              <a:lnRef idx="2">
+                <a:schemeClr val="accent1">
+                  <a:shade val="50000"/>
+                </a:schemeClr>
+              </a:lnRef>
+              <a:fillRef idx="1">
+                <a:schemeClr val="accent1"/>
+              </a:fillRef>
+              <a:effectRef idx="0">
+                <a:schemeClr val="accent1"/>
+              </a:effectRef>
+              <a:fontRef idx="minor">
+                <a:schemeClr val="lt1"/>
+              </a:fontRef>
+            </p:style>
+            <p:txBody>
+              <a:bodyPr rtlCol="0" anchor="ctr"/>
+              <a:lstStyle/>
+              <a:p>
+                <a:pPr algn="ctr"/>
+                <a:endParaRPr lang="en-US"/>
+              </a:p>
+            </p:txBody>
+          </p:sp>
+          <p:sp>
+            <p:nvSpPr>
+              <p:cNvPr id="33" name="Diamond 32"/>
+              <p:cNvSpPr/>
+              <p:nvPr/>
+            </p:nvSpPr>
+            <p:spPr>
+              <a:xfrm>
+                <a:off x="21724" y="1984699"/>
+                <a:ext cx="914400" cy="914400"/>
+              </a:xfrm>
+              <a:prstGeom prst="diamond">
+                <a:avLst/>
+              </a:prstGeom>
+              <a:grpFill/>
+              <a:ln>
+                <a:noFill/>
+              </a:ln>
+            </p:spPr>
+            <p:style>
+              <a:lnRef idx="2">
+                <a:schemeClr val="accent1">
+                  <a:shade val="50000"/>
+                </a:schemeClr>
+              </a:lnRef>
+              <a:fillRef idx="1">
+                <a:schemeClr val="accent1"/>
+              </a:fillRef>
+              <a:effectRef idx="0">
+                <a:schemeClr val="accent1"/>
+              </a:effectRef>
+              <a:fontRef idx="minor">
+                <a:schemeClr val="lt1"/>
+              </a:fontRef>
+            </p:style>
+            <p:txBody>
+              <a:bodyPr rtlCol="0" anchor="ctr"/>
+              <a:lstStyle/>
+              <a:p>
+                <a:pPr algn="ctr"/>
+                <a:endParaRPr lang="en-US"/>
+              </a:p>
+            </p:txBody>
+          </p:sp>
+          <p:sp>
+            <p:nvSpPr>
+              <p:cNvPr id="34" name="Diamond 33"/>
+              <p:cNvSpPr/>
+              <p:nvPr/>
+            </p:nvSpPr>
+            <p:spPr>
+              <a:xfrm>
+                <a:off x="1932767" y="994361"/>
+                <a:ext cx="914400" cy="914400"/>
+              </a:xfrm>
+              <a:prstGeom prst="diamond">
+                <a:avLst/>
+              </a:prstGeom>
+              <a:grpFill/>
+              <a:ln>
+                <a:noFill/>
+              </a:ln>
+            </p:spPr>
+            <p:style>
+              <a:lnRef idx="2">
+                <a:schemeClr val="accent1">
+                  <a:shade val="50000"/>
+                </a:schemeClr>
+              </a:lnRef>
+              <a:fillRef idx="1">
+                <a:schemeClr val="accent1"/>
+              </a:fillRef>
+              <a:effectRef idx="0">
+                <a:schemeClr val="accent1"/>
+              </a:effectRef>
+              <a:fontRef idx="minor">
+                <a:schemeClr val="lt1"/>
+              </a:fontRef>
+            </p:style>
+            <p:txBody>
+              <a:bodyPr rtlCol="0" anchor="ctr"/>
+              <a:lstStyle/>
+              <a:p>
+                <a:pPr algn="ctr"/>
+                <a:endParaRPr lang="en-US"/>
+              </a:p>
+            </p:txBody>
+          </p:sp>
+          <p:sp>
+            <p:nvSpPr>
+              <p:cNvPr id="40" name="Diamond 39"/>
+              <p:cNvSpPr/>
+              <p:nvPr/>
+            </p:nvSpPr>
+            <p:spPr>
+              <a:xfrm>
+                <a:off x="968248" y="1962740"/>
+                <a:ext cx="914400" cy="914400"/>
+              </a:xfrm>
+              <a:prstGeom prst="diamond">
+                <a:avLst/>
+              </a:prstGeom>
+              <a:grpFill/>
+              <a:ln>
+                <a:noFill/>
+              </a:ln>
+            </p:spPr>
+            <p:style>
+              <a:lnRef idx="2">
+                <a:schemeClr val="accent1">
+                  <a:shade val="50000"/>
+                </a:schemeClr>
+              </a:lnRef>
+              <a:fillRef idx="1">
+                <a:schemeClr val="accent1"/>
+              </a:fillRef>
+              <a:effectRef idx="0">
+                <a:schemeClr val="accent1"/>
+              </a:effectRef>
+              <a:fontRef idx="minor">
+                <a:schemeClr val="lt1"/>
+              </a:fontRef>
+            </p:style>
+            <p:txBody>
+              <a:bodyPr rtlCol="0" anchor="ctr"/>
+              <a:lstStyle/>
+              <a:p>
+                <a:pPr algn="ctr"/>
+                <a:endParaRPr lang="en-US"/>
+              </a:p>
+            </p:txBody>
+          </p:sp>
+        </p:grpSp>
       </p:grpSp>
     </p:spTree>
     <p:extLst>
@@ -4693,6 +5288,62 @@
           </a:p>
         </p:txBody>
       </p:sp>
+      <p:sp>
+        <p:nvSpPr>
+          <p:cNvPr id="7" name="Flowchart: Preparation 6"/>
+          <p:cNvSpPr/>
+          <p:nvPr/>
+        </p:nvSpPr>
+        <p:spPr>
+          <a:xfrm>
+            <a:off x="4581290" y="6225741"/>
+            <a:ext cx="2455718" cy="632260"/>
+          </a:xfrm>
+          <a:prstGeom prst="flowChartPreparation">
+            <a:avLst/>
+          </a:prstGeom>
+          <a:blipFill dpi="0" rotWithShape="1">
+            <a:blip r:embed="rId3">
+              <a:extLst>
+                <a:ext uri="{28A0092B-C50C-407E-A947-70E740481C1C}">
+                  <a14:useLocalDpi xmlns:a14="http://schemas.microsoft.com/office/drawing/2010/main" val="0"/>
+                </a:ext>
+              </a:extLst>
+            </a:blip>
+            <a:srcRect/>
+            <a:stretch>
+              <a:fillRect/>
+            </a:stretch>
+          </a:blipFill>
+          <a:ln>
+            <a:noFill/>
+          </a:ln>
+        </p:spPr>
+        <p:style>
+          <a:lnRef idx="2">
+            <a:schemeClr val="accent1">
+              <a:shade val="50000"/>
+            </a:schemeClr>
+          </a:lnRef>
+          <a:fillRef idx="1">
+            <a:schemeClr val="accent1"/>
+          </a:fillRef>
+          <a:effectRef idx="0">
+            <a:schemeClr val="accent1"/>
+          </a:effectRef>
+          <a:fontRef idx="minor">
+            <a:schemeClr val="lt1"/>
+          </a:fontRef>
+        </p:style>
+        <p:txBody>
+          <a:bodyPr rtlCol="0" anchor="ctr"/>
+          <a:lstStyle/>
+          <a:p>
+            <a:pPr algn="ctr"/>
+            <a:endParaRPr lang="en-US"/>
+          </a:p>
+        </p:txBody>
+      </p:sp>
     </p:spTree>
     <p:extLst>
       <p:ext uri="{BB962C8B-B14F-4D97-AF65-F5344CB8AC3E}">
@@ -5722,16 +6373,1082 @@
 <file path=ppt/slides/slide5.xml><?xml version="1.0" encoding="utf-8"?>
 <p:sld xmlns:a="http://schemas.openxmlformats.org/drawingml/2006/main" xmlns:r="http://schemas.openxmlformats.org/officeDocument/2006/relationships" xmlns:p="http://schemas.openxmlformats.org/presentationml/2006/main">
   <p:cSld>
+    <p:spTree>
+      <p:nvGrpSpPr>
+        <p:cNvPr id="1" name=""/>
+        <p:cNvGrpSpPr/>
+        <p:nvPr/>
+      </p:nvGrpSpPr>
+      <p:grpSpPr>
+        <a:xfrm>
+          <a:off x="0" y="0"/>
+          <a:ext cx="0" cy="0"/>
+          <a:chOff x="0" y="0"/>
+          <a:chExt cx="0" cy="0"/>
+        </a:xfrm>
+      </p:grpSpPr>
+      <p:sp>
+        <p:nvSpPr>
+          <p:cNvPr id="13" name="Flowchart: Delay 12"/>
+          <p:cNvSpPr/>
+          <p:nvPr/>
+        </p:nvSpPr>
+        <p:spPr>
+          <a:xfrm flipH="1">
+            <a:off x="9468465" y="-13520"/>
+            <a:ext cx="2723535" cy="6871519"/>
+          </a:xfrm>
+          <a:prstGeom prst="flowChartDelay">
+            <a:avLst/>
+          </a:prstGeom>
+          <a:solidFill>
+            <a:srgbClr val="FFDE03"/>
+          </a:solidFill>
+          <a:ln>
+            <a:noFill/>
+          </a:ln>
+        </p:spPr>
+        <p:style>
+          <a:lnRef idx="2">
+            <a:schemeClr val="accent1">
+              <a:shade val="50000"/>
+            </a:schemeClr>
+          </a:lnRef>
+          <a:fillRef idx="1">
+            <a:schemeClr val="accent1"/>
+          </a:fillRef>
+          <a:effectRef idx="0">
+            <a:schemeClr val="accent1"/>
+          </a:effectRef>
+          <a:fontRef idx="minor">
+            <a:schemeClr val="lt1"/>
+          </a:fontRef>
+        </p:style>
+        <p:txBody>
+          <a:bodyPr rtlCol="0" anchor="ctr"/>
+          <a:lstStyle/>
+          <a:p>
+            <a:pPr algn="ctr"/>
+            <a:endParaRPr lang="en-US"/>
+          </a:p>
+        </p:txBody>
+      </p:sp>
+      <p:sp>
+        <p:nvSpPr>
+          <p:cNvPr id="15" name="Flowchart: Process 14"/>
+          <p:cNvSpPr/>
+          <p:nvPr/>
+        </p:nvSpPr>
+        <p:spPr>
+          <a:xfrm rot="5400000">
+            <a:off x="7891616" y="2472813"/>
+            <a:ext cx="5877232" cy="1912374"/>
+          </a:xfrm>
+          <a:prstGeom prst="flowChartProcess">
+            <a:avLst/>
+          </a:prstGeom>
+          <a:noFill/>
+          <a:ln>
+            <a:noFill/>
+          </a:ln>
+        </p:spPr>
+        <p:style>
+          <a:lnRef idx="2">
+            <a:schemeClr val="accent1">
+              <a:shade val="50000"/>
+            </a:schemeClr>
+          </a:lnRef>
+          <a:fillRef idx="1">
+            <a:schemeClr val="accent1"/>
+          </a:fillRef>
+          <a:effectRef idx="0">
+            <a:schemeClr val="accent1"/>
+          </a:effectRef>
+          <a:fontRef idx="minor">
+            <a:schemeClr val="lt1"/>
+          </a:fontRef>
+        </p:style>
+        <p:txBody>
+          <a:bodyPr rtlCol="0" anchor="ctr"/>
+          <a:lstStyle/>
+          <a:p>
+            <a:pPr algn="ctr"/>
+            <a:r>
+              <a:rPr lang="en-US" sz="4000" dirty="0" smtClean="0">
+                <a:solidFill>
+                  <a:schemeClr val="tx1"/>
+                </a:solidFill>
+                <a:latin typeface="Copperplate Gothic Bold" panose="020E0705020206020404" pitchFamily="34" charset="0"/>
+              </a:rPr>
+              <a:t>Cyberstalking</a:t>
+            </a:r>
+            <a:endParaRPr lang="en-US" sz="4000" dirty="0">
+              <a:solidFill>
+                <a:schemeClr val="tx1"/>
+              </a:solidFill>
+            </a:endParaRPr>
+          </a:p>
+        </p:txBody>
+      </p:sp>
+      <p:sp>
+        <p:nvSpPr>
+          <p:cNvPr id="20" name="Parallelogram 19"/>
+          <p:cNvSpPr/>
+          <p:nvPr/>
+        </p:nvSpPr>
+        <p:spPr>
+          <a:xfrm>
+            <a:off x="7859661" y="-3689"/>
+            <a:ext cx="1943100" cy="6851855"/>
+          </a:xfrm>
+          <a:prstGeom prst="parallelogram">
+            <a:avLst>
+              <a:gd name="adj" fmla="val 69427"/>
+            </a:avLst>
+          </a:prstGeom>
+          <a:solidFill>
+            <a:srgbClr val="442C2E"/>
+          </a:solidFill>
+          <a:ln>
+            <a:noFill/>
+          </a:ln>
+        </p:spPr>
+        <p:style>
+          <a:lnRef idx="2">
+            <a:schemeClr val="accent1">
+              <a:shade val="50000"/>
+            </a:schemeClr>
+          </a:lnRef>
+          <a:fillRef idx="1">
+            <a:schemeClr val="accent1"/>
+          </a:fillRef>
+          <a:effectRef idx="0">
+            <a:schemeClr val="accent1"/>
+          </a:effectRef>
+          <a:fontRef idx="minor">
+            <a:schemeClr val="lt1"/>
+          </a:fontRef>
+        </p:style>
+        <p:txBody>
+          <a:bodyPr rtlCol="0" anchor="ctr"/>
+          <a:lstStyle/>
+          <a:p>
+            <a:pPr algn="ctr"/>
+            <a:endParaRPr lang="en-US" dirty="0"/>
+          </a:p>
+        </p:txBody>
+      </p:sp>
+      <p:sp>
+        <p:nvSpPr>
+          <p:cNvPr id="23" name="Parallelogram 22"/>
+          <p:cNvSpPr/>
+          <p:nvPr/>
+        </p:nvSpPr>
+        <p:spPr>
+          <a:xfrm>
+            <a:off x="-324465" y="1128249"/>
+            <a:ext cx="9037688" cy="914400"/>
+          </a:xfrm>
+          <a:prstGeom prst="parallelogram">
+            <a:avLst>
+              <a:gd name="adj" fmla="val 20556"/>
+            </a:avLst>
+          </a:prstGeom>
+          <a:solidFill>
+            <a:srgbClr val="356859"/>
+          </a:solidFill>
+          <a:ln>
+            <a:noFill/>
+          </a:ln>
+        </p:spPr>
+        <p:style>
+          <a:lnRef idx="2">
+            <a:schemeClr val="accent1">
+              <a:shade val="50000"/>
+            </a:schemeClr>
+          </a:lnRef>
+          <a:fillRef idx="1">
+            <a:schemeClr val="accent1"/>
+          </a:fillRef>
+          <a:effectRef idx="0">
+            <a:schemeClr val="accent1"/>
+          </a:effectRef>
+          <a:fontRef idx="minor">
+            <a:schemeClr val="lt1"/>
+          </a:fontRef>
+        </p:style>
+        <p:txBody>
+          <a:bodyPr rtlCol="0" anchor="ctr"/>
+          <a:lstStyle/>
+          <a:p>
+            <a:pPr algn="r"/>
+            <a:r>
+              <a:rPr lang="en-US" sz="2800" dirty="0" smtClean="0">
+                <a:latin typeface="Arial Black" panose="020B0A04020102020204" pitchFamily="34" charset="0"/>
+              </a:rPr>
+              <a:t>Threatening behavior	 </a:t>
+            </a:r>
+            <a:endParaRPr lang="en-US" sz="2800" dirty="0">
+              <a:latin typeface="Arial Black" panose="020B0A04020102020204" pitchFamily="34" charset="0"/>
+            </a:endParaRPr>
+          </a:p>
+        </p:txBody>
+      </p:sp>
+      <p:sp>
+        <p:nvSpPr>
+          <p:cNvPr id="25" name="Parallelogram 24"/>
+          <p:cNvSpPr/>
+          <p:nvPr/>
+        </p:nvSpPr>
+        <p:spPr>
+          <a:xfrm>
+            <a:off x="-516194" y="4392559"/>
+            <a:ext cx="8574651" cy="914400"/>
+          </a:xfrm>
+          <a:prstGeom prst="parallelogram">
+            <a:avLst>
+              <a:gd name="adj" fmla="val 20556"/>
+            </a:avLst>
+          </a:prstGeom>
+          <a:solidFill>
+            <a:srgbClr val="5D1049"/>
+          </a:solidFill>
+          <a:ln>
+            <a:noFill/>
+          </a:ln>
+        </p:spPr>
+        <p:style>
+          <a:lnRef idx="2">
+            <a:schemeClr val="accent1">
+              <a:shade val="50000"/>
+            </a:schemeClr>
+          </a:lnRef>
+          <a:fillRef idx="1">
+            <a:schemeClr val="accent1"/>
+          </a:fillRef>
+          <a:effectRef idx="0">
+            <a:schemeClr val="accent1"/>
+          </a:effectRef>
+          <a:fontRef idx="minor">
+            <a:schemeClr val="lt1"/>
+          </a:fontRef>
+        </p:style>
+        <p:txBody>
+          <a:bodyPr rtlCol="0" anchor="ctr"/>
+          <a:lstStyle/>
+          <a:p>
+            <a:pPr algn="r"/>
+            <a:r>
+              <a:rPr lang="en-US" sz="2800" dirty="0" smtClean="0">
+                <a:latin typeface="Arial Black" panose="020B0A04020102020204" pitchFamily="34" charset="0"/>
+              </a:rPr>
+              <a:t>Adult version of cyberbullying	 </a:t>
+            </a:r>
+            <a:endParaRPr lang="en-US" sz="2800" dirty="0">
+              <a:latin typeface="Arial Black" panose="020B0A04020102020204" pitchFamily="34" charset="0"/>
+            </a:endParaRPr>
+          </a:p>
+        </p:txBody>
+      </p:sp>
+      <p:sp>
+        <p:nvSpPr>
+          <p:cNvPr id="26" name="Parallelogram 25"/>
+          <p:cNvSpPr/>
+          <p:nvPr/>
+        </p:nvSpPr>
+        <p:spPr>
+          <a:xfrm>
+            <a:off x="-516194" y="2760404"/>
+            <a:ext cx="8891434" cy="914400"/>
+          </a:xfrm>
+          <a:prstGeom prst="parallelogram">
+            <a:avLst>
+              <a:gd name="adj" fmla="val 20556"/>
+            </a:avLst>
+          </a:prstGeom>
+          <a:solidFill>
+            <a:srgbClr val="344955"/>
+          </a:solidFill>
+          <a:ln>
+            <a:noFill/>
+          </a:ln>
+        </p:spPr>
+        <p:style>
+          <a:lnRef idx="2">
+            <a:schemeClr val="accent1">
+              <a:shade val="50000"/>
+            </a:schemeClr>
+          </a:lnRef>
+          <a:fillRef idx="1">
+            <a:schemeClr val="accent1"/>
+          </a:fillRef>
+          <a:effectRef idx="0">
+            <a:schemeClr val="accent1"/>
+          </a:effectRef>
+          <a:fontRef idx="minor">
+            <a:schemeClr val="lt1"/>
+          </a:fontRef>
+        </p:style>
+        <p:txBody>
+          <a:bodyPr rtlCol="0" anchor="ctr"/>
+          <a:lstStyle/>
+          <a:p>
+            <a:pPr algn="r"/>
+            <a:r>
+              <a:rPr lang="en-US" sz="2800" dirty="0" smtClean="0">
+                <a:latin typeface="Arial Black" panose="020B0A04020102020204" pitchFamily="34" charset="0"/>
+              </a:rPr>
+              <a:t>Unwanted Advantage	</a:t>
+            </a:r>
+            <a:endParaRPr lang="en-US" sz="2800" dirty="0">
+              <a:latin typeface="Arial Black" panose="020B0A04020102020204" pitchFamily="34" charset="0"/>
+            </a:endParaRPr>
+          </a:p>
+        </p:txBody>
+      </p:sp>
+      <p:sp>
+        <p:nvSpPr>
+          <p:cNvPr id="27" name="Flowchart: Preparation 26"/>
+          <p:cNvSpPr/>
+          <p:nvPr/>
+        </p:nvSpPr>
+        <p:spPr>
+          <a:xfrm>
+            <a:off x="7788377" y="900566"/>
+            <a:ext cx="1371600" cy="1371600"/>
+          </a:xfrm>
+          <a:prstGeom prst="flowChartPreparation">
+            <a:avLst/>
+          </a:prstGeom>
+          <a:solidFill>
+            <a:srgbClr val="E30425"/>
+          </a:solidFill>
+          <a:ln>
+            <a:noFill/>
+          </a:ln>
+          <a:effectLst>
+            <a:outerShdw blurRad="50800" dist="101600" dir="5400000" algn="ctr" rotWithShape="0">
+              <a:srgbClr val="000000">
+                <a:alpha val="43137"/>
+              </a:srgbClr>
+            </a:outerShdw>
+          </a:effectLst>
+        </p:spPr>
+        <p:style>
+          <a:lnRef idx="2">
+            <a:schemeClr val="accent1">
+              <a:shade val="50000"/>
+            </a:schemeClr>
+          </a:lnRef>
+          <a:fillRef idx="1">
+            <a:schemeClr val="accent1"/>
+          </a:fillRef>
+          <a:effectRef idx="0">
+            <a:schemeClr val="accent1"/>
+          </a:effectRef>
+          <a:fontRef idx="minor">
+            <a:schemeClr val="lt1"/>
+          </a:fontRef>
+        </p:style>
+        <p:txBody>
+          <a:bodyPr rtlCol="0" anchor="ctr"/>
+          <a:lstStyle/>
+          <a:p>
+            <a:pPr algn="ctr"/>
+            <a:r>
+              <a:rPr lang="en-US" sz="6000" b="1" dirty="0" err="1" smtClean="0">
+                <a:latin typeface="Blackadder ITC" panose="04020505051007020D02" pitchFamily="82" charset="0"/>
+              </a:rPr>
+              <a:t>i</a:t>
+            </a:r>
+            <a:endParaRPr lang="en-US" sz="6000" b="1" dirty="0">
+              <a:latin typeface="Blackadder ITC" panose="04020505051007020D02" pitchFamily="82" charset="0"/>
+            </a:endParaRPr>
+          </a:p>
+        </p:txBody>
+      </p:sp>
+      <p:sp>
+        <p:nvSpPr>
+          <p:cNvPr id="28" name="Flowchart: Preparation 27"/>
+          <p:cNvSpPr/>
+          <p:nvPr/>
+        </p:nvSpPr>
+        <p:spPr>
+          <a:xfrm>
+            <a:off x="7138219" y="4163959"/>
+            <a:ext cx="1371600" cy="1371600"/>
+          </a:xfrm>
+          <a:prstGeom prst="flowChartPreparation">
+            <a:avLst/>
+          </a:prstGeom>
+          <a:solidFill>
+            <a:srgbClr val="7030A0"/>
+          </a:solidFill>
+          <a:ln>
+            <a:noFill/>
+          </a:ln>
+          <a:effectLst>
+            <a:outerShdw blurRad="50800" dist="101600" dir="5400000" algn="ctr" rotWithShape="0">
+              <a:srgbClr val="000000">
+                <a:alpha val="43137"/>
+              </a:srgbClr>
+            </a:outerShdw>
+          </a:effectLst>
+        </p:spPr>
+        <p:style>
+          <a:lnRef idx="2">
+            <a:schemeClr val="accent1">
+              <a:shade val="50000"/>
+            </a:schemeClr>
+          </a:lnRef>
+          <a:fillRef idx="1">
+            <a:schemeClr val="accent1"/>
+          </a:fillRef>
+          <a:effectRef idx="0">
+            <a:schemeClr val="accent1"/>
+          </a:effectRef>
+          <a:fontRef idx="minor">
+            <a:schemeClr val="lt1"/>
+          </a:fontRef>
+        </p:style>
+        <p:txBody>
+          <a:bodyPr rtlCol="0" anchor="ctr"/>
+          <a:lstStyle/>
+          <a:p>
+            <a:pPr algn="ctr"/>
+            <a:r>
+              <a:rPr lang="en-US" sz="6000" b="1" dirty="0" smtClean="0">
+                <a:latin typeface="Blackadder ITC" panose="04020505051007020D02" pitchFamily="82" charset="0"/>
+              </a:rPr>
+              <a:t>iii</a:t>
+            </a:r>
+            <a:endParaRPr lang="en-US" sz="6000" b="1" dirty="0">
+              <a:latin typeface="Blackadder ITC" panose="04020505051007020D02" pitchFamily="82" charset="0"/>
+            </a:endParaRPr>
+          </a:p>
+        </p:txBody>
+      </p:sp>
+      <p:sp>
+        <p:nvSpPr>
+          <p:cNvPr id="29" name="Flowchart: Preparation 28"/>
+          <p:cNvSpPr/>
+          <p:nvPr/>
+        </p:nvSpPr>
+        <p:spPr>
+          <a:xfrm>
+            <a:off x="7459611" y="2531804"/>
+            <a:ext cx="1371600" cy="1371600"/>
+          </a:xfrm>
+          <a:prstGeom prst="flowChartPreparation">
+            <a:avLst/>
+          </a:prstGeom>
+          <a:solidFill>
+            <a:srgbClr val="92D050"/>
+          </a:solidFill>
+          <a:ln>
+            <a:noFill/>
+          </a:ln>
+          <a:effectLst>
+            <a:outerShdw blurRad="50800" dist="101600" dir="5400000" algn="ctr" rotWithShape="0">
+              <a:srgbClr val="000000">
+                <a:alpha val="43137"/>
+              </a:srgbClr>
+            </a:outerShdw>
+          </a:effectLst>
+        </p:spPr>
+        <p:style>
+          <a:lnRef idx="2">
+            <a:schemeClr val="accent1">
+              <a:shade val="50000"/>
+            </a:schemeClr>
+          </a:lnRef>
+          <a:fillRef idx="1">
+            <a:schemeClr val="accent1"/>
+          </a:fillRef>
+          <a:effectRef idx="0">
+            <a:schemeClr val="accent1"/>
+          </a:effectRef>
+          <a:fontRef idx="minor">
+            <a:schemeClr val="lt1"/>
+          </a:fontRef>
+        </p:style>
+        <p:txBody>
+          <a:bodyPr rtlCol="0" anchor="ctr"/>
+          <a:lstStyle/>
+          <a:p>
+            <a:pPr algn="ctr"/>
+            <a:r>
+              <a:rPr lang="en-US" sz="6000" b="1" dirty="0" smtClean="0">
+                <a:latin typeface="Blackadder ITC" panose="04020505051007020D02" pitchFamily="82" charset="0"/>
+              </a:rPr>
+              <a:t>ii</a:t>
+            </a:r>
+            <a:endParaRPr lang="en-US" sz="6000" b="1" dirty="0">
+              <a:latin typeface="Blackadder ITC" panose="04020505051007020D02" pitchFamily="82" charset="0"/>
+            </a:endParaRPr>
+          </a:p>
+        </p:txBody>
+      </p:sp>
+      <p:grpSp>
+        <p:nvGrpSpPr>
+          <p:cNvPr id="42" name="Group 41"/>
+          <p:cNvGrpSpPr/>
+          <p:nvPr/>
+        </p:nvGrpSpPr>
+        <p:grpSpPr>
+          <a:xfrm>
+            <a:off x="-162969" y="393515"/>
+            <a:ext cx="2921409" cy="3509889"/>
+            <a:chOff x="-10569" y="-281783"/>
+            <a:chExt cx="2247165" cy="2315695"/>
+          </a:xfrm>
+          <a:blipFill dpi="0" rotWithShape="1">
+            <a:blip r:embed="rId2">
+              <a:extLst>
+                <a:ext uri="{28A0092B-C50C-407E-A947-70E740481C1C}">
+                  <a14:useLocalDpi xmlns:a14="http://schemas.microsoft.com/office/drawing/2010/main" val="0"/>
+                </a:ext>
+              </a:extLst>
+            </a:blip>
+            <a:srcRect/>
+            <a:stretch>
+              <a:fillRect/>
+            </a:stretch>
+          </a:blipFill>
+        </p:grpSpPr>
+        <p:sp>
+          <p:nvSpPr>
+            <p:cNvPr id="33" name="Flowchart: Preparation 32"/>
+            <p:cNvSpPr/>
+            <p:nvPr/>
+          </p:nvSpPr>
+          <p:spPr>
+            <a:xfrm>
+              <a:off x="1056231" y="723586"/>
+              <a:ext cx="640080" cy="640080"/>
+            </a:xfrm>
+            <a:prstGeom prst="flowChartPreparation">
+              <a:avLst/>
+            </a:prstGeom>
+            <a:grpFill/>
+            <a:ln>
+              <a:noFill/>
+            </a:ln>
+          </p:spPr>
+          <p:style>
+            <a:lnRef idx="2">
+              <a:schemeClr val="accent1">
+                <a:shade val="50000"/>
+              </a:schemeClr>
+            </a:lnRef>
+            <a:fillRef idx="1">
+              <a:schemeClr val="accent1"/>
+            </a:fillRef>
+            <a:effectRef idx="0">
+              <a:schemeClr val="accent1"/>
+            </a:effectRef>
+            <a:fontRef idx="minor">
+              <a:schemeClr val="lt1"/>
+            </a:fontRef>
+          </p:style>
+          <p:txBody>
+            <a:bodyPr rtlCol="0" anchor="ctr"/>
+            <a:lstStyle/>
+            <a:p>
+              <a:pPr algn="ctr"/>
+              <a:endParaRPr lang="en-US"/>
+            </a:p>
+          </p:txBody>
+        </p:sp>
+        <p:sp>
+          <p:nvSpPr>
+            <p:cNvPr id="38" name="Flowchart: Preparation 37"/>
+            <p:cNvSpPr/>
+            <p:nvPr/>
+          </p:nvSpPr>
+          <p:spPr>
+            <a:xfrm>
+              <a:off x="1589631" y="388463"/>
+              <a:ext cx="640080" cy="640080"/>
+            </a:xfrm>
+            <a:prstGeom prst="flowChartPreparation">
+              <a:avLst/>
+            </a:prstGeom>
+            <a:grpFill/>
+            <a:ln>
+              <a:noFill/>
+            </a:ln>
+          </p:spPr>
+          <p:style>
+            <a:lnRef idx="2">
+              <a:schemeClr val="accent1">
+                <a:shade val="50000"/>
+              </a:schemeClr>
+            </a:lnRef>
+            <a:fillRef idx="1">
+              <a:schemeClr val="accent1"/>
+            </a:fillRef>
+            <a:effectRef idx="0">
+              <a:schemeClr val="accent1"/>
+            </a:effectRef>
+            <a:fontRef idx="minor">
+              <a:schemeClr val="lt1"/>
+            </a:fontRef>
+          </p:style>
+          <p:txBody>
+            <a:bodyPr rtlCol="0" anchor="ctr"/>
+            <a:lstStyle/>
+            <a:p>
+              <a:pPr algn="ctr"/>
+              <a:endParaRPr lang="en-US"/>
+            </a:p>
+          </p:txBody>
+        </p:sp>
+        <p:grpSp>
+          <p:nvGrpSpPr>
+            <p:cNvPr id="41" name="Group 40"/>
+            <p:cNvGrpSpPr/>
+            <p:nvPr/>
+          </p:nvGrpSpPr>
+          <p:grpSpPr>
+            <a:xfrm>
+              <a:off x="-10569" y="-281783"/>
+              <a:ext cx="2247165" cy="2315695"/>
+              <a:chOff x="-10569" y="-281783"/>
+              <a:chExt cx="2247165" cy="2315695"/>
+            </a:xfrm>
+            <a:grpFill/>
+          </p:grpSpPr>
+          <p:sp>
+            <p:nvSpPr>
+              <p:cNvPr id="30" name="Flowchart: Preparation 29"/>
+              <p:cNvSpPr/>
+              <p:nvPr/>
+            </p:nvSpPr>
+            <p:spPr>
+              <a:xfrm>
+                <a:off x="0" y="53829"/>
+                <a:ext cx="640080" cy="640080"/>
+              </a:xfrm>
+              <a:prstGeom prst="flowChartPreparation">
+                <a:avLst/>
+              </a:prstGeom>
+              <a:grpFill/>
+              <a:ln>
+                <a:noFill/>
+              </a:ln>
+            </p:spPr>
+            <p:style>
+              <a:lnRef idx="2">
+                <a:schemeClr val="accent1">
+                  <a:shade val="50000"/>
+                </a:schemeClr>
+              </a:lnRef>
+              <a:fillRef idx="1">
+                <a:schemeClr val="accent1"/>
+              </a:fillRef>
+              <a:effectRef idx="0">
+                <a:schemeClr val="accent1"/>
+              </a:effectRef>
+              <a:fontRef idx="minor">
+                <a:schemeClr val="lt1"/>
+              </a:fontRef>
+            </p:style>
+            <p:txBody>
+              <a:bodyPr rtlCol="0" anchor="ctr"/>
+              <a:lstStyle/>
+              <a:p>
+                <a:pPr algn="ctr"/>
+                <a:endParaRPr lang="en-US"/>
+              </a:p>
+            </p:txBody>
+          </p:sp>
+          <p:sp>
+            <p:nvSpPr>
+              <p:cNvPr id="31" name="Flowchart: Preparation 30"/>
+              <p:cNvSpPr/>
+              <p:nvPr/>
+            </p:nvSpPr>
+            <p:spPr>
+              <a:xfrm>
+                <a:off x="522831" y="403546"/>
+                <a:ext cx="640080" cy="640080"/>
+              </a:xfrm>
+              <a:prstGeom prst="flowChartPreparation">
+                <a:avLst/>
+              </a:prstGeom>
+              <a:grpFill/>
+              <a:ln>
+                <a:noFill/>
+              </a:ln>
+            </p:spPr>
+            <p:style>
+              <a:lnRef idx="2">
+                <a:schemeClr val="accent1">
+                  <a:shade val="50000"/>
+                </a:schemeClr>
+              </a:lnRef>
+              <a:fillRef idx="1">
+                <a:schemeClr val="accent1"/>
+              </a:fillRef>
+              <a:effectRef idx="0">
+                <a:schemeClr val="accent1"/>
+              </a:effectRef>
+              <a:fontRef idx="minor">
+                <a:schemeClr val="lt1"/>
+              </a:fontRef>
+            </p:style>
+            <p:txBody>
+              <a:bodyPr rtlCol="0" anchor="ctr"/>
+              <a:lstStyle/>
+              <a:p>
+                <a:pPr algn="ctr"/>
+                <a:endParaRPr lang="en-US"/>
+              </a:p>
+            </p:txBody>
+          </p:sp>
+          <p:sp>
+            <p:nvSpPr>
+              <p:cNvPr id="32" name="Flowchart: Preparation 31"/>
+              <p:cNvSpPr/>
+              <p:nvPr/>
+            </p:nvSpPr>
+            <p:spPr>
+              <a:xfrm>
+                <a:off x="-10569" y="723586"/>
+                <a:ext cx="640080" cy="640080"/>
+              </a:xfrm>
+              <a:prstGeom prst="flowChartPreparation">
+                <a:avLst/>
+              </a:prstGeom>
+              <a:grpFill/>
+              <a:ln>
+                <a:noFill/>
+              </a:ln>
+            </p:spPr>
+            <p:style>
+              <a:lnRef idx="2">
+                <a:schemeClr val="accent1">
+                  <a:shade val="50000"/>
+                </a:schemeClr>
+              </a:lnRef>
+              <a:fillRef idx="1">
+                <a:schemeClr val="accent1"/>
+              </a:fillRef>
+              <a:effectRef idx="0">
+                <a:schemeClr val="accent1"/>
+              </a:effectRef>
+              <a:fontRef idx="minor">
+                <a:schemeClr val="lt1"/>
+              </a:fontRef>
+            </p:style>
+            <p:txBody>
+              <a:bodyPr rtlCol="0" anchor="ctr"/>
+              <a:lstStyle/>
+              <a:p>
+                <a:pPr algn="ctr"/>
+                <a:endParaRPr lang="en-US"/>
+              </a:p>
+            </p:txBody>
+          </p:sp>
+          <p:sp>
+            <p:nvSpPr>
+              <p:cNvPr id="34" name="Flowchart: Preparation 33"/>
+              <p:cNvSpPr/>
+              <p:nvPr/>
+            </p:nvSpPr>
+            <p:spPr>
+              <a:xfrm>
+                <a:off x="1056231" y="68423"/>
+                <a:ext cx="640080" cy="640080"/>
+              </a:xfrm>
+              <a:prstGeom prst="flowChartPreparation">
+                <a:avLst/>
+              </a:prstGeom>
+              <a:grpFill/>
+              <a:ln>
+                <a:noFill/>
+              </a:ln>
+            </p:spPr>
+            <p:style>
+              <a:lnRef idx="2">
+                <a:schemeClr val="accent1">
+                  <a:shade val="50000"/>
+                </a:schemeClr>
+              </a:lnRef>
+              <a:fillRef idx="1">
+                <a:schemeClr val="accent1"/>
+              </a:fillRef>
+              <a:effectRef idx="0">
+                <a:schemeClr val="accent1"/>
+              </a:effectRef>
+              <a:fontRef idx="minor">
+                <a:schemeClr val="lt1"/>
+              </a:fontRef>
+            </p:style>
+            <p:txBody>
+              <a:bodyPr rtlCol="0" anchor="ctr"/>
+              <a:lstStyle/>
+              <a:p>
+                <a:pPr algn="ctr"/>
+                <a:endParaRPr lang="en-US"/>
+              </a:p>
+            </p:txBody>
+          </p:sp>
+          <p:sp>
+            <p:nvSpPr>
+              <p:cNvPr id="35" name="Flowchart: Preparation 34"/>
+              <p:cNvSpPr/>
+              <p:nvPr/>
+            </p:nvSpPr>
+            <p:spPr>
+              <a:xfrm>
+                <a:off x="522831" y="1073792"/>
+                <a:ext cx="640080" cy="640080"/>
+              </a:xfrm>
+              <a:prstGeom prst="flowChartPreparation">
+                <a:avLst/>
+              </a:prstGeom>
+              <a:grpFill/>
+              <a:ln>
+                <a:noFill/>
+              </a:ln>
+            </p:spPr>
+            <p:style>
+              <a:lnRef idx="2">
+                <a:schemeClr val="accent1">
+                  <a:shade val="50000"/>
+                </a:schemeClr>
+              </a:lnRef>
+              <a:fillRef idx="1">
+                <a:schemeClr val="accent1"/>
+              </a:fillRef>
+              <a:effectRef idx="0">
+                <a:schemeClr val="accent1"/>
+              </a:effectRef>
+              <a:fontRef idx="minor">
+                <a:schemeClr val="lt1"/>
+              </a:fontRef>
+            </p:style>
+            <p:txBody>
+              <a:bodyPr rtlCol="0" anchor="ctr"/>
+              <a:lstStyle/>
+              <a:p>
+                <a:pPr algn="ctr"/>
+                <a:endParaRPr lang="en-US"/>
+              </a:p>
+            </p:txBody>
+          </p:sp>
+          <p:sp>
+            <p:nvSpPr>
+              <p:cNvPr id="36" name="Flowchart: Preparation 35"/>
+              <p:cNvSpPr/>
+              <p:nvPr/>
+            </p:nvSpPr>
+            <p:spPr>
+              <a:xfrm>
+                <a:off x="522831" y="-266700"/>
+                <a:ext cx="640080" cy="640080"/>
+              </a:xfrm>
+              <a:prstGeom prst="flowChartPreparation">
+                <a:avLst/>
+              </a:prstGeom>
+              <a:grpFill/>
+              <a:ln>
+                <a:noFill/>
+              </a:ln>
+            </p:spPr>
+            <p:style>
+              <a:lnRef idx="2">
+                <a:schemeClr val="accent1">
+                  <a:shade val="50000"/>
+                </a:schemeClr>
+              </a:lnRef>
+              <a:fillRef idx="1">
+                <a:schemeClr val="accent1"/>
+              </a:fillRef>
+              <a:effectRef idx="0">
+                <a:schemeClr val="accent1"/>
+              </a:effectRef>
+              <a:fontRef idx="minor">
+                <a:schemeClr val="lt1"/>
+              </a:fontRef>
+            </p:style>
+            <p:txBody>
+              <a:bodyPr rtlCol="0" anchor="ctr"/>
+              <a:lstStyle/>
+              <a:p>
+                <a:pPr algn="ctr"/>
+                <a:endParaRPr lang="en-US"/>
+              </a:p>
+            </p:txBody>
+          </p:sp>
+          <p:sp>
+            <p:nvSpPr>
+              <p:cNvPr id="37" name="Flowchart: Preparation 36"/>
+              <p:cNvSpPr/>
+              <p:nvPr/>
+            </p:nvSpPr>
+            <p:spPr>
+              <a:xfrm>
+                <a:off x="1045662" y="1393832"/>
+                <a:ext cx="640080" cy="640080"/>
+              </a:xfrm>
+              <a:prstGeom prst="flowChartPreparation">
+                <a:avLst/>
+              </a:prstGeom>
+              <a:grpFill/>
+              <a:ln>
+                <a:noFill/>
+              </a:ln>
+            </p:spPr>
+            <p:style>
+              <a:lnRef idx="2">
+                <a:schemeClr val="accent1">
+                  <a:shade val="50000"/>
+                </a:schemeClr>
+              </a:lnRef>
+              <a:fillRef idx="1">
+                <a:schemeClr val="accent1"/>
+              </a:fillRef>
+              <a:effectRef idx="0">
+                <a:schemeClr val="accent1"/>
+              </a:effectRef>
+              <a:fontRef idx="minor">
+                <a:schemeClr val="lt1"/>
+              </a:fontRef>
+            </p:style>
+            <p:txBody>
+              <a:bodyPr rtlCol="0" anchor="ctr"/>
+              <a:lstStyle/>
+              <a:p>
+                <a:pPr algn="ctr"/>
+                <a:endParaRPr lang="en-US"/>
+              </a:p>
+            </p:txBody>
+          </p:sp>
+          <p:sp>
+            <p:nvSpPr>
+              <p:cNvPr id="39" name="Flowchart: Preparation 38"/>
+              <p:cNvSpPr/>
+              <p:nvPr/>
+            </p:nvSpPr>
+            <p:spPr>
+              <a:xfrm>
+                <a:off x="1579062" y="-281783"/>
+                <a:ext cx="640080" cy="640080"/>
+              </a:xfrm>
+              <a:prstGeom prst="flowChartPreparation">
+                <a:avLst/>
+              </a:prstGeom>
+              <a:grpFill/>
+              <a:ln>
+                <a:noFill/>
+              </a:ln>
+            </p:spPr>
+            <p:style>
+              <a:lnRef idx="2">
+                <a:schemeClr val="accent1">
+                  <a:shade val="50000"/>
+                </a:schemeClr>
+              </a:lnRef>
+              <a:fillRef idx="1">
+                <a:schemeClr val="accent1"/>
+              </a:fillRef>
+              <a:effectRef idx="0">
+                <a:schemeClr val="accent1"/>
+              </a:effectRef>
+              <a:fontRef idx="minor">
+                <a:schemeClr val="lt1"/>
+              </a:fontRef>
+            </p:style>
+            <p:txBody>
+              <a:bodyPr rtlCol="0" anchor="ctr"/>
+              <a:lstStyle/>
+              <a:p>
+                <a:pPr algn="ctr"/>
+                <a:endParaRPr lang="en-US"/>
+              </a:p>
+            </p:txBody>
+          </p:sp>
+          <p:sp>
+            <p:nvSpPr>
+              <p:cNvPr id="40" name="Flowchart: Preparation 39"/>
+              <p:cNvSpPr/>
+              <p:nvPr/>
+            </p:nvSpPr>
+            <p:spPr>
+              <a:xfrm>
+                <a:off x="1596516" y="1031481"/>
+                <a:ext cx="640080" cy="640080"/>
+              </a:xfrm>
+              <a:prstGeom prst="flowChartPreparation">
+                <a:avLst/>
+              </a:prstGeom>
+              <a:grpFill/>
+              <a:ln>
+                <a:noFill/>
+              </a:ln>
+            </p:spPr>
+            <p:style>
+              <a:lnRef idx="2">
+                <a:schemeClr val="accent1">
+                  <a:shade val="50000"/>
+                </a:schemeClr>
+              </a:lnRef>
+              <a:fillRef idx="1">
+                <a:schemeClr val="accent1"/>
+              </a:fillRef>
+              <a:effectRef idx="0">
+                <a:schemeClr val="accent1"/>
+              </a:effectRef>
+              <a:fontRef idx="minor">
+                <a:schemeClr val="lt1"/>
+              </a:fontRef>
+            </p:style>
+            <p:txBody>
+              <a:bodyPr rtlCol="0" anchor="ctr"/>
+              <a:lstStyle/>
+              <a:p>
+                <a:pPr algn="ctr"/>
+                <a:endParaRPr lang="en-US"/>
+              </a:p>
+            </p:txBody>
+          </p:sp>
+        </p:grpSp>
+      </p:grpSp>
+    </p:spTree>
+    <p:extLst>
+      <p:ext uri="{BB962C8B-B14F-4D97-AF65-F5344CB8AC3E}">
+        <p14:creationId xmlns:p14="http://schemas.microsoft.com/office/powerpoint/2010/main" val="2708638024"/>
+      </p:ext>
+    </p:extLst>
+  </p:cSld>
+  <p:clrMapOvr>
+    <a:masterClrMapping/>
+  </p:clrMapOvr>
+  <p:timing>
+    <p:tnLst>
+      <p:par>
+        <p:cTn id="1" dur="indefinite" restart="never" nodeType="tmRoot"/>
+      </p:par>
+    </p:tnLst>
+  </p:timing>
+</p:sld>
+</file>
+
+<file path=ppt/slides/slide6.xml><?xml version="1.0" encoding="utf-8"?>
+<p:sld xmlns:a="http://schemas.openxmlformats.org/drawingml/2006/main" xmlns:r="http://schemas.openxmlformats.org/officeDocument/2006/relationships" xmlns:p="http://schemas.openxmlformats.org/presentationml/2006/main">
+  <p:cSld>
     <p:bg>
       <p:bgPr>
         <a:blipFill dpi="0" rotWithShape="1">
           <a:blip r:embed="rId2">
-            <a:alphaModFix amt="5000"/>
             <a:lum/>
           </a:blip>
           <a:srcRect/>
           <a:stretch>
-            <a:fillRect t="-9000" b="-9000"/>
+            <a:fillRect t="-24000" b="-24000"/>
           </a:stretch>
         </a:blipFill>
         <a:effectLst/>
@@ -5753,295 +7470,1851 @@
       </p:grpSpPr>
       <p:sp>
         <p:nvSpPr>
-          <p:cNvPr id="2" name="Title 1"/>
-          <p:cNvSpPr>
-            <a:spLocks noGrp="1"/>
-          </p:cNvSpPr>
-          <p:nvPr>
-            <p:ph type="title"/>
-          </p:nvPr>
-        </p:nvSpPr>
-        <p:spPr/>
-        <p:txBody>
-          <a:bodyPr/>
-          <a:lstStyle/>
-          <a:p>
-            <a:r>
-              <a:rPr lang="en-US" dirty="0" smtClean="0">
+          <p:cNvPr id="2" name="Flowchart: Preparation 1"/>
+          <p:cNvSpPr/>
+          <p:nvPr/>
+        </p:nvSpPr>
+        <p:spPr>
+          <a:xfrm>
+            <a:off x="-1277702" y="0"/>
+            <a:ext cx="6276422" cy="2880360"/>
+          </a:xfrm>
+          <a:prstGeom prst="flowChartPreparation">
+            <a:avLst/>
+          </a:prstGeom>
+          <a:solidFill>
+            <a:srgbClr val="FFDE03"/>
+          </a:solidFill>
+          <a:ln>
+            <a:noFill/>
+          </a:ln>
+        </p:spPr>
+        <p:style>
+          <a:lnRef idx="2">
+            <a:schemeClr val="accent1">
+              <a:shade val="50000"/>
+            </a:schemeClr>
+          </a:lnRef>
+          <a:fillRef idx="1">
+            <a:schemeClr val="accent1"/>
+          </a:fillRef>
+          <a:effectRef idx="0">
+            <a:schemeClr val="accent1"/>
+          </a:effectRef>
+          <a:fontRef idx="minor">
+            <a:schemeClr val="lt1"/>
+          </a:fontRef>
+        </p:style>
+        <p:txBody>
+          <a:bodyPr rtlCol="0" anchor="ctr"/>
+          <a:lstStyle/>
+          <a:p>
+            <a:pPr algn="ctr"/>
+            <a:endParaRPr lang="en-US"/>
+          </a:p>
+        </p:txBody>
+      </p:sp>
+      <p:sp>
+        <p:nvSpPr>
+          <p:cNvPr id="3" name="Flowchart: Process 2"/>
+          <p:cNvSpPr/>
+          <p:nvPr/>
+        </p:nvSpPr>
+        <p:spPr>
+          <a:xfrm>
+            <a:off x="243840" y="323973"/>
+            <a:ext cx="4328160" cy="1912374"/>
+          </a:xfrm>
+          <a:prstGeom prst="flowChartProcess">
+            <a:avLst/>
+          </a:prstGeom>
+          <a:noFill/>
+          <a:ln>
+            <a:noFill/>
+          </a:ln>
+        </p:spPr>
+        <p:style>
+          <a:lnRef idx="2">
+            <a:schemeClr val="accent1">
+              <a:shade val="50000"/>
+            </a:schemeClr>
+          </a:lnRef>
+          <a:fillRef idx="1">
+            <a:schemeClr val="accent1"/>
+          </a:fillRef>
+          <a:effectRef idx="0">
+            <a:schemeClr val="accent1"/>
+          </a:effectRef>
+          <a:fontRef idx="minor">
+            <a:schemeClr val="lt1"/>
+          </a:fontRef>
+        </p:style>
+        <p:txBody>
+          <a:bodyPr rtlCol="0" anchor="ctr"/>
+          <a:lstStyle/>
+          <a:p>
+            <a:r>
+              <a:rPr lang="en-US" sz="3600" dirty="0" smtClean="0">
+                <a:solidFill>
+                  <a:schemeClr val="tx1"/>
+                </a:solidFill>
                 <a:latin typeface="Copperplate Gothic Bold" panose="020E0705020206020404" pitchFamily="34" charset="0"/>
               </a:rPr>
-              <a:t>Cyberbullying</a:t>
-            </a:r>
-            <a:endParaRPr lang="en-US" dirty="0"/>
-          </a:p>
-        </p:txBody>
-      </p:sp>
-      <p:sp>
-        <p:nvSpPr>
-          <p:cNvPr id="3" name="Text Placeholder 2"/>
-          <p:cNvSpPr>
-            <a:spLocks noGrp="1"/>
-          </p:cNvSpPr>
-          <p:nvPr>
-            <p:ph type="body" idx="1"/>
-          </p:nvPr>
-        </p:nvSpPr>
-        <p:spPr/>
-        <p:txBody>
-          <a:bodyPr/>
-          <a:lstStyle/>
-          <a:p>
+              <a:t>Uploading</a:t>
+            </a:r>
+          </a:p>
+          <a:p>
+            <a:r>
+              <a:rPr lang="en-US" sz="3600" dirty="0" smtClean="0">
+                <a:solidFill>
+                  <a:schemeClr val="tx1"/>
+                </a:solidFill>
+                <a:latin typeface="Copperplate Gothic Bold" panose="020E0705020206020404" pitchFamily="34" charset="0"/>
+              </a:rPr>
+              <a:t>Inappropriate</a:t>
+            </a:r>
+            <a:endParaRPr lang="en-US" sz="3600" dirty="0"/>
+          </a:p>
+          <a:p>
+            <a:r>
+              <a:rPr lang="en-US" sz="3600" dirty="0" smtClean="0">
+                <a:solidFill>
+                  <a:schemeClr val="tx1"/>
+                </a:solidFill>
+                <a:latin typeface="Copperplate Gothic Bold" panose="020E0705020206020404" pitchFamily="34" charset="0"/>
+              </a:rPr>
+              <a:t>Material</a:t>
+            </a:r>
+            <a:endParaRPr lang="en-US" sz="3600" dirty="0">
+              <a:solidFill>
+                <a:schemeClr val="tx1"/>
+              </a:solidFill>
+            </a:endParaRPr>
+          </a:p>
+        </p:txBody>
+      </p:sp>
+      <p:grpSp>
+        <p:nvGrpSpPr>
+          <p:cNvPr id="20" name="Group 19"/>
+          <p:cNvGrpSpPr/>
+          <p:nvPr/>
+        </p:nvGrpSpPr>
+        <p:grpSpPr>
+          <a:xfrm>
+            <a:off x="-283081" y="-518406"/>
+            <a:ext cx="5783580" cy="4099560"/>
+            <a:chOff x="-99060" y="0"/>
+            <a:chExt cx="5783580" cy="4099560"/>
+          </a:xfrm>
+        </p:grpSpPr>
+        <p:cxnSp>
+          <p:nvCxnSpPr>
+            <p:cNvPr id="10" name="Straight Connector 9"/>
+            <p:cNvCxnSpPr/>
+            <p:nvPr/>
+          </p:nvCxnSpPr>
+          <p:spPr>
+            <a:xfrm>
+              <a:off x="5684520" y="0"/>
+              <a:ext cx="0" cy="4099560"/>
+            </a:xfrm>
+            <a:prstGeom prst="line">
+              <a:avLst/>
+            </a:prstGeom>
+            <a:ln w="57150" cmpd="sng">
+              <a:solidFill>
+                <a:schemeClr val="bg1">
+                  <a:lumMod val="50000"/>
+                </a:schemeClr>
+              </a:solidFill>
+            </a:ln>
+          </p:spPr>
+          <p:style>
+            <a:lnRef idx="1">
+              <a:schemeClr val="accent1"/>
+            </a:lnRef>
+            <a:fillRef idx="0">
+              <a:schemeClr val="accent1"/>
+            </a:fillRef>
+            <a:effectRef idx="0">
+              <a:schemeClr val="accent1"/>
+            </a:effectRef>
+            <a:fontRef idx="minor">
+              <a:schemeClr val="tx1"/>
+            </a:fontRef>
+          </p:style>
+        </p:cxnSp>
+        <p:cxnSp>
+          <p:nvCxnSpPr>
+            <p:cNvPr id="13" name="Straight Connector 12"/>
+            <p:cNvCxnSpPr/>
+            <p:nvPr/>
+          </p:nvCxnSpPr>
+          <p:spPr>
+            <a:xfrm>
+              <a:off x="-99060" y="4084320"/>
+              <a:ext cx="5783580" cy="15240"/>
+            </a:xfrm>
+            <a:prstGeom prst="line">
+              <a:avLst/>
+            </a:prstGeom>
+            <a:ln w="57150" cmpd="sng">
+              <a:solidFill>
+                <a:schemeClr val="bg1">
+                  <a:lumMod val="50000"/>
+                </a:schemeClr>
+              </a:solidFill>
+            </a:ln>
+          </p:spPr>
+          <p:style>
+            <a:lnRef idx="1">
+              <a:schemeClr val="accent1"/>
+            </a:lnRef>
+            <a:fillRef idx="0">
+              <a:schemeClr val="accent1"/>
+            </a:fillRef>
+            <a:effectRef idx="0">
+              <a:schemeClr val="accent1"/>
+            </a:effectRef>
+            <a:fontRef idx="minor">
+              <a:schemeClr val="tx1"/>
+            </a:fontRef>
+          </p:style>
+        </p:cxnSp>
+      </p:grpSp>
+      <p:sp>
+        <p:nvSpPr>
+          <p:cNvPr id="21" name="Donut 20"/>
+          <p:cNvSpPr/>
+          <p:nvPr/>
+        </p:nvSpPr>
+        <p:spPr>
+          <a:xfrm>
+            <a:off x="5253651" y="3324302"/>
+            <a:ext cx="441960" cy="449580"/>
+          </a:xfrm>
+          <a:prstGeom prst="donut">
+            <a:avLst/>
+          </a:prstGeom>
+          <a:solidFill>
+            <a:srgbClr val="356859"/>
+          </a:solidFill>
+          <a:ln>
+            <a:noFill/>
+          </a:ln>
+        </p:spPr>
+        <p:style>
+          <a:lnRef idx="2">
+            <a:schemeClr val="accent1">
+              <a:shade val="50000"/>
+            </a:schemeClr>
+          </a:lnRef>
+          <a:fillRef idx="1">
+            <a:schemeClr val="accent1"/>
+          </a:fillRef>
+          <a:effectRef idx="0">
+            <a:schemeClr val="accent1"/>
+          </a:effectRef>
+          <a:fontRef idx="minor">
+            <a:schemeClr val="lt1"/>
+          </a:fontRef>
+        </p:style>
+        <p:txBody>
+          <a:bodyPr rtlCol="0" anchor="ctr"/>
+          <a:lstStyle/>
+          <a:p>
+            <a:pPr algn="ctr"/>
+            <a:endParaRPr lang="en-US">
+              <a:solidFill>
+                <a:schemeClr val="tx1"/>
+              </a:solidFill>
+            </a:endParaRPr>
+          </a:p>
+        </p:txBody>
+      </p:sp>
+      <p:sp>
+        <p:nvSpPr>
+          <p:cNvPr id="22" name="Teardrop 21"/>
+          <p:cNvSpPr/>
+          <p:nvPr/>
+        </p:nvSpPr>
+        <p:spPr>
+          <a:xfrm rot="16200000">
+            <a:off x="5647756" y="3675856"/>
+            <a:ext cx="2885702" cy="2948551"/>
+          </a:xfrm>
+          <a:prstGeom prst="teardrop">
+            <a:avLst/>
+          </a:prstGeom>
+          <a:solidFill>
+            <a:srgbClr val="356859"/>
+          </a:solidFill>
+        </p:spPr>
+        <p:style>
+          <a:lnRef idx="2">
+            <a:schemeClr val="accent1">
+              <a:shade val="50000"/>
+            </a:schemeClr>
+          </a:lnRef>
+          <a:fillRef idx="1">
+            <a:schemeClr val="accent1"/>
+          </a:fillRef>
+          <a:effectRef idx="0">
+            <a:schemeClr val="accent1"/>
+          </a:effectRef>
+          <a:fontRef idx="minor">
+            <a:schemeClr val="lt1"/>
+          </a:fontRef>
+        </p:style>
+        <p:txBody>
+          <a:bodyPr rtlCol="0" anchor="ctr"/>
+          <a:lstStyle/>
+          <a:p>
+            <a:pPr algn="ctr"/>
+            <a:endParaRPr lang="en-US"/>
+          </a:p>
+        </p:txBody>
+      </p:sp>
+      <p:sp>
+        <p:nvSpPr>
+          <p:cNvPr id="24" name="Oval 23"/>
+          <p:cNvSpPr/>
+          <p:nvPr/>
+        </p:nvSpPr>
+        <p:spPr>
+          <a:xfrm>
+            <a:off x="5833309" y="3869971"/>
+            <a:ext cx="2514596" cy="2560320"/>
+          </a:xfrm>
+          <a:prstGeom prst="ellipse">
+            <a:avLst/>
+          </a:prstGeom>
+          <a:blipFill dpi="0" rotWithShape="1">
+            <a:blip r:embed="rId3" cstate="print">
+              <a:extLst>
+                <a:ext uri="{28A0092B-C50C-407E-A947-70E740481C1C}">
+                  <a14:useLocalDpi xmlns:a14="http://schemas.microsoft.com/office/drawing/2010/main" val="0"/>
+                </a:ext>
+              </a:extLst>
+            </a:blip>
+            <a:srcRect/>
+            <a:stretch>
+              <a:fillRect/>
+            </a:stretch>
+          </a:blipFill>
+          <a:ln>
+            <a:noFill/>
+          </a:ln>
+        </p:spPr>
+        <p:style>
+          <a:lnRef idx="2">
+            <a:schemeClr val="accent1">
+              <a:shade val="50000"/>
+            </a:schemeClr>
+          </a:lnRef>
+          <a:fillRef idx="1">
+            <a:schemeClr val="accent1"/>
+          </a:fillRef>
+          <a:effectRef idx="0">
+            <a:schemeClr val="accent1"/>
+          </a:effectRef>
+          <a:fontRef idx="minor">
+            <a:schemeClr val="lt1"/>
+          </a:fontRef>
+        </p:style>
+        <p:txBody>
+          <a:bodyPr rtlCol="0" anchor="ctr"/>
+          <a:lstStyle/>
+          <a:p>
+            <a:pPr algn="ctr"/>
+            <a:r>
+              <a:rPr lang="en-US" sz="3200" b="1" dirty="0">
+                <a:solidFill>
+                  <a:schemeClr val="tx1"/>
+                </a:solidFill>
+              </a:rPr>
+              <a:t>Deletion</a:t>
+            </a:r>
+            <a:r>
+              <a:rPr lang="en-US" sz="3200" dirty="0"/>
+              <a:t> </a:t>
+            </a:r>
+            <a:endParaRPr lang="en-US" sz="3200" b="1" dirty="0">
+              <a:solidFill>
+                <a:schemeClr val="tx1"/>
+              </a:solidFill>
+            </a:endParaRPr>
+          </a:p>
+          <a:p>
+            <a:pPr algn="ctr"/>
+            <a:r>
+              <a:rPr lang="en-US" dirty="0">
+                <a:solidFill>
+                  <a:schemeClr val="tx1"/>
+                </a:solidFill>
+              </a:rPr>
+              <a:t>Website has right to material and terminate user accounts that violate the site’s policies</a:t>
+            </a:r>
+            <a:endParaRPr lang="en-US" dirty="0">
+              <a:solidFill>
+                <a:schemeClr val="tx1"/>
+              </a:solidFill>
+            </a:endParaRPr>
+          </a:p>
+        </p:txBody>
+      </p:sp>
+      <p:sp>
+        <p:nvSpPr>
+          <p:cNvPr id="27" name="Donut 26"/>
+          <p:cNvSpPr/>
+          <p:nvPr/>
+        </p:nvSpPr>
+        <p:spPr>
+          <a:xfrm>
+            <a:off x="5265422" y="1215390"/>
+            <a:ext cx="441960" cy="449580"/>
+          </a:xfrm>
+          <a:prstGeom prst="donut">
+            <a:avLst/>
+          </a:prstGeom>
+          <a:solidFill>
+            <a:srgbClr val="344955"/>
+          </a:solidFill>
+          <a:ln>
+            <a:noFill/>
+          </a:ln>
+        </p:spPr>
+        <p:style>
+          <a:lnRef idx="2">
+            <a:schemeClr val="accent1">
+              <a:shade val="50000"/>
+            </a:schemeClr>
+          </a:lnRef>
+          <a:fillRef idx="1">
+            <a:schemeClr val="accent1"/>
+          </a:fillRef>
+          <a:effectRef idx="0">
+            <a:schemeClr val="accent1"/>
+          </a:effectRef>
+          <a:fontRef idx="minor">
+            <a:schemeClr val="lt1"/>
+          </a:fontRef>
+        </p:style>
+        <p:txBody>
+          <a:bodyPr rtlCol="0" anchor="ctr"/>
+          <a:lstStyle/>
+          <a:p>
+            <a:pPr algn="ctr"/>
+            <a:endParaRPr lang="en-US">
+              <a:solidFill>
+                <a:schemeClr val="tx1"/>
+              </a:solidFill>
+            </a:endParaRPr>
+          </a:p>
+        </p:txBody>
+      </p:sp>
+      <p:sp>
+        <p:nvSpPr>
+          <p:cNvPr id="28" name="Teardrop 27"/>
+          <p:cNvSpPr/>
+          <p:nvPr/>
+        </p:nvSpPr>
+        <p:spPr>
+          <a:xfrm rot="13662027">
+            <a:off x="6326006" y="47496"/>
+            <a:ext cx="2885702" cy="2948551"/>
+          </a:xfrm>
+          <a:prstGeom prst="teardrop">
+            <a:avLst/>
+          </a:prstGeom>
+          <a:solidFill>
+            <a:srgbClr val="344955"/>
+          </a:solidFill>
+        </p:spPr>
+        <p:style>
+          <a:lnRef idx="2">
+            <a:schemeClr val="accent1">
+              <a:shade val="50000"/>
+            </a:schemeClr>
+          </a:lnRef>
+          <a:fillRef idx="1">
+            <a:schemeClr val="accent1"/>
+          </a:fillRef>
+          <a:effectRef idx="0">
+            <a:schemeClr val="accent1"/>
+          </a:effectRef>
+          <a:fontRef idx="minor">
+            <a:schemeClr val="lt1"/>
+          </a:fontRef>
+        </p:style>
+        <p:txBody>
+          <a:bodyPr rtlCol="0" anchor="ctr"/>
+          <a:lstStyle/>
+          <a:p>
+            <a:pPr algn="ctr"/>
+            <a:endParaRPr lang="en-US"/>
+          </a:p>
+        </p:txBody>
+      </p:sp>
+      <p:sp>
+        <p:nvSpPr>
+          <p:cNvPr id="29" name="Oval 28"/>
+          <p:cNvSpPr/>
+          <p:nvPr/>
+        </p:nvSpPr>
+        <p:spPr>
+          <a:xfrm>
+            <a:off x="6511559" y="241611"/>
+            <a:ext cx="2514596" cy="2560320"/>
+          </a:xfrm>
+          <a:prstGeom prst="ellipse">
+            <a:avLst/>
+          </a:prstGeom>
+          <a:blipFill dpi="0" rotWithShape="1">
+            <a:blip r:embed="rId3" cstate="print">
+              <a:extLst>
+                <a:ext uri="{28A0092B-C50C-407E-A947-70E740481C1C}">
+                  <a14:useLocalDpi xmlns:a14="http://schemas.microsoft.com/office/drawing/2010/main" val="0"/>
+                </a:ext>
+              </a:extLst>
+            </a:blip>
+            <a:srcRect/>
+            <a:stretch>
+              <a:fillRect/>
+            </a:stretch>
+          </a:blipFill>
+          <a:ln>
+            <a:noFill/>
+          </a:ln>
+        </p:spPr>
+        <p:style>
+          <a:lnRef idx="2">
+            <a:schemeClr val="accent1">
+              <a:shade val="50000"/>
+            </a:schemeClr>
+          </a:lnRef>
+          <a:fillRef idx="1">
+            <a:schemeClr val="accent1"/>
+          </a:fillRef>
+          <a:effectRef idx="0">
+            <a:schemeClr val="accent1"/>
+          </a:effectRef>
+          <a:fontRef idx="minor">
+            <a:schemeClr val="lt1"/>
+          </a:fontRef>
+        </p:style>
+        <p:txBody>
+          <a:bodyPr rtlCol="0" anchor="ctr"/>
+          <a:lstStyle/>
+          <a:p>
+            <a:pPr algn="ctr"/>
+            <a:r>
+              <a:rPr lang="en-US" sz="2800" b="1" dirty="0" smtClean="0">
+                <a:solidFill>
+                  <a:schemeClr val="tx1"/>
+                </a:solidFill>
+              </a:rPr>
+              <a:t>Limits</a:t>
+            </a:r>
+          </a:p>
+          <a:p>
+            <a:pPr algn="ctr"/>
+            <a:r>
+              <a:rPr lang="en-US" dirty="0">
+                <a:solidFill>
+                  <a:schemeClr val="tx1"/>
+                </a:solidFill>
+              </a:rPr>
+              <a:t>on content that is sexually explicit, </a:t>
+            </a:r>
             <a:r>
               <a:rPr lang="en-US" dirty="0" smtClean="0">
-                <a:latin typeface="Arial Rounded MT Bold" panose="020F0704030504030204" pitchFamily="34" charset="0"/>
+                <a:solidFill>
+                  <a:schemeClr val="tx1"/>
+                </a:solidFill>
               </a:rPr>
-              <a:t>Forms </a:t>
+              <a:t>hateful</a:t>
             </a:r>
             <a:r>
               <a:rPr lang="en-US" dirty="0">
-                <a:latin typeface="Arial Rounded MT Bold" panose="020F0704030504030204" pitchFamily="34" charset="0"/>
+                <a:solidFill>
+                  <a:schemeClr val="tx1"/>
+                </a:solidFill>
               </a:rPr>
-              <a:t>of </a:t>
+              <a:t>, or</a:t>
+            </a:r>
+          </a:p>
+          <a:p>
+            <a:pPr algn="ctr"/>
+            <a:r>
+              <a:rPr lang="en-US" dirty="0">
+                <a:solidFill>
+                  <a:schemeClr val="tx1"/>
+                </a:solidFill>
+              </a:rPr>
+              <a:t>violent, or that promotes illegal activity</a:t>
+            </a:r>
+            <a:endParaRPr lang="en-US" sz="2800" b="1" dirty="0">
+              <a:solidFill>
+                <a:schemeClr val="tx1"/>
+              </a:solidFill>
+            </a:endParaRPr>
+          </a:p>
+        </p:txBody>
+      </p:sp>
+      <p:sp>
+        <p:nvSpPr>
+          <p:cNvPr id="33" name="Donut 32"/>
+          <p:cNvSpPr/>
+          <p:nvPr/>
+        </p:nvSpPr>
+        <p:spPr>
+          <a:xfrm>
+            <a:off x="2244289" y="3324302"/>
+            <a:ext cx="441960" cy="449580"/>
+          </a:xfrm>
+          <a:prstGeom prst="donut">
+            <a:avLst/>
+          </a:prstGeom>
+          <a:solidFill>
+            <a:srgbClr val="442C2E"/>
+          </a:solidFill>
+          <a:ln>
+            <a:noFill/>
+          </a:ln>
+        </p:spPr>
+        <p:style>
+          <a:lnRef idx="2">
+            <a:schemeClr val="accent1">
+              <a:shade val="50000"/>
+            </a:schemeClr>
+          </a:lnRef>
+          <a:fillRef idx="1">
+            <a:schemeClr val="accent1"/>
+          </a:fillRef>
+          <a:effectRef idx="0">
+            <a:schemeClr val="accent1"/>
+          </a:effectRef>
+          <a:fontRef idx="minor">
+            <a:schemeClr val="lt1"/>
+          </a:fontRef>
+        </p:style>
+        <p:txBody>
+          <a:bodyPr rtlCol="0" anchor="ctr"/>
+          <a:lstStyle/>
+          <a:p>
+            <a:pPr algn="ctr"/>
+            <a:endParaRPr lang="en-US">
+              <a:solidFill>
+                <a:schemeClr val="tx1"/>
+              </a:solidFill>
+            </a:endParaRPr>
+          </a:p>
+        </p:txBody>
+      </p:sp>
+      <p:sp>
+        <p:nvSpPr>
+          <p:cNvPr id="34" name="Teardrop 33"/>
+          <p:cNvSpPr/>
+          <p:nvPr/>
+        </p:nvSpPr>
+        <p:spPr>
+          <a:xfrm rot="18920651">
+            <a:off x="1243878" y="4280310"/>
+            <a:ext cx="2454481" cy="2467502"/>
+          </a:xfrm>
+          <a:prstGeom prst="teardrop">
+            <a:avLst/>
+          </a:prstGeom>
+          <a:solidFill>
+            <a:srgbClr val="442C2E"/>
+          </a:solidFill>
+        </p:spPr>
+        <p:style>
+          <a:lnRef idx="2">
+            <a:schemeClr val="accent1">
+              <a:shade val="50000"/>
+            </a:schemeClr>
+          </a:lnRef>
+          <a:fillRef idx="1">
+            <a:schemeClr val="accent1"/>
+          </a:fillRef>
+          <a:effectRef idx="0">
+            <a:schemeClr val="accent1"/>
+          </a:effectRef>
+          <a:fontRef idx="minor">
+            <a:schemeClr val="lt1"/>
+          </a:fontRef>
+        </p:style>
+        <p:txBody>
+          <a:bodyPr rtlCol="0" anchor="ctr"/>
+          <a:lstStyle/>
+          <a:p>
+            <a:pPr algn="ctr"/>
+            <a:endParaRPr lang="en-US"/>
+          </a:p>
+        </p:txBody>
+      </p:sp>
+      <p:sp>
+        <p:nvSpPr>
+          <p:cNvPr id="35" name="Oval 34"/>
+          <p:cNvSpPr/>
+          <p:nvPr/>
+        </p:nvSpPr>
+        <p:spPr>
+          <a:xfrm>
+            <a:off x="1356285" y="4458948"/>
+            <a:ext cx="2253448" cy="2138992"/>
+          </a:xfrm>
+          <a:prstGeom prst="ellipse">
+            <a:avLst/>
+          </a:prstGeom>
+          <a:blipFill dpi="0" rotWithShape="1">
+            <a:blip r:embed="rId4" cstate="print">
+              <a:extLst>
+                <a:ext uri="{28A0092B-C50C-407E-A947-70E740481C1C}">
+                  <a14:useLocalDpi xmlns:a14="http://schemas.microsoft.com/office/drawing/2010/main" val="0"/>
+                </a:ext>
+              </a:extLst>
+            </a:blip>
+            <a:srcRect/>
+            <a:stretch>
+              <a:fillRect/>
+            </a:stretch>
+          </a:blipFill>
+          <a:ln>
+            <a:noFill/>
+          </a:ln>
+        </p:spPr>
+        <p:style>
+          <a:lnRef idx="2">
+            <a:schemeClr val="accent1">
+              <a:shade val="50000"/>
+            </a:schemeClr>
+          </a:lnRef>
+          <a:fillRef idx="1">
+            <a:schemeClr val="accent1"/>
+          </a:fillRef>
+          <a:effectRef idx="0">
+            <a:schemeClr val="accent1"/>
+          </a:effectRef>
+          <a:fontRef idx="minor">
+            <a:schemeClr val="lt1"/>
+          </a:fontRef>
+        </p:style>
+        <p:txBody>
+          <a:bodyPr rtlCol="0" anchor="ctr"/>
+          <a:lstStyle/>
+          <a:p>
+            <a:pPr algn="ctr"/>
+            <a:r>
+              <a:rPr lang="en-US" sz="3200" b="1" dirty="0">
+                <a:solidFill>
+                  <a:schemeClr val="tx1"/>
+                </a:solidFill>
+              </a:rPr>
+              <a:t>Policies</a:t>
+            </a:r>
+          </a:p>
+          <a:p>
+            <a:pPr algn="ctr"/>
+            <a:r>
+              <a:rPr lang="en-US" dirty="0">
+                <a:solidFill>
+                  <a:schemeClr val="tx1"/>
+                </a:solidFill>
+              </a:rPr>
+              <a:t>against uploading videos depicting </a:t>
             </a:r>
             <a:r>
               <a:rPr lang="en-US" dirty="0" smtClean="0">
-                <a:latin typeface="Arial Rounded MT Bold" panose="020F0704030504030204" pitchFamily="34" charset="0"/>
+                <a:solidFill>
+                  <a:schemeClr val="tx1"/>
+                </a:solidFill>
               </a:rPr>
-              <a:t>cyberbullying</a:t>
+              <a:t>violence</a:t>
             </a:r>
             <a:endParaRPr lang="en-US" dirty="0">
-              <a:latin typeface="Arial Rounded MT Bold" panose="020F0704030504030204" pitchFamily="34" charset="0"/>
+              <a:solidFill>
+                <a:schemeClr val="tx1"/>
+              </a:solidFill>
             </a:endParaRPr>
           </a:p>
         </p:txBody>
       </p:sp>
-      <p:sp>
-        <p:nvSpPr>
-          <p:cNvPr id="4" name="Content Placeholder 3"/>
-          <p:cNvSpPr>
-            <a:spLocks noGrp="1"/>
-          </p:cNvSpPr>
-          <p:nvPr>
-            <p:ph sz="half" idx="2"/>
-          </p:nvPr>
-        </p:nvSpPr>
-        <p:spPr/>
-        <p:txBody>
-          <a:bodyPr>
-            <a:normAutofit/>
-          </a:bodyPr>
-          <a:lstStyle/>
-          <a:p>
-            <a:r>
-              <a:rPr lang="en-US" sz="1900" dirty="0" smtClean="0">
-                <a:latin typeface="Arial Rounded MT Bold" panose="020F0704030504030204" pitchFamily="34" charset="0"/>
-              </a:rPr>
-              <a:t>Sending threatening messages</a:t>
-            </a:r>
-            <a:endParaRPr lang="en-US" sz="1900" dirty="0">
-              <a:latin typeface="Arial Rounded MT Bold" panose="020F0704030504030204" pitchFamily="34" charset="0"/>
-            </a:endParaRPr>
-          </a:p>
-          <a:p>
-            <a:r>
-              <a:rPr lang="en-US" sz="1900" dirty="0" smtClean="0">
-                <a:latin typeface="Arial Rounded MT Bold" panose="020F0704030504030204" pitchFamily="34" charset="0"/>
-              </a:rPr>
-              <a:t>Sending </a:t>
-            </a:r>
-            <a:r>
-              <a:rPr lang="en-US" sz="1900" dirty="0">
-                <a:latin typeface="Arial Rounded MT Bold" panose="020F0704030504030204" pitchFamily="34" charset="0"/>
-              </a:rPr>
-              <a:t>inappropriate </a:t>
-            </a:r>
-            <a:r>
-              <a:rPr lang="en-US" sz="1900" dirty="0" smtClean="0">
-                <a:latin typeface="Arial Rounded MT Bold" panose="020F0704030504030204" pitchFamily="34" charset="0"/>
-              </a:rPr>
-              <a:t>messages</a:t>
-            </a:r>
-          </a:p>
-          <a:p>
-            <a:r>
-              <a:rPr lang="en-US" sz="1900" dirty="0">
-                <a:latin typeface="Arial Rounded MT Bold" panose="020F0704030504030204" pitchFamily="34" charset="0"/>
-              </a:rPr>
-              <a:t>Stealing the victim’s password and modifying his or her </a:t>
-            </a:r>
-            <a:r>
-              <a:rPr lang="en-US" sz="1900" dirty="0" smtClean="0">
-                <a:latin typeface="Arial Rounded MT Bold" panose="020F0704030504030204" pitchFamily="34" charset="0"/>
-              </a:rPr>
-              <a:t>profile</a:t>
-            </a:r>
-          </a:p>
-          <a:p>
-            <a:r>
-              <a:rPr lang="en-US" sz="1900" dirty="0">
-                <a:latin typeface="Arial Rounded MT Bold" panose="020F0704030504030204" pitchFamily="34" charset="0"/>
-              </a:rPr>
-              <a:t>Posting mean, personal, or false </a:t>
-            </a:r>
-            <a:r>
-              <a:rPr lang="en-US" sz="1900" dirty="0" smtClean="0">
-                <a:latin typeface="Arial Rounded MT Bold" panose="020F0704030504030204" pitchFamily="34" charset="0"/>
-              </a:rPr>
-              <a:t>information</a:t>
-            </a:r>
-          </a:p>
-          <a:p>
-            <a:r>
-              <a:rPr lang="en-US" sz="1900" dirty="0">
-                <a:latin typeface="Arial Rounded MT Bold" panose="020F0704030504030204" pitchFamily="34" charset="0"/>
-              </a:rPr>
-              <a:t>P</a:t>
-            </a:r>
-            <a:r>
-              <a:rPr lang="en-US" sz="1900" dirty="0" smtClean="0">
-                <a:latin typeface="Arial Rounded MT Bold" panose="020F0704030504030204" pitchFamily="34" charset="0"/>
-              </a:rPr>
-              <a:t>osting </a:t>
-            </a:r>
-            <a:r>
-              <a:rPr lang="en-US" sz="1900" dirty="0">
-                <a:latin typeface="Arial Rounded MT Bold" panose="020F0704030504030204" pitchFamily="34" charset="0"/>
-              </a:rPr>
-              <a:t>inappropriate photos of the victim </a:t>
-            </a:r>
-            <a:r>
-              <a:rPr lang="en-US" sz="1900" dirty="0" smtClean="0">
-                <a:latin typeface="Arial Rounded MT Bold" panose="020F0704030504030204" pitchFamily="34" charset="0"/>
-              </a:rPr>
-              <a:t>or sending </a:t>
-            </a:r>
-            <a:r>
-              <a:rPr lang="en-US" sz="1900" dirty="0">
-                <a:latin typeface="Arial Rounded MT Bold" panose="020F0704030504030204" pitchFamily="34" charset="0"/>
-              </a:rPr>
-              <a:t>them to others via cell phone</a:t>
-            </a:r>
-          </a:p>
-        </p:txBody>
-      </p:sp>
-      <p:sp>
-        <p:nvSpPr>
-          <p:cNvPr id="5" name="Text Placeholder 4"/>
-          <p:cNvSpPr>
-            <a:spLocks noGrp="1"/>
-          </p:cNvSpPr>
-          <p:nvPr>
-            <p:ph type="body" sz="quarter" idx="3"/>
-          </p:nvPr>
-        </p:nvSpPr>
-        <p:spPr/>
-        <p:txBody>
-          <a:bodyPr/>
-          <a:lstStyle/>
-          <a:p>
-            <a:r>
-              <a:rPr lang="en-US" dirty="0" smtClean="0">
-                <a:latin typeface="Arial Rounded MT Bold" panose="020F0704030504030204" pitchFamily="34" charset="0"/>
-              </a:rPr>
-              <a:t>Prevention</a:t>
-            </a:r>
-            <a:endParaRPr lang="en-US" dirty="0">
-              <a:latin typeface="Arial Rounded MT Bold" panose="020F0704030504030204" pitchFamily="34" charset="0"/>
-            </a:endParaRPr>
-          </a:p>
-        </p:txBody>
-      </p:sp>
-      <p:sp>
-        <p:nvSpPr>
-          <p:cNvPr id="6" name="Content Placeholder 5"/>
-          <p:cNvSpPr>
-            <a:spLocks noGrp="1"/>
-          </p:cNvSpPr>
-          <p:nvPr>
-            <p:ph sz="quarter" idx="4"/>
-          </p:nvPr>
-        </p:nvSpPr>
-        <p:spPr/>
-        <p:txBody>
-          <a:bodyPr>
-            <a:normAutofit/>
-          </a:bodyPr>
-          <a:lstStyle/>
-          <a:p>
-            <a:r>
-              <a:rPr lang="en-US" sz="1900" dirty="0" smtClean="0">
-                <a:latin typeface="Arial Rounded MT Bold" panose="020F0704030504030204" pitchFamily="34" charset="0"/>
-              </a:rPr>
-              <a:t>Increasing consciousness</a:t>
-            </a:r>
-          </a:p>
-          <a:p>
-            <a:r>
-              <a:rPr lang="en-US" sz="1900" dirty="0" smtClean="0">
-                <a:latin typeface="Arial Rounded MT Bold" panose="020F0704030504030204" pitchFamily="34" charset="0"/>
-              </a:rPr>
-              <a:t>Increasing morality </a:t>
-            </a:r>
-          </a:p>
-          <a:p>
-            <a:r>
-              <a:rPr lang="en-US" sz="1900" dirty="0" smtClean="0">
-                <a:latin typeface="Arial Rounded MT Bold" panose="020F0704030504030204" pitchFamily="34" charset="0"/>
-              </a:rPr>
-              <a:t>Awareness</a:t>
-            </a:r>
-          </a:p>
-          <a:p>
-            <a:r>
-              <a:rPr lang="en-US" sz="1900" dirty="0" smtClean="0">
-                <a:latin typeface="Arial Rounded MT Bold" panose="020F0704030504030204" pitchFamily="34" charset="0"/>
-              </a:rPr>
-              <a:t>Not sharing personal information</a:t>
-            </a:r>
-          </a:p>
-          <a:p>
-            <a:endParaRPr lang="en-US" sz="1900" dirty="0" smtClean="0">
-              <a:latin typeface="Arial Rounded MT Bold" panose="020F0704030504030204" pitchFamily="34" charset="0"/>
-            </a:endParaRPr>
-          </a:p>
-          <a:p>
-            <a:endParaRPr lang="en-US" sz="1900" dirty="0">
-              <a:latin typeface="Arial Rounded MT Bold" panose="020F0704030504030204" pitchFamily="34" charset="0"/>
-            </a:endParaRPr>
-          </a:p>
-          <a:p>
-            <a:endParaRPr lang="en-US" sz="1900" dirty="0" smtClean="0">
-              <a:latin typeface="Arial Rounded MT Bold" panose="020F0704030504030204" pitchFamily="34" charset="0"/>
-            </a:endParaRPr>
-          </a:p>
-          <a:p>
-            <a:pPr marL="0" indent="0">
-              <a:buNone/>
-            </a:pPr>
-            <a:endParaRPr lang="en-US" sz="1900" dirty="0">
-              <a:latin typeface="Arial Rounded MT Bold" panose="020F0704030504030204" pitchFamily="34" charset="0"/>
-            </a:endParaRPr>
-          </a:p>
-          <a:p>
-            <a:pPr marL="0" indent="0">
-              <a:buNone/>
-            </a:pPr>
-            <a:r>
-              <a:rPr lang="en-US" sz="1050" dirty="0" smtClean="0">
-                <a:latin typeface="Segoe Print" panose="02000600000000000000" pitchFamily="2" charset="0"/>
-              </a:rPr>
-              <a:t>Background: http://usustatesman.com/cyberbullying-it-has-to-stop/</a:t>
-            </a:r>
-            <a:endParaRPr lang="en-US" sz="1050" dirty="0">
-              <a:latin typeface="Segoe Print" panose="02000600000000000000" pitchFamily="2" charset="0"/>
-            </a:endParaRPr>
-          </a:p>
-        </p:txBody>
-      </p:sp>
+      <p:grpSp>
+        <p:nvGrpSpPr>
+          <p:cNvPr id="48" name="Group 47"/>
+          <p:cNvGrpSpPr/>
+          <p:nvPr/>
+        </p:nvGrpSpPr>
+        <p:grpSpPr>
+          <a:xfrm rot="16200000">
+            <a:off x="7633000" y="2336972"/>
+            <a:ext cx="6858000" cy="2184055"/>
+            <a:chOff x="10287240" y="-1"/>
+            <a:chExt cx="1904760" cy="6858001"/>
+          </a:xfrm>
+          <a:blipFill dpi="0" rotWithShape="1">
+            <a:blip r:embed="rId5">
+              <a:extLst>
+                <a:ext uri="{28A0092B-C50C-407E-A947-70E740481C1C}">
+                  <a14:useLocalDpi xmlns:a14="http://schemas.microsoft.com/office/drawing/2010/main" val="0"/>
+                </a:ext>
+              </a:extLst>
+            </a:blip>
+            <a:srcRect/>
+            <a:stretch>
+              <a:fillRect/>
+            </a:stretch>
+          </a:blipFill>
+        </p:grpSpPr>
+        <p:sp>
+          <p:nvSpPr>
+            <p:cNvPr id="37" name="Rectangle 36"/>
+            <p:cNvSpPr/>
+            <p:nvPr/>
+          </p:nvSpPr>
+          <p:spPr>
+            <a:xfrm rot="16200000">
+              <a:off x="8467787" y="3133786"/>
+              <a:ext cx="6857999" cy="590427"/>
+            </a:xfrm>
+            <a:prstGeom prst="rect">
+              <a:avLst/>
+            </a:prstGeom>
+            <a:grpFill/>
+            <a:ln>
+              <a:noFill/>
+            </a:ln>
+          </p:spPr>
+          <p:style>
+            <a:lnRef idx="2">
+              <a:schemeClr val="accent1">
+                <a:shade val="50000"/>
+              </a:schemeClr>
+            </a:lnRef>
+            <a:fillRef idx="1">
+              <a:schemeClr val="accent1"/>
+            </a:fillRef>
+            <a:effectRef idx="0">
+              <a:schemeClr val="accent1"/>
+            </a:effectRef>
+            <a:fontRef idx="minor">
+              <a:schemeClr val="lt1"/>
+            </a:fontRef>
+          </p:style>
+          <p:txBody>
+            <a:bodyPr rtlCol="0" anchor="ctr"/>
+            <a:lstStyle/>
+            <a:p>
+              <a:pPr algn="ctr"/>
+              <a:endParaRPr lang="en-US"/>
+            </a:p>
+          </p:txBody>
+        </p:sp>
+        <p:sp>
+          <p:nvSpPr>
+            <p:cNvPr id="46" name="Rectangle 45"/>
+            <p:cNvSpPr/>
+            <p:nvPr/>
+          </p:nvSpPr>
+          <p:spPr>
+            <a:xfrm rot="16200000">
+              <a:off x="7809381" y="3133785"/>
+              <a:ext cx="6857999" cy="590427"/>
+            </a:xfrm>
+            <a:prstGeom prst="rect">
+              <a:avLst/>
+            </a:prstGeom>
+            <a:grpFill/>
+            <a:ln>
+              <a:noFill/>
+            </a:ln>
+          </p:spPr>
+          <p:style>
+            <a:lnRef idx="2">
+              <a:schemeClr val="accent1">
+                <a:shade val="50000"/>
+              </a:schemeClr>
+            </a:lnRef>
+            <a:fillRef idx="1">
+              <a:schemeClr val="accent1"/>
+            </a:fillRef>
+            <a:effectRef idx="0">
+              <a:schemeClr val="accent1"/>
+            </a:effectRef>
+            <a:fontRef idx="minor">
+              <a:schemeClr val="lt1"/>
+            </a:fontRef>
+          </p:style>
+          <p:txBody>
+            <a:bodyPr rtlCol="0" anchor="ctr"/>
+            <a:lstStyle/>
+            <a:p>
+              <a:pPr algn="ctr"/>
+              <a:endParaRPr lang="en-US"/>
+            </a:p>
+          </p:txBody>
+        </p:sp>
+        <p:sp>
+          <p:nvSpPr>
+            <p:cNvPr id="47" name="Rectangle 46"/>
+            <p:cNvSpPr/>
+            <p:nvPr/>
+          </p:nvSpPr>
+          <p:spPr>
+            <a:xfrm rot="16200000">
+              <a:off x="7153454" y="3133787"/>
+              <a:ext cx="6857999" cy="590427"/>
+            </a:xfrm>
+            <a:prstGeom prst="rect">
+              <a:avLst/>
+            </a:prstGeom>
+            <a:grpFill/>
+            <a:ln>
+              <a:noFill/>
+            </a:ln>
+          </p:spPr>
+          <p:style>
+            <a:lnRef idx="2">
+              <a:schemeClr val="accent1">
+                <a:shade val="50000"/>
+              </a:schemeClr>
+            </a:lnRef>
+            <a:fillRef idx="1">
+              <a:schemeClr val="accent1"/>
+            </a:fillRef>
+            <a:effectRef idx="0">
+              <a:schemeClr val="accent1"/>
+            </a:effectRef>
+            <a:fontRef idx="minor">
+              <a:schemeClr val="lt1"/>
+            </a:fontRef>
+          </p:style>
+          <p:txBody>
+            <a:bodyPr rtlCol="0" anchor="ctr"/>
+            <a:lstStyle/>
+            <a:p>
+              <a:pPr algn="ctr"/>
+              <a:endParaRPr lang="en-US"/>
+            </a:p>
+          </p:txBody>
+        </p:sp>
+      </p:grpSp>
     </p:spTree>
     <p:extLst>
       <p:ext uri="{BB962C8B-B14F-4D97-AF65-F5344CB8AC3E}">
-        <p14:creationId xmlns:p14="http://schemas.microsoft.com/office/powerpoint/2010/main" val="4151927996"/>
+        <p14:creationId xmlns:p14="http://schemas.microsoft.com/office/powerpoint/2010/main" val="575265588"/>
+      </p:ext>
+    </p:extLst>
+  </p:cSld>
+  <p:clrMapOvr>
+    <a:masterClrMapping/>
+  </p:clrMapOvr>
+  <p:timing>
+    <p:tnLst>
+      <p:par>
+        <p:cTn id="1" dur="indefinite" restart="never" nodeType="tmRoot"/>
+      </p:par>
+    </p:tnLst>
+  </p:timing>
+</p:sld>
+</file>
+
+<file path=ppt/slides/slide7.xml><?xml version="1.0" encoding="utf-8"?>
+<p:sld xmlns:a="http://schemas.openxmlformats.org/drawingml/2006/main" xmlns:r="http://schemas.openxmlformats.org/officeDocument/2006/relationships" xmlns:p="http://schemas.openxmlformats.org/presentationml/2006/main">
+  <p:cSld>
+    <p:spTree>
+      <p:nvGrpSpPr>
+        <p:cNvPr id="1" name=""/>
+        <p:cNvGrpSpPr/>
+        <p:nvPr/>
+      </p:nvGrpSpPr>
+      <p:grpSpPr>
+        <a:xfrm>
+          <a:off x="0" y="0"/>
+          <a:ext cx="0" cy="0"/>
+          <a:chOff x="0" y="0"/>
+          <a:chExt cx="0" cy="0"/>
+        </a:xfrm>
+      </p:grpSpPr>
+      <p:grpSp>
+        <p:nvGrpSpPr>
+          <p:cNvPr id="26" name="Group 25"/>
+          <p:cNvGrpSpPr/>
+          <p:nvPr/>
+        </p:nvGrpSpPr>
+        <p:grpSpPr>
+          <a:xfrm>
+            <a:off x="5213556" y="519881"/>
+            <a:ext cx="6275438" cy="5877232"/>
+            <a:chOff x="3104536" y="475636"/>
+            <a:chExt cx="6275438" cy="5877232"/>
+          </a:xfrm>
+        </p:grpSpPr>
+        <p:sp>
+          <p:nvSpPr>
+            <p:cNvPr id="7" name="Oval 6"/>
+            <p:cNvSpPr/>
+            <p:nvPr/>
+          </p:nvSpPr>
+          <p:spPr>
+            <a:xfrm>
+              <a:off x="4495800" y="1828800"/>
+              <a:ext cx="3200400" cy="3200400"/>
+            </a:xfrm>
+            <a:prstGeom prst="ellipse">
+              <a:avLst/>
+            </a:prstGeom>
+            <a:blipFill dpi="0" rotWithShape="1">
+              <a:blip r:embed="rId2">
+                <a:extLst>
+                  <a:ext uri="{28A0092B-C50C-407E-A947-70E740481C1C}">
+                    <a14:useLocalDpi xmlns:a14="http://schemas.microsoft.com/office/drawing/2010/main" val="0"/>
+                  </a:ext>
+                </a:extLst>
+              </a:blip>
+              <a:srcRect/>
+              <a:stretch>
+                <a:fillRect/>
+              </a:stretch>
+            </a:blipFill>
+            <a:ln w="57150">
+              <a:solidFill>
+                <a:schemeClr val="tx1"/>
+              </a:solidFill>
+            </a:ln>
+            <a:effectLst>
+              <a:glow rad="63500">
+                <a:schemeClr val="accent3">
+                  <a:satMod val="175000"/>
+                  <a:alpha val="40000"/>
+                </a:schemeClr>
+              </a:glow>
+            </a:effectLst>
+          </p:spPr>
+          <p:style>
+            <a:lnRef idx="2">
+              <a:schemeClr val="accent1">
+                <a:shade val="50000"/>
+              </a:schemeClr>
+            </a:lnRef>
+            <a:fillRef idx="1">
+              <a:schemeClr val="accent1"/>
+            </a:fillRef>
+            <a:effectRef idx="0">
+              <a:schemeClr val="accent1"/>
+            </a:effectRef>
+            <a:fontRef idx="minor">
+              <a:schemeClr val="lt1"/>
+            </a:fontRef>
+          </p:style>
+          <p:txBody>
+            <a:bodyPr rtlCol="0" anchor="ctr"/>
+            <a:lstStyle/>
+            <a:p>
+              <a:pPr algn="ctr"/>
+              <a:endParaRPr lang="en-US"/>
+            </a:p>
+          </p:txBody>
+        </p:sp>
+        <p:grpSp>
+          <p:nvGrpSpPr>
+            <p:cNvPr id="16" name="Group 15"/>
+            <p:cNvGrpSpPr/>
+            <p:nvPr/>
+          </p:nvGrpSpPr>
+          <p:grpSpPr>
+            <a:xfrm>
+              <a:off x="4267200" y="475636"/>
+              <a:ext cx="3657600" cy="1010264"/>
+              <a:chOff x="4267200" y="475636"/>
+              <a:chExt cx="3657600" cy="1010264"/>
+            </a:xfrm>
+          </p:grpSpPr>
+          <p:sp>
+            <p:nvSpPr>
+              <p:cNvPr id="13" name="Oval Callout 12"/>
+              <p:cNvSpPr/>
+              <p:nvPr/>
+            </p:nvSpPr>
+            <p:spPr>
+              <a:xfrm>
+                <a:off x="4267200" y="475636"/>
+                <a:ext cx="3657600" cy="1010264"/>
+              </a:xfrm>
+              <a:prstGeom prst="wedgeEllipseCallout">
+                <a:avLst>
+                  <a:gd name="adj1" fmla="val -423"/>
+                  <a:gd name="adj2" fmla="val 75337"/>
+                </a:avLst>
+              </a:prstGeom>
+              <a:solidFill>
+                <a:srgbClr val="5D1049"/>
+              </a:solidFill>
+              <a:ln>
+                <a:noFill/>
+              </a:ln>
+            </p:spPr>
+            <p:style>
+              <a:lnRef idx="2">
+                <a:schemeClr val="accent1">
+                  <a:shade val="50000"/>
+                </a:schemeClr>
+              </a:lnRef>
+              <a:fillRef idx="1">
+                <a:schemeClr val="accent1"/>
+              </a:fillRef>
+              <a:effectRef idx="0">
+                <a:schemeClr val="accent1"/>
+              </a:effectRef>
+              <a:fontRef idx="minor">
+                <a:schemeClr val="lt1"/>
+              </a:fontRef>
+            </p:style>
+            <p:txBody>
+              <a:bodyPr rtlCol="0" anchor="ctr"/>
+              <a:lstStyle/>
+              <a:p>
+                <a:pPr algn="ctr"/>
+                <a:endParaRPr lang="en-US"/>
+              </a:p>
+            </p:txBody>
+          </p:sp>
+          <p:sp>
+            <p:nvSpPr>
+              <p:cNvPr id="15" name="Oval 14"/>
+              <p:cNvSpPr/>
+              <p:nvPr/>
+            </p:nvSpPr>
+            <p:spPr>
+              <a:xfrm>
+                <a:off x="4548648" y="639713"/>
+                <a:ext cx="3094703" cy="678425"/>
+              </a:xfrm>
+              <a:prstGeom prst="ellipse">
+                <a:avLst/>
+              </a:prstGeom>
+              <a:blipFill dpi="0" rotWithShape="1">
+                <a:blip r:embed="rId3" cstate="print">
+                  <a:extLst>
+                    <a:ext uri="{28A0092B-C50C-407E-A947-70E740481C1C}">
+                      <a14:useLocalDpi xmlns:a14="http://schemas.microsoft.com/office/drawing/2010/main" val="0"/>
+                    </a:ext>
+                  </a:extLst>
+                </a:blip>
+                <a:srcRect/>
+                <a:stretch>
+                  <a:fillRect/>
+                </a:stretch>
+              </a:blipFill>
+              <a:ln>
+                <a:noFill/>
+              </a:ln>
+            </p:spPr>
+            <p:style>
+              <a:lnRef idx="2">
+                <a:schemeClr val="accent1">
+                  <a:shade val="50000"/>
+                </a:schemeClr>
+              </a:lnRef>
+              <a:fillRef idx="1">
+                <a:schemeClr val="accent1"/>
+              </a:fillRef>
+              <a:effectRef idx="0">
+                <a:schemeClr val="accent1"/>
+              </a:effectRef>
+              <a:fontRef idx="minor">
+                <a:schemeClr val="lt1"/>
+              </a:fontRef>
+            </p:style>
+            <p:txBody>
+              <a:bodyPr rtlCol="0" anchor="ctr"/>
+              <a:lstStyle/>
+              <a:p>
+                <a:pPr algn="ctr"/>
+                <a:r>
+                  <a:rPr lang="en-US" b="1" dirty="0" smtClean="0">
+                    <a:solidFill>
+                      <a:schemeClr val="tx1"/>
+                    </a:solidFill>
+                    <a:latin typeface="Arial Black" panose="020B0A04020102020204" pitchFamily="34" charset="0"/>
+                  </a:rPr>
+                  <a:t>Increasing consciousness</a:t>
+                </a:r>
+                <a:endParaRPr lang="en-US" b="1" dirty="0">
+                  <a:solidFill>
+                    <a:schemeClr val="tx1"/>
+                  </a:solidFill>
+                  <a:latin typeface="Arial Black" panose="020B0A04020102020204" pitchFamily="34" charset="0"/>
+                </a:endParaRPr>
+              </a:p>
+            </p:txBody>
+          </p:sp>
+        </p:grpSp>
+        <p:sp>
+          <p:nvSpPr>
+            <p:cNvPr id="18" name="Oval Callout 17"/>
+            <p:cNvSpPr/>
+            <p:nvPr/>
+          </p:nvSpPr>
+          <p:spPr>
+            <a:xfrm rot="16200000">
+              <a:off x="1780868" y="3008672"/>
+              <a:ext cx="3657600" cy="1010264"/>
+            </a:xfrm>
+            <a:prstGeom prst="wedgeEllipseCallout">
+              <a:avLst>
+                <a:gd name="adj1" fmla="val -423"/>
+                <a:gd name="adj2" fmla="val 75337"/>
+              </a:avLst>
+            </a:prstGeom>
+            <a:solidFill>
+              <a:srgbClr val="344955"/>
+            </a:solidFill>
+            <a:ln>
+              <a:noFill/>
+            </a:ln>
+          </p:spPr>
+          <p:style>
+            <a:lnRef idx="2">
+              <a:schemeClr val="accent1">
+                <a:shade val="50000"/>
+              </a:schemeClr>
+            </a:lnRef>
+            <a:fillRef idx="1">
+              <a:schemeClr val="accent1"/>
+            </a:fillRef>
+            <a:effectRef idx="0">
+              <a:schemeClr val="accent1"/>
+            </a:effectRef>
+            <a:fontRef idx="minor">
+              <a:schemeClr val="lt1"/>
+            </a:fontRef>
+          </p:style>
+          <p:txBody>
+            <a:bodyPr rtlCol="0" anchor="ctr"/>
+            <a:lstStyle/>
+            <a:p>
+              <a:pPr algn="ctr"/>
+              <a:endParaRPr lang="en-US"/>
+            </a:p>
+          </p:txBody>
+        </p:sp>
+        <p:sp>
+          <p:nvSpPr>
+            <p:cNvPr id="19" name="Oval 18"/>
+            <p:cNvSpPr/>
+            <p:nvPr/>
+          </p:nvSpPr>
+          <p:spPr>
+            <a:xfrm rot="16200000">
+              <a:off x="2060474" y="3174592"/>
+              <a:ext cx="3094703" cy="678425"/>
+            </a:xfrm>
+            <a:prstGeom prst="ellipse">
+              <a:avLst/>
+            </a:prstGeom>
+            <a:blipFill dpi="0" rotWithShape="1">
+              <a:blip r:embed="rId3" cstate="print">
+                <a:extLst>
+                  <a:ext uri="{28A0092B-C50C-407E-A947-70E740481C1C}">
+                    <a14:useLocalDpi xmlns:a14="http://schemas.microsoft.com/office/drawing/2010/main" val="0"/>
+                  </a:ext>
+                </a:extLst>
+              </a:blip>
+              <a:srcRect/>
+              <a:stretch>
+                <a:fillRect/>
+              </a:stretch>
+            </a:blipFill>
+            <a:ln>
+              <a:noFill/>
+            </a:ln>
+          </p:spPr>
+          <p:style>
+            <a:lnRef idx="2">
+              <a:schemeClr val="accent1">
+                <a:shade val="50000"/>
+              </a:schemeClr>
+            </a:lnRef>
+            <a:fillRef idx="1">
+              <a:schemeClr val="accent1"/>
+            </a:fillRef>
+            <a:effectRef idx="0">
+              <a:schemeClr val="accent1"/>
+            </a:effectRef>
+            <a:fontRef idx="minor">
+              <a:schemeClr val="lt1"/>
+            </a:fontRef>
+          </p:style>
+          <p:txBody>
+            <a:bodyPr rtlCol="0" anchor="ctr"/>
+            <a:lstStyle/>
+            <a:p>
+              <a:pPr algn="ctr"/>
+              <a:r>
+                <a:rPr lang="en-US" b="1" dirty="0" smtClean="0">
+                  <a:solidFill>
+                    <a:schemeClr val="tx1"/>
+                  </a:solidFill>
+                  <a:latin typeface="Arial Black" panose="020B0A04020102020204" pitchFamily="34" charset="0"/>
+                </a:rPr>
+                <a:t>Increasing morality</a:t>
+              </a:r>
+              <a:endParaRPr lang="en-US" b="1" dirty="0">
+                <a:solidFill>
+                  <a:schemeClr val="tx1"/>
+                </a:solidFill>
+                <a:latin typeface="Arial Black" panose="020B0A04020102020204" pitchFamily="34" charset="0"/>
+              </a:endParaRPr>
+            </a:p>
+          </p:txBody>
+        </p:sp>
+        <p:sp>
+          <p:nvSpPr>
+            <p:cNvPr id="21" name="Oval Callout 20"/>
+            <p:cNvSpPr/>
+            <p:nvPr/>
+          </p:nvSpPr>
+          <p:spPr>
+            <a:xfrm rot="5400000">
+              <a:off x="6899787" y="2777613"/>
+              <a:ext cx="3657600" cy="1302774"/>
+            </a:xfrm>
+            <a:prstGeom prst="wedgeEllipseCallout">
+              <a:avLst>
+                <a:gd name="adj1" fmla="val -423"/>
+                <a:gd name="adj2" fmla="val 75337"/>
+              </a:avLst>
+            </a:prstGeom>
+            <a:solidFill>
+              <a:srgbClr val="442C2E"/>
+            </a:solidFill>
+            <a:ln>
+              <a:noFill/>
+            </a:ln>
+          </p:spPr>
+          <p:style>
+            <a:lnRef idx="2">
+              <a:schemeClr val="accent1">
+                <a:shade val="50000"/>
+              </a:schemeClr>
+            </a:lnRef>
+            <a:fillRef idx="1">
+              <a:schemeClr val="accent1"/>
+            </a:fillRef>
+            <a:effectRef idx="0">
+              <a:schemeClr val="accent1"/>
+            </a:effectRef>
+            <a:fontRef idx="minor">
+              <a:schemeClr val="lt1"/>
+            </a:fontRef>
+          </p:style>
+          <p:txBody>
+            <a:bodyPr rtlCol="0" anchor="ctr"/>
+            <a:lstStyle/>
+            <a:p>
+              <a:pPr algn="ctr"/>
+              <a:endParaRPr lang="en-US"/>
+            </a:p>
+          </p:txBody>
+        </p:sp>
+        <p:sp>
+          <p:nvSpPr>
+            <p:cNvPr id="22" name="Oval 21"/>
+            <p:cNvSpPr/>
+            <p:nvPr/>
+          </p:nvSpPr>
+          <p:spPr>
+            <a:xfrm rot="5400000">
+              <a:off x="7183611" y="2991572"/>
+              <a:ext cx="3094703" cy="874855"/>
+            </a:xfrm>
+            <a:prstGeom prst="ellipse">
+              <a:avLst/>
+            </a:prstGeom>
+            <a:blipFill dpi="0" rotWithShape="1">
+              <a:blip r:embed="rId4" cstate="print">
+                <a:extLst>
+                  <a:ext uri="{28A0092B-C50C-407E-A947-70E740481C1C}">
+                    <a14:useLocalDpi xmlns:a14="http://schemas.microsoft.com/office/drawing/2010/main" val="0"/>
+                  </a:ext>
+                </a:extLst>
+              </a:blip>
+              <a:srcRect/>
+              <a:stretch>
+                <a:fillRect/>
+              </a:stretch>
+            </a:blipFill>
+            <a:ln>
+              <a:noFill/>
+            </a:ln>
+          </p:spPr>
+          <p:style>
+            <a:lnRef idx="2">
+              <a:schemeClr val="accent1">
+                <a:shade val="50000"/>
+              </a:schemeClr>
+            </a:lnRef>
+            <a:fillRef idx="1">
+              <a:schemeClr val="accent1"/>
+            </a:fillRef>
+            <a:effectRef idx="0">
+              <a:schemeClr val="accent1"/>
+            </a:effectRef>
+            <a:fontRef idx="minor">
+              <a:schemeClr val="lt1"/>
+            </a:fontRef>
+          </p:style>
+          <p:txBody>
+            <a:bodyPr rtlCol="0" anchor="ctr"/>
+            <a:lstStyle/>
+            <a:p>
+              <a:pPr algn="ctr"/>
+              <a:r>
+                <a:rPr lang="en-US" b="1" dirty="0" smtClean="0">
+                  <a:solidFill>
+                    <a:schemeClr val="tx1"/>
+                  </a:solidFill>
+                  <a:latin typeface="Arial Black" panose="020B0A04020102020204" pitchFamily="34" charset="0"/>
+                </a:rPr>
+                <a:t>Hiding Confidential Information</a:t>
+              </a:r>
+              <a:endParaRPr lang="en-US" b="1" dirty="0">
+                <a:solidFill>
+                  <a:schemeClr val="tx1"/>
+                </a:solidFill>
+                <a:latin typeface="Arial Black" panose="020B0A04020102020204" pitchFamily="34" charset="0"/>
+              </a:endParaRPr>
+            </a:p>
+          </p:txBody>
+        </p:sp>
+        <p:sp>
+          <p:nvSpPr>
+            <p:cNvPr id="24" name="Oval Callout 23"/>
+            <p:cNvSpPr/>
+            <p:nvPr/>
+          </p:nvSpPr>
+          <p:spPr>
+            <a:xfrm rot="10800000">
+              <a:off x="4290551" y="5342604"/>
+              <a:ext cx="3657600" cy="1010264"/>
+            </a:xfrm>
+            <a:prstGeom prst="wedgeEllipseCallout">
+              <a:avLst>
+                <a:gd name="adj1" fmla="val -423"/>
+                <a:gd name="adj2" fmla="val 75337"/>
+              </a:avLst>
+            </a:prstGeom>
+            <a:solidFill>
+              <a:srgbClr val="356859"/>
+            </a:solidFill>
+            <a:ln>
+              <a:noFill/>
+            </a:ln>
+          </p:spPr>
+          <p:style>
+            <a:lnRef idx="2">
+              <a:schemeClr val="accent1">
+                <a:shade val="50000"/>
+              </a:schemeClr>
+            </a:lnRef>
+            <a:fillRef idx="1">
+              <a:schemeClr val="accent1"/>
+            </a:fillRef>
+            <a:effectRef idx="0">
+              <a:schemeClr val="accent1"/>
+            </a:effectRef>
+            <a:fontRef idx="minor">
+              <a:schemeClr val="lt1"/>
+            </a:fontRef>
+          </p:style>
+          <p:txBody>
+            <a:bodyPr rtlCol="0" anchor="ctr"/>
+            <a:lstStyle/>
+            <a:p>
+              <a:pPr algn="ctr"/>
+              <a:endParaRPr lang="en-US"/>
+            </a:p>
+          </p:txBody>
+        </p:sp>
+        <p:sp>
+          <p:nvSpPr>
+            <p:cNvPr id="25" name="Oval 24"/>
+            <p:cNvSpPr/>
+            <p:nvPr/>
+          </p:nvSpPr>
+          <p:spPr>
+            <a:xfrm rot="10800000">
+              <a:off x="4572000" y="5510366"/>
+              <a:ext cx="3094703" cy="678425"/>
+            </a:xfrm>
+            <a:prstGeom prst="ellipse">
+              <a:avLst/>
+            </a:prstGeom>
+            <a:blipFill dpi="0" rotWithShape="1">
+              <a:blip r:embed="rId3" cstate="print">
+                <a:extLst>
+                  <a:ext uri="{28A0092B-C50C-407E-A947-70E740481C1C}">
+                    <a14:useLocalDpi xmlns:a14="http://schemas.microsoft.com/office/drawing/2010/main" val="0"/>
+                  </a:ext>
+                </a:extLst>
+              </a:blip>
+              <a:srcRect/>
+              <a:stretch>
+                <a:fillRect/>
+              </a:stretch>
+            </a:blipFill>
+            <a:ln>
+              <a:noFill/>
+            </a:ln>
+          </p:spPr>
+          <p:style>
+            <a:lnRef idx="2">
+              <a:schemeClr val="accent1">
+                <a:shade val="50000"/>
+              </a:schemeClr>
+            </a:lnRef>
+            <a:fillRef idx="1">
+              <a:schemeClr val="accent1"/>
+            </a:fillRef>
+            <a:effectRef idx="0">
+              <a:schemeClr val="accent1"/>
+            </a:effectRef>
+            <a:fontRef idx="minor">
+              <a:schemeClr val="lt1"/>
+            </a:fontRef>
+          </p:style>
+          <p:txBody>
+            <a:bodyPr rtlCol="0" anchor="ctr"/>
+            <a:lstStyle/>
+            <a:p>
+              <a:pPr algn="ctr"/>
+              <a:r>
+                <a:rPr lang="en-US" b="1" dirty="0" smtClean="0">
+                  <a:solidFill>
+                    <a:schemeClr val="tx1"/>
+                  </a:solidFill>
+                  <a:latin typeface="Arial Black" panose="020B0A04020102020204" pitchFamily="34" charset="0"/>
+                </a:rPr>
+                <a:t>Awareness</a:t>
+              </a:r>
+              <a:endParaRPr lang="en-US" b="1" dirty="0">
+                <a:solidFill>
+                  <a:schemeClr val="tx1"/>
+                </a:solidFill>
+                <a:latin typeface="Arial Black" panose="020B0A04020102020204" pitchFamily="34" charset="0"/>
+              </a:endParaRPr>
+            </a:p>
+          </p:txBody>
+        </p:sp>
+      </p:grpSp>
+      <p:sp>
+        <p:nvSpPr>
+          <p:cNvPr id="27" name="Flowchart: Stored Data 26"/>
+          <p:cNvSpPr/>
+          <p:nvPr/>
+        </p:nvSpPr>
+        <p:spPr>
+          <a:xfrm>
+            <a:off x="-825910" y="-290359"/>
+            <a:ext cx="6542755" cy="7497711"/>
+          </a:xfrm>
+          <a:prstGeom prst="flowChartOnlineStorage">
+            <a:avLst/>
+          </a:prstGeom>
+          <a:solidFill>
+            <a:srgbClr val="FFDE03"/>
+          </a:solidFill>
+          <a:ln>
+            <a:noFill/>
+          </a:ln>
+        </p:spPr>
+        <p:style>
+          <a:lnRef idx="2">
+            <a:schemeClr val="accent1">
+              <a:shade val="50000"/>
+            </a:schemeClr>
+          </a:lnRef>
+          <a:fillRef idx="1">
+            <a:schemeClr val="accent1"/>
+          </a:fillRef>
+          <a:effectRef idx="0">
+            <a:schemeClr val="accent1"/>
+          </a:effectRef>
+          <a:fontRef idx="minor">
+            <a:schemeClr val="lt1"/>
+          </a:fontRef>
+        </p:style>
+        <p:txBody>
+          <a:bodyPr rtlCol="0" anchor="ctr"/>
+          <a:lstStyle/>
+          <a:p>
+            <a:pPr algn="ctr"/>
+            <a:endParaRPr lang="en-US"/>
+          </a:p>
+        </p:txBody>
+      </p:sp>
+      <p:sp>
+        <p:nvSpPr>
+          <p:cNvPr id="28" name="Flowchart: Process 27"/>
+          <p:cNvSpPr/>
+          <p:nvPr/>
+        </p:nvSpPr>
+        <p:spPr>
+          <a:xfrm rot="16200000">
+            <a:off x="-915934" y="2502310"/>
+            <a:ext cx="5877232" cy="1912374"/>
+          </a:xfrm>
+          <a:prstGeom prst="flowChartProcess">
+            <a:avLst/>
+          </a:prstGeom>
+          <a:noFill/>
+          <a:ln>
+            <a:noFill/>
+          </a:ln>
+        </p:spPr>
+        <p:style>
+          <a:lnRef idx="2">
+            <a:schemeClr val="accent1">
+              <a:shade val="50000"/>
+            </a:schemeClr>
+          </a:lnRef>
+          <a:fillRef idx="1">
+            <a:schemeClr val="accent1"/>
+          </a:fillRef>
+          <a:effectRef idx="0">
+            <a:schemeClr val="accent1"/>
+          </a:effectRef>
+          <a:fontRef idx="minor">
+            <a:schemeClr val="lt1"/>
+          </a:fontRef>
+        </p:style>
+        <p:txBody>
+          <a:bodyPr rtlCol="0" anchor="ctr"/>
+          <a:lstStyle/>
+          <a:p>
+            <a:pPr algn="ctr"/>
+            <a:r>
+              <a:rPr lang="en-US" sz="4000" dirty="0" smtClean="0">
+                <a:solidFill>
+                  <a:schemeClr val="tx1"/>
+                </a:solidFill>
+                <a:latin typeface="Copperplate Gothic Bold" panose="020E0705020206020404" pitchFamily="34" charset="0"/>
+              </a:rPr>
+              <a:t>Prevention</a:t>
+            </a:r>
+            <a:endParaRPr lang="en-US" sz="4000" dirty="0">
+              <a:solidFill>
+                <a:schemeClr val="tx1"/>
+              </a:solidFill>
+            </a:endParaRPr>
+          </a:p>
+        </p:txBody>
+      </p:sp>
+    </p:spTree>
+    <p:extLst>
+      <p:ext uri="{BB962C8B-B14F-4D97-AF65-F5344CB8AC3E}">
+        <p14:creationId xmlns:p14="http://schemas.microsoft.com/office/powerpoint/2010/main" val="1408512075"/>
+      </p:ext>
+    </p:extLst>
+  </p:cSld>
+  <p:clrMapOvr>
+    <a:masterClrMapping/>
+  </p:clrMapOvr>
+  <p:timing>
+    <p:tnLst>
+      <p:par>
+        <p:cTn id="1" dur="indefinite" restart="never" nodeType="tmRoot"/>
+      </p:par>
+    </p:tnLst>
+  </p:timing>
+</p:sld>
+</file>
+
+<file path=ppt/slides/slide8.xml><?xml version="1.0" encoding="utf-8"?>
+<p:sld xmlns:a="http://schemas.openxmlformats.org/drawingml/2006/main" xmlns:r="http://schemas.openxmlformats.org/officeDocument/2006/relationships" xmlns:p="http://schemas.openxmlformats.org/presentationml/2006/main">
+  <p:cSld>
+    <p:spTree>
+      <p:nvGrpSpPr>
+        <p:cNvPr id="1" name=""/>
+        <p:cNvGrpSpPr/>
+        <p:nvPr/>
+      </p:nvGrpSpPr>
+      <p:grpSpPr>
+        <a:xfrm>
+          <a:off x="0" y="0"/>
+          <a:ext cx="0" cy="0"/>
+          <a:chOff x="0" y="0"/>
+          <a:chExt cx="0" cy="0"/>
+        </a:xfrm>
+      </p:grpSpPr>
+      <p:sp>
+        <p:nvSpPr>
+          <p:cNvPr id="2" name="Rectangle 1"/>
+          <p:cNvSpPr/>
+          <p:nvPr/>
+        </p:nvSpPr>
+        <p:spPr>
+          <a:xfrm>
+            <a:off x="1463039" y="0"/>
+            <a:ext cx="9265920" cy="3642360"/>
+          </a:xfrm>
+          <a:prstGeom prst="rect">
+            <a:avLst/>
+          </a:prstGeom>
+          <a:blipFill dpi="0" rotWithShape="1">
+            <a:blip r:embed="rId2">
+              <a:extLst>
+                <a:ext uri="{28A0092B-C50C-407E-A947-70E740481C1C}">
+                  <a14:useLocalDpi xmlns:a14="http://schemas.microsoft.com/office/drawing/2010/main" val="0"/>
+                </a:ext>
+              </a:extLst>
+            </a:blip>
+            <a:srcRect/>
+            <a:stretch>
+              <a:fillRect/>
+            </a:stretch>
+          </a:blipFill>
+          <a:ln>
+            <a:noFill/>
+          </a:ln>
+        </p:spPr>
+        <p:style>
+          <a:lnRef idx="2">
+            <a:schemeClr val="accent1">
+              <a:shade val="50000"/>
+            </a:schemeClr>
+          </a:lnRef>
+          <a:fillRef idx="1">
+            <a:schemeClr val="accent1"/>
+          </a:fillRef>
+          <a:effectRef idx="0">
+            <a:schemeClr val="accent1"/>
+          </a:effectRef>
+          <a:fontRef idx="minor">
+            <a:schemeClr val="lt1"/>
+          </a:fontRef>
+        </p:style>
+        <p:txBody>
+          <a:bodyPr rtlCol="0" anchor="ctr"/>
+          <a:lstStyle/>
+          <a:p>
+            <a:pPr algn="ctr"/>
+            <a:endParaRPr lang="en-US"/>
+          </a:p>
+        </p:txBody>
+      </p:sp>
+      <p:sp>
+        <p:nvSpPr>
+          <p:cNvPr id="3" name="Flowchart: Delay 2"/>
+          <p:cNvSpPr/>
+          <p:nvPr/>
+        </p:nvSpPr>
+        <p:spPr>
+          <a:xfrm rot="16200000">
+            <a:off x="4625340" y="-708660"/>
+            <a:ext cx="2941320" cy="12192000"/>
+          </a:xfrm>
+          <a:prstGeom prst="flowChartDelay">
+            <a:avLst/>
+          </a:prstGeom>
+          <a:solidFill>
+            <a:srgbClr val="FFDE03"/>
+          </a:solidFill>
+          <a:ln>
+            <a:noFill/>
+          </a:ln>
+        </p:spPr>
+        <p:style>
+          <a:lnRef idx="2">
+            <a:schemeClr val="accent1">
+              <a:shade val="50000"/>
+            </a:schemeClr>
+          </a:lnRef>
+          <a:fillRef idx="1">
+            <a:schemeClr val="accent1"/>
+          </a:fillRef>
+          <a:effectRef idx="0">
+            <a:schemeClr val="accent1"/>
+          </a:effectRef>
+          <a:fontRef idx="minor">
+            <a:schemeClr val="lt1"/>
+          </a:fontRef>
+        </p:style>
+        <p:txBody>
+          <a:bodyPr rtlCol="0" anchor="ctr"/>
+          <a:lstStyle/>
+          <a:p>
+            <a:pPr algn="ctr"/>
+            <a:endParaRPr lang="en-US"/>
+          </a:p>
+        </p:txBody>
+      </p:sp>
+      <p:sp>
+        <p:nvSpPr>
+          <p:cNvPr id="4" name="Flowchart: Process 3"/>
+          <p:cNvSpPr/>
+          <p:nvPr/>
+        </p:nvSpPr>
+        <p:spPr>
+          <a:xfrm>
+            <a:off x="3157383" y="4282440"/>
+            <a:ext cx="5877232" cy="2575560"/>
+          </a:xfrm>
+          <a:prstGeom prst="flowChartProcess">
+            <a:avLst/>
+          </a:prstGeom>
+          <a:noFill/>
+          <a:ln>
+            <a:noFill/>
+          </a:ln>
+        </p:spPr>
+        <p:style>
+          <a:lnRef idx="2">
+            <a:schemeClr val="accent1">
+              <a:shade val="50000"/>
+            </a:schemeClr>
+          </a:lnRef>
+          <a:fillRef idx="1">
+            <a:schemeClr val="accent1"/>
+          </a:fillRef>
+          <a:effectRef idx="0">
+            <a:schemeClr val="accent1"/>
+          </a:effectRef>
+          <a:fontRef idx="minor">
+            <a:schemeClr val="lt1"/>
+          </a:fontRef>
+        </p:style>
+        <p:txBody>
+          <a:bodyPr rtlCol="0" anchor="ctr"/>
+          <a:lstStyle/>
+          <a:p>
+            <a:pPr algn="ctr"/>
+            <a:r>
+              <a:rPr lang="en-US" sz="6600" b="1" dirty="0" smtClean="0">
+                <a:solidFill>
+                  <a:schemeClr val="tx1"/>
+                </a:solidFill>
+                <a:latin typeface="Bradley Hand ITC" panose="03070402050302030203" pitchFamily="66" charset="0"/>
+              </a:rPr>
+              <a:t>Thank you for your patients</a:t>
+            </a:r>
+            <a:endParaRPr lang="en-US" sz="6600" b="1" dirty="0">
+              <a:solidFill>
+                <a:schemeClr val="tx1"/>
+              </a:solidFill>
+              <a:latin typeface="Bradley Hand ITC" panose="03070402050302030203" pitchFamily="66" charset="0"/>
+            </a:endParaRPr>
+          </a:p>
+        </p:txBody>
+      </p:sp>
+    </p:spTree>
+    <p:extLst>
+      <p:ext uri="{BB962C8B-B14F-4D97-AF65-F5344CB8AC3E}">
+        <p14:creationId xmlns:p14="http://schemas.microsoft.com/office/powerpoint/2010/main" val="524076457"/>
       </p:ext>
     </p:extLst>
   </p:cSld>

--- a/603-ET/social networking ethical issues.pptx
+++ b/603-ET/social networking ethical issues.pptx
@@ -250,7 +250,7 @@
           <a:p>
             <a:fld id="{9EF7D3A6-9E8E-4941-BB94-5A31170A0B6C}" type="datetimeFigureOut">
               <a:rPr lang="en-US" smtClean="0"/>
-              <a:t>9/1/2018</a:t>
+              <a:t>9/25/2018</a:t>
             </a:fld>
             <a:endParaRPr lang="en-US"/>
           </a:p>
@@ -420,7 +420,7 @@
           <a:p>
             <a:fld id="{9EF7D3A6-9E8E-4941-BB94-5A31170A0B6C}" type="datetimeFigureOut">
               <a:rPr lang="en-US" smtClean="0"/>
-              <a:t>9/1/2018</a:t>
+              <a:t>9/25/2018</a:t>
             </a:fld>
             <a:endParaRPr lang="en-US"/>
           </a:p>
@@ -600,7 +600,7 @@
           <a:p>
             <a:fld id="{9EF7D3A6-9E8E-4941-BB94-5A31170A0B6C}" type="datetimeFigureOut">
               <a:rPr lang="en-US" smtClean="0"/>
-              <a:t>9/1/2018</a:t>
+              <a:t>9/25/2018</a:t>
             </a:fld>
             <a:endParaRPr lang="en-US"/>
           </a:p>
@@ -770,7 +770,7 @@
           <a:p>
             <a:fld id="{9EF7D3A6-9E8E-4941-BB94-5A31170A0B6C}" type="datetimeFigureOut">
               <a:rPr lang="en-US" smtClean="0"/>
-              <a:t>9/1/2018</a:t>
+              <a:t>9/25/2018</a:t>
             </a:fld>
             <a:endParaRPr lang="en-US"/>
           </a:p>
@@ -1016,7 +1016,7 @@
           <a:p>
             <a:fld id="{9EF7D3A6-9E8E-4941-BB94-5A31170A0B6C}" type="datetimeFigureOut">
               <a:rPr lang="en-US" smtClean="0"/>
-              <a:t>9/1/2018</a:t>
+              <a:t>9/25/2018</a:t>
             </a:fld>
             <a:endParaRPr lang="en-US"/>
           </a:p>
@@ -1248,7 +1248,7 @@
           <a:p>
             <a:fld id="{9EF7D3A6-9E8E-4941-BB94-5A31170A0B6C}" type="datetimeFigureOut">
               <a:rPr lang="en-US" smtClean="0"/>
-              <a:t>9/1/2018</a:t>
+              <a:t>9/25/2018</a:t>
             </a:fld>
             <a:endParaRPr lang="en-US"/>
           </a:p>
@@ -1615,7 +1615,7 @@
           <a:p>
             <a:fld id="{9EF7D3A6-9E8E-4941-BB94-5A31170A0B6C}" type="datetimeFigureOut">
               <a:rPr lang="en-US" smtClean="0"/>
-              <a:t>9/1/2018</a:t>
+              <a:t>9/25/2018</a:t>
             </a:fld>
             <a:endParaRPr lang="en-US"/>
           </a:p>
@@ -1733,7 +1733,7 @@
           <a:p>
             <a:fld id="{9EF7D3A6-9E8E-4941-BB94-5A31170A0B6C}" type="datetimeFigureOut">
               <a:rPr lang="en-US" smtClean="0"/>
-              <a:t>9/1/2018</a:t>
+              <a:t>9/25/2018</a:t>
             </a:fld>
             <a:endParaRPr lang="en-US"/>
           </a:p>
@@ -1828,7 +1828,7 @@
           <a:p>
             <a:fld id="{9EF7D3A6-9E8E-4941-BB94-5A31170A0B6C}" type="datetimeFigureOut">
               <a:rPr lang="en-US" smtClean="0"/>
-              <a:t>9/1/2018</a:t>
+              <a:t>9/25/2018</a:t>
             </a:fld>
             <a:endParaRPr lang="en-US"/>
           </a:p>
@@ -2105,7 +2105,7 @@
           <a:p>
             <a:fld id="{9EF7D3A6-9E8E-4941-BB94-5A31170A0B6C}" type="datetimeFigureOut">
               <a:rPr lang="en-US" smtClean="0"/>
-              <a:t>9/1/2018</a:t>
+              <a:t>9/25/2018</a:t>
             </a:fld>
             <a:endParaRPr lang="en-US"/>
           </a:p>
@@ -2358,7 +2358,7 @@
           <a:p>
             <a:fld id="{9EF7D3A6-9E8E-4941-BB94-5A31170A0B6C}" type="datetimeFigureOut">
               <a:rPr lang="en-US" smtClean="0"/>
-              <a:t>9/1/2018</a:t>
+              <a:t>9/25/2018</a:t>
             </a:fld>
             <a:endParaRPr lang="en-US"/>
           </a:p>
@@ -2571,7 +2571,7 @@
           <a:p>
             <a:fld id="{9EF7D3A6-9E8E-4941-BB94-5A31170A0B6C}" type="datetimeFigureOut">
               <a:rPr lang="en-US" smtClean="0"/>
-              <a:t>9/1/2018</a:t>
+              <a:t>9/25/2018</a:t>
             </a:fld>
             <a:endParaRPr lang="en-US"/>
           </a:p>
@@ -3164,6 +3164,176 @@
           <a:chExt cx="0" cy="0"/>
         </a:xfrm>
       </p:grpSpPr>
+      <p:sp>
+        <p:nvSpPr>
+          <p:cNvPr id="6" name="Rectangle 5"/>
+          <p:cNvSpPr/>
+          <p:nvPr/>
+        </p:nvSpPr>
+        <p:spPr>
+          <a:xfrm rot="2622125">
+            <a:off x="-1589264" y="2184183"/>
+            <a:ext cx="6643716" cy="4438988"/>
+          </a:xfrm>
+          <a:custGeom>
+            <a:avLst/>
+            <a:gdLst>
+              <a:gd name="connsiteX0" fmla="*/ 0 w 6827592"/>
+              <a:gd name="connsiteY0" fmla="*/ 0 h 3615388"/>
+              <a:gd name="connsiteX1" fmla="*/ 6827592 w 6827592"/>
+              <a:gd name="connsiteY1" fmla="*/ 0 h 3615388"/>
+              <a:gd name="connsiteX2" fmla="*/ 6827592 w 6827592"/>
+              <a:gd name="connsiteY2" fmla="*/ 3615388 h 3615388"/>
+              <a:gd name="connsiteX3" fmla="*/ 0 w 6827592"/>
+              <a:gd name="connsiteY3" fmla="*/ 3615388 h 3615388"/>
+              <a:gd name="connsiteX4" fmla="*/ 0 w 6827592"/>
+              <a:gd name="connsiteY4" fmla="*/ 0 h 3615388"/>
+              <a:gd name="connsiteX0" fmla="*/ 0 w 7275813"/>
+              <a:gd name="connsiteY0" fmla="*/ 1366785 h 4982173"/>
+              <a:gd name="connsiteX1" fmla="*/ 7275813 w 7275813"/>
+              <a:gd name="connsiteY1" fmla="*/ 0 h 4982173"/>
+              <a:gd name="connsiteX2" fmla="*/ 6827592 w 7275813"/>
+              <a:gd name="connsiteY2" fmla="*/ 4982173 h 4982173"/>
+              <a:gd name="connsiteX3" fmla="*/ 0 w 7275813"/>
+              <a:gd name="connsiteY3" fmla="*/ 4982173 h 4982173"/>
+              <a:gd name="connsiteX4" fmla="*/ 0 w 7275813"/>
+              <a:gd name="connsiteY4" fmla="*/ 1366785 h 4982173"/>
+              <a:gd name="connsiteX0" fmla="*/ 403951 w 7275813"/>
+              <a:gd name="connsiteY0" fmla="*/ 572722 h 4982173"/>
+              <a:gd name="connsiteX1" fmla="*/ 7275813 w 7275813"/>
+              <a:gd name="connsiteY1" fmla="*/ 0 h 4982173"/>
+              <a:gd name="connsiteX2" fmla="*/ 6827592 w 7275813"/>
+              <a:gd name="connsiteY2" fmla="*/ 4982173 h 4982173"/>
+              <a:gd name="connsiteX3" fmla="*/ 0 w 7275813"/>
+              <a:gd name="connsiteY3" fmla="*/ 4982173 h 4982173"/>
+              <a:gd name="connsiteX4" fmla="*/ 403951 w 7275813"/>
+              <a:gd name="connsiteY4" fmla="*/ 572722 h 4982173"/>
+              <a:gd name="connsiteX0" fmla="*/ 403951 w 6882728"/>
+              <a:gd name="connsiteY0" fmla="*/ 258255 h 4667706"/>
+              <a:gd name="connsiteX1" fmla="*/ 6882728 w 6882728"/>
+              <a:gd name="connsiteY1" fmla="*/ 0 h 4667706"/>
+              <a:gd name="connsiteX2" fmla="*/ 6827592 w 6882728"/>
+              <a:gd name="connsiteY2" fmla="*/ 4667706 h 4667706"/>
+              <a:gd name="connsiteX3" fmla="*/ 0 w 6882728"/>
+              <a:gd name="connsiteY3" fmla="*/ 4667706 h 4667706"/>
+              <a:gd name="connsiteX4" fmla="*/ 403951 w 6882728"/>
+              <a:gd name="connsiteY4" fmla="*/ 258255 h 4667706"/>
+              <a:gd name="connsiteX0" fmla="*/ 420284 w 6882728"/>
+              <a:gd name="connsiteY0" fmla="*/ 0 h 4669865"/>
+              <a:gd name="connsiteX1" fmla="*/ 6882728 w 6882728"/>
+              <a:gd name="connsiteY1" fmla="*/ 2159 h 4669865"/>
+              <a:gd name="connsiteX2" fmla="*/ 6827592 w 6882728"/>
+              <a:gd name="connsiteY2" fmla="*/ 4669865 h 4669865"/>
+              <a:gd name="connsiteX3" fmla="*/ 0 w 6882728"/>
+              <a:gd name="connsiteY3" fmla="*/ 4669865 h 4669865"/>
+              <a:gd name="connsiteX4" fmla="*/ 420284 w 6882728"/>
+              <a:gd name="connsiteY4" fmla="*/ 0 h 4669865"/>
+              <a:gd name="connsiteX0" fmla="*/ 420284 w 6859514"/>
+              <a:gd name="connsiteY0" fmla="*/ 0 h 4669865"/>
+              <a:gd name="connsiteX1" fmla="*/ 6859514 w 6859514"/>
+              <a:gd name="connsiteY1" fmla="*/ 105947 h 4669865"/>
+              <a:gd name="connsiteX2" fmla="*/ 6827592 w 6859514"/>
+              <a:gd name="connsiteY2" fmla="*/ 4669865 h 4669865"/>
+              <a:gd name="connsiteX3" fmla="*/ 0 w 6859514"/>
+              <a:gd name="connsiteY3" fmla="*/ 4669865 h 4669865"/>
+              <a:gd name="connsiteX4" fmla="*/ 420284 w 6859514"/>
+              <a:gd name="connsiteY4" fmla="*/ 0 h 4669865"/>
+              <a:gd name="connsiteX0" fmla="*/ 432365 w 6859514"/>
+              <a:gd name="connsiteY0" fmla="*/ 0 h 4742611"/>
+              <a:gd name="connsiteX1" fmla="*/ 6859514 w 6859514"/>
+              <a:gd name="connsiteY1" fmla="*/ 178693 h 4742611"/>
+              <a:gd name="connsiteX2" fmla="*/ 6827592 w 6859514"/>
+              <a:gd name="connsiteY2" fmla="*/ 4742611 h 4742611"/>
+              <a:gd name="connsiteX3" fmla="*/ 0 w 6859514"/>
+              <a:gd name="connsiteY3" fmla="*/ 4742611 h 4742611"/>
+              <a:gd name="connsiteX4" fmla="*/ 432365 w 6859514"/>
+              <a:gd name="connsiteY4" fmla="*/ 0 h 4742611"/>
+            </a:gdLst>
+            <a:ahLst/>
+            <a:cxnLst>
+              <a:cxn ang="0">
+                <a:pos x="connsiteX0" y="connsiteY0"/>
+              </a:cxn>
+              <a:cxn ang="0">
+                <a:pos x="connsiteX1" y="connsiteY1"/>
+              </a:cxn>
+              <a:cxn ang="0">
+                <a:pos x="connsiteX2" y="connsiteY2"/>
+              </a:cxn>
+              <a:cxn ang="0">
+                <a:pos x="connsiteX3" y="connsiteY3"/>
+              </a:cxn>
+              <a:cxn ang="0">
+                <a:pos x="connsiteX4" y="connsiteY4"/>
+              </a:cxn>
+            </a:cxnLst>
+            <a:rect l="l" t="t" r="r" b="b"/>
+            <a:pathLst>
+              <a:path w="6859514" h="4742611">
+                <a:moveTo>
+                  <a:pt x="432365" y="0"/>
+                </a:moveTo>
+                <a:lnTo>
+                  <a:pt x="6859514" y="178693"/>
+                </a:lnTo>
+                <a:lnTo>
+                  <a:pt x="6827592" y="4742611"/>
+                </a:lnTo>
+                <a:lnTo>
+                  <a:pt x="0" y="4742611"/>
+                </a:lnTo>
+                <a:lnTo>
+                  <a:pt x="432365" y="0"/>
+                </a:lnTo>
+                <a:close/>
+              </a:path>
+            </a:pathLst>
+          </a:custGeom>
+          <a:blipFill dpi="0" rotWithShape="1">
+            <a:blip r:embed="rId2">
+              <a:alphaModFix amt="30000"/>
+              <a:extLst>
+                <a:ext uri="{28A0092B-C50C-407E-A947-70E740481C1C}">
+                  <a14:useLocalDpi xmlns:a14="http://schemas.microsoft.com/office/drawing/2010/main" val="0"/>
+                </a:ext>
+              </a:extLst>
+            </a:blip>
+            <a:srcRect/>
+            <a:stretch>
+              <a:fillRect/>
+            </a:stretch>
+          </a:blipFill>
+          <a:ln>
+            <a:solidFill>
+              <a:srgbClr val="F7F8FA"/>
+            </a:solidFill>
+          </a:ln>
+        </p:spPr>
+        <p:style>
+          <a:lnRef idx="2">
+            <a:schemeClr val="accent1">
+              <a:shade val="50000"/>
+            </a:schemeClr>
+          </a:lnRef>
+          <a:fillRef idx="1">
+            <a:schemeClr val="accent1"/>
+          </a:fillRef>
+          <a:effectRef idx="0">
+            <a:schemeClr val="accent1"/>
+          </a:effectRef>
+          <a:fontRef idx="minor">
+            <a:schemeClr val="lt1"/>
+          </a:fontRef>
+        </p:style>
+        <p:txBody>
+          <a:bodyPr rtlCol="0" anchor="ctr"/>
+          <a:lstStyle/>
+          <a:p>
+            <a:pPr algn="ctr"/>
+            <a:endParaRPr lang="en-US"/>
+          </a:p>
+        </p:txBody>
+      </p:sp>
       <p:sp>
         <p:nvSpPr>
           <p:cNvPr id="2" name="Title 1"/>
@@ -3966,622 +4136,6 @@
           </p:txBody>
         </p:sp>
       </p:grpSp>
-      <p:grpSp>
-        <p:nvGrpSpPr>
-          <p:cNvPr id="5" name="Group 4"/>
-          <p:cNvGrpSpPr/>
-          <p:nvPr/>
-        </p:nvGrpSpPr>
-        <p:grpSpPr>
-          <a:xfrm>
-            <a:off x="-219911" y="-337067"/>
-            <a:ext cx="2820549" cy="3358978"/>
-            <a:chOff x="-484124" y="0"/>
-            <a:chExt cx="3331291" cy="2899099"/>
-          </a:xfrm>
-          <a:blipFill dpi="0" rotWithShape="1">
-            <a:blip r:embed="rId2">
-              <a:extLst>
-                <a:ext uri="{28A0092B-C50C-407E-A947-70E740481C1C}">
-                  <a14:useLocalDpi xmlns:a14="http://schemas.microsoft.com/office/drawing/2010/main" val="0"/>
-                </a:ext>
-              </a:extLst>
-            </a:blip>
-            <a:srcRect/>
-            <a:stretch>
-              <a:fillRect/>
-            </a:stretch>
-          </a:blipFill>
-        </p:grpSpPr>
-        <p:sp>
-          <p:nvSpPr>
-            <p:cNvPr id="30" name="Diamond 29"/>
-            <p:cNvSpPr/>
-            <p:nvPr/>
-          </p:nvSpPr>
-          <p:spPr>
-            <a:xfrm>
-              <a:off x="484124" y="1473520"/>
-              <a:ext cx="914400" cy="914400"/>
-            </a:xfrm>
-            <a:prstGeom prst="diamond">
-              <a:avLst/>
-            </a:prstGeom>
-            <a:grpFill/>
-            <a:ln>
-              <a:noFill/>
-            </a:ln>
-          </p:spPr>
-          <p:style>
-            <a:lnRef idx="2">
-              <a:schemeClr val="accent1">
-                <a:shade val="50000"/>
-              </a:schemeClr>
-            </a:lnRef>
-            <a:fillRef idx="1">
-              <a:schemeClr val="accent1"/>
-            </a:fillRef>
-            <a:effectRef idx="0">
-              <a:schemeClr val="accent1"/>
-            </a:effectRef>
-            <a:fontRef idx="minor">
-              <a:schemeClr val="lt1"/>
-            </a:fontRef>
-          </p:style>
-          <p:txBody>
-            <a:bodyPr rtlCol="0" anchor="ctr"/>
-            <a:lstStyle/>
-            <a:p>
-              <a:pPr algn="ctr"/>
-              <a:endParaRPr lang="en-US"/>
-            </a:p>
-          </p:txBody>
-        </p:sp>
-        <p:sp>
-          <p:nvSpPr>
-            <p:cNvPr id="35" name="Diamond 34"/>
-            <p:cNvSpPr/>
-            <p:nvPr/>
-          </p:nvSpPr>
-          <p:spPr>
-            <a:xfrm>
-              <a:off x="1465005" y="1455074"/>
-              <a:ext cx="914400" cy="914400"/>
-            </a:xfrm>
-            <a:prstGeom prst="diamond">
-              <a:avLst/>
-            </a:prstGeom>
-            <a:grpFill/>
-            <a:ln>
-              <a:noFill/>
-            </a:ln>
-          </p:spPr>
-          <p:style>
-            <a:lnRef idx="2">
-              <a:schemeClr val="accent1">
-                <a:shade val="50000"/>
-              </a:schemeClr>
-            </a:lnRef>
-            <a:fillRef idx="1">
-              <a:schemeClr val="accent1"/>
-            </a:fillRef>
-            <a:effectRef idx="0">
-              <a:schemeClr val="accent1"/>
-            </a:effectRef>
-            <a:fontRef idx="minor">
-              <a:schemeClr val="lt1"/>
-            </a:fontRef>
-          </p:style>
-          <p:txBody>
-            <a:bodyPr rtlCol="0" anchor="ctr"/>
-            <a:lstStyle/>
-            <a:p>
-              <a:pPr algn="ctr"/>
-              <a:endParaRPr lang="en-US"/>
-            </a:p>
-          </p:txBody>
-        </p:sp>
-        <p:grpSp>
-          <p:nvGrpSpPr>
-            <p:cNvPr id="4" name="Group 3"/>
-            <p:cNvGrpSpPr/>
-            <p:nvPr/>
-          </p:nvGrpSpPr>
-          <p:grpSpPr>
-            <a:xfrm>
-              <a:off x="-484124" y="0"/>
-              <a:ext cx="3331291" cy="2899099"/>
-              <a:chOff x="-484124" y="0"/>
-              <a:chExt cx="3331291" cy="2899099"/>
-            </a:xfrm>
-            <a:grpFill/>
-          </p:grpSpPr>
-          <p:sp>
-            <p:nvSpPr>
-              <p:cNvPr id="3" name="Diamond 2"/>
-              <p:cNvSpPr/>
-              <p:nvPr/>
-            </p:nvSpPr>
-            <p:spPr>
-              <a:xfrm>
-                <a:off x="0" y="0"/>
-                <a:ext cx="914400" cy="914400"/>
-              </a:xfrm>
-              <a:prstGeom prst="diamond">
-                <a:avLst/>
-              </a:prstGeom>
-              <a:grpFill/>
-              <a:ln>
-                <a:noFill/>
-              </a:ln>
-            </p:spPr>
-            <p:style>
-              <a:lnRef idx="2">
-                <a:schemeClr val="accent1">
-                  <a:shade val="50000"/>
-                </a:schemeClr>
-              </a:lnRef>
-              <a:fillRef idx="1">
-                <a:schemeClr val="accent1"/>
-              </a:fillRef>
-              <a:effectRef idx="0">
-                <a:schemeClr val="accent1"/>
-              </a:effectRef>
-              <a:fontRef idx="minor">
-                <a:schemeClr val="lt1"/>
-              </a:fontRef>
-            </p:style>
-            <p:txBody>
-              <a:bodyPr rtlCol="0" anchor="ctr"/>
-              <a:lstStyle/>
-              <a:p>
-                <a:pPr algn="ctr"/>
-                <a:endParaRPr lang="en-US"/>
-              </a:p>
-            </p:txBody>
-          </p:sp>
-          <p:sp>
-            <p:nvSpPr>
-              <p:cNvPr id="19" name="Diamond 18"/>
-              <p:cNvSpPr/>
-              <p:nvPr/>
-            </p:nvSpPr>
-            <p:spPr>
-              <a:xfrm>
-                <a:off x="484124" y="494072"/>
-                <a:ext cx="914400" cy="914400"/>
-              </a:xfrm>
-              <a:prstGeom prst="diamond">
-                <a:avLst/>
-              </a:prstGeom>
-              <a:grpFill/>
-              <a:ln>
-                <a:noFill/>
-              </a:ln>
-            </p:spPr>
-            <p:style>
-              <a:lnRef idx="2">
-                <a:schemeClr val="accent1">
-                  <a:shade val="50000"/>
-                </a:schemeClr>
-              </a:lnRef>
-              <a:fillRef idx="1">
-                <a:schemeClr val="accent1"/>
-              </a:fillRef>
-              <a:effectRef idx="0">
-                <a:schemeClr val="accent1"/>
-              </a:effectRef>
-              <a:fontRef idx="minor">
-                <a:schemeClr val="lt1"/>
-              </a:fontRef>
-            </p:style>
-            <p:txBody>
-              <a:bodyPr rtlCol="0" anchor="ctr"/>
-              <a:lstStyle/>
-              <a:p>
-                <a:pPr algn="ctr"/>
-                <a:endParaRPr lang="en-US"/>
-              </a:p>
-            </p:txBody>
-          </p:sp>
-          <p:sp>
-            <p:nvSpPr>
-              <p:cNvPr id="20" name="Diamond 19"/>
-              <p:cNvSpPr/>
-              <p:nvPr/>
-            </p:nvSpPr>
-            <p:spPr>
-              <a:xfrm>
-                <a:off x="-484124" y="500289"/>
-                <a:ext cx="914400" cy="914400"/>
-              </a:xfrm>
-              <a:prstGeom prst="diamond">
-                <a:avLst/>
-              </a:prstGeom>
-              <a:grpFill/>
-              <a:ln>
-                <a:noFill/>
-              </a:ln>
-            </p:spPr>
-            <p:style>
-              <a:lnRef idx="2">
-                <a:schemeClr val="accent1">
-                  <a:shade val="50000"/>
-                </a:schemeClr>
-              </a:lnRef>
-              <a:fillRef idx="1">
-                <a:schemeClr val="accent1"/>
-              </a:fillRef>
-              <a:effectRef idx="0">
-                <a:schemeClr val="accent1"/>
-              </a:effectRef>
-              <a:fontRef idx="minor">
-                <a:schemeClr val="lt1"/>
-              </a:fontRef>
-            </p:style>
-            <p:txBody>
-              <a:bodyPr rtlCol="0" anchor="ctr"/>
-              <a:lstStyle/>
-              <a:p>
-                <a:pPr algn="ctr"/>
-                <a:endParaRPr lang="en-US"/>
-              </a:p>
-            </p:txBody>
-          </p:sp>
-          <p:sp>
-            <p:nvSpPr>
-              <p:cNvPr id="23" name="Diamond 22"/>
-              <p:cNvSpPr/>
-              <p:nvPr/>
-            </p:nvSpPr>
-            <p:spPr>
-              <a:xfrm>
-                <a:off x="0" y="994361"/>
-                <a:ext cx="914400" cy="914400"/>
-              </a:xfrm>
-              <a:prstGeom prst="diamond">
-                <a:avLst/>
-              </a:prstGeom>
-              <a:grpFill/>
-              <a:ln>
-                <a:noFill/>
-              </a:ln>
-            </p:spPr>
-            <p:style>
-              <a:lnRef idx="2">
-                <a:schemeClr val="accent1">
-                  <a:shade val="50000"/>
-                </a:schemeClr>
-              </a:lnRef>
-              <a:fillRef idx="1">
-                <a:schemeClr val="accent1"/>
-              </a:fillRef>
-              <a:effectRef idx="0">
-                <a:schemeClr val="accent1"/>
-              </a:effectRef>
-              <a:fontRef idx="minor">
-                <a:schemeClr val="lt1"/>
-              </a:fontRef>
-            </p:style>
-            <p:txBody>
-              <a:bodyPr rtlCol="0" anchor="ctr"/>
-              <a:lstStyle/>
-              <a:p>
-                <a:pPr algn="ctr"/>
-                <a:endParaRPr lang="en-US"/>
-              </a:p>
-            </p:txBody>
-          </p:sp>
-          <p:sp>
-            <p:nvSpPr>
-              <p:cNvPr id="24" name="Diamond 23"/>
-              <p:cNvSpPr/>
-              <p:nvPr/>
-            </p:nvSpPr>
-            <p:spPr>
-              <a:xfrm>
-                <a:off x="980881" y="8521"/>
-                <a:ext cx="914400" cy="914400"/>
-              </a:xfrm>
-              <a:prstGeom prst="diamond">
-                <a:avLst/>
-              </a:prstGeom>
-              <a:grpFill/>
-              <a:ln>
-                <a:noFill/>
-              </a:ln>
-            </p:spPr>
-            <p:style>
-              <a:lnRef idx="2">
-                <a:schemeClr val="accent1">
-                  <a:shade val="50000"/>
-                </a:schemeClr>
-              </a:lnRef>
-              <a:fillRef idx="1">
-                <a:schemeClr val="accent1"/>
-              </a:fillRef>
-              <a:effectRef idx="0">
-                <a:schemeClr val="accent1"/>
-              </a:effectRef>
-              <a:fontRef idx="minor">
-                <a:schemeClr val="lt1"/>
-              </a:fontRef>
-            </p:style>
-            <p:txBody>
-              <a:bodyPr rtlCol="0" anchor="ctr"/>
-              <a:lstStyle/>
-              <a:p>
-                <a:pPr algn="ctr"/>
-                <a:endParaRPr lang="en-US"/>
-              </a:p>
-            </p:txBody>
-          </p:sp>
-          <p:sp>
-            <p:nvSpPr>
-              <p:cNvPr id="27" name="Diamond 26"/>
-              <p:cNvSpPr/>
-              <p:nvPr/>
-            </p:nvSpPr>
-            <p:spPr>
-              <a:xfrm>
-                <a:off x="1465005" y="484526"/>
-                <a:ext cx="914400" cy="914400"/>
-              </a:xfrm>
-              <a:prstGeom prst="diamond">
-                <a:avLst/>
-              </a:prstGeom>
-              <a:grpFill/>
-              <a:ln>
-                <a:noFill/>
-              </a:ln>
-            </p:spPr>
-            <p:style>
-              <a:lnRef idx="2">
-                <a:schemeClr val="accent1">
-                  <a:shade val="50000"/>
-                </a:schemeClr>
-              </a:lnRef>
-              <a:fillRef idx="1">
-                <a:schemeClr val="accent1"/>
-              </a:fillRef>
-              <a:effectRef idx="0">
-                <a:schemeClr val="accent1"/>
-              </a:effectRef>
-              <a:fontRef idx="minor">
-                <a:schemeClr val="lt1"/>
-              </a:fontRef>
-            </p:style>
-            <p:txBody>
-              <a:bodyPr rtlCol="0" anchor="ctr"/>
-              <a:lstStyle/>
-              <a:p>
-                <a:pPr algn="ctr"/>
-                <a:endParaRPr lang="en-US"/>
-              </a:p>
-            </p:txBody>
-          </p:sp>
-          <p:sp>
-            <p:nvSpPr>
-              <p:cNvPr id="29" name="Diamond 28"/>
-              <p:cNvSpPr/>
-              <p:nvPr/>
-            </p:nvSpPr>
-            <p:spPr>
-              <a:xfrm>
-                <a:off x="980881" y="994361"/>
-                <a:ext cx="914400" cy="914400"/>
-              </a:xfrm>
-              <a:prstGeom prst="diamond">
-                <a:avLst/>
-              </a:prstGeom>
-              <a:grpFill/>
-              <a:ln>
-                <a:noFill/>
-              </a:ln>
-            </p:spPr>
-            <p:style>
-              <a:lnRef idx="2">
-                <a:schemeClr val="accent1">
-                  <a:shade val="50000"/>
-                </a:schemeClr>
-              </a:lnRef>
-              <a:fillRef idx="1">
-                <a:schemeClr val="accent1"/>
-              </a:fillRef>
-              <a:effectRef idx="0">
-                <a:schemeClr val="accent1"/>
-              </a:effectRef>
-              <a:fontRef idx="minor">
-                <a:schemeClr val="lt1"/>
-              </a:fontRef>
-            </p:style>
-            <p:txBody>
-              <a:bodyPr rtlCol="0" anchor="ctr"/>
-              <a:lstStyle/>
-              <a:p>
-                <a:pPr algn="ctr"/>
-                <a:endParaRPr lang="en-US"/>
-              </a:p>
-            </p:txBody>
-          </p:sp>
-          <p:sp>
-            <p:nvSpPr>
-              <p:cNvPr id="32" name="Diamond 31"/>
-              <p:cNvSpPr/>
-              <p:nvPr/>
-            </p:nvSpPr>
-            <p:spPr>
-              <a:xfrm>
-                <a:off x="-469833" y="1494230"/>
-                <a:ext cx="914400" cy="914400"/>
-              </a:xfrm>
-              <a:prstGeom prst="diamond">
-                <a:avLst/>
-              </a:prstGeom>
-              <a:grpFill/>
-              <a:ln>
-                <a:noFill/>
-              </a:ln>
-            </p:spPr>
-            <p:style>
-              <a:lnRef idx="2">
-                <a:schemeClr val="accent1">
-                  <a:shade val="50000"/>
-                </a:schemeClr>
-              </a:lnRef>
-              <a:fillRef idx="1">
-                <a:schemeClr val="accent1"/>
-              </a:fillRef>
-              <a:effectRef idx="0">
-                <a:schemeClr val="accent1"/>
-              </a:effectRef>
-              <a:fontRef idx="minor">
-                <a:schemeClr val="lt1"/>
-              </a:fontRef>
-            </p:style>
-            <p:txBody>
-              <a:bodyPr rtlCol="0" anchor="ctr"/>
-              <a:lstStyle/>
-              <a:p>
-                <a:pPr algn="ctr"/>
-                <a:endParaRPr lang="en-US"/>
-              </a:p>
-            </p:txBody>
-          </p:sp>
-          <p:sp>
-            <p:nvSpPr>
-              <p:cNvPr id="33" name="Diamond 32"/>
-              <p:cNvSpPr/>
-              <p:nvPr/>
-            </p:nvSpPr>
-            <p:spPr>
-              <a:xfrm>
-                <a:off x="21724" y="1984699"/>
-                <a:ext cx="914400" cy="914400"/>
-              </a:xfrm>
-              <a:prstGeom prst="diamond">
-                <a:avLst/>
-              </a:prstGeom>
-              <a:grpFill/>
-              <a:ln>
-                <a:noFill/>
-              </a:ln>
-            </p:spPr>
-            <p:style>
-              <a:lnRef idx="2">
-                <a:schemeClr val="accent1">
-                  <a:shade val="50000"/>
-                </a:schemeClr>
-              </a:lnRef>
-              <a:fillRef idx="1">
-                <a:schemeClr val="accent1"/>
-              </a:fillRef>
-              <a:effectRef idx="0">
-                <a:schemeClr val="accent1"/>
-              </a:effectRef>
-              <a:fontRef idx="minor">
-                <a:schemeClr val="lt1"/>
-              </a:fontRef>
-            </p:style>
-            <p:txBody>
-              <a:bodyPr rtlCol="0" anchor="ctr"/>
-              <a:lstStyle/>
-              <a:p>
-                <a:pPr algn="ctr"/>
-                <a:endParaRPr lang="en-US"/>
-              </a:p>
-            </p:txBody>
-          </p:sp>
-          <p:sp>
-            <p:nvSpPr>
-              <p:cNvPr id="34" name="Diamond 33"/>
-              <p:cNvSpPr/>
-              <p:nvPr/>
-            </p:nvSpPr>
-            <p:spPr>
-              <a:xfrm>
-                <a:off x="1932767" y="994361"/>
-                <a:ext cx="914400" cy="914400"/>
-              </a:xfrm>
-              <a:prstGeom prst="diamond">
-                <a:avLst/>
-              </a:prstGeom>
-              <a:grpFill/>
-              <a:ln>
-                <a:noFill/>
-              </a:ln>
-            </p:spPr>
-            <p:style>
-              <a:lnRef idx="2">
-                <a:schemeClr val="accent1">
-                  <a:shade val="50000"/>
-                </a:schemeClr>
-              </a:lnRef>
-              <a:fillRef idx="1">
-                <a:schemeClr val="accent1"/>
-              </a:fillRef>
-              <a:effectRef idx="0">
-                <a:schemeClr val="accent1"/>
-              </a:effectRef>
-              <a:fontRef idx="minor">
-                <a:schemeClr val="lt1"/>
-              </a:fontRef>
-            </p:style>
-            <p:txBody>
-              <a:bodyPr rtlCol="0" anchor="ctr"/>
-              <a:lstStyle/>
-              <a:p>
-                <a:pPr algn="ctr"/>
-                <a:endParaRPr lang="en-US"/>
-              </a:p>
-            </p:txBody>
-          </p:sp>
-          <p:sp>
-            <p:nvSpPr>
-              <p:cNvPr id="40" name="Diamond 39"/>
-              <p:cNvSpPr/>
-              <p:nvPr/>
-            </p:nvSpPr>
-            <p:spPr>
-              <a:xfrm>
-                <a:off x="968248" y="1962740"/>
-                <a:ext cx="914400" cy="914400"/>
-              </a:xfrm>
-              <a:prstGeom prst="diamond">
-                <a:avLst/>
-              </a:prstGeom>
-              <a:grpFill/>
-              <a:ln>
-                <a:noFill/>
-              </a:ln>
-            </p:spPr>
-            <p:style>
-              <a:lnRef idx="2">
-                <a:schemeClr val="accent1">
-                  <a:shade val="50000"/>
-                </a:schemeClr>
-              </a:lnRef>
-              <a:fillRef idx="1">
-                <a:schemeClr val="accent1"/>
-              </a:fillRef>
-              <a:effectRef idx="0">
-                <a:schemeClr val="accent1"/>
-              </a:effectRef>
-              <a:fontRef idx="minor">
-                <a:schemeClr val="lt1"/>
-              </a:fontRef>
-            </p:style>
-            <p:txBody>
-              <a:bodyPr rtlCol="0" anchor="ctr"/>
-              <a:lstStyle/>
-              <a:p>
-                <a:pPr algn="ctr"/>
-                <a:endParaRPr lang="en-US"/>
-              </a:p>
-            </p:txBody>
-          </p:sp>
-        </p:grpSp>
-      </p:grpSp>
     </p:spTree>
     <p:extLst>
       <p:ext uri="{BB962C8B-B14F-4D97-AF65-F5344CB8AC3E}">
@@ -5962,7 +5516,7 @@
           <a:p>
             <a:pPr algn="ctr"/>
             <a:r>
-              <a:rPr lang="en-US" dirty="0">
+              <a:rPr lang="en-US" sz="1750" dirty="0">
                 <a:solidFill>
                   <a:schemeClr val="tx1"/>
                 </a:solidFill>
@@ -5971,7 +5525,7 @@
               <a:t>Sending </a:t>
             </a:r>
             <a:r>
-              <a:rPr lang="en-US" dirty="0" smtClean="0">
+              <a:rPr lang="en-US" sz="1750" dirty="0" smtClean="0">
                 <a:solidFill>
                   <a:schemeClr val="tx1"/>
                 </a:solidFill>
@@ -5980,7 +5534,7 @@
               <a:t>inappropriate </a:t>
             </a:r>
             <a:r>
-              <a:rPr lang="en-US" dirty="0">
+              <a:rPr lang="en-US" sz="1750" dirty="0">
                 <a:solidFill>
                   <a:schemeClr val="tx1"/>
                 </a:solidFill>
@@ -6897,8 +6451,8 @@
         </p:nvGrpSpPr>
         <p:grpSpPr>
           <a:xfrm>
-            <a:off x="-162969" y="393515"/>
-            <a:ext cx="2921409" cy="3509889"/>
+            <a:off x="-176981" y="-217543"/>
+            <a:ext cx="1312606" cy="1345792"/>
             <a:chOff x="-10569" y="-281783"/>
             <a:chExt cx="2247165" cy="2315695"/>
           </a:xfrm>
@@ -7855,11 +7409,6 @@
               </a:rPr>
               <a:t>Website has right to material and terminate user accounts that violate the site’s policies</a:t>
             </a:r>
-            <a:endParaRPr lang="en-US" dirty="0">
-              <a:solidFill>
-                <a:schemeClr val="tx1"/>
-              </a:solidFill>
-            </a:endParaRPr>
           </a:p>
         </p:txBody>
       </p:sp>

--- a/603-ET/social networking ethical issues.pptx
+++ b/603-ET/social networking ethical issues.pptx
@@ -4,14 +4,17 @@
   <p:sldMasterIdLst>
     <p:sldMasterId id="2147483648" r:id="rId1"/>
   </p:sldMasterIdLst>
+  <p:notesMasterIdLst>
+    <p:notesMasterId r:id="rId10"/>
+  </p:notesMasterIdLst>
   <p:sldIdLst>
     <p:sldId id="256" r:id="rId2"/>
     <p:sldId id="257" r:id="rId3"/>
     <p:sldId id="258" r:id="rId4"/>
     <p:sldId id="260" r:id="rId5"/>
     <p:sldId id="262" r:id="rId6"/>
-    <p:sldId id="263" r:id="rId7"/>
-    <p:sldId id="261" r:id="rId8"/>
+    <p:sldId id="266" r:id="rId7"/>
+    <p:sldId id="265" r:id="rId8"/>
     <p:sldId id="264" r:id="rId9"/>
   </p:sldIdLst>
   <p:sldSz cx="12192000" cy="6858000"/>
@@ -119,6 +122,439 @@
 </p:presentation>
 </file>
 
+<file path=ppt/notesMasters/notesMaster1.xml><?xml version="1.0" encoding="utf-8"?>
+<p:notesMaster xmlns:a="http://schemas.openxmlformats.org/drawingml/2006/main" xmlns:r="http://schemas.openxmlformats.org/officeDocument/2006/relationships" xmlns:p="http://schemas.openxmlformats.org/presentationml/2006/main">
+  <p:cSld>
+    <p:bg>
+      <p:bgRef idx="1001">
+        <a:schemeClr val="bg1"/>
+      </p:bgRef>
+    </p:bg>
+    <p:spTree>
+      <p:nvGrpSpPr>
+        <p:cNvPr id="1" name=""/>
+        <p:cNvGrpSpPr/>
+        <p:nvPr/>
+      </p:nvGrpSpPr>
+      <p:grpSpPr>
+        <a:xfrm>
+          <a:off x="0" y="0"/>
+          <a:ext cx="0" cy="0"/>
+          <a:chOff x="0" y="0"/>
+          <a:chExt cx="0" cy="0"/>
+        </a:xfrm>
+      </p:grpSpPr>
+      <p:sp>
+        <p:nvSpPr>
+          <p:cNvPr id="2" name="Header Placeholder 1"/>
+          <p:cNvSpPr>
+            <a:spLocks noGrp="1"/>
+          </p:cNvSpPr>
+          <p:nvPr>
+            <p:ph type="hdr" sz="quarter"/>
+          </p:nvPr>
+        </p:nvSpPr>
+        <p:spPr>
+          <a:xfrm>
+            <a:off x="0" y="0"/>
+            <a:ext cx="2971800" cy="458788"/>
+          </a:xfrm>
+          <a:prstGeom prst="rect">
+            <a:avLst/>
+          </a:prstGeom>
+        </p:spPr>
+        <p:txBody>
+          <a:bodyPr vert="horz" lIns="91440" tIns="45720" rIns="91440" bIns="45720" rtlCol="0"/>
+          <a:lstStyle>
+            <a:lvl1pPr algn="l">
+              <a:defRPr sz="1200"/>
+            </a:lvl1pPr>
+          </a:lstStyle>
+          <a:p>
+            <a:endParaRPr lang="en-US"/>
+          </a:p>
+        </p:txBody>
+      </p:sp>
+      <p:sp>
+        <p:nvSpPr>
+          <p:cNvPr id="3" name="Date Placeholder 2"/>
+          <p:cNvSpPr>
+            <a:spLocks noGrp="1"/>
+          </p:cNvSpPr>
+          <p:nvPr>
+            <p:ph type="dt" idx="1"/>
+          </p:nvPr>
+        </p:nvSpPr>
+        <p:spPr>
+          <a:xfrm>
+            <a:off x="3884613" y="0"/>
+            <a:ext cx="2971800" cy="458788"/>
+          </a:xfrm>
+          <a:prstGeom prst="rect">
+            <a:avLst/>
+          </a:prstGeom>
+        </p:spPr>
+        <p:txBody>
+          <a:bodyPr vert="horz" lIns="91440" tIns="45720" rIns="91440" bIns="45720" rtlCol="0"/>
+          <a:lstStyle>
+            <a:lvl1pPr algn="r">
+              <a:defRPr sz="1200"/>
+            </a:lvl1pPr>
+          </a:lstStyle>
+          <a:p>
+            <a:fld id="{777C3AE2-11B6-4294-A847-386849C64755}" type="datetimeFigureOut">
+              <a:rPr lang="en-US" smtClean="0"/>
+              <a:t>9/26/2018</a:t>
+            </a:fld>
+            <a:endParaRPr lang="en-US"/>
+          </a:p>
+        </p:txBody>
+      </p:sp>
+      <p:sp>
+        <p:nvSpPr>
+          <p:cNvPr id="4" name="Slide Image Placeholder 3"/>
+          <p:cNvSpPr>
+            <a:spLocks noGrp="1" noRot="1" noChangeAspect="1"/>
+          </p:cNvSpPr>
+          <p:nvPr>
+            <p:ph type="sldImg" idx="2"/>
+          </p:nvPr>
+        </p:nvSpPr>
+        <p:spPr>
+          <a:xfrm>
+            <a:off x="685800" y="1143000"/>
+            <a:ext cx="5486400" cy="3086100"/>
+          </a:xfrm>
+          <a:prstGeom prst="rect">
+            <a:avLst/>
+          </a:prstGeom>
+          <a:noFill/>
+          <a:ln w="12700">
+            <a:solidFill>
+              <a:prstClr val="black"/>
+            </a:solidFill>
+          </a:ln>
+        </p:spPr>
+        <p:txBody>
+          <a:bodyPr vert="horz" lIns="91440" tIns="45720" rIns="91440" bIns="45720" rtlCol="0" anchor="ctr"/>
+          <a:lstStyle/>
+          <a:p>
+            <a:endParaRPr lang="en-US"/>
+          </a:p>
+        </p:txBody>
+      </p:sp>
+      <p:sp>
+        <p:nvSpPr>
+          <p:cNvPr id="5" name="Notes Placeholder 4"/>
+          <p:cNvSpPr>
+            <a:spLocks noGrp="1"/>
+          </p:cNvSpPr>
+          <p:nvPr>
+            <p:ph type="body" sz="quarter" idx="3"/>
+          </p:nvPr>
+        </p:nvSpPr>
+        <p:spPr>
+          <a:xfrm>
+            <a:off x="685800" y="4400550"/>
+            <a:ext cx="5486400" cy="3600450"/>
+          </a:xfrm>
+          <a:prstGeom prst="rect">
+            <a:avLst/>
+          </a:prstGeom>
+        </p:spPr>
+        <p:txBody>
+          <a:bodyPr vert="horz" lIns="91440" tIns="45720" rIns="91440" bIns="45720" rtlCol="0"/>
+          <a:lstStyle/>
+          <a:p>
+            <a:pPr lvl="0"/>
+            <a:r>
+              <a:rPr lang="en-US"/>
+              <a:t>Edit Master text styles</a:t>
+            </a:r>
+          </a:p>
+          <a:p>
+            <a:pPr lvl="1"/>
+            <a:r>
+              <a:rPr lang="en-US"/>
+              <a:t>Second level</a:t>
+            </a:r>
+          </a:p>
+          <a:p>
+            <a:pPr lvl="2"/>
+            <a:r>
+              <a:rPr lang="en-US"/>
+              <a:t>Third level</a:t>
+            </a:r>
+          </a:p>
+          <a:p>
+            <a:pPr lvl="3"/>
+            <a:r>
+              <a:rPr lang="en-US"/>
+              <a:t>Fourth level</a:t>
+            </a:r>
+          </a:p>
+          <a:p>
+            <a:pPr lvl="4"/>
+            <a:r>
+              <a:rPr lang="en-US"/>
+              <a:t>Fifth level</a:t>
+            </a:r>
+          </a:p>
+        </p:txBody>
+      </p:sp>
+      <p:sp>
+        <p:nvSpPr>
+          <p:cNvPr id="6" name="Footer Placeholder 5"/>
+          <p:cNvSpPr>
+            <a:spLocks noGrp="1"/>
+          </p:cNvSpPr>
+          <p:nvPr>
+            <p:ph type="ftr" sz="quarter" idx="4"/>
+          </p:nvPr>
+        </p:nvSpPr>
+        <p:spPr>
+          <a:xfrm>
+            <a:off x="0" y="8685213"/>
+            <a:ext cx="2971800" cy="458787"/>
+          </a:xfrm>
+          <a:prstGeom prst="rect">
+            <a:avLst/>
+          </a:prstGeom>
+        </p:spPr>
+        <p:txBody>
+          <a:bodyPr vert="horz" lIns="91440" tIns="45720" rIns="91440" bIns="45720" rtlCol="0" anchor="b"/>
+          <a:lstStyle>
+            <a:lvl1pPr algn="l">
+              <a:defRPr sz="1200"/>
+            </a:lvl1pPr>
+          </a:lstStyle>
+          <a:p>
+            <a:endParaRPr lang="en-US"/>
+          </a:p>
+        </p:txBody>
+      </p:sp>
+      <p:sp>
+        <p:nvSpPr>
+          <p:cNvPr id="7" name="Slide Number Placeholder 6"/>
+          <p:cNvSpPr>
+            <a:spLocks noGrp="1"/>
+          </p:cNvSpPr>
+          <p:nvPr>
+            <p:ph type="sldNum" sz="quarter" idx="5"/>
+          </p:nvPr>
+        </p:nvSpPr>
+        <p:spPr>
+          <a:xfrm>
+            <a:off x="3884613" y="8685213"/>
+            <a:ext cx="2971800" cy="458787"/>
+          </a:xfrm>
+          <a:prstGeom prst="rect">
+            <a:avLst/>
+          </a:prstGeom>
+        </p:spPr>
+        <p:txBody>
+          <a:bodyPr vert="horz" lIns="91440" tIns="45720" rIns="91440" bIns="45720" rtlCol="0" anchor="b"/>
+          <a:lstStyle>
+            <a:lvl1pPr algn="r">
+              <a:defRPr sz="1200"/>
+            </a:lvl1pPr>
+          </a:lstStyle>
+          <a:p>
+            <a:fld id="{9BF7DB0A-958A-4C23-A36B-812C6BE50EAF}" type="slidenum">
+              <a:rPr lang="en-US" smtClean="0"/>
+              <a:t>‹#›</a:t>
+            </a:fld>
+            <a:endParaRPr lang="en-US"/>
+          </a:p>
+        </p:txBody>
+      </p:sp>
+    </p:spTree>
+    <p:extLst>
+      <p:ext uri="{BB962C8B-B14F-4D97-AF65-F5344CB8AC3E}">
+        <p14:creationId xmlns:p14="http://schemas.microsoft.com/office/powerpoint/2010/main" val="1241886344"/>
+      </p:ext>
+    </p:extLst>
+  </p:cSld>
+  <p:clrMap bg1="lt1" tx1="dk1" bg2="lt2" tx2="dk2" accent1="accent1" accent2="accent2" accent3="accent3" accent4="accent4" accent5="accent5" accent6="accent6" hlink="hlink" folHlink="folHlink"/>
+  <p:notesStyle>
+    <a:lvl1pPr marL="0" algn="l" defTabSz="914400" rtl="0" eaLnBrk="1" latinLnBrk="0" hangingPunct="1">
+      <a:defRPr sz="1200" kern="1200">
+        <a:solidFill>
+          <a:schemeClr val="tx1"/>
+        </a:solidFill>
+        <a:latin typeface="+mn-lt"/>
+        <a:ea typeface="+mn-ea"/>
+        <a:cs typeface="+mn-cs"/>
+      </a:defRPr>
+    </a:lvl1pPr>
+    <a:lvl2pPr marL="457200" algn="l" defTabSz="914400" rtl="0" eaLnBrk="1" latinLnBrk="0" hangingPunct="1">
+      <a:defRPr sz="1200" kern="1200">
+        <a:solidFill>
+          <a:schemeClr val="tx1"/>
+        </a:solidFill>
+        <a:latin typeface="+mn-lt"/>
+        <a:ea typeface="+mn-ea"/>
+        <a:cs typeface="+mn-cs"/>
+      </a:defRPr>
+    </a:lvl2pPr>
+    <a:lvl3pPr marL="914400" algn="l" defTabSz="914400" rtl="0" eaLnBrk="1" latinLnBrk="0" hangingPunct="1">
+      <a:defRPr sz="1200" kern="1200">
+        <a:solidFill>
+          <a:schemeClr val="tx1"/>
+        </a:solidFill>
+        <a:latin typeface="+mn-lt"/>
+        <a:ea typeface="+mn-ea"/>
+        <a:cs typeface="+mn-cs"/>
+      </a:defRPr>
+    </a:lvl3pPr>
+    <a:lvl4pPr marL="1371600" algn="l" defTabSz="914400" rtl="0" eaLnBrk="1" latinLnBrk="0" hangingPunct="1">
+      <a:defRPr sz="1200" kern="1200">
+        <a:solidFill>
+          <a:schemeClr val="tx1"/>
+        </a:solidFill>
+        <a:latin typeface="+mn-lt"/>
+        <a:ea typeface="+mn-ea"/>
+        <a:cs typeface="+mn-cs"/>
+      </a:defRPr>
+    </a:lvl4pPr>
+    <a:lvl5pPr marL="1828800" algn="l" defTabSz="914400" rtl="0" eaLnBrk="1" latinLnBrk="0" hangingPunct="1">
+      <a:defRPr sz="1200" kern="1200">
+        <a:solidFill>
+          <a:schemeClr val="tx1"/>
+        </a:solidFill>
+        <a:latin typeface="+mn-lt"/>
+        <a:ea typeface="+mn-ea"/>
+        <a:cs typeface="+mn-cs"/>
+      </a:defRPr>
+    </a:lvl5pPr>
+    <a:lvl6pPr marL="2286000" algn="l" defTabSz="914400" rtl="0" eaLnBrk="1" latinLnBrk="0" hangingPunct="1">
+      <a:defRPr sz="1200" kern="1200">
+        <a:solidFill>
+          <a:schemeClr val="tx1"/>
+        </a:solidFill>
+        <a:latin typeface="+mn-lt"/>
+        <a:ea typeface="+mn-ea"/>
+        <a:cs typeface="+mn-cs"/>
+      </a:defRPr>
+    </a:lvl6pPr>
+    <a:lvl7pPr marL="2743200" algn="l" defTabSz="914400" rtl="0" eaLnBrk="1" latinLnBrk="0" hangingPunct="1">
+      <a:defRPr sz="1200" kern="1200">
+        <a:solidFill>
+          <a:schemeClr val="tx1"/>
+        </a:solidFill>
+        <a:latin typeface="+mn-lt"/>
+        <a:ea typeface="+mn-ea"/>
+        <a:cs typeface="+mn-cs"/>
+      </a:defRPr>
+    </a:lvl7pPr>
+    <a:lvl8pPr marL="3200400" algn="l" defTabSz="914400" rtl="0" eaLnBrk="1" latinLnBrk="0" hangingPunct="1">
+      <a:defRPr sz="1200" kern="1200">
+        <a:solidFill>
+          <a:schemeClr val="tx1"/>
+        </a:solidFill>
+        <a:latin typeface="+mn-lt"/>
+        <a:ea typeface="+mn-ea"/>
+        <a:cs typeface="+mn-cs"/>
+      </a:defRPr>
+    </a:lvl8pPr>
+    <a:lvl9pPr marL="3657600" algn="l" defTabSz="914400" rtl="0" eaLnBrk="1" latinLnBrk="0" hangingPunct="1">
+      <a:defRPr sz="1200" kern="1200">
+        <a:solidFill>
+          <a:schemeClr val="tx1"/>
+        </a:solidFill>
+        <a:latin typeface="+mn-lt"/>
+        <a:ea typeface="+mn-ea"/>
+        <a:cs typeface="+mn-cs"/>
+      </a:defRPr>
+    </a:lvl9pPr>
+  </p:notesStyle>
+</p:notesMaster>
+</file>
+
+<file path=ppt/notesSlides/notesSlide1.xml><?xml version="1.0" encoding="utf-8"?>
+<p:notes xmlns:a="http://schemas.openxmlformats.org/drawingml/2006/main" xmlns:r="http://schemas.openxmlformats.org/officeDocument/2006/relationships" xmlns:p="http://schemas.openxmlformats.org/presentationml/2006/main">
+  <p:cSld>
+    <p:spTree>
+      <p:nvGrpSpPr>
+        <p:cNvPr id="1" name=""/>
+        <p:cNvGrpSpPr/>
+        <p:nvPr/>
+      </p:nvGrpSpPr>
+      <p:grpSpPr>
+        <a:xfrm>
+          <a:off x="0" y="0"/>
+          <a:ext cx="0" cy="0"/>
+          <a:chOff x="0" y="0"/>
+          <a:chExt cx="0" cy="0"/>
+        </a:xfrm>
+      </p:grpSpPr>
+      <p:sp>
+        <p:nvSpPr>
+          <p:cNvPr id="2" name="Slide Image Placeholder 1"/>
+          <p:cNvSpPr>
+            <a:spLocks noGrp="1" noRot="1" noChangeAspect="1"/>
+          </p:cNvSpPr>
+          <p:nvPr>
+            <p:ph type="sldImg"/>
+          </p:nvPr>
+        </p:nvSpPr>
+        <p:spPr/>
+      </p:sp>
+      <p:sp>
+        <p:nvSpPr>
+          <p:cNvPr id="3" name="Notes Placeholder 2"/>
+          <p:cNvSpPr>
+            <a:spLocks noGrp="1"/>
+          </p:cNvSpPr>
+          <p:nvPr>
+            <p:ph type="body" idx="1"/>
+          </p:nvPr>
+        </p:nvSpPr>
+        <p:spPr/>
+        <p:txBody>
+          <a:bodyPr/>
+          <a:lstStyle/>
+          <a:p>
+            <a:endParaRPr lang="en-US" dirty="0"/>
+          </a:p>
+        </p:txBody>
+      </p:sp>
+      <p:sp>
+        <p:nvSpPr>
+          <p:cNvPr id="4" name="Slide Number Placeholder 3"/>
+          <p:cNvSpPr>
+            <a:spLocks noGrp="1"/>
+          </p:cNvSpPr>
+          <p:nvPr>
+            <p:ph type="sldNum" sz="quarter" idx="5"/>
+          </p:nvPr>
+        </p:nvSpPr>
+        <p:spPr/>
+        <p:txBody>
+          <a:bodyPr/>
+          <a:lstStyle/>
+          <a:p>
+            <a:fld id="{9BF7DB0A-958A-4C23-A36B-812C6BE50EAF}" type="slidenum">
+              <a:rPr lang="en-US" smtClean="0"/>
+              <a:t>7</a:t>
+            </a:fld>
+            <a:endParaRPr lang="en-US"/>
+          </a:p>
+        </p:txBody>
+      </p:sp>
+    </p:spTree>
+    <p:extLst>
+      <p:ext uri="{BB962C8B-B14F-4D97-AF65-F5344CB8AC3E}">
+        <p14:creationId xmlns:p14="http://schemas.microsoft.com/office/powerpoint/2010/main" val="4275839099"/>
+      </p:ext>
+    </p:extLst>
+  </p:cSld>
+  <p:clrMapOvr>
+    <a:masterClrMapping/>
+  </p:clrMapOvr>
+</p:notes>
+</file>
+
 <file path=ppt/slideLayouts/slideLayout1.xml><?xml version="1.0" encoding="utf-8"?>
 <p:sldLayout xmlns:a="http://schemas.openxmlformats.org/drawingml/2006/main" xmlns:r="http://schemas.openxmlformats.org/officeDocument/2006/relationships" xmlns:p="http://schemas.openxmlformats.org/presentationml/2006/main" type="title" preserve="1">
   <p:cSld name="Title Slide">
@@ -161,10 +597,9 @@
           </a:lstStyle>
           <a:p>
             <a:r>
-              <a:rPr lang="en-US" smtClean="0"/>
+              <a:rPr lang="en-US"/>
               <a:t>Click to edit Master title style</a:t>
             </a:r>
-            <a:endParaRPr lang="en-US"/>
           </a:p>
         </p:txBody>
       </p:sp>
@@ -226,10 +661,9 @@
           </a:lstStyle>
           <a:p>
             <a:r>
-              <a:rPr lang="en-US" smtClean="0"/>
+              <a:rPr lang="en-US"/>
               <a:t>Click to edit Master subtitle style</a:t>
             </a:r>
-            <a:endParaRPr lang="en-US"/>
           </a:p>
         </p:txBody>
       </p:sp>
@@ -250,7 +684,7 @@
           <a:p>
             <a:fld id="{9EF7D3A6-9E8E-4941-BB94-5A31170A0B6C}" type="datetimeFigureOut">
               <a:rPr lang="en-US" smtClean="0"/>
-              <a:t>9/25/2018</a:t>
+              <a:t>9/26/2018</a:t>
             </a:fld>
             <a:endParaRPr lang="en-US"/>
           </a:p>
@@ -344,10 +778,9 @@
           <a:lstStyle/>
           <a:p>
             <a:r>
-              <a:rPr lang="en-US" smtClean="0"/>
+              <a:rPr lang="en-US"/>
               <a:t>Click to edit Master title style</a:t>
             </a:r>
-            <a:endParaRPr lang="en-US"/>
           </a:p>
         </p:txBody>
       </p:sp>
@@ -368,38 +801,37 @@
           <a:p>
             <a:pPr lvl="0"/>
             <a:r>
-              <a:rPr lang="en-US" smtClean="0"/>
+              <a:rPr lang="en-US"/>
               <a:t>Edit Master text styles</a:t>
             </a:r>
           </a:p>
           <a:p>
             <a:pPr lvl="1"/>
             <a:r>
-              <a:rPr lang="en-US" smtClean="0"/>
+              <a:rPr lang="en-US"/>
               <a:t>Second level</a:t>
             </a:r>
           </a:p>
           <a:p>
             <a:pPr lvl="2"/>
             <a:r>
-              <a:rPr lang="en-US" smtClean="0"/>
+              <a:rPr lang="en-US"/>
               <a:t>Third level</a:t>
             </a:r>
           </a:p>
           <a:p>
             <a:pPr lvl="3"/>
             <a:r>
-              <a:rPr lang="en-US" smtClean="0"/>
+              <a:rPr lang="en-US"/>
               <a:t>Fourth level</a:t>
             </a:r>
           </a:p>
           <a:p>
             <a:pPr lvl="4"/>
             <a:r>
-              <a:rPr lang="en-US" smtClean="0"/>
+              <a:rPr lang="en-US"/>
               <a:t>Fifth level</a:t>
             </a:r>
-            <a:endParaRPr lang="en-US"/>
           </a:p>
         </p:txBody>
       </p:sp>
@@ -420,7 +852,7 @@
           <a:p>
             <a:fld id="{9EF7D3A6-9E8E-4941-BB94-5A31170A0B6C}" type="datetimeFigureOut">
               <a:rPr lang="en-US" smtClean="0"/>
-              <a:t>9/25/2018</a:t>
+              <a:t>9/26/2018</a:t>
             </a:fld>
             <a:endParaRPr lang="en-US"/>
           </a:p>
@@ -519,10 +951,9 @@
           <a:lstStyle/>
           <a:p>
             <a:r>
-              <a:rPr lang="en-US" smtClean="0"/>
+              <a:rPr lang="en-US"/>
               <a:t>Click to edit Master title style</a:t>
             </a:r>
-            <a:endParaRPr lang="en-US"/>
           </a:p>
         </p:txBody>
       </p:sp>
@@ -548,38 +979,37 @@
           <a:p>
             <a:pPr lvl="0"/>
             <a:r>
-              <a:rPr lang="en-US" smtClean="0"/>
+              <a:rPr lang="en-US"/>
               <a:t>Edit Master text styles</a:t>
             </a:r>
           </a:p>
           <a:p>
             <a:pPr lvl="1"/>
             <a:r>
-              <a:rPr lang="en-US" smtClean="0"/>
+              <a:rPr lang="en-US"/>
               <a:t>Second level</a:t>
             </a:r>
           </a:p>
           <a:p>
             <a:pPr lvl="2"/>
             <a:r>
-              <a:rPr lang="en-US" smtClean="0"/>
+              <a:rPr lang="en-US"/>
               <a:t>Third level</a:t>
             </a:r>
           </a:p>
           <a:p>
             <a:pPr lvl="3"/>
             <a:r>
-              <a:rPr lang="en-US" smtClean="0"/>
+              <a:rPr lang="en-US"/>
               <a:t>Fourth level</a:t>
             </a:r>
           </a:p>
           <a:p>
             <a:pPr lvl="4"/>
             <a:r>
-              <a:rPr lang="en-US" smtClean="0"/>
+              <a:rPr lang="en-US"/>
               <a:t>Fifth level</a:t>
             </a:r>
-            <a:endParaRPr lang="en-US"/>
           </a:p>
         </p:txBody>
       </p:sp>
@@ -600,7 +1030,7 @@
           <a:p>
             <a:fld id="{9EF7D3A6-9E8E-4941-BB94-5A31170A0B6C}" type="datetimeFigureOut">
               <a:rPr lang="en-US" smtClean="0"/>
-              <a:t>9/25/2018</a:t>
+              <a:t>9/26/2018</a:t>
             </a:fld>
             <a:endParaRPr lang="en-US"/>
           </a:p>
@@ -694,10 +1124,9 @@
           <a:lstStyle/>
           <a:p>
             <a:r>
-              <a:rPr lang="en-US" smtClean="0"/>
+              <a:rPr lang="en-US"/>
               <a:t>Click to edit Master title style</a:t>
             </a:r>
-            <a:endParaRPr lang="en-US"/>
           </a:p>
         </p:txBody>
       </p:sp>
@@ -718,38 +1147,37 @@
           <a:p>
             <a:pPr lvl="0"/>
             <a:r>
-              <a:rPr lang="en-US" smtClean="0"/>
+              <a:rPr lang="en-US"/>
               <a:t>Edit Master text styles</a:t>
             </a:r>
           </a:p>
           <a:p>
             <a:pPr lvl="1"/>
             <a:r>
-              <a:rPr lang="en-US" smtClean="0"/>
+              <a:rPr lang="en-US"/>
               <a:t>Second level</a:t>
             </a:r>
           </a:p>
           <a:p>
             <a:pPr lvl="2"/>
             <a:r>
-              <a:rPr lang="en-US" smtClean="0"/>
+              <a:rPr lang="en-US"/>
               <a:t>Third level</a:t>
             </a:r>
           </a:p>
           <a:p>
             <a:pPr lvl="3"/>
             <a:r>
-              <a:rPr lang="en-US" smtClean="0"/>
+              <a:rPr lang="en-US"/>
               <a:t>Fourth level</a:t>
             </a:r>
           </a:p>
           <a:p>
             <a:pPr lvl="4"/>
             <a:r>
-              <a:rPr lang="en-US" smtClean="0"/>
+              <a:rPr lang="en-US"/>
               <a:t>Fifth level</a:t>
             </a:r>
-            <a:endParaRPr lang="en-US"/>
           </a:p>
         </p:txBody>
       </p:sp>
@@ -770,7 +1198,7 @@
           <a:p>
             <a:fld id="{9EF7D3A6-9E8E-4941-BB94-5A31170A0B6C}" type="datetimeFigureOut">
               <a:rPr lang="en-US" smtClean="0"/>
-              <a:t>9/25/2018</a:t>
+              <a:t>9/26/2018</a:t>
             </a:fld>
             <a:endParaRPr lang="en-US"/>
           </a:p>
@@ -873,10 +1301,9 @@
           </a:lstStyle>
           <a:p>
             <a:r>
-              <a:rPr lang="en-US" smtClean="0"/>
+              <a:rPr lang="en-US"/>
               <a:t>Click to edit Master title style</a:t>
             </a:r>
-            <a:endParaRPr lang="en-US"/>
           </a:p>
         </p:txBody>
       </p:sp>
@@ -993,7 +1420,7 @@
           <a:p>
             <a:pPr lvl="0"/>
             <a:r>
-              <a:rPr lang="en-US" smtClean="0"/>
+              <a:rPr lang="en-US"/>
               <a:t>Edit Master text styles</a:t>
             </a:r>
           </a:p>
@@ -1016,7 +1443,7 @@
           <a:p>
             <a:fld id="{9EF7D3A6-9E8E-4941-BB94-5A31170A0B6C}" type="datetimeFigureOut">
               <a:rPr lang="en-US" smtClean="0"/>
-              <a:t>9/25/2018</a:t>
+              <a:t>9/26/2018</a:t>
             </a:fld>
             <a:endParaRPr lang="en-US"/>
           </a:p>
@@ -1110,10 +1537,9 @@
           <a:lstStyle/>
           <a:p>
             <a:r>
-              <a:rPr lang="en-US" smtClean="0"/>
+              <a:rPr lang="en-US"/>
               <a:t>Click to edit Master title style</a:t>
             </a:r>
-            <a:endParaRPr lang="en-US"/>
           </a:p>
         </p:txBody>
       </p:sp>
@@ -1139,38 +1565,37 @@
           <a:p>
             <a:pPr lvl="0"/>
             <a:r>
-              <a:rPr lang="en-US" smtClean="0"/>
+              <a:rPr lang="en-US"/>
               <a:t>Edit Master text styles</a:t>
             </a:r>
           </a:p>
           <a:p>
             <a:pPr lvl="1"/>
             <a:r>
-              <a:rPr lang="en-US" smtClean="0"/>
+              <a:rPr lang="en-US"/>
               <a:t>Second level</a:t>
             </a:r>
           </a:p>
           <a:p>
             <a:pPr lvl="2"/>
             <a:r>
-              <a:rPr lang="en-US" smtClean="0"/>
+              <a:rPr lang="en-US"/>
               <a:t>Third level</a:t>
             </a:r>
           </a:p>
           <a:p>
             <a:pPr lvl="3"/>
             <a:r>
-              <a:rPr lang="en-US" smtClean="0"/>
+              <a:rPr lang="en-US"/>
               <a:t>Fourth level</a:t>
             </a:r>
           </a:p>
           <a:p>
             <a:pPr lvl="4"/>
             <a:r>
-              <a:rPr lang="en-US" smtClean="0"/>
+              <a:rPr lang="en-US"/>
               <a:t>Fifth level</a:t>
             </a:r>
-            <a:endParaRPr lang="en-US"/>
           </a:p>
         </p:txBody>
       </p:sp>
@@ -1196,38 +1621,37 @@
           <a:p>
             <a:pPr lvl="0"/>
             <a:r>
-              <a:rPr lang="en-US" smtClean="0"/>
+              <a:rPr lang="en-US"/>
               <a:t>Edit Master text styles</a:t>
             </a:r>
           </a:p>
           <a:p>
             <a:pPr lvl="1"/>
             <a:r>
-              <a:rPr lang="en-US" smtClean="0"/>
+              <a:rPr lang="en-US"/>
               <a:t>Second level</a:t>
             </a:r>
           </a:p>
           <a:p>
             <a:pPr lvl="2"/>
             <a:r>
-              <a:rPr lang="en-US" smtClean="0"/>
+              <a:rPr lang="en-US"/>
               <a:t>Third level</a:t>
             </a:r>
           </a:p>
           <a:p>
             <a:pPr lvl="3"/>
             <a:r>
-              <a:rPr lang="en-US" smtClean="0"/>
+              <a:rPr lang="en-US"/>
               <a:t>Fourth level</a:t>
             </a:r>
           </a:p>
           <a:p>
             <a:pPr lvl="4"/>
             <a:r>
-              <a:rPr lang="en-US" smtClean="0"/>
+              <a:rPr lang="en-US"/>
               <a:t>Fifth level</a:t>
             </a:r>
-            <a:endParaRPr lang="en-US"/>
           </a:p>
         </p:txBody>
       </p:sp>
@@ -1248,7 +1672,7 @@
           <a:p>
             <a:fld id="{9EF7D3A6-9E8E-4941-BB94-5A31170A0B6C}" type="datetimeFigureOut">
               <a:rPr lang="en-US" smtClean="0"/>
-              <a:t>9/25/2018</a:t>
+              <a:t>9/26/2018</a:t>
             </a:fld>
             <a:endParaRPr lang="en-US"/>
           </a:p>
@@ -1347,10 +1771,9 @@
           <a:lstStyle/>
           <a:p>
             <a:r>
-              <a:rPr lang="en-US" smtClean="0"/>
+              <a:rPr lang="en-US"/>
               <a:t>Click to edit Master title style</a:t>
             </a:r>
-            <a:endParaRPr lang="en-US"/>
           </a:p>
         </p:txBody>
       </p:sp>
@@ -1413,7 +1836,7 @@
           <a:p>
             <a:pPr lvl="0"/>
             <a:r>
-              <a:rPr lang="en-US" smtClean="0"/>
+              <a:rPr lang="en-US"/>
               <a:t>Edit Master text styles</a:t>
             </a:r>
           </a:p>
@@ -1441,38 +1864,37 @@
           <a:p>
             <a:pPr lvl="0"/>
             <a:r>
-              <a:rPr lang="en-US" smtClean="0"/>
+              <a:rPr lang="en-US"/>
               <a:t>Edit Master text styles</a:t>
             </a:r>
           </a:p>
           <a:p>
             <a:pPr lvl="1"/>
             <a:r>
-              <a:rPr lang="en-US" smtClean="0"/>
+              <a:rPr lang="en-US"/>
               <a:t>Second level</a:t>
             </a:r>
           </a:p>
           <a:p>
             <a:pPr lvl="2"/>
             <a:r>
-              <a:rPr lang="en-US" smtClean="0"/>
+              <a:rPr lang="en-US"/>
               <a:t>Third level</a:t>
             </a:r>
           </a:p>
           <a:p>
             <a:pPr lvl="3"/>
             <a:r>
-              <a:rPr lang="en-US" smtClean="0"/>
+              <a:rPr lang="en-US"/>
               <a:t>Fourth level</a:t>
             </a:r>
           </a:p>
           <a:p>
             <a:pPr lvl="4"/>
             <a:r>
-              <a:rPr lang="en-US" smtClean="0"/>
+              <a:rPr lang="en-US"/>
               <a:t>Fifth level</a:t>
             </a:r>
-            <a:endParaRPr lang="en-US"/>
           </a:p>
         </p:txBody>
       </p:sp>
@@ -1535,7 +1957,7 @@
           <a:p>
             <a:pPr lvl="0"/>
             <a:r>
-              <a:rPr lang="en-US" smtClean="0"/>
+              <a:rPr lang="en-US"/>
               <a:t>Edit Master text styles</a:t>
             </a:r>
           </a:p>
@@ -1563,38 +1985,37 @@
           <a:p>
             <a:pPr lvl="0"/>
             <a:r>
-              <a:rPr lang="en-US" smtClean="0"/>
+              <a:rPr lang="en-US"/>
               <a:t>Edit Master text styles</a:t>
             </a:r>
           </a:p>
           <a:p>
             <a:pPr lvl="1"/>
             <a:r>
-              <a:rPr lang="en-US" smtClean="0"/>
+              <a:rPr lang="en-US"/>
               <a:t>Second level</a:t>
             </a:r>
           </a:p>
           <a:p>
             <a:pPr lvl="2"/>
             <a:r>
-              <a:rPr lang="en-US" smtClean="0"/>
+              <a:rPr lang="en-US"/>
               <a:t>Third level</a:t>
             </a:r>
           </a:p>
           <a:p>
             <a:pPr lvl="3"/>
             <a:r>
-              <a:rPr lang="en-US" smtClean="0"/>
+              <a:rPr lang="en-US"/>
               <a:t>Fourth level</a:t>
             </a:r>
           </a:p>
           <a:p>
             <a:pPr lvl="4"/>
             <a:r>
-              <a:rPr lang="en-US" smtClean="0"/>
+              <a:rPr lang="en-US"/>
               <a:t>Fifth level</a:t>
             </a:r>
-            <a:endParaRPr lang="en-US"/>
           </a:p>
         </p:txBody>
       </p:sp>
@@ -1615,7 +2036,7 @@
           <a:p>
             <a:fld id="{9EF7D3A6-9E8E-4941-BB94-5A31170A0B6C}" type="datetimeFigureOut">
               <a:rPr lang="en-US" smtClean="0"/>
-              <a:t>9/25/2018</a:t>
+              <a:t>9/26/2018</a:t>
             </a:fld>
             <a:endParaRPr lang="en-US"/>
           </a:p>
@@ -1709,10 +2130,9 @@
           <a:lstStyle/>
           <a:p>
             <a:r>
-              <a:rPr lang="en-US" smtClean="0"/>
+              <a:rPr lang="en-US"/>
               <a:t>Click to edit Master title style</a:t>
             </a:r>
-            <a:endParaRPr lang="en-US"/>
           </a:p>
         </p:txBody>
       </p:sp>
@@ -1733,7 +2153,7 @@
           <a:p>
             <a:fld id="{9EF7D3A6-9E8E-4941-BB94-5A31170A0B6C}" type="datetimeFigureOut">
               <a:rPr lang="en-US" smtClean="0"/>
-              <a:t>9/25/2018</a:t>
+              <a:t>9/26/2018</a:t>
             </a:fld>
             <a:endParaRPr lang="en-US"/>
           </a:p>
@@ -1828,7 +2248,7 @@
           <a:p>
             <a:fld id="{9EF7D3A6-9E8E-4941-BB94-5A31170A0B6C}" type="datetimeFigureOut">
               <a:rPr lang="en-US" smtClean="0"/>
-              <a:t>9/25/2018</a:t>
+              <a:t>9/26/2018</a:t>
             </a:fld>
             <a:endParaRPr lang="en-US"/>
           </a:p>
@@ -1931,10 +2351,9 @@
           </a:lstStyle>
           <a:p>
             <a:r>
-              <a:rPr lang="en-US" smtClean="0"/>
+              <a:rPr lang="en-US"/>
               <a:t>Click to edit Master title style</a:t>
             </a:r>
-            <a:endParaRPr lang="en-US"/>
           </a:p>
         </p:txBody>
       </p:sp>
@@ -1988,38 +2407,37 @@
           <a:p>
             <a:pPr lvl="0"/>
             <a:r>
-              <a:rPr lang="en-US" smtClean="0"/>
+              <a:rPr lang="en-US"/>
               <a:t>Edit Master text styles</a:t>
             </a:r>
           </a:p>
           <a:p>
             <a:pPr lvl="1"/>
             <a:r>
-              <a:rPr lang="en-US" smtClean="0"/>
+              <a:rPr lang="en-US"/>
               <a:t>Second level</a:t>
             </a:r>
           </a:p>
           <a:p>
             <a:pPr lvl="2"/>
             <a:r>
-              <a:rPr lang="en-US" smtClean="0"/>
+              <a:rPr lang="en-US"/>
               <a:t>Third level</a:t>
             </a:r>
           </a:p>
           <a:p>
             <a:pPr lvl="3"/>
             <a:r>
-              <a:rPr lang="en-US" smtClean="0"/>
+              <a:rPr lang="en-US"/>
               <a:t>Fourth level</a:t>
             </a:r>
           </a:p>
           <a:p>
             <a:pPr lvl="4"/>
             <a:r>
-              <a:rPr lang="en-US" smtClean="0"/>
+              <a:rPr lang="en-US"/>
               <a:t>Fifth level</a:t>
             </a:r>
-            <a:endParaRPr lang="en-US"/>
           </a:p>
         </p:txBody>
       </p:sp>
@@ -2082,7 +2500,7 @@
           <a:p>
             <a:pPr lvl="0"/>
             <a:r>
-              <a:rPr lang="en-US" smtClean="0"/>
+              <a:rPr lang="en-US"/>
               <a:t>Edit Master text styles</a:t>
             </a:r>
           </a:p>
@@ -2105,7 +2523,7 @@
           <a:p>
             <a:fld id="{9EF7D3A6-9E8E-4941-BB94-5A31170A0B6C}" type="datetimeFigureOut">
               <a:rPr lang="en-US" smtClean="0"/>
-              <a:t>9/25/2018</a:t>
+              <a:t>9/26/2018</a:t>
             </a:fld>
             <a:endParaRPr lang="en-US"/>
           </a:p>
@@ -2208,10 +2626,9 @@
           </a:lstStyle>
           <a:p>
             <a:r>
-              <a:rPr lang="en-US" smtClean="0"/>
+              <a:rPr lang="en-US"/>
               <a:t>Click to edit Master title style</a:t>
             </a:r>
-            <a:endParaRPr lang="en-US"/>
           </a:p>
         </p:txBody>
       </p:sp>
@@ -2335,7 +2752,7 @@
           <a:p>
             <a:pPr lvl="0"/>
             <a:r>
-              <a:rPr lang="en-US" smtClean="0"/>
+              <a:rPr lang="en-US"/>
               <a:t>Edit Master text styles</a:t>
             </a:r>
           </a:p>
@@ -2358,7 +2775,7 @@
           <a:p>
             <a:fld id="{9EF7D3A6-9E8E-4941-BB94-5A31170A0B6C}" type="datetimeFigureOut">
               <a:rPr lang="en-US" smtClean="0"/>
-              <a:t>9/25/2018</a:t>
+              <a:t>9/26/2018</a:t>
             </a:fld>
             <a:endParaRPr lang="en-US"/>
           </a:p>
@@ -2467,10 +2884,9 @@
           <a:lstStyle/>
           <a:p>
             <a:r>
-              <a:rPr lang="en-US" smtClean="0"/>
+              <a:rPr lang="en-US"/>
               <a:t>Click to edit Master title style</a:t>
             </a:r>
-            <a:endParaRPr lang="en-US"/>
           </a:p>
         </p:txBody>
       </p:sp>
@@ -2501,38 +2917,37 @@
           <a:p>
             <a:pPr lvl="0"/>
             <a:r>
-              <a:rPr lang="en-US" smtClean="0"/>
+              <a:rPr lang="en-US"/>
               <a:t>Edit Master text styles</a:t>
             </a:r>
           </a:p>
           <a:p>
             <a:pPr lvl="1"/>
             <a:r>
-              <a:rPr lang="en-US" smtClean="0"/>
+              <a:rPr lang="en-US"/>
               <a:t>Second level</a:t>
             </a:r>
           </a:p>
           <a:p>
             <a:pPr lvl="2"/>
             <a:r>
-              <a:rPr lang="en-US" smtClean="0"/>
+              <a:rPr lang="en-US"/>
               <a:t>Third level</a:t>
             </a:r>
           </a:p>
           <a:p>
             <a:pPr lvl="3"/>
             <a:r>
-              <a:rPr lang="en-US" smtClean="0"/>
+              <a:rPr lang="en-US"/>
               <a:t>Fourth level</a:t>
             </a:r>
           </a:p>
           <a:p>
             <a:pPr lvl="4"/>
             <a:r>
-              <a:rPr lang="en-US" smtClean="0"/>
+              <a:rPr lang="en-US"/>
               <a:t>Fifth level</a:t>
             </a:r>
-            <a:endParaRPr lang="en-US"/>
           </a:p>
         </p:txBody>
       </p:sp>
@@ -2571,7 +2986,7 @@
           <a:p>
             <a:fld id="{9EF7D3A6-9E8E-4941-BB94-5A31170A0B6C}" type="datetimeFigureOut">
               <a:rPr lang="en-US" smtClean="0"/>
-              <a:t>9/25/2018</a:t>
+              <a:t>9/26/2018</a:t>
             </a:fld>
             <a:endParaRPr lang="en-US"/>
           </a:p>
@@ -3020,7 +3435,7 @@
           <a:lstStyle/>
           <a:p>
             <a:r>
-              <a:rPr lang="en-US" dirty="0" smtClean="0">
+              <a:rPr lang="en-US" dirty="0">
                 <a:solidFill>
                   <a:srgbClr val="FFFF00"/>
                 </a:solidFill>
@@ -3028,14 +3443,8 @@
               </a:rPr>
               <a:t>Social Networking Ethical Issues</a:t>
             </a:r>
-            <a:r>
-              <a:rPr lang="en-US" dirty="0" smtClean="0">
-                <a:latin typeface="Copperplate Gothic Bold" panose="020E0705020206020404" pitchFamily="34" charset="0"/>
-              </a:rPr>
-              <a:t/>
-            </a:r>
             <a:br>
-              <a:rPr lang="en-US" dirty="0" smtClean="0">
+              <a:rPr lang="en-US" dirty="0">
                 <a:latin typeface="Copperplate Gothic Bold" panose="020E0705020206020404" pitchFamily="34" charset="0"/>
               </a:rPr>
             </a:br>
@@ -3099,16 +3508,7 @@
                 </a:solidFill>
                 <a:latin typeface="Segoe Print" panose="02000600000000000000" pitchFamily="2" charset="0"/>
               </a:rPr>
-              <a:t> &amp; BSSE8th </a:t>
-            </a:r>
-            <a:r>
-              <a:rPr lang="en-US" sz="2200" b="1" dirty="0" smtClean="0">
-                <a:solidFill>
-                  <a:schemeClr val="bg1"/>
-                </a:solidFill>
-                <a:latin typeface="Segoe Print" panose="02000600000000000000" pitchFamily="2" charset="0"/>
-              </a:rPr>
-              <a:t>batch</a:t>
+              <a:t> &amp; BSSE8th batch</a:t>
             </a:r>
             <a:endParaRPr lang="en-US" dirty="0">
               <a:solidFill>
@@ -3129,13 +3529,6 @@
   <p:clrMapOvr>
     <a:masterClrMapping/>
   </p:clrMapOvr>
-  <p:timing>
-    <p:tnLst>
-      <p:par>
-        <p:cTn id="1" dur="indefinite" restart="never" nodeType="tmRoot"/>
-      </p:par>
-    </p:tnLst>
-  </p:timing>
 </p:sld>
 </file>
 
@@ -3361,16 +3754,15 @@
           <a:p>
             <a:pPr algn="ctr"/>
             <a:r>
-              <a:rPr lang="en-US" sz="4000" dirty="0" smtClean="0">
+              <a:rPr lang="en-US" sz="4000" dirty="0">
                 <a:latin typeface="Copperplate Gothic Bold" panose="020E0705020206020404" pitchFamily="34" charset="0"/>
               </a:rPr>
               <a:t>Facts &amp; Issues</a:t>
             </a:r>
             <a:r>
-              <a:rPr lang="en-US" sz="4000" dirty="0" smtClean="0"/>
+              <a:rPr lang="en-US" sz="4000" dirty="0"/>
               <a:t> </a:t>
             </a:r>
-            <a:endParaRPr lang="en-US" sz="4000" dirty="0"/>
           </a:p>
         </p:txBody>
       </p:sp>
@@ -3439,20 +3831,17 @@
             <a:lstStyle/>
             <a:p>
               <a:r>
-                <a:rPr lang="en-US" sz="4000" b="1" dirty="0" smtClean="0">
+                <a:rPr lang="en-US" sz="4000" b="1" dirty="0">
                   <a:latin typeface="Arial Rounded MT Bold" panose="020F0704030504030204" pitchFamily="34" charset="0"/>
                 </a:rPr>
                 <a:t>1 |</a:t>
               </a:r>
               <a:r>
-                <a:rPr lang="en-US" b="1" dirty="0" smtClean="0">
+                <a:rPr lang="en-US" b="1" dirty="0">
                   <a:latin typeface="Arial Rounded MT Bold" panose="020F0704030504030204" pitchFamily="34" charset="0"/>
                 </a:rPr>
                 <a:t>  Disloyal</a:t>
               </a:r>
-              <a:endParaRPr lang="en-US" b="1" dirty="0">
-                <a:latin typeface="Arial Rounded MT Bold" panose="020F0704030504030204" pitchFamily="34" charset="0"/>
-              </a:endParaRPr>
             </a:p>
           </p:txBody>
         </p:sp>
@@ -3500,28 +3889,16 @@
             <a:lstStyle/>
             <a:p>
               <a:r>
-                <a:rPr lang="en-US" sz="4000" b="1" dirty="0" smtClean="0">
-                  <a:latin typeface="Arial Rounded MT Bold" panose="020F0704030504030204" pitchFamily="34" charset="0"/>
-                </a:rPr>
-                <a:t>2 </a:t>
-              </a:r>
-              <a:r>
                 <a:rPr lang="en-US" sz="4000" b="1" dirty="0">
                   <a:latin typeface="Arial Rounded MT Bold" panose="020F0704030504030204" pitchFamily="34" charset="0"/>
                 </a:rPr>
-                <a:t>|</a:t>
+                <a:t>2 |</a:t>
               </a:r>
               <a:r>
                 <a:rPr lang="en-US" b="1" dirty="0">
                   <a:latin typeface="Arial Rounded MT Bold" panose="020F0704030504030204" pitchFamily="34" charset="0"/>
                 </a:rPr>
-                <a:t>  </a:t>
-              </a:r>
-              <a:r>
-                <a:rPr lang="en-US" b="1" dirty="0" smtClean="0">
-                  <a:latin typeface="Arial Rounded MT Bold" panose="020F0704030504030204" pitchFamily="34" charset="0"/>
-                </a:rPr>
-                <a:t>crosses limit</a:t>
+                <a:t>  crosses limit</a:t>
               </a:r>
               <a:endParaRPr lang="en-US" dirty="0"/>
             </a:p>
@@ -3734,16 +4111,10 @@
             <a:lstStyle/>
             <a:p>
               <a:r>
-                <a:rPr lang="en-US" dirty="0" smtClean="0">
-                  <a:latin typeface="Bahnschrift SemiBold" panose="020B0502040204020203" pitchFamily="34" charset="0"/>
-                </a:rPr>
-                <a:t>Cyber </a:t>
-              </a:r>
-              <a:r>
                 <a:rPr lang="en-US" dirty="0">
                   <a:latin typeface="Bahnschrift SemiBold" panose="020B0502040204020203" pitchFamily="34" charset="0"/>
                 </a:rPr>
-                <a:t>bullying</a:t>
+                <a:t>Cyber bullying</a:t>
               </a:r>
             </a:p>
           </p:txBody>
@@ -3950,14 +4321,11 @@
             <a:p>
               <a:pPr algn="ctr"/>
               <a:r>
-                <a:rPr lang="en-US" sz="4800" dirty="0" smtClean="0">
+                <a:rPr lang="en-US" sz="4800" dirty="0">
                   <a:latin typeface="Arial Rounded MT Bold" panose="020F0704030504030204" pitchFamily="34" charset="0"/>
                 </a:rPr>
                 <a:t>1</a:t>
               </a:r>
-              <a:endParaRPr lang="en-US" sz="4800" dirty="0">
-                <a:latin typeface="Arial Rounded MT Bold" panose="020F0704030504030204" pitchFamily="34" charset="0"/>
-              </a:endParaRPr>
             </a:p>
           </p:txBody>
         </p:sp>
@@ -4146,13 +4514,6 @@
   <p:clrMapOvr>
     <a:masterClrMapping/>
   </p:clrMapOvr>
-  <p:timing>
-    <p:tnLst>
-      <p:par>
-        <p:cTn id="1" dur="indefinite" restart="never" nodeType="tmRoot"/>
-      </p:par>
-    </p:tnLst>
-  </p:timing>
 </p:sld>
 </file>
 
@@ -4218,14 +4579,11 @@
           <a:p>
             <a:pPr algn="r"/>
             <a:r>
-              <a:rPr lang="en-US" dirty="0" smtClean="0">
+              <a:rPr lang="en-US" dirty="0">
                 <a:latin typeface="Bahnschrift" panose="020B0502040204020203" pitchFamily="34" charset="0"/>
               </a:rPr>
               <a:t>More common in Female</a:t>
             </a:r>
-            <a:endParaRPr lang="en-US" dirty="0">
-              <a:latin typeface="Bahnschrift" panose="020B0502040204020203" pitchFamily="34" charset="0"/>
-            </a:endParaRPr>
           </a:p>
         </p:txBody>
       </p:sp>
@@ -4274,14 +4632,11 @@
           <a:p>
             <a:pPr algn="r"/>
             <a:r>
-              <a:rPr lang="en-US" dirty="0" smtClean="0">
+              <a:rPr lang="en-US" dirty="0">
                 <a:latin typeface="Bahnschrift" panose="020B0502040204020203" pitchFamily="34" charset="0"/>
               </a:rPr>
               <a:t>Among 15 – 16 years olds</a:t>
             </a:r>
-            <a:endParaRPr lang="en-US" dirty="0">
-              <a:latin typeface="Bahnschrift" panose="020B0502040204020203" pitchFamily="34" charset="0"/>
-            </a:endParaRPr>
           </a:p>
         </p:txBody>
       </p:sp>
@@ -4330,14 +4685,11 @@
           <a:p>
             <a:pPr algn="r"/>
             <a:r>
-              <a:rPr lang="en-US" dirty="0" smtClean="0">
+              <a:rPr lang="en-US" dirty="0">
                 <a:latin typeface="Bahnschrift" panose="020B0502040204020203" pitchFamily="34" charset="0"/>
               </a:rPr>
               <a:t>Via Internet or phone call</a:t>
             </a:r>
-            <a:endParaRPr lang="en-US" dirty="0">
-              <a:latin typeface="Bahnschrift" panose="020B0502040204020203" pitchFamily="34" charset="0"/>
-            </a:endParaRPr>
           </a:p>
         </p:txBody>
       </p:sp>
@@ -4384,14 +4736,11 @@
           <a:p>
             <a:pPr algn="r"/>
             <a:r>
-              <a:rPr lang="en-US" dirty="0" smtClean="0">
+              <a:rPr lang="en-US" dirty="0">
                 <a:latin typeface="Bahnschrift" panose="020B0502040204020203" pitchFamily="34" charset="0"/>
               </a:rPr>
               <a:t>Threatening</a:t>
             </a:r>
-            <a:endParaRPr lang="en-US" dirty="0">
-              <a:latin typeface="Bahnschrift" panose="020B0502040204020203" pitchFamily="34" charset="0"/>
-            </a:endParaRPr>
           </a:p>
         </p:txBody>
       </p:sp>
@@ -4438,14 +4787,11 @@
           <a:p>
             <a:pPr algn="r"/>
             <a:r>
-              <a:rPr lang="en-US" dirty="0" smtClean="0">
+              <a:rPr lang="en-US" dirty="0">
                 <a:latin typeface="Bahnschrift" panose="020B0502040204020203" pitchFamily="34" charset="0"/>
               </a:rPr>
               <a:t>Humiliation</a:t>
             </a:r>
-            <a:endParaRPr lang="en-US" dirty="0">
-              <a:latin typeface="Bahnschrift" panose="020B0502040204020203" pitchFamily="34" charset="0"/>
-            </a:endParaRPr>
           </a:p>
         </p:txBody>
       </p:sp>
@@ -4492,14 +4838,11 @@
           <a:p>
             <a:pPr algn="r"/>
             <a:r>
-              <a:rPr lang="en-US" dirty="0" smtClean="0">
+              <a:rPr lang="en-US" dirty="0">
                 <a:latin typeface="Bahnschrift" panose="020B0502040204020203" pitchFamily="34" charset="0"/>
               </a:rPr>
               <a:t>Harassment</a:t>
             </a:r>
-            <a:endParaRPr lang="en-US" dirty="0">
-              <a:latin typeface="Bahnschrift" panose="020B0502040204020203" pitchFamily="34" charset="0"/>
-            </a:endParaRPr>
           </a:p>
         </p:txBody>
       </p:sp>
@@ -4548,14 +4891,11 @@
           <a:p>
             <a:pPr algn="r"/>
             <a:r>
-              <a:rPr lang="en-US" dirty="0" smtClean="0">
+              <a:rPr lang="en-US" dirty="0">
                 <a:latin typeface="Bahnschrift" panose="020B0502040204020203" pitchFamily="34" charset="0"/>
               </a:rPr>
               <a:t>Last stage cause Suicide</a:t>
             </a:r>
-            <a:endParaRPr lang="en-US" dirty="0">
-              <a:latin typeface="Bahnschrift" panose="020B0502040204020203" pitchFamily="34" charset="0"/>
-            </a:endParaRPr>
           </a:p>
         </p:txBody>
       </p:sp>
@@ -4672,13 +5012,13 @@
           <a:lstStyle/>
           <a:p>
             <a:r>
-              <a:rPr lang="en-US" dirty="0" smtClean="0">
+              <a:rPr lang="en-US" dirty="0">
                 <a:latin typeface="Copperplate Gothic Bold" panose="020E0705020206020404" pitchFamily="34" charset="0"/>
               </a:rPr>
               <a:t>Cyber bullying</a:t>
             </a:r>
             <a:br>
-              <a:rPr lang="en-US" dirty="0" smtClean="0">
+              <a:rPr lang="en-US" dirty="0">
                 <a:latin typeface="Copperplate Gothic Bold" panose="020E0705020206020404" pitchFamily="34" charset="0"/>
               </a:rPr>
             </a:br>
@@ -4752,7 +5092,7 @@
             <a:ext cx="3679894" cy="4384933"/>
           </a:xfrm>
           <a:blipFill dpi="0" rotWithShape="1">
-            <a:blip r:embed="rId2">
+            <a:blip r:embed="rId2" cstate="print">
               <a:extLst>
                 <a:ext uri="{28A0092B-C50C-407E-A947-70E740481C1C}">
                   <a14:useLocalDpi xmlns:a14="http://schemas.microsoft.com/office/drawing/2010/main" val="0"/>
@@ -4771,67 +5111,67 @@
           </a:bodyPr>
           <a:lstStyle/>
           <a:p>
-            <a:endParaRPr lang="en-US" sz="1000" dirty="0" smtClean="0">
-              <a:latin typeface="Segoe Print" panose="02000600000000000000" pitchFamily="2" charset="0"/>
-            </a:endParaRPr>
-          </a:p>
-          <a:p>
             <a:endParaRPr lang="en-US" sz="1000" dirty="0">
               <a:latin typeface="Segoe Print" panose="02000600000000000000" pitchFamily="2" charset="0"/>
             </a:endParaRPr>
           </a:p>
           <a:p>
-            <a:endParaRPr lang="en-US" sz="1000" dirty="0" smtClean="0">
-              <a:latin typeface="Segoe Print" panose="02000600000000000000" pitchFamily="2" charset="0"/>
-            </a:endParaRPr>
-          </a:p>
-          <a:p>
             <a:endParaRPr lang="en-US" sz="1000" dirty="0">
               <a:latin typeface="Segoe Print" panose="02000600000000000000" pitchFamily="2" charset="0"/>
             </a:endParaRPr>
           </a:p>
           <a:p>
-            <a:endParaRPr lang="en-US" sz="1000" dirty="0" smtClean="0">
-              <a:latin typeface="Segoe Print" panose="02000600000000000000" pitchFamily="2" charset="0"/>
-            </a:endParaRPr>
-          </a:p>
-          <a:p>
             <a:endParaRPr lang="en-US" sz="1000" dirty="0">
               <a:latin typeface="Segoe Print" panose="02000600000000000000" pitchFamily="2" charset="0"/>
             </a:endParaRPr>
           </a:p>
           <a:p>
-            <a:endParaRPr lang="en-US" sz="1000" dirty="0" smtClean="0">
-              <a:latin typeface="Segoe Print" panose="02000600000000000000" pitchFamily="2" charset="0"/>
-            </a:endParaRPr>
-          </a:p>
-          <a:p>
-            <a:endParaRPr lang="en-US" sz="1000" dirty="0" smtClean="0">
-              <a:latin typeface="Segoe Print" panose="02000600000000000000" pitchFamily="2" charset="0"/>
-            </a:endParaRPr>
-          </a:p>
-          <a:p>
             <a:endParaRPr lang="en-US" sz="1000" dirty="0">
               <a:latin typeface="Segoe Print" panose="02000600000000000000" pitchFamily="2" charset="0"/>
             </a:endParaRPr>
           </a:p>
           <a:p>
-            <a:endParaRPr lang="en-US" sz="1000" dirty="0" smtClean="0">
-              <a:latin typeface="Segoe Print" panose="02000600000000000000" pitchFamily="2" charset="0"/>
-            </a:endParaRPr>
-          </a:p>
-          <a:p>
-            <a:endParaRPr lang="en-US" sz="1000" dirty="0" smtClean="0">
-              <a:latin typeface="Segoe Print" panose="02000600000000000000" pitchFamily="2" charset="0"/>
-            </a:endParaRPr>
-          </a:p>
-          <a:p>
             <a:endParaRPr lang="en-US" sz="1000" dirty="0">
               <a:latin typeface="Segoe Print" panose="02000600000000000000" pitchFamily="2" charset="0"/>
             </a:endParaRPr>
           </a:p>
           <a:p>
-            <a:endParaRPr lang="en-US" sz="1000" dirty="0" smtClean="0">
+            <a:endParaRPr lang="en-US" sz="1000" dirty="0">
+              <a:latin typeface="Segoe Print" panose="02000600000000000000" pitchFamily="2" charset="0"/>
+            </a:endParaRPr>
+          </a:p>
+          <a:p>
+            <a:endParaRPr lang="en-US" sz="1000" dirty="0">
+              <a:latin typeface="Segoe Print" panose="02000600000000000000" pitchFamily="2" charset="0"/>
+            </a:endParaRPr>
+          </a:p>
+          <a:p>
+            <a:endParaRPr lang="en-US" sz="1000" dirty="0">
+              <a:latin typeface="Segoe Print" panose="02000600000000000000" pitchFamily="2" charset="0"/>
+            </a:endParaRPr>
+          </a:p>
+          <a:p>
+            <a:endParaRPr lang="en-US" sz="1000" dirty="0">
+              <a:latin typeface="Segoe Print" panose="02000600000000000000" pitchFamily="2" charset="0"/>
+            </a:endParaRPr>
+          </a:p>
+          <a:p>
+            <a:endParaRPr lang="en-US" sz="1000" dirty="0">
+              <a:latin typeface="Segoe Print" panose="02000600000000000000" pitchFamily="2" charset="0"/>
+            </a:endParaRPr>
+          </a:p>
+          <a:p>
+            <a:endParaRPr lang="en-US" sz="1000" dirty="0">
+              <a:latin typeface="Segoe Print" panose="02000600000000000000" pitchFamily="2" charset="0"/>
+            </a:endParaRPr>
+          </a:p>
+          <a:p>
+            <a:endParaRPr lang="en-US" sz="1000" dirty="0">
+              <a:latin typeface="Segoe Print" panose="02000600000000000000" pitchFamily="2" charset="0"/>
+            </a:endParaRPr>
+          </a:p>
+          <a:p>
+            <a:endParaRPr lang="en-US" sz="1000" dirty="0">
               <a:latin typeface="Segoe Print" panose="02000600000000000000" pitchFamily="2" charset="0"/>
             </a:endParaRPr>
           </a:p>
@@ -4908,13 +5248,6 @@
   <p:clrMapOvr>
     <a:masterClrMapping/>
   </p:clrMapOvr>
-  <p:timing>
-    <p:tnLst>
-      <p:par>
-        <p:cTn id="1" dur="indefinite" restart="never" nodeType="tmRoot"/>
-      </p:par>
-    </p:tnLst>
-  </p:timing>
 </p:sld>
 </file>
 
@@ -4937,20 +5270,27 @@
       </p:grpSpPr>
       <p:sp>
         <p:nvSpPr>
-          <p:cNvPr id="7" name="Rectangle 6"/>
+          <p:cNvPr id="2" name="Rectangle 1">
+            <a:extLst>
+              <a:ext uri="{FF2B5EF4-FFF2-40B4-BE49-F238E27FC236}">
+                <a16:creationId xmlns:a16="http://schemas.microsoft.com/office/drawing/2014/main" id="{41CA679D-262B-48BD-8755-9DAEC4CB8B8C}"/>
+              </a:ext>
+            </a:extLst>
+          </p:cNvPr>
           <p:cNvSpPr/>
           <p:nvPr/>
         </p:nvSpPr>
         <p:spPr>
           <a:xfrm>
-            <a:off x="3855720" y="4648200"/>
-            <a:ext cx="4617720" cy="2209800"/>
+            <a:off x="0" y="1032387"/>
+            <a:ext cx="12191991" cy="5825613"/>
           </a:xfrm>
           <a:prstGeom prst="rect">
             <a:avLst/>
           </a:prstGeom>
           <a:blipFill dpi="0" rotWithShape="1">
             <a:blip r:embed="rId2">
+              <a:alphaModFix amt="20000"/>
               <a:extLst>
                 <a:ext uri="{28A0092B-C50C-407E-A947-70E740481C1C}">
                   <a14:useLocalDpi xmlns:a14="http://schemas.microsoft.com/office/drawing/2010/main" val="0"/>
@@ -5522,25 +5862,7 @@
                 </a:solidFill>
                 <a:latin typeface="Arial Rounded MT Bold" panose="020F0704030504030204" pitchFamily="34" charset="0"/>
               </a:rPr>
-              <a:t>Sending </a:t>
-            </a:r>
-            <a:r>
-              <a:rPr lang="en-US" sz="1750" dirty="0" smtClean="0">
-                <a:solidFill>
-                  <a:schemeClr val="tx1"/>
-                </a:solidFill>
-                <a:latin typeface="Arial Rounded MT Bold" panose="020F0704030504030204" pitchFamily="34" charset="0"/>
-              </a:rPr>
-              <a:t>inappropriate </a:t>
-            </a:r>
-            <a:r>
-              <a:rPr lang="en-US" sz="1750" dirty="0">
-                <a:solidFill>
-                  <a:schemeClr val="tx1"/>
-                </a:solidFill>
-                <a:latin typeface="Arial Rounded MT Bold" panose="020F0704030504030204" pitchFamily="34" charset="0"/>
-              </a:rPr>
-              <a:t>messages</a:t>
+              <a:t>Sending inappropriate messages</a:t>
             </a:r>
           </a:p>
           <a:p>
@@ -5888,7 +6210,7 @@
           <a:p>
             <a:pPr algn="ctr"/>
             <a:r>
-              <a:rPr lang="en-US" sz="4000" dirty="0" smtClean="0">
+              <a:rPr lang="en-US" sz="4000" dirty="0">
                 <a:solidFill>
                   <a:schemeClr val="tx1"/>
                 </a:solidFill>
@@ -5914,13 +6236,6 @@
   <p:clrMapOvr>
     <a:masterClrMapping/>
   </p:clrMapOvr>
-  <p:timing>
-    <p:tnLst>
-      <p:par>
-        <p:cTn id="1" dur="indefinite" restart="never" nodeType="tmRoot"/>
-      </p:par>
-    </p:tnLst>
-  </p:timing>
 </p:sld>
 </file>
 
@@ -6028,7 +6343,7 @@
           <a:p>
             <a:pPr algn="ctr"/>
             <a:r>
-              <a:rPr lang="en-US" sz="4000" dirty="0" smtClean="0">
+              <a:rPr lang="en-US" sz="4000" dirty="0">
                 <a:solidFill>
                   <a:schemeClr val="tx1"/>
                 </a:solidFill>
@@ -6094,23 +6409,98 @@
       </p:sp>
       <p:sp>
         <p:nvSpPr>
-          <p:cNvPr id="23" name="Parallelogram 22"/>
+          <p:cNvPr id="2" name="Rectangle 1">
+            <a:extLst>
+              <a:ext uri="{FF2B5EF4-FFF2-40B4-BE49-F238E27FC236}">
+                <a16:creationId xmlns:a16="http://schemas.microsoft.com/office/drawing/2014/main" id="{8419BDE5-0310-4181-B2E2-1B0D2689F64D}"/>
+              </a:ext>
+            </a:extLst>
+          </p:cNvPr>
           <p:cNvSpPr/>
           <p:nvPr/>
         </p:nvSpPr>
         <p:spPr>
           <a:xfrm>
-            <a:off x="-324465" y="1128249"/>
-            <a:ext cx="9037688" cy="914400"/>
-          </a:xfrm>
-          <a:prstGeom prst="parallelogram">
-            <a:avLst>
-              <a:gd name="adj" fmla="val 20556"/>
-            </a:avLst>
-          </a:prstGeom>
-          <a:solidFill>
-            <a:srgbClr val="356859"/>
-          </a:solidFill>
+            <a:off x="0" y="-38541"/>
+            <a:ext cx="9223240" cy="6896541"/>
+          </a:xfrm>
+          <a:custGeom>
+            <a:avLst/>
+            <a:gdLst>
+              <a:gd name="connsiteX0" fmla="*/ 0 w 7859661"/>
+              <a:gd name="connsiteY0" fmla="*/ 0 h 6880498"/>
+              <a:gd name="connsiteX1" fmla="*/ 7859661 w 7859661"/>
+              <a:gd name="connsiteY1" fmla="*/ 0 h 6880498"/>
+              <a:gd name="connsiteX2" fmla="*/ 7859661 w 7859661"/>
+              <a:gd name="connsiteY2" fmla="*/ 6880498 h 6880498"/>
+              <a:gd name="connsiteX3" fmla="*/ 0 w 7859661"/>
+              <a:gd name="connsiteY3" fmla="*/ 6880498 h 6880498"/>
+              <a:gd name="connsiteX4" fmla="*/ 0 w 7859661"/>
+              <a:gd name="connsiteY4" fmla="*/ 0 h 6880498"/>
+              <a:gd name="connsiteX0" fmla="*/ 0 w 9223240"/>
+              <a:gd name="connsiteY0" fmla="*/ 16043 h 6896541"/>
+              <a:gd name="connsiteX1" fmla="*/ 9223240 w 9223240"/>
+              <a:gd name="connsiteY1" fmla="*/ 0 h 6896541"/>
+              <a:gd name="connsiteX2" fmla="*/ 7859661 w 9223240"/>
+              <a:gd name="connsiteY2" fmla="*/ 6896541 h 6896541"/>
+              <a:gd name="connsiteX3" fmla="*/ 0 w 9223240"/>
+              <a:gd name="connsiteY3" fmla="*/ 6896541 h 6896541"/>
+              <a:gd name="connsiteX4" fmla="*/ 0 w 9223240"/>
+              <a:gd name="connsiteY4" fmla="*/ 16043 h 6896541"/>
+            </a:gdLst>
+            <a:ahLst/>
+            <a:cxnLst>
+              <a:cxn ang="0">
+                <a:pos x="connsiteX0" y="connsiteY0"/>
+              </a:cxn>
+              <a:cxn ang="0">
+                <a:pos x="connsiteX1" y="connsiteY1"/>
+              </a:cxn>
+              <a:cxn ang="0">
+                <a:pos x="connsiteX2" y="connsiteY2"/>
+              </a:cxn>
+              <a:cxn ang="0">
+                <a:pos x="connsiteX3" y="connsiteY3"/>
+              </a:cxn>
+              <a:cxn ang="0">
+                <a:pos x="connsiteX4" y="connsiteY4"/>
+              </a:cxn>
+            </a:cxnLst>
+            <a:rect l="l" t="t" r="r" b="b"/>
+            <a:pathLst>
+              <a:path w="9223240" h="6896541">
+                <a:moveTo>
+                  <a:pt x="0" y="16043"/>
+                </a:moveTo>
+                <a:lnTo>
+                  <a:pt x="9223240" y="0"/>
+                </a:lnTo>
+                <a:lnTo>
+                  <a:pt x="7859661" y="6896541"/>
+                </a:lnTo>
+                <a:lnTo>
+                  <a:pt x="0" y="6896541"/>
+                </a:lnTo>
+                <a:lnTo>
+                  <a:pt x="0" y="16043"/>
+                </a:lnTo>
+                <a:close/>
+              </a:path>
+            </a:pathLst>
+          </a:custGeom>
+          <a:blipFill dpi="0" rotWithShape="1">
+            <a:blip r:embed="rId2">
+              <a:extLst>
+                <a:ext uri="{28A0092B-C50C-407E-A947-70E740481C1C}">
+                  <a14:useLocalDpi xmlns:a14="http://schemas.microsoft.com/office/drawing/2010/main" val="0"/>
+                </a:ext>
+              </a:extLst>
+            </a:blip>
+            <a:srcRect/>
+            <a:stretch>
+              <a:fillRect/>
+            </a:stretch>
+          </a:blipFill>
           <a:ln>
             <a:noFill/>
           </a:ln>
@@ -6135,37 +6525,96 @@
           <a:bodyPr rtlCol="0" anchor="ctr"/>
           <a:lstStyle/>
           <a:p>
-            <a:pPr algn="r"/>
-            <a:r>
-              <a:rPr lang="en-US" sz="2800" dirty="0" smtClean="0">
-                <a:latin typeface="Arial Black" panose="020B0A04020102020204" pitchFamily="34" charset="0"/>
-              </a:rPr>
-              <a:t>Threatening behavior	 </a:t>
-            </a:r>
-            <a:endParaRPr lang="en-US" sz="2800" dirty="0">
-              <a:latin typeface="Arial Black" panose="020B0A04020102020204" pitchFamily="34" charset="0"/>
-            </a:endParaRPr>
-          </a:p>
-        </p:txBody>
-      </p:sp>
-      <p:sp>
-        <p:nvSpPr>
-          <p:cNvPr id="25" name="Parallelogram 24"/>
+            <a:pPr algn="ctr"/>
+            <a:endParaRPr lang="en-US"/>
+          </a:p>
+        </p:txBody>
+      </p:sp>
+      <p:sp>
+        <p:nvSpPr>
+          <p:cNvPr id="43" name="Rectangle 1">
+            <a:extLst>
+              <a:ext uri="{FF2B5EF4-FFF2-40B4-BE49-F238E27FC236}">
+                <a16:creationId xmlns:a16="http://schemas.microsoft.com/office/drawing/2014/main" id="{0E5E0C39-D791-43FD-92A1-43B066A24815}"/>
+              </a:ext>
+            </a:extLst>
+          </p:cNvPr>
           <p:cNvSpPr/>
           <p:nvPr/>
         </p:nvSpPr>
         <p:spPr>
           <a:xfrm>
-            <a:off x="-516194" y="4392559"/>
-            <a:ext cx="8574651" cy="914400"/>
-          </a:xfrm>
-          <a:prstGeom prst="parallelogram">
-            <a:avLst>
-              <a:gd name="adj" fmla="val 20556"/>
-            </a:avLst>
-          </a:prstGeom>
+            <a:off x="0" y="-19271"/>
+            <a:ext cx="9223240" cy="6896541"/>
+          </a:xfrm>
+          <a:custGeom>
+            <a:avLst/>
+            <a:gdLst>
+              <a:gd name="connsiteX0" fmla="*/ 0 w 7859661"/>
+              <a:gd name="connsiteY0" fmla="*/ 0 h 6880498"/>
+              <a:gd name="connsiteX1" fmla="*/ 7859661 w 7859661"/>
+              <a:gd name="connsiteY1" fmla="*/ 0 h 6880498"/>
+              <a:gd name="connsiteX2" fmla="*/ 7859661 w 7859661"/>
+              <a:gd name="connsiteY2" fmla="*/ 6880498 h 6880498"/>
+              <a:gd name="connsiteX3" fmla="*/ 0 w 7859661"/>
+              <a:gd name="connsiteY3" fmla="*/ 6880498 h 6880498"/>
+              <a:gd name="connsiteX4" fmla="*/ 0 w 7859661"/>
+              <a:gd name="connsiteY4" fmla="*/ 0 h 6880498"/>
+              <a:gd name="connsiteX0" fmla="*/ 0 w 9223240"/>
+              <a:gd name="connsiteY0" fmla="*/ 16043 h 6896541"/>
+              <a:gd name="connsiteX1" fmla="*/ 9223240 w 9223240"/>
+              <a:gd name="connsiteY1" fmla="*/ 0 h 6896541"/>
+              <a:gd name="connsiteX2" fmla="*/ 7859661 w 9223240"/>
+              <a:gd name="connsiteY2" fmla="*/ 6896541 h 6896541"/>
+              <a:gd name="connsiteX3" fmla="*/ 0 w 9223240"/>
+              <a:gd name="connsiteY3" fmla="*/ 6896541 h 6896541"/>
+              <a:gd name="connsiteX4" fmla="*/ 0 w 9223240"/>
+              <a:gd name="connsiteY4" fmla="*/ 16043 h 6896541"/>
+            </a:gdLst>
+            <a:ahLst/>
+            <a:cxnLst>
+              <a:cxn ang="0">
+                <a:pos x="connsiteX0" y="connsiteY0"/>
+              </a:cxn>
+              <a:cxn ang="0">
+                <a:pos x="connsiteX1" y="connsiteY1"/>
+              </a:cxn>
+              <a:cxn ang="0">
+                <a:pos x="connsiteX2" y="connsiteY2"/>
+              </a:cxn>
+              <a:cxn ang="0">
+                <a:pos x="connsiteX3" y="connsiteY3"/>
+              </a:cxn>
+              <a:cxn ang="0">
+                <a:pos x="connsiteX4" y="connsiteY4"/>
+              </a:cxn>
+            </a:cxnLst>
+            <a:rect l="l" t="t" r="r" b="b"/>
+            <a:pathLst>
+              <a:path w="9223240" h="6896541">
+                <a:moveTo>
+                  <a:pt x="0" y="16043"/>
+                </a:moveTo>
+                <a:lnTo>
+                  <a:pt x="9223240" y="0"/>
+                </a:lnTo>
+                <a:lnTo>
+                  <a:pt x="7859661" y="6896541"/>
+                </a:lnTo>
+                <a:lnTo>
+                  <a:pt x="0" y="6896541"/>
+                </a:lnTo>
+                <a:lnTo>
+                  <a:pt x="0" y="16043"/>
+                </a:lnTo>
+                <a:close/>
+              </a:path>
+            </a:pathLst>
+          </a:custGeom>
           <a:solidFill>
-            <a:srgbClr val="5D1049"/>
+            <a:schemeClr val="tx1">
+              <a:alpha val="80000"/>
+            </a:schemeClr>
           </a:solidFill>
           <a:ln>
             <a:noFill/>
@@ -6191,29 +6640,21 @@
           <a:bodyPr rtlCol="0" anchor="ctr"/>
           <a:lstStyle/>
           <a:p>
-            <a:pPr algn="r"/>
-            <a:r>
-              <a:rPr lang="en-US" sz="2800" dirty="0" smtClean="0">
-                <a:latin typeface="Arial Black" panose="020B0A04020102020204" pitchFamily="34" charset="0"/>
-              </a:rPr>
-              <a:t>Adult version of cyberbullying	 </a:t>
-            </a:r>
-            <a:endParaRPr lang="en-US" sz="2800" dirty="0">
-              <a:latin typeface="Arial Black" panose="020B0A04020102020204" pitchFamily="34" charset="0"/>
-            </a:endParaRPr>
-          </a:p>
-        </p:txBody>
-      </p:sp>
-      <p:sp>
-        <p:nvSpPr>
-          <p:cNvPr id="26" name="Parallelogram 25"/>
+            <a:pPr algn="ctr"/>
+            <a:endParaRPr lang="en-US"/>
+          </a:p>
+        </p:txBody>
+      </p:sp>
+      <p:sp>
+        <p:nvSpPr>
+          <p:cNvPr id="23" name="Parallelogram 22"/>
           <p:cNvSpPr/>
           <p:nvPr/>
         </p:nvSpPr>
         <p:spPr>
           <a:xfrm>
-            <a:off x="-516194" y="2760404"/>
-            <a:ext cx="8891434" cy="914400"/>
+            <a:off x="-324465" y="1128249"/>
+            <a:ext cx="9037688" cy="914400"/>
           </a:xfrm>
           <a:prstGeom prst="parallelogram">
             <a:avLst>
@@ -6221,7 +6662,7 @@
             </a:avLst>
           </a:prstGeom>
           <a:solidFill>
-            <a:srgbClr val="344955"/>
+            <a:srgbClr val="F48FB1"/>
           </a:solidFill>
           <a:ln>
             <a:noFill/>
@@ -6249,14 +6690,144 @@
           <a:p>
             <a:pPr algn="r"/>
             <a:r>
-              <a:rPr lang="en-US" sz="2800" dirty="0" smtClean="0">
+              <a:rPr lang="en-US" sz="2800" dirty="0">
+                <a:solidFill>
+                  <a:schemeClr val="tx1"/>
+                </a:solidFill>
                 <a:latin typeface="Arial Black" panose="020B0A04020102020204" pitchFamily="34" charset="0"/>
               </a:rPr>
-              <a:t>Unwanted Advantage	</a:t>
-            </a:r>
-            <a:endParaRPr lang="en-US" sz="2800" dirty="0">
-              <a:latin typeface="Arial Black" panose="020B0A04020102020204" pitchFamily="34" charset="0"/>
-            </a:endParaRPr>
+              <a:t>Threatening behavior</a:t>
+            </a:r>
+            <a:r>
+              <a:rPr lang="en-US" sz="2800" dirty="0">
+                <a:latin typeface="Arial Black" panose="020B0A04020102020204" pitchFamily="34" charset="0"/>
+              </a:rPr>
+              <a:t>	 </a:t>
+            </a:r>
+          </a:p>
+        </p:txBody>
+      </p:sp>
+      <p:sp>
+        <p:nvSpPr>
+          <p:cNvPr id="25" name="Parallelogram 24"/>
+          <p:cNvSpPr/>
+          <p:nvPr/>
+        </p:nvSpPr>
+        <p:spPr>
+          <a:xfrm>
+            <a:off x="-516194" y="4392559"/>
+            <a:ext cx="8574651" cy="914400"/>
+          </a:xfrm>
+          <a:prstGeom prst="parallelogram">
+            <a:avLst>
+              <a:gd name="adj" fmla="val 20556"/>
+            </a:avLst>
+          </a:prstGeom>
+          <a:solidFill>
+            <a:srgbClr val="A5D6A7"/>
+          </a:solidFill>
+          <a:ln>
+            <a:noFill/>
+          </a:ln>
+        </p:spPr>
+        <p:style>
+          <a:lnRef idx="2">
+            <a:schemeClr val="accent1">
+              <a:shade val="50000"/>
+            </a:schemeClr>
+          </a:lnRef>
+          <a:fillRef idx="1">
+            <a:schemeClr val="accent1"/>
+          </a:fillRef>
+          <a:effectRef idx="0">
+            <a:schemeClr val="accent1"/>
+          </a:effectRef>
+          <a:fontRef idx="minor">
+            <a:schemeClr val="lt1"/>
+          </a:fontRef>
+        </p:style>
+        <p:txBody>
+          <a:bodyPr rtlCol="0" anchor="ctr"/>
+          <a:lstStyle/>
+          <a:p>
+            <a:pPr algn="r"/>
+            <a:r>
+              <a:rPr lang="en-US" sz="2800" dirty="0">
+                <a:solidFill>
+                  <a:schemeClr val="tx1"/>
+                </a:solidFill>
+                <a:latin typeface="Arial Black" panose="020B0A04020102020204" pitchFamily="34" charset="0"/>
+              </a:rPr>
+              <a:t>Adult version of cyberbullying</a:t>
+            </a:r>
+            <a:r>
+              <a:rPr lang="en-US" sz="2800" dirty="0">
+                <a:latin typeface="Arial Black" panose="020B0A04020102020204" pitchFamily="34" charset="0"/>
+              </a:rPr>
+              <a:t>	 </a:t>
+            </a:r>
+          </a:p>
+        </p:txBody>
+      </p:sp>
+      <p:sp>
+        <p:nvSpPr>
+          <p:cNvPr id="26" name="Parallelogram 25"/>
+          <p:cNvSpPr/>
+          <p:nvPr/>
+        </p:nvSpPr>
+        <p:spPr>
+          <a:xfrm>
+            <a:off x="-516194" y="2760404"/>
+            <a:ext cx="8891434" cy="914400"/>
+          </a:xfrm>
+          <a:prstGeom prst="parallelogram">
+            <a:avLst>
+              <a:gd name="adj" fmla="val 20556"/>
+            </a:avLst>
+          </a:prstGeom>
+          <a:solidFill>
+            <a:srgbClr val="FFCC80"/>
+          </a:solidFill>
+          <a:ln>
+            <a:noFill/>
+          </a:ln>
+        </p:spPr>
+        <p:style>
+          <a:lnRef idx="2">
+            <a:schemeClr val="accent1">
+              <a:shade val="50000"/>
+            </a:schemeClr>
+          </a:lnRef>
+          <a:fillRef idx="1">
+            <a:schemeClr val="accent1"/>
+          </a:fillRef>
+          <a:effectRef idx="0">
+            <a:schemeClr val="accent1"/>
+          </a:effectRef>
+          <a:fontRef idx="minor">
+            <a:schemeClr val="lt1"/>
+          </a:fontRef>
+        </p:style>
+        <p:txBody>
+          <a:bodyPr rtlCol="0" anchor="ctr"/>
+          <a:lstStyle/>
+          <a:p>
+            <a:pPr algn="r"/>
+            <a:r>
+              <a:rPr lang="en-US" sz="2800" dirty="0">
+                <a:solidFill>
+                  <a:schemeClr val="tx1"/>
+                </a:solidFill>
+                <a:latin typeface="Arial Black" panose="020B0A04020102020204" pitchFamily="34" charset="0"/>
+              </a:rPr>
+              <a:t>Unwanted advantage</a:t>
+            </a:r>
+            <a:r>
+              <a:rPr lang="en-US" sz="2800" dirty="0">
+                <a:latin typeface="Arial Black" panose="020B0A04020102020204" pitchFamily="34" charset="0"/>
+              </a:rPr>
+              <a:t>	</a:t>
+            </a:r>
           </a:p>
         </p:txBody>
       </p:sp>
@@ -6310,7 +6881,7 @@
           <a:p>
             <a:pPr algn="ctr"/>
             <a:r>
-              <a:rPr lang="en-US" sz="6000" b="1" dirty="0" err="1" smtClean="0">
+              <a:rPr lang="en-US" sz="6000" b="1" dirty="0" err="1">
                 <a:latin typeface="Blackadder ITC" panose="04020505051007020D02" pitchFamily="82" charset="0"/>
               </a:rPr>
               <a:t>i</a:t>
@@ -6371,14 +6942,11 @@
           <a:p>
             <a:pPr algn="ctr"/>
             <a:r>
-              <a:rPr lang="en-US" sz="6000" b="1" dirty="0" smtClean="0">
+              <a:rPr lang="en-US" sz="6000" b="1" dirty="0">
                 <a:latin typeface="Blackadder ITC" panose="04020505051007020D02" pitchFamily="82" charset="0"/>
               </a:rPr>
               <a:t>iii</a:t>
             </a:r>
-            <a:endParaRPr lang="en-US" sz="6000" b="1" dirty="0">
-              <a:latin typeface="Blackadder ITC" panose="04020505051007020D02" pitchFamily="82" charset="0"/>
-            </a:endParaRPr>
           </a:p>
         </p:txBody>
       </p:sp>
@@ -6432,14 +7000,11 @@
           <a:p>
             <a:pPr algn="ctr"/>
             <a:r>
-              <a:rPr lang="en-US" sz="6000" b="1" dirty="0" smtClean="0">
+              <a:rPr lang="en-US" sz="6000" b="1" dirty="0">
                 <a:latin typeface="Blackadder ITC" panose="04020505051007020D02" pitchFamily="82" charset="0"/>
               </a:rPr>
               <a:t>ii</a:t>
             </a:r>
-            <a:endParaRPr lang="en-US" sz="6000" b="1" dirty="0">
-              <a:latin typeface="Blackadder ITC" panose="04020505051007020D02" pitchFamily="82" charset="0"/>
-            </a:endParaRPr>
           </a:p>
         </p:txBody>
       </p:sp>
@@ -6457,7 +7022,7 @@
             <a:chExt cx="2247165" cy="2315695"/>
           </a:xfrm>
           <a:blipFill dpi="0" rotWithShape="1">
-            <a:blip r:embed="rId2">
+            <a:blip r:embed="rId3">
               <a:extLst>
                 <a:ext uri="{28A0092B-C50C-407E-A947-70E740481C1C}">
                   <a14:useLocalDpi xmlns:a14="http://schemas.microsoft.com/office/drawing/2010/main" val="0"/>
@@ -6981,33 +7546,12 @@
   <p:clrMapOvr>
     <a:masterClrMapping/>
   </p:clrMapOvr>
-  <p:timing>
-    <p:tnLst>
-      <p:par>
-        <p:cTn id="1" dur="indefinite" restart="never" nodeType="tmRoot"/>
-      </p:par>
-    </p:tnLst>
-  </p:timing>
 </p:sld>
 </file>
 
 <file path=ppt/slides/slide6.xml><?xml version="1.0" encoding="utf-8"?>
 <p:sld xmlns:a="http://schemas.openxmlformats.org/drawingml/2006/main" xmlns:r="http://schemas.openxmlformats.org/officeDocument/2006/relationships" xmlns:p="http://schemas.openxmlformats.org/presentationml/2006/main">
   <p:cSld>
-    <p:bg>
-      <p:bgPr>
-        <a:blipFill dpi="0" rotWithShape="1">
-          <a:blip r:embed="rId2">
-            <a:lum/>
-          </a:blip>
-          <a:srcRect/>
-          <a:stretch>
-            <a:fillRect t="-24000" b="-24000"/>
-          </a:stretch>
-        </a:blipFill>
-        <a:effectLst/>
-      </p:bgPr>
-    </p:bg>
     <p:spTree>
       <p:nvGrpSpPr>
         <p:cNvPr id="1" name=""/>
@@ -7024,16 +7568,22 @@
       </p:grpSpPr>
       <p:sp>
         <p:nvSpPr>
-          <p:cNvPr id="2" name="Flowchart: Preparation 1"/>
+          <p:cNvPr id="2" name="Rectangle 1">
+            <a:extLst>
+              <a:ext uri="{FF2B5EF4-FFF2-40B4-BE49-F238E27FC236}">
+                <a16:creationId xmlns:a16="http://schemas.microsoft.com/office/drawing/2014/main" id="{CBF4D1B4-DD3F-4CE1-9A0E-CAC6E51D6A36}"/>
+              </a:ext>
+            </a:extLst>
+          </p:cNvPr>
           <p:cNvSpPr/>
           <p:nvPr/>
         </p:nvSpPr>
         <p:spPr>
           <a:xfrm>
-            <a:off x="-1277702" y="0"/>
-            <a:ext cx="6276422" cy="2880360"/>
-          </a:xfrm>
-          <a:prstGeom prst="flowChartPreparation">
+            <a:off x="0" y="5805714"/>
+            <a:ext cx="12192000" cy="1052286"/>
+          </a:xfrm>
+          <a:prstGeom prst="rect">
             <a:avLst/>
           </a:prstGeom>
           <a:solidFill>
@@ -7064,25 +7614,59 @@
           <a:lstStyle/>
           <a:p>
             <a:pPr algn="ctr"/>
-            <a:endParaRPr lang="en-US"/>
-          </a:p>
-        </p:txBody>
-      </p:sp>
-      <p:sp>
-        <p:nvSpPr>
-          <p:cNvPr id="3" name="Flowchart: Process 2"/>
+            <a:r>
+              <a:rPr lang="en-US" dirty="0">
+                <a:solidFill>
+                  <a:schemeClr val="tx1"/>
+                </a:solidFill>
+                <a:latin typeface="Copperplate Gothic Bold" panose="020E0705020206020404" pitchFamily="34" charset="0"/>
+              </a:rPr>
+              <a:t>Uploading Inappropriate</a:t>
+            </a:r>
+            <a:r>
+              <a:rPr lang="en-US" dirty="0"/>
+              <a:t> </a:t>
+            </a:r>
+            <a:r>
+              <a:rPr lang="en-US" dirty="0">
+                <a:solidFill>
+                  <a:schemeClr val="tx1"/>
+                </a:solidFill>
+                <a:latin typeface="Copperplate Gothic Bold" panose="020E0705020206020404" pitchFamily="34" charset="0"/>
+              </a:rPr>
+              <a:t>Material</a:t>
+            </a:r>
+            <a:endParaRPr lang="en-US" dirty="0">
+              <a:solidFill>
+                <a:schemeClr val="tx1"/>
+              </a:solidFill>
+            </a:endParaRPr>
+          </a:p>
+        </p:txBody>
+      </p:sp>
+      <p:sp>
+        <p:nvSpPr>
+          <p:cNvPr id="3" name="Rectangle 2">
+            <a:extLst>
+              <a:ext uri="{FF2B5EF4-FFF2-40B4-BE49-F238E27FC236}">
+                <a16:creationId xmlns:a16="http://schemas.microsoft.com/office/drawing/2014/main" id="{AD2CD576-AE41-45D1-827A-0BBD9699043B}"/>
+              </a:ext>
+            </a:extLst>
+          </p:cNvPr>
           <p:cNvSpPr/>
           <p:nvPr/>
         </p:nvSpPr>
         <p:spPr>
           <a:xfrm>
-            <a:off x="243840" y="323973"/>
-            <a:ext cx="4328160" cy="1912374"/>
-          </a:xfrm>
-          <a:prstGeom prst="flowChartProcess">
+            <a:off x="0" y="0"/>
+            <a:ext cx="12192000" cy="5805714"/>
+          </a:xfrm>
+          <a:prstGeom prst="rect">
             <a:avLst/>
           </a:prstGeom>
-          <a:noFill/>
+          <a:solidFill>
+            <a:schemeClr val="tx1"/>
+          </a:solidFill>
           <a:ln>
             <a:noFill/>
           </a:ln>
@@ -7107,244 +7691,33 @@
           <a:bodyPr rtlCol="0" anchor="ctr"/>
           <a:lstStyle/>
           <a:p>
-            <a:r>
-              <a:rPr lang="en-US" sz="3600" dirty="0" smtClean="0">
-                <a:solidFill>
-                  <a:schemeClr val="tx1"/>
-                </a:solidFill>
-                <a:latin typeface="Copperplate Gothic Bold" panose="020E0705020206020404" pitchFamily="34" charset="0"/>
-              </a:rPr>
-              <a:t>Uploading</a:t>
-            </a:r>
-          </a:p>
-          <a:p>
-            <a:r>
-              <a:rPr lang="en-US" sz="3600" dirty="0" smtClean="0">
-                <a:solidFill>
-                  <a:schemeClr val="tx1"/>
-                </a:solidFill>
-                <a:latin typeface="Copperplate Gothic Bold" panose="020E0705020206020404" pitchFamily="34" charset="0"/>
-              </a:rPr>
-              <a:t>Inappropriate</a:t>
-            </a:r>
-            <a:endParaRPr lang="en-US" sz="3600" dirty="0"/>
-          </a:p>
-          <a:p>
-            <a:r>
-              <a:rPr lang="en-US" sz="3600" dirty="0" smtClean="0">
-                <a:solidFill>
-                  <a:schemeClr val="tx1"/>
-                </a:solidFill>
-                <a:latin typeface="Copperplate Gothic Bold" panose="020E0705020206020404" pitchFamily="34" charset="0"/>
-              </a:rPr>
-              <a:t>Material</a:t>
-            </a:r>
-            <a:endParaRPr lang="en-US" sz="3600" dirty="0">
-              <a:solidFill>
-                <a:schemeClr val="tx1"/>
-              </a:solidFill>
-            </a:endParaRPr>
-          </a:p>
-        </p:txBody>
-      </p:sp>
-      <p:grpSp>
-        <p:nvGrpSpPr>
-          <p:cNvPr id="20" name="Group 19"/>
-          <p:cNvGrpSpPr/>
-          <p:nvPr/>
-        </p:nvGrpSpPr>
-        <p:grpSpPr>
-          <a:xfrm>
-            <a:off x="-283081" y="-518406"/>
-            <a:ext cx="5783580" cy="4099560"/>
-            <a:chOff x="-99060" y="0"/>
-            <a:chExt cx="5783580" cy="4099560"/>
-          </a:xfrm>
-        </p:grpSpPr>
-        <p:cxnSp>
-          <p:nvCxnSpPr>
-            <p:cNvPr id="10" name="Straight Connector 9"/>
-            <p:cNvCxnSpPr/>
-            <p:nvPr/>
-          </p:nvCxnSpPr>
-          <p:spPr>
-            <a:xfrm>
-              <a:off x="5684520" y="0"/>
-              <a:ext cx="0" cy="4099560"/>
-            </a:xfrm>
-            <a:prstGeom prst="line">
-              <a:avLst/>
-            </a:prstGeom>
-            <a:ln w="57150" cmpd="sng">
-              <a:solidFill>
-                <a:schemeClr val="bg1">
-                  <a:lumMod val="50000"/>
-                </a:schemeClr>
-              </a:solidFill>
-            </a:ln>
-          </p:spPr>
-          <p:style>
-            <a:lnRef idx="1">
-              <a:schemeClr val="accent1"/>
-            </a:lnRef>
-            <a:fillRef idx="0">
-              <a:schemeClr val="accent1"/>
-            </a:fillRef>
-            <a:effectRef idx="0">
-              <a:schemeClr val="accent1"/>
-            </a:effectRef>
-            <a:fontRef idx="minor">
-              <a:schemeClr val="tx1"/>
-            </a:fontRef>
-          </p:style>
-        </p:cxnSp>
-        <p:cxnSp>
-          <p:nvCxnSpPr>
-            <p:cNvPr id="13" name="Straight Connector 12"/>
-            <p:cNvCxnSpPr/>
-            <p:nvPr/>
-          </p:nvCxnSpPr>
-          <p:spPr>
-            <a:xfrm>
-              <a:off x="-99060" y="4084320"/>
-              <a:ext cx="5783580" cy="15240"/>
-            </a:xfrm>
-            <a:prstGeom prst="line">
-              <a:avLst/>
-            </a:prstGeom>
-            <a:ln w="57150" cmpd="sng">
-              <a:solidFill>
-                <a:schemeClr val="bg1">
-                  <a:lumMod val="50000"/>
-                </a:schemeClr>
-              </a:solidFill>
-            </a:ln>
-          </p:spPr>
-          <p:style>
-            <a:lnRef idx="1">
-              <a:schemeClr val="accent1"/>
-            </a:lnRef>
-            <a:fillRef idx="0">
-              <a:schemeClr val="accent1"/>
-            </a:fillRef>
-            <a:effectRef idx="0">
-              <a:schemeClr val="accent1"/>
-            </a:effectRef>
-            <a:fontRef idx="minor">
-              <a:schemeClr val="tx1"/>
-            </a:fontRef>
-          </p:style>
-        </p:cxnSp>
-      </p:grpSp>
-      <p:sp>
-        <p:nvSpPr>
-          <p:cNvPr id="21" name="Donut 20"/>
+            <a:pPr algn="ctr"/>
+            <a:endParaRPr lang="en-US"/>
+          </a:p>
+        </p:txBody>
+      </p:sp>
+      <p:sp>
+        <p:nvSpPr>
+          <p:cNvPr id="4" name="Rectangle 3">
+            <a:extLst>
+              <a:ext uri="{FF2B5EF4-FFF2-40B4-BE49-F238E27FC236}">
+                <a16:creationId xmlns:a16="http://schemas.microsoft.com/office/drawing/2014/main" id="{6DEBB815-2D5A-4F26-8230-E8F3CD20713D}"/>
+              </a:ext>
+            </a:extLst>
+          </p:cNvPr>
           <p:cNvSpPr/>
           <p:nvPr/>
         </p:nvSpPr>
         <p:spPr>
           <a:xfrm>
-            <a:off x="5253651" y="3324302"/>
-            <a:ext cx="441960" cy="449580"/>
-          </a:xfrm>
-          <a:prstGeom prst="donut">
-            <a:avLst/>
-          </a:prstGeom>
-          <a:solidFill>
-            <a:srgbClr val="356859"/>
-          </a:solidFill>
-          <a:ln>
-            <a:noFill/>
-          </a:ln>
-        </p:spPr>
-        <p:style>
-          <a:lnRef idx="2">
-            <a:schemeClr val="accent1">
-              <a:shade val="50000"/>
-            </a:schemeClr>
-          </a:lnRef>
-          <a:fillRef idx="1">
-            <a:schemeClr val="accent1"/>
-          </a:fillRef>
-          <a:effectRef idx="0">
-            <a:schemeClr val="accent1"/>
-          </a:effectRef>
-          <a:fontRef idx="minor">
-            <a:schemeClr val="lt1"/>
-          </a:fontRef>
-        </p:style>
-        <p:txBody>
-          <a:bodyPr rtlCol="0" anchor="ctr"/>
-          <a:lstStyle/>
-          <a:p>
-            <a:pPr algn="ctr"/>
-            <a:endParaRPr lang="en-US">
-              <a:solidFill>
-                <a:schemeClr val="tx1"/>
-              </a:solidFill>
-            </a:endParaRPr>
-          </a:p>
-        </p:txBody>
-      </p:sp>
-      <p:sp>
-        <p:nvSpPr>
-          <p:cNvPr id="22" name="Teardrop 21"/>
-          <p:cNvSpPr/>
-          <p:nvPr/>
-        </p:nvSpPr>
-        <p:spPr>
-          <a:xfrm rot="16200000">
-            <a:off x="5647756" y="3675856"/>
-            <a:ext cx="2885702" cy="2948551"/>
-          </a:xfrm>
-          <a:prstGeom prst="teardrop">
-            <a:avLst/>
-          </a:prstGeom>
-          <a:solidFill>
-            <a:srgbClr val="356859"/>
-          </a:solidFill>
-        </p:spPr>
-        <p:style>
-          <a:lnRef idx="2">
-            <a:schemeClr val="accent1">
-              <a:shade val="50000"/>
-            </a:schemeClr>
-          </a:lnRef>
-          <a:fillRef idx="1">
-            <a:schemeClr val="accent1"/>
-          </a:fillRef>
-          <a:effectRef idx="0">
-            <a:schemeClr val="accent1"/>
-          </a:effectRef>
-          <a:fontRef idx="minor">
-            <a:schemeClr val="lt1"/>
-          </a:fontRef>
-        </p:style>
-        <p:txBody>
-          <a:bodyPr rtlCol="0" anchor="ctr"/>
-          <a:lstStyle/>
-          <a:p>
-            <a:pPr algn="ctr"/>
-            <a:endParaRPr lang="en-US"/>
-          </a:p>
-        </p:txBody>
-      </p:sp>
-      <p:sp>
-        <p:nvSpPr>
-          <p:cNvPr id="24" name="Oval 23"/>
-          <p:cNvSpPr/>
-          <p:nvPr/>
-        </p:nvSpPr>
-        <p:spPr>
-          <a:xfrm>
-            <a:off x="5833309" y="3869971"/>
-            <a:ext cx="2514596" cy="2560320"/>
-          </a:xfrm>
-          <a:prstGeom prst="ellipse">
+            <a:off x="0" y="-1"/>
+            <a:ext cx="12192000" cy="5805713"/>
+          </a:xfrm>
+          <a:prstGeom prst="rect">
             <a:avLst/>
           </a:prstGeom>
           <a:blipFill dpi="0" rotWithShape="1">
-            <a:blip r:embed="rId3" cstate="print">
+            <a:blip r:embed="rId2">
               <a:extLst>
                 <a:ext uri="{28A0092B-C50C-407E-A947-70E740481C1C}">
                   <a14:useLocalDpi xmlns:a14="http://schemas.microsoft.com/office/drawing/2010/main" val="0"/>
@@ -7381,53 +7754,34 @@
           <a:lstStyle/>
           <a:p>
             <a:pPr algn="ctr"/>
-            <a:r>
-              <a:rPr lang="en-US" sz="3200" b="1" dirty="0">
-                <a:solidFill>
-                  <a:schemeClr val="tx1"/>
-                </a:solidFill>
-              </a:rPr>
-              <a:t>Deletion</a:t>
-            </a:r>
-            <a:r>
-              <a:rPr lang="en-US" sz="3200" dirty="0"/>
-              <a:t> </a:t>
-            </a:r>
-            <a:endParaRPr lang="en-US" sz="3200" b="1" dirty="0">
-              <a:solidFill>
-                <a:schemeClr val="tx1"/>
-              </a:solidFill>
-            </a:endParaRPr>
-          </a:p>
-          <a:p>
-            <a:pPr algn="ctr"/>
-            <a:r>
-              <a:rPr lang="en-US" dirty="0">
-                <a:solidFill>
-                  <a:schemeClr val="tx1"/>
-                </a:solidFill>
-              </a:rPr>
-              <a:t>Website has right to material and terminate user accounts that violate the site’s policies</a:t>
-            </a:r>
-          </a:p>
-        </p:txBody>
-      </p:sp>
-      <p:sp>
-        <p:nvSpPr>
-          <p:cNvPr id="27" name="Donut 26"/>
+            <a:endParaRPr lang="en-US"/>
+          </a:p>
+        </p:txBody>
+      </p:sp>
+      <p:sp>
+        <p:nvSpPr>
+          <p:cNvPr id="12" name="Rectangle 11">
+            <a:extLst>
+              <a:ext uri="{FF2B5EF4-FFF2-40B4-BE49-F238E27FC236}">
+                <a16:creationId xmlns:a16="http://schemas.microsoft.com/office/drawing/2014/main" id="{B7FC706A-547A-4311-9B6A-DAF00C53C3FA}"/>
+              </a:ext>
+            </a:extLst>
+          </p:cNvPr>
           <p:cNvSpPr/>
           <p:nvPr/>
         </p:nvSpPr>
         <p:spPr>
           <a:xfrm>
-            <a:off x="5265422" y="1215390"/>
-            <a:ext cx="441960" cy="449580"/>
-          </a:xfrm>
-          <a:prstGeom prst="donut">
+            <a:off x="0" y="-4"/>
+            <a:ext cx="12192000" cy="5805713"/>
+          </a:xfrm>
+          <a:prstGeom prst="rect">
             <a:avLst/>
           </a:prstGeom>
           <a:solidFill>
-            <a:srgbClr val="344955"/>
+            <a:schemeClr val="tx1">
+              <a:alpha val="40000"/>
+            </a:schemeClr>
           </a:solidFill>
           <a:ln>
             <a:noFill/>
@@ -7454,31 +7808,38 @@
           <a:lstStyle/>
           <a:p>
             <a:pPr algn="ctr"/>
-            <a:endParaRPr lang="en-US">
-              <a:solidFill>
-                <a:schemeClr val="tx1"/>
-              </a:solidFill>
-            </a:endParaRPr>
-          </a:p>
-        </p:txBody>
-      </p:sp>
-      <p:sp>
-        <p:nvSpPr>
-          <p:cNvPr id="28" name="Teardrop 27"/>
+            <a:endParaRPr lang="en-US"/>
+          </a:p>
+        </p:txBody>
+      </p:sp>
+      <p:sp>
+        <p:nvSpPr>
+          <p:cNvPr id="13" name="Rectangle 12">
+            <a:extLst>
+              <a:ext uri="{FF2B5EF4-FFF2-40B4-BE49-F238E27FC236}">
+                <a16:creationId xmlns:a16="http://schemas.microsoft.com/office/drawing/2014/main" id="{F260356E-787F-4CF0-9B73-D02DEB655460}"/>
+              </a:ext>
+            </a:extLst>
+          </p:cNvPr>
           <p:cNvSpPr/>
           <p:nvPr/>
         </p:nvSpPr>
         <p:spPr>
-          <a:xfrm rot="13662027">
-            <a:off x="6326006" y="47496"/>
-            <a:ext cx="2885702" cy="2948551"/>
-          </a:xfrm>
-          <a:prstGeom prst="teardrop">
+          <a:xfrm>
+            <a:off x="4459224" y="0"/>
+            <a:ext cx="3273552" cy="5805712"/>
+          </a:xfrm>
+          <a:prstGeom prst="rect">
             <a:avLst/>
           </a:prstGeom>
           <a:solidFill>
-            <a:srgbClr val="344955"/>
+            <a:srgbClr val="FFCC80">
+              <a:alpha val="60000"/>
+            </a:srgbClr>
           </a:solidFill>
+          <a:ln>
+            <a:noFill/>
+          </a:ln>
         </p:spPr>
         <p:style>
           <a:lnRef idx="2">
@@ -7501,26 +7862,561 @@
           <a:lstStyle/>
           <a:p>
             <a:pPr algn="ctr"/>
-            <a:endParaRPr lang="en-US"/>
-          </a:p>
-        </p:txBody>
-      </p:sp>
-      <p:sp>
-        <p:nvSpPr>
-          <p:cNvPr id="29" name="Oval 28"/>
+            <a:endParaRPr lang="en-US" dirty="0"/>
+          </a:p>
+        </p:txBody>
+      </p:sp>
+      <p:sp>
+        <p:nvSpPr>
+          <p:cNvPr id="14" name="Rectangle 13">
+            <a:extLst>
+              <a:ext uri="{FF2B5EF4-FFF2-40B4-BE49-F238E27FC236}">
+                <a16:creationId xmlns:a16="http://schemas.microsoft.com/office/drawing/2014/main" id="{FAA78075-D2AC-43EA-9533-5DE9E0F685DC}"/>
+              </a:ext>
+            </a:extLst>
+          </p:cNvPr>
           <p:cNvSpPr/>
           <p:nvPr/>
         </p:nvSpPr>
         <p:spPr>
           <a:xfrm>
-            <a:off x="6511559" y="241611"/>
-            <a:ext cx="2514596" cy="2560320"/>
+            <a:off x="8102660" y="0"/>
+            <a:ext cx="3273552" cy="5805712"/>
+          </a:xfrm>
+          <a:prstGeom prst="rect">
+            <a:avLst/>
+          </a:prstGeom>
+          <a:solidFill>
+            <a:srgbClr val="F48FB1">
+              <a:alpha val="60000"/>
+            </a:srgbClr>
+          </a:solidFill>
+          <a:ln>
+            <a:noFill/>
+          </a:ln>
+        </p:spPr>
+        <p:style>
+          <a:lnRef idx="2">
+            <a:schemeClr val="accent1">
+              <a:shade val="50000"/>
+            </a:schemeClr>
+          </a:lnRef>
+          <a:fillRef idx="1">
+            <a:schemeClr val="accent1"/>
+          </a:fillRef>
+          <a:effectRef idx="0">
+            <a:schemeClr val="accent1"/>
+          </a:effectRef>
+          <a:fontRef idx="minor">
+            <a:schemeClr val="lt1"/>
+          </a:fontRef>
+        </p:style>
+        <p:txBody>
+          <a:bodyPr rtlCol="0" anchor="ctr"/>
+          <a:lstStyle/>
+          <a:p>
+            <a:pPr algn="ctr"/>
+            <a:endParaRPr lang="en-US" dirty="0"/>
+          </a:p>
+        </p:txBody>
+      </p:sp>
+      <p:sp>
+        <p:nvSpPr>
+          <p:cNvPr id="15" name="Rectangle 14">
+            <a:extLst>
+              <a:ext uri="{FF2B5EF4-FFF2-40B4-BE49-F238E27FC236}">
+                <a16:creationId xmlns:a16="http://schemas.microsoft.com/office/drawing/2014/main" id="{94DAC0AB-1242-4A29-877C-30E55E442C5C}"/>
+              </a:ext>
+            </a:extLst>
+          </p:cNvPr>
+          <p:cNvSpPr/>
+          <p:nvPr/>
+        </p:nvSpPr>
+        <p:spPr>
+          <a:xfrm>
+            <a:off x="852364" y="0"/>
+            <a:ext cx="3273552" cy="5805712"/>
+          </a:xfrm>
+          <a:prstGeom prst="rect">
+            <a:avLst/>
+          </a:prstGeom>
+          <a:solidFill>
+            <a:srgbClr val="A5D6A7">
+              <a:alpha val="60000"/>
+            </a:srgbClr>
+          </a:solidFill>
+          <a:ln>
+            <a:noFill/>
+          </a:ln>
+        </p:spPr>
+        <p:style>
+          <a:lnRef idx="2">
+            <a:schemeClr val="accent1">
+              <a:shade val="50000"/>
+            </a:schemeClr>
+          </a:lnRef>
+          <a:fillRef idx="1">
+            <a:schemeClr val="accent1"/>
+          </a:fillRef>
+          <a:effectRef idx="0">
+            <a:schemeClr val="accent1"/>
+          </a:effectRef>
+          <a:fontRef idx="minor">
+            <a:schemeClr val="lt1"/>
+          </a:fontRef>
+        </p:style>
+        <p:txBody>
+          <a:bodyPr rtlCol="0" anchor="ctr"/>
+          <a:lstStyle/>
+          <a:p>
+            <a:pPr algn="ctr"/>
+            <a:endParaRPr lang="en-US" dirty="0"/>
+          </a:p>
+        </p:txBody>
+      </p:sp>
+      <p:sp>
+        <p:nvSpPr>
+          <p:cNvPr id="16" name="Rectangle 15">
+            <a:extLst>
+              <a:ext uri="{FF2B5EF4-FFF2-40B4-BE49-F238E27FC236}">
+                <a16:creationId xmlns:a16="http://schemas.microsoft.com/office/drawing/2014/main" id="{21DA3C8F-7C35-4555-A58D-20D369FF3884}"/>
+              </a:ext>
+            </a:extLst>
+          </p:cNvPr>
+          <p:cNvSpPr/>
+          <p:nvPr/>
+        </p:nvSpPr>
+        <p:spPr>
+          <a:xfrm>
+            <a:off x="852364" y="3551732"/>
+            <a:ext cx="3273552" cy="2253977"/>
+          </a:xfrm>
+          <a:prstGeom prst="rect">
+            <a:avLst/>
+          </a:prstGeom>
+          <a:solidFill>
+            <a:srgbClr val="A5D6A7"/>
+          </a:solidFill>
+          <a:ln>
+            <a:noFill/>
+          </a:ln>
+        </p:spPr>
+        <p:style>
+          <a:lnRef idx="2">
+            <a:schemeClr val="accent1">
+              <a:shade val="50000"/>
+            </a:schemeClr>
+          </a:lnRef>
+          <a:fillRef idx="1">
+            <a:schemeClr val="accent1"/>
+          </a:fillRef>
+          <a:effectRef idx="0">
+            <a:schemeClr val="accent1"/>
+          </a:effectRef>
+          <a:fontRef idx="minor">
+            <a:schemeClr val="lt1"/>
+          </a:fontRef>
+        </p:style>
+        <p:txBody>
+          <a:bodyPr rtlCol="0" anchor="ctr"/>
+          <a:lstStyle/>
+          <a:p>
+            <a:pPr algn="ctr"/>
+            <a:r>
+              <a:rPr lang="en-US" sz="3200" b="1" dirty="0">
+                <a:solidFill>
+                  <a:schemeClr val="tx1"/>
+                </a:solidFill>
+              </a:rPr>
+              <a:t>Policies</a:t>
+            </a:r>
+          </a:p>
+          <a:p>
+            <a:pPr algn="ctr"/>
+            <a:r>
+              <a:rPr lang="en-US" dirty="0">
+                <a:solidFill>
+                  <a:schemeClr val="tx1"/>
+                </a:solidFill>
+              </a:rPr>
+              <a:t>against uploading videos depicting violence</a:t>
+            </a:r>
+          </a:p>
+        </p:txBody>
+      </p:sp>
+      <p:sp>
+        <p:nvSpPr>
+          <p:cNvPr id="17" name="Rectangle 16">
+            <a:extLst>
+              <a:ext uri="{FF2B5EF4-FFF2-40B4-BE49-F238E27FC236}">
+                <a16:creationId xmlns:a16="http://schemas.microsoft.com/office/drawing/2014/main" id="{0215AFA1-78EC-4408-9BC8-9459AA4E7BF0}"/>
+              </a:ext>
+            </a:extLst>
+          </p:cNvPr>
+          <p:cNvSpPr/>
+          <p:nvPr/>
+        </p:nvSpPr>
+        <p:spPr>
+          <a:xfrm>
+            <a:off x="4459224" y="3551732"/>
+            <a:ext cx="3273552" cy="2253977"/>
+          </a:xfrm>
+          <a:prstGeom prst="rect">
+            <a:avLst/>
+          </a:prstGeom>
+          <a:solidFill>
+            <a:srgbClr val="FFCC80"/>
+          </a:solidFill>
+          <a:ln>
+            <a:noFill/>
+          </a:ln>
+        </p:spPr>
+        <p:style>
+          <a:lnRef idx="2">
+            <a:schemeClr val="accent1">
+              <a:shade val="50000"/>
+            </a:schemeClr>
+          </a:lnRef>
+          <a:fillRef idx="1">
+            <a:schemeClr val="accent1"/>
+          </a:fillRef>
+          <a:effectRef idx="0">
+            <a:schemeClr val="accent1"/>
+          </a:effectRef>
+          <a:fontRef idx="minor">
+            <a:schemeClr val="lt1"/>
+          </a:fontRef>
+        </p:style>
+        <p:txBody>
+          <a:bodyPr rtlCol="0" anchor="ctr"/>
+          <a:lstStyle/>
+          <a:p>
+            <a:pPr algn="ctr"/>
+            <a:r>
+              <a:rPr lang="en-US" sz="3200" b="1" dirty="0">
+                <a:solidFill>
+                  <a:schemeClr val="tx1"/>
+                </a:solidFill>
+              </a:rPr>
+              <a:t>Deletion</a:t>
+            </a:r>
+            <a:r>
+              <a:rPr lang="en-US" sz="3200" dirty="0"/>
+              <a:t> </a:t>
+            </a:r>
+            <a:endParaRPr lang="en-US" sz="3200" b="1" dirty="0">
+              <a:solidFill>
+                <a:schemeClr val="tx1"/>
+              </a:solidFill>
+            </a:endParaRPr>
+          </a:p>
+          <a:p>
+            <a:pPr algn="ctr"/>
+            <a:r>
+              <a:rPr lang="en-US" dirty="0">
+                <a:solidFill>
+                  <a:schemeClr val="tx1"/>
+                </a:solidFill>
+              </a:rPr>
+              <a:t>Website has right to material and terminate user accounts that violate the site’s policies</a:t>
+            </a:r>
+          </a:p>
+        </p:txBody>
+      </p:sp>
+      <p:sp>
+        <p:nvSpPr>
+          <p:cNvPr id="18" name="Rectangle 17">
+            <a:extLst>
+              <a:ext uri="{FF2B5EF4-FFF2-40B4-BE49-F238E27FC236}">
+                <a16:creationId xmlns:a16="http://schemas.microsoft.com/office/drawing/2014/main" id="{0706E3F0-3A03-4E9A-94F1-7A4BA95BE439}"/>
+              </a:ext>
+            </a:extLst>
+          </p:cNvPr>
+          <p:cNvSpPr/>
+          <p:nvPr/>
+        </p:nvSpPr>
+        <p:spPr>
+          <a:xfrm>
+            <a:off x="8104184" y="3551732"/>
+            <a:ext cx="3273552" cy="2253977"/>
+          </a:xfrm>
+          <a:prstGeom prst="rect">
+            <a:avLst/>
+          </a:prstGeom>
+          <a:solidFill>
+            <a:srgbClr val="F48FB1"/>
+          </a:solidFill>
+          <a:ln>
+            <a:noFill/>
+          </a:ln>
+        </p:spPr>
+        <p:style>
+          <a:lnRef idx="2">
+            <a:schemeClr val="accent1">
+              <a:shade val="50000"/>
+            </a:schemeClr>
+          </a:lnRef>
+          <a:fillRef idx="1">
+            <a:schemeClr val="accent1"/>
+          </a:fillRef>
+          <a:effectRef idx="0">
+            <a:schemeClr val="accent1"/>
+          </a:effectRef>
+          <a:fontRef idx="minor">
+            <a:schemeClr val="lt1"/>
+          </a:fontRef>
+        </p:style>
+        <p:txBody>
+          <a:bodyPr rtlCol="0" anchor="ctr"/>
+          <a:lstStyle/>
+          <a:p>
+            <a:pPr algn="ctr"/>
+            <a:r>
+              <a:rPr lang="en-US" sz="2800" b="1" dirty="0">
+                <a:solidFill>
+                  <a:schemeClr val="tx1"/>
+                </a:solidFill>
+              </a:rPr>
+              <a:t>Limits</a:t>
+            </a:r>
+          </a:p>
+          <a:p>
+            <a:pPr algn="ctr"/>
+            <a:r>
+              <a:rPr lang="en-US" dirty="0">
+                <a:solidFill>
+                  <a:schemeClr val="tx1"/>
+                </a:solidFill>
+              </a:rPr>
+              <a:t>on content that is sexually explicit, hateful, or</a:t>
+            </a:r>
+          </a:p>
+          <a:p>
+            <a:pPr algn="ctr"/>
+            <a:r>
+              <a:rPr lang="en-US" dirty="0">
+                <a:solidFill>
+                  <a:schemeClr val="tx1"/>
+                </a:solidFill>
+              </a:rPr>
+              <a:t>violent, or that promotes illegal activity</a:t>
+            </a:r>
+            <a:endParaRPr lang="en-US" sz="2800" b="1" dirty="0">
+              <a:solidFill>
+                <a:schemeClr val="tx1"/>
+              </a:solidFill>
+            </a:endParaRPr>
+          </a:p>
+        </p:txBody>
+      </p:sp>
+      <p:sp>
+        <p:nvSpPr>
+          <p:cNvPr id="19" name="Oval 18">
+            <a:extLst>
+              <a:ext uri="{FF2B5EF4-FFF2-40B4-BE49-F238E27FC236}">
+                <a16:creationId xmlns:a16="http://schemas.microsoft.com/office/drawing/2014/main" id="{8383E64C-D418-4644-BC44-94363A002A41}"/>
+              </a:ext>
+            </a:extLst>
+          </p:cNvPr>
+          <p:cNvSpPr/>
+          <p:nvPr/>
+        </p:nvSpPr>
+        <p:spPr>
+          <a:xfrm>
+            <a:off x="1519876" y="807678"/>
+            <a:ext cx="1938528" cy="1936377"/>
           </a:xfrm>
           <a:prstGeom prst="ellipse">
             <a:avLst/>
           </a:prstGeom>
+          <a:noFill/>
+          <a:ln w="57150">
+            <a:solidFill>
+              <a:schemeClr val="tx1">
+                <a:lumMod val="95000"/>
+                <a:lumOff val="5000"/>
+              </a:schemeClr>
+            </a:solidFill>
+          </a:ln>
+          <a:effectLst>
+            <a:glow rad="139700">
+              <a:srgbClr val="A5D6A7">
+                <a:alpha val="40000"/>
+              </a:srgbClr>
+            </a:glow>
+          </a:effectLst>
+        </p:spPr>
+        <p:style>
+          <a:lnRef idx="2">
+            <a:schemeClr val="accent1">
+              <a:shade val="50000"/>
+            </a:schemeClr>
+          </a:lnRef>
+          <a:fillRef idx="1">
+            <a:schemeClr val="accent1"/>
+          </a:fillRef>
+          <a:effectRef idx="0">
+            <a:schemeClr val="accent1"/>
+          </a:effectRef>
+          <a:fontRef idx="minor">
+            <a:schemeClr val="lt1"/>
+          </a:fontRef>
+        </p:style>
+        <p:txBody>
+          <a:bodyPr rtlCol="0" anchor="ctr"/>
+          <a:lstStyle/>
+          <a:p>
+            <a:pPr algn="ctr"/>
+            <a:endParaRPr lang="en-US"/>
+          </a:p>
+        </p:txBody>
+      </p:sp>
+      <p:sp>
+        <p:nvSpPr>
+          <p:cNvPr id="20" name="Oval 19">
+            <a:extLst>
+              <a:ext uri="{FF2B5EF4-FFF2-40B4-BE49-F238E27FC236}">
+                <a16:creationId xmlns:a16="http://schemas.microsoft.com/office/drawing/2014/main" id="{BB4815ED-97D2-4B6F-8A0B-D268DD47B342}"/>
+              </a:ext>
+            </a:extLst>
+          </p:cNvPr>
+          <p:cNvSpPr/>
+          <p:nvPr/>
+        </p:nvSpPr>
+        <p:spPr>
+          <a:xfrm>
+            <a:off x="5126736" y="807678"/>
+            <a:ext cx="1938528" cy="1936377"/>
+          </a:xfrm>
+          <a:prstGeom prst="ellipse">
+            <a:avLst/>
+          </a:prstGeom>
+          <a:noFill/>
+          <a:ln w="57150">
+            <a:solidFill>
+              <a:schemeClr val="tx1">
+                <a:lumMod val="95000"/>
+                <a:lumOff val="5000"/>
+              </a:schemeClr>
+            </a:solidFill>
+          </a:ln>
+          <a:effectLst>
+            <a:glow rad="139700">
+              <a:srgbClr val="FFCC80">
+                <a:alpha val="40000"/>
+              </a:srgbClr>
+            </a:glow>
+          </a:effectLst>
+        </p:spPr>
+        <p:style>
+          <a:lnRef idx="2">
+            <a:schemeClr val="accent1">
+              <a:shade val="50000"/>
+            </a:schemeClr>
+          </a:lnRef>
+          <a:fillRef idx="1">
+            <a:schemeClr val="accent1"/>
+          </a:fillRef>
+          <a:effectRef idx="0">
+            <a:schemeClr val="accent1"/>
+          </a:effectRef>
+          <a:fontRef idx="minor">
+            <a:schemeClr val="lt1"/>
+          </a:fontRef>
+        </p:style>
+        <p:txBody>
+          <a:bodyPr rtlCol="0" anchor="ctr"/>
+          <a:lstStyle/>
+          <a:p>
+            <a:pPr algn="ctr"/>
+            <a:endParaRPr lang="en-US"/>
+          </a:p>
+        </p:txBody>
+      </p:sp>
+      <p:sp>
+        <p:nvSpPr>
+          <p:cNvPr id="21" name="Oval 20">
+            <a:extLst>
+              <a:ext uri="{FF2B5EF4-FFF2-40B4-BE49-F238E27FC236}">
+                <a16:creationId xmlns:a16="http://schemas.microsoft.com/office/drawing/2014/main" id="{76AE483D-7808-4FE8-AE60-6A89FBBB8E1E}"/>
+              </a:ext>
+            </a:extLst>
+          </p:cNvPr>
+          <p:cNvSpPr/>
+          <p:nvPr/>
+        </p:nvSpPr>
+        <p:spPr>
+          <a:xfrm>
+            <a:off x="8770172" y="807678"/>
+            <a:ext cx="1938528" cy="1936377"/>
+          </a:xfrm>
+          <a:prstGeom prst="ellipse">
+            <a:avLst/>
+          </a:prstGeom>
+          <a:noFill/>
+          <a:ln w="57150">
+            <a:solidFill>
+              <a:schemeClr val="tx1">
+                <a:lumMod val="95000"/>
+                <a:lumOff val="5000"/>
+              </a:schemeClr>
+            </a:solidFill>
+          </a:ln>
+          <a:effectLst>
+            <a:glow rad="139700">
+              <a:srgbClr val="F48FB1">
+                <a:alpha val="40000"/>
+              </a:srgbClr>
+            </a:glow>
+          </a:effectLst>
+        </p:spPr>
+        <p:style>
+          <a:lnRef idx="2">
+            <a:schemeClr val="accent1">
+              <a:shade val="50000"/>
+            </a:schemeClr>
+          </a:lnRef>
+          <a:fillRef idx="1">
+            <a:schemeClr val="accent1"/>
+          </a:fillRef>
+          <a:effectRef idx="0">
+            <a:schemeClr val="accent1"/>
+          </a:effectRef>
+          <a:fontRef idx="minor">
+            <a:schemeClr val="lt1"/>
+          </a:fontRef>
+        </p:style>
+        <p:txBody>
+          <a:bodyPr rtlCol="0" anchor="ctr"/>
+          <a:lstStyle/>
+          <a:p>
+            <a:pPr algn="ctr"/>
+            <a:endParaRPr lang="en-US"/>
+          </a:p>
+        </p:txBody>
+      </p:sp>
+      <p:sp>
+        <p:nvSpPr>
+          <p:cNvPr id="22" name="Rectangle 21">
+            <a:extLst>
+              <a:ext uri="{FF2B5EF4-FFF2-40B4-BE49-F238E27FC236}">
+                <a16:creationId xmlns:a16="http://schemas.microsoft.com/office/drawing/2014/main" id="{987AE45F-8F27-4198-90F2-789B76E15A8B}"/>
+              </a:ext>
+            </a:extLst>
+          </p:cNvPr>
+          <p:cNvSpPr/>
+          <p:nvPr/>
+        </p:nvSpPr>
+        <p:spPr>
+          <a:xfrm>
+            <a:off x="2043953" y="1277468"/>
+            <a:ext cx="900953" cy="954741"/>
+          </a:xfrm>
+          <a:prstGeom prst="rect">
+            <a:avLst/>
+          </a:prstGeom>
           <a:blipFill dpi="0" rotWithShape="1">
-            <a:blip r:embed="rId3" cstate="print">
+            <a:blip r:embed="rId3">
               <a:extLst>
                 <a:ext uri="{28A0092B-C50C-407E-A947-70E740481C1C}">
                   <a14:useLocalDpi xmlns:a14="http://schemas.microsoft.com/office/drawing/2010/main" val="0"/>
@@ -7557,165 +8453,28 @@
           <a:lstStyle/>
           <a:p>
             <a:pPr algn="ctr"/>
-            <a:r>
-              <a:rPr lang="en-US" sz="2800" b="1" dirty="0" smtClean="0">
-                <a:solidFill>
-                  <a:schemeClr val="tx1"/>
-                </a:solidFill>
-              </a:rPr>
-              <a:t>Limits</a:t>
-            </a:r>
-          </a:p>
-          <a:p>
-            <a:pPr algn="ctr"/>
-            <a:r>
-              <a:rPr lang="en-US" dirty="0">
-                <a:solidFill>
-                  <a:schemeClr val="tx1"/>
-                </a:solidFill>
-              </a:rPr>
-              <a:t>on content that is sexually explicit, </a:t>
-            </a:r>
-            <a:r>
-              <a:rPr lang="en-US" dirty="0" smtClean="0">
-                <a:solidFill>
-                  <a:schemeClr val="tx1"/>
-                </a:solidFill>
-              </a:rPr>
-              <a:t>hateful</a:t>
-            </a:r>
-            <a:r>
-              <a:rPr lang="en-US" dirty="0">
-                <a:solidFill>
-                  <a:schemeClr val="tx1"/>
-                </a:solidFill>
-              </a:rPr>
-              <a:t>, or</a:t>
-            </a:r>
-          </a:p>
-          <a:p>
-            <a:pPr algn="ctr"/>
-            <a:r>
-              <a:rPr lang="en-US" dirty="0">
-                <a:solidFill>
-                  <a:schemeClr val="tx1"/>
-                </a:solidFill>
-              </a:rPr>
-              <a:t>violent, or that promotes illegal activity</a:t>
-            </a:r>
-            <a:endParaRPr lang="en-US" sz="2800" b="1" dirty="0">
-              <a:solidFill>
-                <a:schemeClr val="tx1"/>
-              </a:solidFill>
-            </a:endParaRPr>
-          </a:p>
-        </p:txBody>
-      </p:sp>
-      <p:sp>
-        <p:nvSpPr>
-          <p:cNvPr id="33" name="Donut 32"/>
+            <a:endParaRPr lang="en-US"/>
+          </a:p>
+        </p:txBody>
+      </p:sp>
+      <p:sp>
+        <p:nvSpPr>
+          <p:cNvPr id="23" name="Rectangle 22">
+            <a:extLst>
+              <a:ext uri="{FF2B5EF4-FFF2-40B4-BE49-F238E27FC236}">
+                <a16:creationId xmlns:a16="http://schemas.microsoft.com/office/drawing/2014/main" id="{E445AD7B-B08C-496F-8526-EF657527FD9A}"/>
+              </a:ext>
+            </a:extLst>
+          </p:cNvPr>
           <p:cNvSpPr/>
           <p:nvPr/>
         </p:nvSpPr>
         <p:spPr>
           <a:xfrm>
-            <a:off x="2244289" y="3324302"/>
-            <a:ext cx="441960" cy="449580"/>
-          </a:xfrm>
-          <a:prstGeom prst="donut">
-            <a:avLst/>
-          </a:prstGeom>
-          <a:solidFill>
-            <a:srgbClr val="442C2E"/>
-          </a:solidFill>
-          <a:ln>
-            <a:noFill/>
-          </a:ln>
-        </p:spPr>
-        <p:style>
-          <a:lnRef idx="2">
-            <a:schemeClr val="accent1">
-              <a:shade val="50000"/>
-            </a:schemeClr>
-          </a:lnRef>
-          <a:fillRef idx="1">
-            <a:schemeClr val="accent1"/>
-          </a:fillRef>
-          <a:effectRef idx="0">
-            <a:schemeClr val="accent1"/>
-          </a:effectRef>
-          <a:fontRef idx="minor">
-            <a:schemeClr val="lt1"/>
-          </a:fontRef>
-        </p:style>
-        <p:txBody>
-          <a:bodyPr rtlCol="0" anchor="ctr"/>
-          <a:lstStyle/>
-          <a:p>
-            <a:pPr algn="ctr"/>
-            <a:endParaRPr lang="en-US">
-              <a:solidFill>
-                <a:schemeClr val="tx1"/>
-              </a:solidFill>
-            </a:endParaRPr>
-          </a:p>
-        </p:txBody>
-      </p:sp>
-      <p:sp>
-        <p:nvSpPr>
-          <p:cNvPr id="34" name="Teardrop 33"/>
-          <p:cNvSpPr/>
-          <p:nvPr/>
-        </p:nvSpPr>
-        <p:spPr>
-          <a:xfrm rot="18920651">
-            <a:off x="1243878" y="4280310"/>
-            <a:ext cx="2454481" cy="2467502"/>
-          </a:xfrm>
-          <a:prstGeom prst="teardrop">
-            <a:avLst/>
-          </a:prstGeom>
-          <a:solidFill>
-            <a:srgbClr val="442C2E"/>
-          </a:solidFill>
-        </p:spPr>
-        <p:style>
-          <a:lnRef idx="2">
-            <a:schemeClr val="accent1">
-              <a:shade val="50000"/>
-            </a:schemeClr>
-          </a:lnRef>
-          <a:fillRef idx="1">
-            <a:schemeClr val="accent1"/>
-          </a:fillRef>
-          <a:effectRef idx="0">
-            <a:schemeClr val="accent1"/>
-          </a:effectRef>
-          <a:fontRef idx="minor">
-            <a:schemeClr val="lt1"/>
-          </a:fontRef>
-        </p:style>
-        <p:txBody>
-          <a:bodyPr rtlCol="0" anchor="ctr"/>
-          <a:lstStyle/>
-          <a:p>
-            <a:pPr algn="ctr"/>
-            <a:endParaRPr lang="en-US"/>
-          </a:p>
-        </p:txBody>
-      </p:sp>
-      <p:sp>
-        <p:nvSpPr>
-          <p:cNvPr id="35" name="Oval 34"/>
-          <p:cNvSpPr/>
-          <p:nvPr/>
-        </p:nvSpPr>
-        <p:spPr>
-          <a:xfrm>
-            <a:off x="1356285" y="4458948"/>
-            <a:ext cx="2253448" cy="2138992"/>
-          </a:xfrm>
-          <a:prstGeom prst="ellipse">
+            <a:off x="5645523" y="1277467"/>
+            <a:ext cx="900953" cy="954741"/>
+          </a:xfrm>
+          <a:prstGeom prst="rect">
             <a:avLst/>
           </a:prstGeom>
           <a:blipFill dpi="0" rotWithShape="1">
@@ -7756,54 +8515,30 @@
           <a:lstStyle/>
           <a:p>
             <a:pPr algn="ctr"/>
-            <a:r>
-              <a:rPr lang="en-US" sz="3200" b="1" dirty="0">
-                <a:solidFill>
-                  <a:schemeClr val="tx1"/>
-                </a:solidFill>
-              </a:rPr>
-              <a:t>Policies</a:t>
-            </a:r>
-          </a:p>
-          <a:p>
-            <a:pPr algn="ctr"/>
-            <a:r>
-              <a:rPr lang="en-US" dirty="0">
-                <a:solidFill>
-                  <a:schemeClr val="tx1"/>
-                </a:solidFill>
-              </a:rPr>
-              <a:t>against uploading videos depicting </a:t>
-            </a:r>
-            <a:r>
-              <a:rPr lang="en-US" dirty="0" smtClean="0">
-                <a:solidFill>
-                  <a:schemeClr val="tx1"/>
-                </a:solidFill>
-              </a:rPr>
-              <a:t>violence</a:t>
-            </a:r>
-            <a:endParaRPr lang="en-US" dirty="0">
-              <a:solidFill>
-                <a:schemeClr val="tx1"/>
-              </a:solidFill>
-            </a:endParaRPr>
-          </a:p>
-        </p:txBody>
-      </p:sp>
-      <p:grpSp>
-        <p:nvGrpSpPr>
-          <p:cNvPr id="48" name="Group 47"/>
-          <p:cNvGrpSpPr/>
+            <a:endParaRPr lang="en-US"/>
+          </a:p>
+        </p:txBody>
+      </p:sp>
+      <p:sp>
+        <p:nvSpPr>
+          <p:cNvPr id="24" name="Rectangle 23">
+            <a:extLst>
+              <a:ext uri="{FF2B5EF4-FFF2-40B4-BE49-F238E27FC236}">
+                <a16:creationId xmlns:a16="http://schemas.microsoft.com/office/drawing/2014/main" id="{062718D6-667D-4199-A599-2948B99A8597}"/>
+              </a:ext>
+            </a:extLst>
+          </p:cNvPr>
+          <p:cNvSpPr/>
           <p:nvPr/>
-        </p:nvGrpSpPr>
-        <p:grpSpPr>
-          <a:xfrm rot="16200000">
-            <a:off x="7633000" y="2336972"/>
-            <a:ext cx="6858000" cy="2184055"/>
-            <a:chOff x="10287240" y="-1"/>
-            <a:chExt cx="1904760" cy="6858001"/>
-          </a:xfrm>
+        </p:nvSpPr>
+        <p:spPr>
+          <a:xfrm>
+            <a:off x="9288959" y="1298495"/>
+            <a:ext cx="900953" cy="954741"/>
+          </a:xfrm>
+          <a:prstGeom prst="rect">
+            <a:avLst/>
+          </a:prstGeom>
           <a:blipFill dpi="0" rotWithShape="1">
             <a:blip r:embed="rId5">
               <a:extLst>
@@ -7817,157 +8552,45 @@
               <a:fillRect/>
             </a:stretch>
           </a:blipFill>
-        </p:grpSpPr>
-        <p:sp>
-          <p:nvSpPr>
-            <p:cNvPr id="37" name="Rectangle 36"/>
-            <p:cNvSpPr/>
-            <p:nvPr/>
-          </p:nvSpPr>
-          <p:spPr>
-            <a:xfrm rot="16200000">
-              <a:off x="8467787" y="3133786"/>
-              <a:ext cx="6857999" cy="590427"/>
-            </a:xfrm>
-            <a:prstGeom prst="rect">
-              <a:avLst/>
-            </a:prstGeom>
-            <a:grpFill/>
-            <a:ln>
-              <a:noFill/>
-            </a:ln>
-          </p:spPr>
-          <p:style>
-            <a:lnRef idx="2">
-              <a:schemeClr val="accent1">
-                <a:shade val="50000"/>
-              </a:schemeClr>
-            </a:lnRef>
-            <a:fillRef idx="1">
-              <a:schemeClr val="accent1"/>
-            </a:fillRef>
-            <a:effectRef idx="0">
-              <a:schemeClr val="accent1"/>
-            </a:effectRef>
-            <a:fontRef idx="minor">
-              <a:schemeClr val="lt1"/>
-            </a:fontRef>
-          </p:style>
-          <p:txBody>
-            <a:bodyPr rtlCol="0" anchor="ctr"/>
-            <a:lstStyle/>
-            <a:p>
-              <a:pPr algn="ctr"/>
-              <a:endParaRPr lang="en-US"/>
-            </a:p>
-          </p:txBody>
-        </p:sp>
-        <p:sp>
-          <p:nvSpPr>
-            <p:cNvPr id="46" name="Rectangle 45"/>
-            <p:cNvSpPr/>
-            <p:nvPr/>
-          </p:nvSpPr>
-          <p:spPr>
-            <a:xfrm rot="16200000">
-              <a:off x="7809381" y="3133785"/>
-              <a:ext cx="6857999" cy="590427"/>
-            </a:xfrm>
-            <a:prstGeom prst="rect">
-              <a:avLst/>
-            </a:prstGeom>
-            <a:grpFill/>
-            <a:ln>
-              <a:noFill/>
-            </a:ln>
-          </p:spPr>
-          <p:style>
-            <a:lnRef idx="2">
-              <a:schemeClr val="accent1">
-                <a:shade val="50000"/>
-              </a:schemeClr>
-            </a:lnRef>
-            <a:fillRef idx="1">
-              <a:schemeClr val="accent1"/>
-            </a:fillRef>
-            <a:effectRef idx="0">
-              <a:schemeClr val="accent1"/>
-            </a:effectRef>
-            <a:fontRef idx="minor">
-              <a:schemeClr val="lt1"/>
-            </a:fontRef>
-          </p:style>
-          <p:txBody>
-            <a:bodyPr rtlCol="0" anchor="ctr"/>
-            <a:lstStyle/>
-            <a:p>
-              <a:pPr algn="ctr"/>
-              <a:endParaRPr lang="en-US"/>
-            </a:p>
-          </p:txBody>
-        </p:sp>
-        <p:sp>
-          <p:nvSpPr>
-            <p:cNvPr id="47" name="Rectangle 46"/>
-            <p:cNvSpPr/>
-            <p:nvPr/>
-          </p:nvSpPr>
-          <p:spPr>
-            <a:xfrm rot="16200000">
-              <a:off x="7153454" y="3133787"/>
-              <a:ext cx="6857999" cy="590427"/>
-            </a:xfrm>
-            <a:prstGeom prst="rect">
-              <a:avLst/>
-            </a:prstGeom>
-            <a:grpFill/>
-            <a:ln>
-              <a:noFill/>
-            </a:ln>
-          </p:spPr>
-          <p:style>
-            <a:lnRef idx="2">
-              <a:schemeClr val="accent1">
-                <a:shade val="50000"/>
-              </a:schemeClr>
-            </a:lnRef>
-            <a:fillRef idx="1">
-              <a:schemeClr val="accent1"/>
-            </a:fillRef>
-            <a:effectRef idx="0">
-              <a:schemeClr val="accent1"/>
-            </a:effectRef>
-            <a:fontRef idx="minor">
-              <a:schemeClr val="lt1"/>
-            </a:fontRef>
-          </p:style>
-          <p:txBody>
-            <a:bodyPr rtlCol="0" anchor="ctr"/>
-            <a:lstStyle/>
-            <a:p>
-              <a:pPr algn="ctr"/>
-              <a:endParaRPr lang="en-US"/>
-            </a:p>
-          </p:txBody>
-        </p:sp>
-      </p:grpSp>
+          <a:ln>
+            <a:noFill/>
+          </a:ln>
+        </p:spPr>
+        <p:style>
+          <a:lnRef idx="2">
+            <a:schemeClr val="accent1">
+              <a:shade val="50000"/>
+            </a:schemeClr>
+          </a:lnRef>
+          <a:fillRef idx="1">
+            <a:schemeClr val="accent1"/>
+          </a:fillRef>
+          <a:effectRef idx="0">
+            <a:schemeClr val="accent1"/>
+          </a:effectRef>
+          <a:fontRef idx="minor">
+            <a:schemeClr val="lt1"/>
+          </a:fontRef>
+        </p:style>
+        <p:txBody>
+          <a:bodyPr rtlCol="0" anchor="ctr"/>
+          <a:lstStyle/>
+          <a:p>
+            <a:pPr algn="ctr"/>
+            <a:endParaRPr lang="en-US"/>
+          </a:p>
+        </p:txBody>
+      </p:sp>
     </p:spTree>
     <p:extLst>
       <p:ext uri="{BB962C8B-B14F-4D97-AF65-F5344CB8AC3E}">
-        <p14:creationId xmlns:p14="http://schemas.microsoft.com/office/powerpoint/2010/main" val="575265588"/>
+        <p14:creationId xmlns:p14="http://schemas.microsoft.com/office/powerpoint/2010/main" val="726161760"/>
       </p:ext>
     </p:extLst>
   </p:cSld>
   <p:clrMapOvr>
     <a:masterClrMapping/>
   </p:clrMapOvr>
-  <p:timing>
-    <p:tnLst>
-      <p:par>
-        <p:cTn id="1" dur="indefinite" restart="never" nodeType="tmRoot"/>
-      </p:par>
-    </p:tnLst>
-  </p:timing>
 </p:sld>
 </file>
 
@@ -7988,239 +8611,657 @@
           <a:chExt cx="0" cy="0"/>
         </a:xfrm>
       </p:grpSpPr>
+      <p:sp>
+        <p:nvSpPr>
+          <p:cNvPr id="2" name="Rectangle 1">
+            <a:extLst>
+              <a:ext uri="{FF2B5EF4-FFF2-40B4-BE49-F238E27FC236}">
+                <a16:creationId xmlns:a16="http://schemas.microsoft.com/office/drawing/2014/main" id="{EAD80A90-0281-467C-9795-260AD8B9467C}"/>
+              </a:ext>
+            </a:extLst>
+          </p:cNvPr>
+          <p:cNvSpPr/>
+          <p:nvPr/>
+        </p:nvSpPr>
+        <p:spPr>
+          <a:xfrm>
+            <a:off x="2758440" y="0"/>
+            <a:ext cx="9448800" cy="6858000"/>
+          </a:xfrm>
+          <a:prstGeom prst="rect">
+            <a:avLst/>
+          </a:prstGeom>
+          <a:blipFill dpi="0" rotWithShape="1">
+            <a:blip r:embed="rId3">
+              <a:extLst>
+                <a:ext uri="{28A0092B-C50C-407E-A947-70E740481C1C}">
+                  <a14:useLocalDpi xmlns:a14="http://schemas.microsoft.com/office/drawing/2010/main" val="0"/>
+                </a:ext>
+              </a:extLst>
+            </a:blip>
+            <a:srcRect/>
+            <a:stretch>
+              <a:fillRect/>
+            </a:stretch>
+          </a:blipFill>
+          <a:ln>
+            <a:solidFill>
+              <a:srgbClr val="F7F8FA"/>
+            </a:solidFill>
+          </a:ln>
+        </p:spPr>
+        <p:style>
+          <a:lnRef idx="2">
+            <a:schemeClr val="accent1">
+              <a:shade val="50000"/>
+            </a:schemeClr>
+          </a:lnRef>
+          <a:fillRef idx="1">
+            <a:schemeClr val="accent1"/>
+          </a:fillRef>
+          <a:effectRef idx="0">
+            <a:schemeClr val="accent1"/>
+          </a:effectRef>
+          <a:fontRef idx="minor">
+            <a:schemeClr val="lt1"/>
+          </a:fontRef>
+        </p:style>
+        <p:txBody>
+          <a:bodyPr rtlCol="0" anchor="ctr"/>
+          <a:lstStyle/>
+          <a:p>
+            <a:pPr algn="ctr"/>
+            <a:endParaRPr lang="en-US"/>
+          </a:p>
+        </p:txBody>
+      </p:sp>
+      <p:sp>
+        <p:nvSpPr>
+          <p:cNvPr id="3" name="Rectangle 2">
+            <a:extLst>
+              <a:ext uri="{FF2B5EF4-FFF2-40B4-BE49-F238E27FC236}">
+                <a16:creationId xmlns:a16="http://schemas.microsoft.com/office/drawing/2014/main" id="{8048C08D-C61D-47F5-87A4-FA024554C33E}"/>
+              </a:ext>
+            </a:extLst>
+          </p:cNvPr>
+          <p:cNvSpPr/>
+          <p:nvPr/>
+        </p:nvSpPr>
+        <p:spPr>
+          <a:xfrm>
+            <a:off x="0" y="0"/>
+            <a:ext cx="2743200" cy="6858000"/>
+          </a:xfrm>
+          <a:prstGeom prst="rect">
+            <a:avLst/>
+          </a:prstGeom>
+          <a:solidFill>
+            <a:srgbClr val="FFDE03"/>
+          </a:solidFill>
+          <a:ln>
+            <a:solidFill>
+              <a:srgbClr val="F7F8FA"/>
+            </a:solidFill>
+          </a:ln>
+        </p:spPr>
+        <p:style>
+          <a:lnRef idx="2">
+            <a:schemeClr val="accent1">
+              <a:shade val="50000"/>
+            </a:schemeClr>
+          </a:lnRef>
+          <a:fillRef idx="1">
+            <a:schemeClr val="accent1"/>
+          </a:fillRef>
+          <a:effectRef idx="0">
+            <a:schemeClr val="accent1"/>
+          </a:effectRef>
+          <a:fontRef idx="minor">
+            <a:schemeClr val="lt1"/>
+          </a:fontRef>
+        </p:style>
+        <p:txBody>
+          <a:bodyPr rtlCol="0" anchor="ctr"/>
+          <a:lstStyle/>
+          <a:p>
+            <a:pPr algn="ctr"/>
+            <a:r>
+              <a:rPr lang="en-US" sz="2800" dirty="0">
+                <a:solidFill>
+                  <a:schemeClr val="tx1"/>
+                </a:solidFill>
+                <a:latin typeface="Copperplate Gothic Bold" panose="020E0705020206020404" pitchFamily="34" charset="0"/>
+              </a:rPr>
+              <a:t>Prevention</a:t>
+            </a:r>
+            <a:endParaRPr lang="en-US" sz="2800" dirty="0">
+              <a:solidFill>
+                <a:schemeClr val="tx1"/>
+              </a:solidFill>
+            </a:endParaRPr>
+          </a:p>
+          <a:p>
+            <a:pPr algn="ctr"/>
+            <a:endParaRPr lang="en-US" dirty="0"/>
+          </a:p>
+        </p:txBody>
+      </p:sp>
+      <p:sp>
+        <p:nvSpPr>
+          <p:cNvPr id="4" name="Rectangle 3">
+            <a:extLst>
+              <a:ext uri="{FF2B5EF4-FFF2-40B4-BE49-F238E27FC236}">
+                <a16:creationId xmlns:a16="http://schemas.microsoft.com/office/drawing/2014/main" id="{7422EC10-580F-4E6A-AE85-A9C84DC71F9C}"/>
+              </a:ext>
+            </a:extLst>
+          </p:cNvPr>
+          <p:cNvSpPr/>
+          <p:nvPr/>
+        </p:nvSpPr>
+        <p:spPr>
+          <a:xfrm>
+            <a:off x="2743200" y="0"/>
+            <a:ext cx="5669280" cy="6858000"/>
+          </a:xfrm>
+          <a:prstGeom prst="rect">
+            <a:avLst/>
+          </a:prstGeom>
+          <a:solidFill>
+            <a:schemeClr val="tx1">
+              <a:alpha val="80000"/>
+            </a:schemeClr>
+          </a:solidFill>
+          <a:ln>
+            <a:solidFill>
+              <a:srgbClr val="F7F8FA"/>
+            </a:solidFill>
+          </a:ln>
+        </p:spPr>
+        <p:style>
+          <a:lnRef idx="2">
+            <a:schemeClr val="accent1">
+              <a:shade val="50000"/>
+            </a:schemeClr>
+          </a:lnRef>
+          <a:fillRef idx="1">
+            <a:schemeClr val="accent1"/>
+          </a:fillRef>
+          <a:effectRef idx="0">
+            <a:schemeClr val="accent1"/>
+          </a:effectRef>
+          <a:fontRef idx="minor">
+            <a:schemeClr val="lt1"/>
+          </a:fontRef>
+        </p:style>
+        <p:txBody>
+          <a:bodyPr rtlCol="0" anchor="ctr"/>
+          <a:lstStyle/>
+          <a:p>
+            <a:pPr algn="ctr"/>
+            <a:endParaRPr lang="en-US"/>
+          </a:p>
+        </p:txBody>
+      </p:sp>
+      <p:sp>
+        <p:nvSpPr>
+          <p:cNvPr id="5" name="Rectangle 4">
+            <a:extLst>
+              <a:ext uri="{FF2B5EF4-FFF2-40B4-BE49-F238E27FC236}">
+                <a16:creationId xmlns:a16="http://schemas.microsoft.com/office/drawing/2014/main" id="{9B154A77-3049-4696-8BBE-B0ECBA4D25F7}"/>
+              </a:ext>
+            </a:extLst>
+          </p:cNvPr>
+          <p:cNvSpPr/>
+          <p:nvPr/>
+        </p:nvSpPr>
+        <p:spPr>
+          <a:xfrm>
+            <a:off x="2952750" y="1951034"/>
+            <a:ext cx="4503420" cy="1333500"/>
+          </a:xfrm>
+          <a:prstGeom prst="rect">
+            <a:avLst/>
+          </a:prstGeom>
+          <a:noFill/>
+          <a:ln>
+            <a:noFill/>
+          </a:ln>
+        </p:spPr>
+        <p:style>
+          <a:lnRef idx="2">
+            <a:schemeClr val="accent1">
+              <a:shade val="50000"/>
+            </a:schemeClr>
+          </a:lnRef>
+          <a:fillRef idx="1">
+            <a:schemeClr val="accent1"/>
+          </a:fillRef>
+          <a:effectRef idx="0">
+            <a:schemeClr val="accent1"/>
+          </a:effectRef>
+          <a:fontRef idx="minor">
+            <a:schemeClr val="lt1"/>
+          </a:fontRef>
+        </p:style>
+        <p:txBody>
+          <a:bodyPr rtlCol="0" anchor="ctr"/>
+          <a:lstStyle/>
+          <a:p>
+            <a:pPr algn="r"/>
+            <a:r>
+              <a:rPr lang="en-US" sz="2000" dirty="0">
+                <a:solidFill>
+                  <a:schemeClr val="bg1"/>
+                </a:solidFill>
+                <a:latin typeface="Consolas" panose="020B0609020204030204" pitchFamily="49" charset="0"/>
+              </a:rPr>
+              <a:t>Increasing consciousness</a:t>
+            </a:r>
+          </a:p>
+        </p:txBody>
+      </p:sp>
+      <p:sp>
+        <p:nvSpPr>
+          <p:cNvPr id="6" name="Rectangle 5">
+            <a:extLst>
+              <a:ext uri="{FF2B5EF4-FFF2-40B4-BE49-F238E27FC236}">
+                <a16:creationId xmlns:a16="http://schemas.microsoft.com/office/drawing/2014/main" id="{EFF33620-28C0-4310-870A-73C16C871CBC}"/>
+              </a:ext>
+            </a:extLst>
+          </p:cNvPr>
+          <p:cNvSpPr/>
+          <p:nvPr/>
+        </p:nvSpPr>
+        <p:spPr>
+          <a:xfrm>
+            <a:off x="2979420" y="234596"/>
+            <a:ext cx="4503420" cy="1333500"/>
+          </a:xfrm>
+          <a:prstGeom prst="rect">
+            <a:avLst/>
+          </a:prstGeom>
+          <a:noFill/>
+          <a:ln>
+            <a:noFill/>
+          </a:ln>
+        </p:spPr>
+        <p:style>
+          <a:lnRef idx="2">
+            <a:schemeClr val="accent1">
+              <a:shade val="50000"/>
+            </a:schemeClr>
+          </a:lnRef>
+          <a:fillRef idx="1">
+            <a:schemeClr val="accent1"/>
+          </a:fillRef>
+          <a:effectRef idx="0">
+            <a:schemeClr val="accent1"/>
+          </a:effectRef>
+          <a:fontRef idx="minor">
+            <a:schemeClr val="lt1"/>
+          </a:fontRef>
+        </p:style>
+        <p:txBody>
+          <a:bodyPr rtlCol="0" anchor="ctr"/>
+          <a:lstStyle/>
+          <a:p>
+            <a:pPr algn="r"/>
+            <a:r>
+              <a:rPr lang="en-US" sz="2000" dirty="0">
+                <a:solidFill>
+                  <a:schemeClr val="bg1"/>
+                </a:solidFill>
+                <a:latin typeface="Consolas" panose="020B0609020204030204" pitchFamily="49" charset="0"/>
+              </a:rPr>
+              <a:t>Increasing morality</a:t>
+            </a:r>
+          </a:p>
+        </p:txBody>
+      </p:sp>
+      <p:sp>
+        <p:nvSpPr>
+          <p:cNvPr id="7" name="Rectangle 6">
+            <a:extLst>
+              <a:ext uri="{FF2B5EF4-FFF2-40B4-BE49-F238E27FC236}">
+                <a16:creationId xmlns:a16="http://schemas.microsoft.com/office/drawing/2014/main" id="{3BEA9F2F-1EA2-4A42-892F-85573B2E530C}"/>
+              </a:ext>
+            </a:extLst>
+          </p:cNvPr>
+          <p:cNvSpPr/>
+          <p:nvPr/>
+        </p:nvSpPr>
+        <p:spPr>
+          <a:xfrm>
+            <a:off x="2926080" y="3638550"/>
+            <a:ext cx="4530090" cy="1333500"/>
+          </a:xfrm>
+          <a:prstGeom prst="rect">
+            <a:avLst/>
+          </a:prstGeom>
+          <a:noFill/>
+          <a:ln>
+            <a:noFill/>
+          </a:ln>
+        </p:spPr>
+        <p:style>
+          <a:lnRef idx="2">
+            <a:schemeClr val="accent1">
+              <a:shade val="50000"/>
+            </a:schemeClr>
+          </a:lnRef>
+          <a:fillRef idx="1">
+            <a:schemeClr val="accent1"/>
+          </a:fillRef>
+          <a:effectRef idx="0">
+            <a:schemeClr val="accent1"/>
+          </a:effectRef>
+          <a:fontRef idx="minor">
+            <a:schemeClr val="lt1"/>
+          </a:fontRef>
+        </p:style>
+        <p:txBody>
+          <a:bodyPr rtlCol="0" anchor="ctr"/>
+          <a:lstStyle/>
+          <a:p>
+            <a:pPr algn="r"/>
+            <a:r>
+              <a:rPr lang="en-US" sz="2000" dirty="0">
+                <a:solidFill>
+                  <a:schemeClr val="bg1"/>
+                </a:solidFill>
+                <a:latin typeface="Consolas" panose="020B0609020204030204" pitchFamily="49" charset="0"/>
+              </a:rPr>
+              <a:t>Awareness</a:t>
+            </a:r>
+          </a:p>
+        </p:txBody>
+      </p:sp>
+      <p:sp>
+        <p:nvSpPr>
+          <p:cNvPr id="10" name="Rectangle 9">
+            <a:extLst>
+              <a:ext uri="{FF2B5EF4-FFF2-40B4-BE49-F238E27FC236}">
+                <a16:creationId xmlns:a16="http://schemas.microsoft.com/office/drawing/2014/main" id="{A188CB59-C7C6-409C-AE25-A9F6AE81B672}"/>
+              </a:ext>
+            </a:extLst>
+          </p:cNvPr>
+          <p:cNvSpPr/>
+          <p:nvPr/>
+        </p:nvSpPr>
+        <p:spPr>
+          <a:xfrm>
+            <a:off x="2952750" y="5295900"/>
+            <a:ext cx="4530090" cy="1333500"/>
+          </a:xfrm>
+          <a:prstGeom prst="rect">
+            <a:avLst/>
+          </a:prstGeom>
+          <a:noFill/>
+          <a:ln>
+            <a:noFill/>
+          </a:ln>
+        </p:spPr>
+        <p:style>
+          <a:lnRef idx="2">
+            <a:schemeClr val="accent1">
+              <a:shade val="50000"/>
+            </a:schemeClr>
+          </a:lnRef>
+          <a:fillRef idx="1">
+            <a:schemeClr val="accent1"/>
+          </a:fillRef>
+          <a:effectRef idx="0">
+            <a:schemeClr val="accent1"/>
+          </a:effectRef>
+          <a:fontRef idx="minor">
+            <a:schemeClr val="lt1"/>
+          </a:fontRef>
+        </p:style>
+        <p:txBody>
+          <a:bodyPr rtlCol="0" anchor="ctr"/>
+          <a:lstStyle/>
+          <a:p>
+            <a:pPr algn="r"/>
+            <a:r>
+              <a:rPr lang="en-US" sz="2000" dirty="0">
+                <a:solidFill>
+                  <a:schemeClr val="bg1"/>
+                </a:solidFill>
+                <a:latin typeface="Consolas" panose="020B0609020204030204" pitchFamily="49" charset="0"/>
+              </a:rPr>
+              <a:t>Hiding Confidential Information</a:t>
+            </a:r>
+          </a:p>
+        </p:txBody>
+      </p:sp>
+      <p:sp>
+        <p:nvSpPr>
+          <p:cNvPr id="14" name="Diamond 13">
+            <a:extLst>
+              <a:ext uri="{FF2B5EF4-FFF2-40B4-BE49-F238E27FC236}">
+                <a16:creationId xmlns:a16="http://schemas.microsoft.com/office/drawing/2014/main" id="{31F0FC29-E698-4A23-BBAC-87CAA755FC99}"/>
+              </a:ext>
+            </a:extLst>
+          </p:cNvPr>
+          <p:cNvSpPr/>
+          <p:nvPr/>
+        </p:nvSpPr>
+        <p:spPr>
+          <a:xfrm>
+            <a:off x="7863840" y="346710"/>
+            <a:ext cx="1097280" cy="1097280"/>
+          </a:xfrm>
+          <a:prstGeom prst="diamond">
+            <a:avLst/>
+          </a:prstGeom>
+          <a:blipFill dpi="0" rotWithShape="1">
+            <a:blip r:embed="rId4" cstate="print">
+              <a:extLst>
+                <a:ext uri="{28A0092B-C50C-407E-A947-70E740481C1C}">
+                  <a14:useLocalDpi xmlns:a14="http://schemas.microsoft.com/office/drawing/2010/main" val="0"/>
+                </a:ext>
+              </a:extLst>
+            </a:blip>
+            <a:srcRect/>
+            <a:stretch>
+              <a:fillRect/>
+            </a:stretch>
+          </a:blipFill>
+          <a:ln>
+            <a:noFill/>
+          </a:ln>
+        </p:spPr>
+        <p:style>
+          <a:lnRef idx="2">
+            <a:schemeClr val="accent1">
+              <a:shade val="50000"/>
+            </a:schemeClr>
+          </a:lnRef>
+          <a:fillRef idx="1">
+            <a:schemeClr val="accent1"/>
+          </a:fillRef>
+          <a:effectRef idx="0">
+            <a:schemeClr val="accent1"/>
+          </a:effectRef>
+          <a:fontRef idx="minor">
+            <a:schemeClr val="lt1"/>
+          </a:fontRef>
+        </p:style>
+        <p:txBody>
+          <a:bodyPr rtlCol="0" anchor="ctr"/>
+          <a:lstStyle/>
+          <a:p>
+            <a:pPr algn="ctr"/>
+            <a:endParaRPr lang="en-US" dirty="0"/>
+          </a:p>
+        </p:txBody>
+      </p:sp>
+      <p:sp>
+        <p:nvSpPr>
+          <p:cNvPr id="15" name="Diamond 14">
+            <a:extLst>
+              <a:ext uri="{FF2B5EF4-FFF2-40B4-BE49-F238E27FC236}">
+                <a16:creationId xmlns:a16="http://schemas.microsoft.com/office/drawing/2014/main" id="{89807D8F-FFD0-48D9-AE79-AFFF2F3DA8A7}"/>
+              </a:ext>
+            </a:extLst>
+          </p:cNvPr>
+          <p:cNvSpPr/>
+          <p:nvPr/>
+        </p:nvSpPr>
+        <p:spPr>
+          <a:xfrm>
+            <a:off x="7863840" y="3756660"/>
+            <a:ext cx="1097280" cy="1097280"/>
+          </a:xfrm>
+          <a:prstGeom prst="diamond">
+            <a:avLst/>
+          </a:prstGeom>
+          <a:blipFill dpi="0" rotWithShape="1">
+            <a:blip r:embed="rId5">
+              <a:extLst>
+                <a:ext uri="{28A0092B-C50C-407E-A947-70E740481C1C}">
+                  <a14:useLocalDpi xmlns:a14="http://schemas.microsoft.com/office/drawing/2010/main" val="0"/>
+                </a:ext>
+              </a:extLst>
+            </a:blip>
+            <a:srcRect/>
+            <a:stretch>
+              <a:fillRect/>
+            </a:stretch>
+          </a:blipFill>
+          <a:ln>
+            <a:noFill/>
+          </a:ln>
+        </p:spPr>
+        <p:style>
+          <a:lnRef idx="2">
+            <a:schemeClr val="accent1">
+              <a:shade val="50000"/>
+            </a:schemeClr>
+          </a:lnRef>
+          <a:fillRef idx="1">
+            <a:schemeClr val="accent1"/>
+          </a:fillRef>
+          <a:effectRef idx="0">
+            <a:schemeClr val="accent1"/>
+          </a:effectRef>
+          <a:fontRef idx="minor">
+            <a:schemeClr val="lt1"/>
+          </a:fontRef>
+        </p:style>
+        <p:txBody>
+          <a:bodyPr rtlCol="0" anchor="ctr"/>
+          <a:lstStyle/>
+          <a:p>
+            <a:pPr algn="ctr"/>
+            <a:endParaRPr lang="en-US"/>
+          </a:p>
+        </p:txBody>
+      </p:sp>
+      <p:sp>
+        <p:nvSpPr>
+          <p:cNvPr id="16" name="Diamond 15">
+            <a:extLst>
+              <a:ext uri="{FF2B5EF4-FFF2-40B4-BE49-F238E27FC236}">
+                <a16:creationId xmlns:a16="http://schemas.microsoft.com/office/drawing/2014/main" id="{CED81893-D63A-4D79-91AC-982D35F1FB88}"/>
+              </a:ext>
+            </a:extLst>
+          </p:cNvPr>
+          <p:cNvSpPr/>
+          <p:nvPr/>
+        </p:nvSpPr>
+        <p:spPr>
+          <a:xfrm>
+            <a:off x="7863840" y="5383530"/>
+            <a:ext cx="1097280" cy="1097280"/>
+          </a:xfrm>
+          <a:prstGeom prst="diamond">
+            <a:avLst/>
+          </a:prstGeom>
+          <a:blipFill dpi="0" rotWithShape="1">
+            <a:blip r:embed="rId6" cstate="print">
+              <a:extLst>
+                <a:ext uri="{28A0092B-C50C-407E-A947-70E740481C1C}">
+                  <a14:useLocalDpi xmlns:a14="http://schemas.microsoft.com/office/drawing/2010/main" val="0"/>
+                </a:ext>
+              </a:extLst>
+            </a:blip>
+            <a:srcRect/>
+            <a:stretch>
+              <a:fillRect/>
+            </a:stretch>
+          </a:blipFill>
+          <a:ln>
+            <a:noFill/>
+          </a:ln>
+        </p:spPr>
+        <p:style>
+          <a:lnRef idx="2">
+            <a:schemeClr val="accent1">
+              <a:shade val="50000"/>
+            </a:schemeClr>
+          </a:lnRef>
+          <a:fillRef idx="1">
+            <a:schemeClr val="accent1"/>
+          </a:fillRef>
+          <a:effectRef idx="0">
+            <a:schemeClr val="accent1"/>
+          </a:effectRef>
+          <a:fontRef idx="minor">
+            <a:schemeClr val="lt1"/>
+          </a:fontRef>
+        </p:style>
+        <p:txBody>
+          <a:bodyPr rtlCol="0" anchor="ctr"/>
+          <a:lstStyle/>
+          <a:p>
+            <a:pPr algn="ctr"/>
+            <a:endParaRPr lang="en-US"/>
+          </a:p>
+        </p:txBody>
+      </p:sp>
       <p:grpSp>
         <p:nvGrpSpPr>
-          <p:cNvPr id="26" name="Group 25"/>
+          <p:cNvPr id="18" name="Group 17">
+            <a:extLst>
+              <a:ext uri="{FF2B5EF4-FFF2-40B4-BE49-F238E27FC236}">
+                <a16:creationId xmlns:a16="http://schemas.microsoft.com/office/drawing/2014/main" id="{0A52E865-DDA9-488B-82C0-4818B68755E0}"/>
+              </a:ext>
+            </a:extLst>
+          </p:cNvPr>
           <p:cNvGrpSpPr/>
           <p:nvPr/>
         </p:nvGrpSpPr>
         <p:grpSpPr>
           <a:xfrm>
-            <a:off x="5213556" y="519881"/>
-            <a:ext cx="6275438" cy="5877232"/>
-            <a:chOff x="3104536" y="475636"/>
-            <a:chExt cx="6275438" cy="5877232"/>
+            <a:off x="7863840" y="2065972"/>
+            <a:ext cx="1097280" cy="1097280"/>
+            <a:chOff x="7863840" y="346710"/>
+            <a:chExt cx="1097280" cy="1097280"/>
           </a:xfrm>
         </p:grpSpPr>
         <p:sp>
           <p:nvSpPr>
-            <p:cNvPr id="7" name="Oval 6"/>
+            <p:cNvPr id="13" name="Diamond 12">
+              <a:extLst>
+                <a:ext uri="{FF2B5EF4-FFF2-40B4-BE49-F238E27FC236}">
+                  <a16:creationId xmlns:a16="http://schemas.microsoft.com/office/drawing/2014/main" id="{688B0C8A-E163-41CF-8030-27C9E54322BB}"/>
+                </a:ext>
+              </a:extLst>
+            </p:cNvPr>
             <p:cNvSpPr/>
             <p:nvPr/>
           </p:nvSpPr>
           <p:spPr>
             <a:xfrm>
-              <a:off x="4495800" y="1828800"/>
-              <a:ext cx="3200400" cy="3200400"/>
+              <a:off x="7863840" y="346710"/>
+              <a:ext cx="1097280" cy="1097280"/>
             </a:xfrm>
-            <a:prstGeom prst="ellipse">
+            <a:prstGeom prst="diamond">
               <a:avLst/>
             </a:prstGeom>
-            <a:blipFill dpi="0" rotWithShape="1">
-              <a:blip r:embed="rId2">
-                <a:extLst>
-                  <a:ext uri="{28A0092B-C50C-407E-A947-70E740481C1C}">
-                    <a14:useLocalDpi xmlns:a14="http://schemas.microsoft.com/office/drawing/2010/main" val="0"/>
-                  </a:ext>
-                </a:extLst>
-              </a:blip>
-              <a:srcRect/>
-              <a:stretch>
-                <a:fillRect/>
-              </a:stretch>
-            </a:blipFill>
-            <a:ln w="57150">
-              <a:solidFill>
-                <a:schemeClr val="tx1"/>
-              </a:solidFill>
-            </a:ln>
-            <a:effectLst>
-              <a:glow rad="63500">
-                <a:schemeClr val="accent3">
-                  <a:satMod val="175000"/>
-                  <a:alpha val="40000"/>
-                </a:schemeClr>
-              </a:glow>
-            </a:effectLst>
-          </p:spPr>
-          <p:style>
-            <a:lnRef idx="2">
-              <a:schemeClr val="accent1">
-                <a:shade val="50000"/>
-              </a:schemeClr>
-            </a:lnRef>
-            <a:fillRef idx="1">
-              <a:schemeClr val="accent1"/>
-            </a:fillRef>
-            <a:effectRef idx="0">
-              <a:schemeClr val="accent1"/>
-            </a:effectRef>
-            <a:fontRef idx="minor">
-              <a:schemeClr val="lt1"/>
-            </a:fontRef>
-          </p:style>
-          <p:txBody>
-            <a:bodyPr rtlCol="0" anchor="ctr"/>
-            <a:lstStyle/>
-            <a:p>
-              <a:pPr algn="ctr"/>
-              <a:endParaRPr lang="en-US"/>
-            </a:p>
-          </p:txBody>
-        </p:sp>
-        <p:grpSp>
-          <p:nvGrpSpPr>
-            <p:cNvPr id="16" name="Group 15"/>
-            <p:cNvGrpSpPr/>
-            <p:nvPr/>
-          </p:nvGrpSpPr>
-          <p:grpSpPr>
-            <a:xfrm>
-              <a:off x="4267200" y="475636"/>
-              <a:ext cx="3657600" cy="1010264"/>
-              <a:chOff x="4267200" y="475636"/>
-              <a:chExt cx="3657600" cy="1010264"/>
-            </a:xfrm>
-          </p:grpSpPr>
-          <p:sp>
-            <p:nvSpPr>
-              <p:cNvPr id="13" name="Oval Callout 12"/>
-              <p:cNvSpPr/>
-              <p:nvPr/>
-            </p:nvSpPr>
-            <p:spPr>
-              <a:xfrm>
-                <a:off x="4267200" y="475636"/>
-                <a:ext cx="3657600" cy="1010264"/>
-              </a:xfrm>
-              <a:prstGeom prst="wedgeEllipseCallout">
-                <a:avLst>
-                  <a:gd name="adj1" fmla="val -423"/>
-                  <a:gd name="adj2" fmla="val 75337"/>
-                </a:avLst>
-              </a:prstGeom>
-              <a:solidFill>
-                <a:srgbClr val="5D1049"/>
-              </a:solidFill>
-              <a:ln>
-                <a:noFill/>
-              </a:ln>
-            </p:spPr>
-            <p:style>
-              <a:lnRef idx="2">
-                <a:schemeClr val="accent1">
-                  <a:shade val="50000"/>
-                </a:schemeClr>
-              </a:lnRef>
-              <a:fillRef idx="1">
-                <a:schemeClr val="accent1"/>
-              </a:fillRef>
-              <a:effectRef idx="0">
-                <a:schemeClr val="accent1"/>
-              </a:effectRef>
-              <a:fontRef idx="minor">
-                <a:schemeClr val="lt1"/>
-              </a:fontRef>
-            </p:style>
-            <p:txBody>
-              <a:bodyPr rtlCol="0" anchor="ctr"/>
-              <a:lstStyle/>
-              <a:p>
-                <a:pPr algn="ctr"/>
-                <a:endParaRPr lang="en-US"/>
-              </a:p>
-            </p:txBody>
-          </p:sp>
-          <p:sp>
-            <p:nvSpPr>
-              <p:cNvPr id="15" name="Oval 14"/>
-              <p:cNvSpPr/>
-              <p:nvPr/>
-            </p:nvSpPr>
-            <p:spPr>
-              <a:xfrm>
-                <a:off x="4548648" y="639713"/>
-                <a:ext cx="3094703" cy="678425"/>
-              </a:xfrm>
-              <a:prstGeom prst="ellipse">
-                <a:avLst/>
-              </a:prstGeom>
-              <a:blipFill dpi="0" rotWithShape="1">
-                <a:blip r:embed="rId3" cstate="print">
-                  <a:extLst>
-                    <a:ext uri="{28A0092B-C50C-407E-A947-70E740481C1C}">
-                      <a14:useLocalDpi xmlns:a14="http://schemas.microsoft.com/office/drawing/2010/main" val="0"/>
-                    </a:ext>
-                  </a:extLst>
-                </a:blip>
-                <a:srcRect/>
-                <a:stretch>
-                  <a:fillRect/>
-                </a:stretch>
-              </a:blipFill>
-              <a:ln>
-                <a:noFill/>
-              </a:ln>
-            </p:spPr>
-            <p:style>
-              <a:lnRef idx="2">
-                <a:schemeClr val="accent1">
-                  <a:shade val="50000"/>
-                </a:schemeClr>
-              </a:lnRef>
-              <a:fillRef idx="1">
-                <a:schemeClr val="accent1"/>
-              </a:fillRef>
-              <a:effectRef idx="0">
-                <a:schemeClr val="accent1"/>
-              </a:effectRef>
-              <a:fontRef idx="minor">
-                <a:schemeClr val="lt1"/>
-              </a:fontRef>
-            </p:style>
-            <p:txBody>
-              <a:bodyPr rtlCol="0" anchor="ctr"/>
-              <a:lstStyle/>
-              <a:p>
-                <a:pPr algn="ctr"/>
-                <a:r>
-                  <a:rPr lang="en-US" b="1" dirty="0" smtClean="0">
-                    <a:solidFill>
-                      <a:schemeClr val="tx1"/>
-                    </a:solidFill>
-                    <a:latin typeface="Arial Black" panose="020B0A04020102020204" pitchFamily="34" charset="0"/>
-                  </a:rPr>
-                  <a:t>Increasing consciousness</a:t>
-                </a:r>
-                <a:endParaRPr lang="en-US" b="1" dirty="0">
-                  <a:solidFill>
-                    <a:schemeClr val="tx1"/>
-                  </a:solidFill>
-                  <a:latin typeface="Arial Black" panose="020B0A04020102020204" pitchFamily="34" charset="0"/>
-                </a:endParaRPr>
-              </a:p>
-            </p:txBody>
-          </p:sp>
-        </p:grpSp>
-        <p:sp>
-          <p:nvSpPr>
-            <p:cNvPr id="18" name="Oval Callout 17"/>
-            <p:cNvSpPr/>
-            <p:nvPr/>
-          </p:nvSpPr>
-          <p:spPr>
-            <a:xfrm rot="16200000">
-              <a:off x="1780868" y="3008672"/>
-              <a:ext cx="3657600" cy="1010264"/>
-            </a:xfrm>
-            <a:prstGeom prst="wedgeEllipseCallout">
-              <a:avLst>
-                <a:gd name="adj1" fmla="val -423"/>
-                <a:gd name="adj2" fmla="val 75337"/>
-              </a:avLst>
-            </a:prstGeom>
             <a:solidFill>
-              <a:srgbClr val="344955"/>
+              <a:schemeClr val="bg1"/>
             </a:solidFill>
             <a:ln>
               <a:noFill/>
@@ -8253,20 +9294,26 @@
         </p:sp>
         <p:sp>
           <p:nvSpPr>
-            <p:cNvPr id="19" name="Oval 18"/>
+            <p:cNvPr id="17" name="Rectangle 16">
+              <a:extLst>
+                <a:ext uri="{FF2B5EF4-FFF2-40B4-BE49-F238E27FC236}">
+                  <a16:creationId xmlns:a16="http://schemas.microsoft.com/office/drawing/2014/main" id="{836ED6F2-E818-411C-A6D1-525F54DD7632}"/>
+                </a:ext>
+              </a:extLst>
+            </p:cNvPr>
             <p:cNvSpPr/>
             <p:nvPr/>
           </p:nvSpPr>
           <p:spPr>
-            <a:xfrm rot="16200000">
-              <a:off x="2060474" y="3174592"/>
-              <a:ext cx="3094703" cy="678425"/>
+            <a:xfrm>
+              <a:off x="8183880" y="670378"/>
+              <a:ext cx="457200" cy="449943"/>
             </a:xfrm>
-            <a:prstGeom prst="ellipse">
+            <a:prstGeom prst="rect">
               <a:avLst/>
             </a:prstGeom>
             <a:blipFill dpi="0" rotWithShape="1">
-              <a:blip r:embed="rId3" cstate="print">
+              <a:blip r:embed="rId7" cstate="print">
                 <a:extLst>
                   <a:ext uri="{28A0092B-C50C-407E-A947-70E740481C1C}">
                     <a14:useLocalDpi xmlns:a14="http://schemas.microsoft.com/office/drawing/2010/main" val="0"/>
@@ -8303,383 +9350,21 @@
             <a:lstStyle/>
             <a:p>
               <a:pPr algn="ctr"/>
-              <a:r>
-                <a:rPr lang="en-US" b="1" dirty="0" smtClean="0">
-                  <a:solidFill>
-                    <a:schemeClr val="tx1"/>
-                  </a:solidFill>
-                  <a:latin typeface="Arial Black" panose="020B0A04020102020204" pitchFamily="34" charset="0"/>
-                </a:rPr>
-                <a:t>Increasing morality</a:t>
-              </a:r>
-              <a:endParaRPr lang="en-US" b="1" dirty="0">
-                <a:solidFill>
-                  <a:schemeClr val="tx1"/>
-                </a:solidFill>
-                <a:latin typeface="Arial Black" panose="020B0A04020102020204" pitchFamily="34" charset="0"/>
-              </a:endParaRPr>
-            </a:p>
-          </p:txBody>
-        </p:sp>
-        <p:sp>
-          <p:nvSpPr>
-            <p:cNvPr id="21" name="Oval Callout 20"/>
-            <p:cNvSpPr/>
-            <p:nvPr/>
-          </p:nvSpPr>
-          <p:spPr>
-            <a:xfrm rot="5400000">
-              <a:off x="6899787" y="2777613"/>
-              <a:ext cx="3657600" cy="1302774"/>
-            </a:xfrm>
-            <a:prstGeom prst="wedgeEllipseCallout">
-              <a:avLst>
-                <a:gd name="adj1" fmla="val -423"/>
-                <a:gd name="adj2" fmla="val 75337"/>
-              </a:avLst>
-            </a:prstGeom>
-            <a:solidFill>
-              <a:srgbClr val="442C2E"/>
-            </a:solidFill>
-            <a:ln>
-              <a:noFill/>
-            </a:ln>
-          </p:spPr>
-          <p:style>
-            <a:lnRef idx="2">
-              <a:schemeClr val="accent1">
-                <a:shade val="50000"/>
-              </a:schemeClr>
-            </a:lnRef>
-            <a:fillRef idx="1">
-              <a:schemeClr val="accent1"/>
-            </a:fillRef>
-            <a:effectRef idx="0">
-              <a:schemeClr val="accent1"/>
-            </a:effectRef>
-            <a:fontRef idx="minor">
-              <a:schemeClr val="lt1"/>
-            </a:fontRef>
-          </p:style>
-          <p:txBody>
-            <a:bodyPr rtlCol="0" anchor="ctr"/>
-            <a:lstStyle/>
-            <a:p>
-              <a:pPr algn="ctr"/>
-              <a:endParaRPr lang="en-US"/>
-            </a:p>
-          </p:txBody>
-        </p:sp>
-        <p:sp>
-          <p:nvSpPr>
-            <p:cNvPr id="22" name="Oval 21"/>
-            <p:cNvSpPr/>
-            <p:nvPr/>
-          </p:nvSpPr>
-          <p:spPr>
-            <a:xfrm rot="5400000">
-              <a:off x="7183611" y="2991572"/>
-              <a:ext cx="3094703" cy="874855"/>
-            </a:xfrm>
-            <a:prstGeom prst="ellipse">
-              <a:avLst/>
-            </a:prstGeom>
-            <a:blipFill dpi="0" rotWithShape="1">
-              <a:blip r:embed="rId4" cstate="print">
-                <a:extLst>
-                  <a:ext uri="{28A0092B-C50C-407E-A947-70E740481C1C}">
-                    <a14:useLocalDpi xmlns:a14="http://schemas.microsoft.com/office/drawing/2010/main" val="0"/>
-                  </a:ext>
-                </a:extLst>
-              </a:blip>
-              <a:srcRect/>
-              <a:stretch>
-                <a:fillRect/>
-              </a:stretch>
-            </a:blipFill>
-            <a:ln>
-              <a:noFill/>
-            </a:ln>
-          </p:spPr>
-          <p:style>
-            <a:lnRef idx="2">
-              <a:schemeClr val="accent1">
-                <a:shade val="50000"/>
-              </a:schemeClr>
-            </a:lnRef>
-            <a:fillRef idx="1">
-              <a:schemeClr val="accent1"/>
-            </a:fillRef>
-            <a:effectRef idx="0">
-              <a:schemeClr val="accent1"/>
-            </a:effectRef>
-            <a:fontRef idx="minor">
-              <a:schemeClr val="lt1"/>
-            </a:fontRef>
-          </p:style>
-          <p:txBody>
-            <a:bodyPr rtlCol="0" anchor="ctr"/>
-            <a:lstStyle/>
-            <a:p>
-              <a:pPr algn="ctr"/>
-              <a:r>
-                <a:rPr lang="en-US" b="1" dirty="0" smtClean="0">
-                  <a:solidFill>
-                    <a:schemeClr val="tx1"/>
-                  </a:solidFill>
-                  <a:latin typeface="Arial Black" panose="020B0A04020102020204" pitchFamily="34" charset="0"/>
-                </a:rPr>
-                <a:t>Hiding Confidential Information</a:t>
-              </a:r>
-              <a:endParaRPr lang="en-US" b="1" dirty="0">
-                <a:solidFill>
-                  <a:schemeClr val="tx1"/>
-                </a:solidFill>
-                <a:latin typeface="Arial Black" panose="020B0A04020102020204" pitchFamily="34" charset="0"/>
-              </a:endParaRPr>
-            </a:p>
-          </p:txBody>
-        </p:sp>
-        <p:sp>
-          <p:nvSpPr>
-            <p:cNvPr id="24" name="Oval Callout 23"/>
-            <p:cNvSpPr/>
-            <p:nvPr/>
-          </p:nvSpPr>
-          <p:spPr>
-            <a:xfrm rot="10800000">
-              <a:off x="4290551" y="5342604"/>
-              <a:ext cx="3657600" cy="1010264"/>
-            </a:xfrm>
-            <a:prstGeom prst="wedgeEllipseCallout">
-              <a:avLst>
-                <a:gd name="adj1" fmla="val -423"/>
-                <a:gd name="adj2" fmla="val 75337"/>
-              </a:avLst>
-            </a:prstGeom>
-            <a:solidFill>
-              <a:srgbClr val="356859"/>
-            </a:solidFill>
-            <a:ln>
-              <a:noFill/>
-            </a:ln>
-          </p:spPr>
-          <p:style>
-            <a:lnRef idx="2">
-              <a:schemeClr val="accent1">
-                <a:shade val="50000"/>
-              </a:schemeClr>
-            </a:lnRef>
-            <a:fillRef idx="1">
-              <a:schemeClr val="accent1"/>
-            </a:fillRef>
-            <a:effectRef idx="0">
-              <a:schemeClr val="accent1"/>
-            </a:effectRef>
-            <a:fontRef idx="minor">
-              <a:schemeClr val="lt1"/>
-            </a:fontRef>
-          </p:style>
-          <p:txBody>
-            <a:bodyPr rtlCol="0" anchor="ctr"/>
-            <a:lstStyle/>
-            <a:p>
-              <a:pPr algn="ctr"/>
-              <a:endParaRPr lang="en-US"/>
-            </a:p>
-          </p:txBody>
-        </p:sp>
-        <p:sp>
-          <p:nvSpPr>
-            <p:cNvPr id="25" name="Oval 24"/>
-            <p:cNvSpPr/>
-            <p:nvPr/>
-          </p:nvSpPr>
-          <p:spPr>
-            <a:xfrm rot="10800000">
-              <a:off x="4572000" y="5510366"/>
-              <a:ext cx="3094703" cy="678425"/>
-            </a:xfrm>
-            <a:prstGeom prst="ellipse">
-              <a:avLst/>
-            </a:prstGeom>
-            <a:blipFill dpi="0" rotWithShape="1">
-              <a:blip r:embed="rId3" cstate="print">
-                <a:extLst>
-                  <a:ext uri="{28A0092B-C50C-407E-A947-70E740481C1C}">
-                    <a14:useLocalDpi xmlns:a14="http://schemas.microsoft.com/office/drawing/2010/main" val="0"/>
-                  </a:ext>
-                </a:extLst>
-              </a:blip>
-              <a:srcRect/>
-              <a:stretch>
-                <a:fillRect/>
-              </a:stretch>
-            </a:blipFill>
-            <a:ln>
-              <a:noFill/>
-            </a:ln>
-          </p:spPr>
-          <p:style>
-            <a:lnRef idx="2">
-              <a:schemeClr val="accent1">
-                <a:shade val="50000"/>
-              </a:schemeClr>
-            </a:lnRef>
-            <a:fillRef idx="1">
-              <a:schemeClr val="accent1"/>
-            </a:fillRef>
-            <a:effectRef idx="0">
-              <a:schemeClr val="accent1"/>
-            </a:effectRef>
-            <a:fontRef idx="minor">
-              <a:schemeClr val="lt1"/>
-            </a:fontRef>
-          </p:style>
-          <p:txBody>
-            <a:bodyPr rtlCol="0" anchor="ctr"/>
-            <a:lstStyle/>
-            <a:p>
-              <a:pPr algn="ctr"/>
-              <a:r>
-                <a:rPr lang="en-US" b="1" dirty="0" smtClean="0">
-                  <a:solidFill>
-                    <a:schemeClr val="tx1"/>
-                  </a:solidFill>
-                  <a:latin typeface="Arial Black" panose="020B0A04020102020204" pitchFamily="34" charset="0"/>
-                </a:rPr>
-                <a:t>Awareness</a:t>
-              </a:r>
-              <a:endParaRPr lang="en-US" b="1" dirty="0">
-                <a:solidFill>
-                  <a:schemeClr val="tx1"/>
-                </a:solidFill>
-                <a:latin typeface="Arial Black" panose="020B0A04020102020204" pitchFamily="34" charset="0"/>
-              </a:endParaRPr>
+              <a:endParaRPr lang="en-US" dirty="0"/>
             </a:p>
           </p:txBody>
         </p:sp>
       </p:grpSp>
-      <p:sp>
-        <p:nvSpPr>
-          <p:cNvPr id="27" name="Flowchart: Stored Data 26"/>
-          <p:cNvSpPr/>
-          <p:nvPr/>
-        </p:nvSpPr>
-        <p:spPr>
-          <a:xfrm>
-            <a:off x="-825910" y="-290359"/>
-            <a:ext cx="6542755" cy="7497711"/>
-          </a:xfrm>
-          <a:prstGeom prst="flowChartOnlineStorage">
-            <a:avLst/>
-          </a:prstGeom>
-          <a:solidFill>
-            <a:srgbClr val="FFDE03"/>
-          </a:solidFill>
-          <a:ln>
-            <a:noFill/>
-          </a:ln>
-        </p:spPr>
-        <p:style>
-          <a:lnRef idx="2">
-            <a:schemeClr val="accent1">
-              <a:shade val="50000"/>
-            </a:schemeClr>
-          </a:lnRef>
-          <a:fillRef idx="1">
-            <a:schemeClr val="accent1"/>
-          </a:fillRef>
-          <a:effectRef idx="0">
-            <a:schemeClr val="accent1"/>
-          </a:effectRef>
-          <a:fontRef idx="minor">
-            <a:schemeClr val="lt1"/>
-          </a:fontRef>
-        </p:style>
-        <p:txBody>
-          <a:bodyPr rtlCol="0" anchor="ctr"/>
-          <a:lstStyle/>
-          <a:p>
-            <a:pPr algn="ctr"/>
-            <a:endParaRPr lang="en-US"/>
-          </a:p>
-        </p:txBody>
-      </p:sp>
-      <p:sp>
-        <p:nvSpPr>
-          <p:cNvPr id="28" name="Flowchart: Process 27"/>
-          <p:cNvSpPr/>
-          <p:nvPr/>
-        </p:nvSpPr>
-        <p:spPr>
-          <a:xfrm rot="16200000">
-            <a:off x="-915934" y="2502310"/>
-            <a:ext cx="5877232" cy="1912374"/>
-          </a:xfrm>
-          <a:prstGeom prst="flowChartProcess">
-            <a:avLst/>
-          </a:prstGeom>
-          <a:noFill/>
-          <a:ln>
-            <a:noFill/>
-          </a:ln>
-        </p:spPr>
-        <p:style>
-          <a:lnRef idx="2">
-            <a:schemeClr val="accent1">
-              <a:shade val="50000"/>
-            </a:schemeClr>
-          </a:lnRef>
-          <a:fillRef idx="1">
-            <a:schemeClr val="accent1"/>
-          </a:fillRef>
-          <a:effectRef idx="0">
-            <a:schemeClr val="accent1"/>
-          </a:effectRef>
-          <a:fontRef idx="minor">
-            <a:schemeClr val="lt1"/>
-          </a:fontRef>
-        </p:style>
-        <p:txBody>
-          <a:bodyPr rtlCol="0" anchor="ctr"/>
-          <a:lstStyle/>
-          <a:p>
-            <a:pPr algn="ctr"/>
-            <a:r>
-              <a:rPr lang="en-US" sz="4000" dirty="0" smtClean="0">
-                <a:solidFill>
-                  <a:schemeClr val="tx1"/>
-                </a:solidFill>
-                <a:latin typeface="Copperplate Gothic Bold" panose="020E0705020206020404" pitchFamily="34" charset="0"/>
-              </a:rPr>
-              <a:t>Prevention</a:t>
-            </a:r>
-            <a:endParaRPr lang="en-US" sz="4000" dirty="0">
-              <a:solidFill>
-                <a:schemeClr val="tx1"/>
-              </a:solidFill>
-            </a:endParaRPr>
-          </a:p>
-        </p:txBody>
-      </p:sp>
     </p:spTree>
     <p:extLst>
       <p:ext uri="{BB962C8B-B14F-4D97-AF65-F5344CB8AC3E}">
-        <p14:creationId xmlns:p14="http://schemas.microsoft.com/office/powerpoint/2010/main" val="1408512075"/>
+        <p14:creationId xmlns:p14="http://schemas.microsoft.com/office/powerpoint/2010/main" val="2221851661"/>
       </p:ext>
     </p:extLst>
   </p:cSld>
   <p:clrMapOvr>
     <a:masterClrMapping/>
   </p:clrMapOvr>
-  <p:timing>
-    <p:tnLst>
-      <p:par>
-        <p:cTn id="1" dur="indefinite" restart="never" nodeType="tmRoot"/>
-      </p:par>
-    </p:tnLst>
-  </p:timing>
 </p:sld>
 </file>
 
@@ -8708,7 +9393,7 @@
         </p:nvSpPr>
         <p:spPr>
           <a:xfrm>
-            <a:off x="1463039" y="0"/>
+            <a:off x="1463040" y="0"/>
             <a:ext cx="9265920" cy="3642360"/>
           </a:xfrm>
           <a:prstGeom prst="rect">
@@ -8843,7 +9528,7 @@
           <a:p>
             <a:pPr algn="ctr"/>
             <a:r>
-              <a:rPr lang="en-US" sz="6600" b="1" dirty="0" smtClean="0">
+              <a:rPr lang="en-US" sz="6600" b="1" dirty="0">
                 <a:solidFill>
                   <a:schemeClr val="tx1"/>
                 </a:solidFill>
@@ -8851,12 +9536,6 @@
               </a:rPr>
               <a:t>Thank you for your patients</a:t>
             </a:r>
-            <a:endParaRPr lang="en-US" sz="6600" b="1" dirty="0">
-              <a:solidFill>
-                <a:schemeClr val="tx1"/>
-              </a:solidFill>
-              <a:latin typeface="Bradley Hand ITC" panose="03070402050302030203" pitchFamily="66" charset="0"/>
-            </a:endParaRPr>
           </a:p>
         </p:txBody>
       </p:sp>
@@ -8870,13 +9549,6 @@
   <p:clrMapOvr>
     <a:masterClrMapping/>
   </p:clrMapOvr>
-  <p:timing>
-    <p:tnLst>
-      <p:par>
-        <p:cTn id="1" dur="indefinite" restart="never" nodeType="tmRoot"/>
-      </p:par>
-    </p:tnLst>
-  </p:timing>
 </p:sld>
 </file>
 
@@ -9139,4 +9811,299 @@
     </a:ext>
   </a:extLst>
 </a:theme>
+</file>
+
+<file path=ppt/theme/theme2.xml><?xml version="1.0" encoding="utf-8"?>
+<a:theme xmlns:a="http://schemas.openxmlformats.org/drawingml/2006/main" name="Office Theme">
+  <a:themeElements>
+    <a:clrScheme name="Office">
+      <a:dk1>
+        <a:sysClr val="windowText" lastClr="000000"/>
+      </a:dk1>
+      <a:lt1>
+        <a:sysClr val="window" lastClr="FFFFFF"/>
+      </a:lt1>
+      <a:dk2>
+        <a:srgbClr val="44546A"/>
+      </a:dk2>
+      <a:lt2>
+        <a:srgbClr val="E7E6E6"/>
+      </a:lt2>
+      <a:accent1>
+        <a:srgbClr val="4472C4"/>
+      </a:accent1>
+      <a:accent2>
+        <a:srgbClr val="ED7D31"/>
+      </a:accent2>
+      <a:accent3>
+        <a:srgbClr val="A5A5A5"/>
+      </a:accent3>
+      <a:accent4>
+        <a:srgbClr val="FFC000"/>
+      </a:accent4>
+      <a:accent5>
+        <a:srgbClr val="5B9BD5"/>
+      </a:accent5>
+      <a:accent6>
+        <a:srgbClr val="70AD47"/>
+      </a:accent6>
+      <a:hlink>
+        <a:srgbClr val="0563C1"/>
+      </a:hlink>
+      <a:folHlink>
+        <a:srgbClr val="954F72"/>
+      </a:folHlink>
+    </a:clrScheme>
+    <a:fontScheme name="Office">
+      <a:majorFont>
+        <a:latin typeface="Calibri Light" panose="020F0302020204030204"/>
+        <a:ea typeface=""/>
+        <a:cs typeface=""/>
+        <a:font script="Jpan" typeface="游ゴシック Light"/>
+        <a:font script="Hang" typeface="맑은 고딕"/>
+        <a:font script="Hans" typeface="等线 Light"/>
+        <a:font script="Hant" typeface="新細明體"/>
+        <a:font script="Arab" typeface="Times New Roman"/>
+        <a:font script="Hebr" typeface="Times New Roman"/>
+        <a:font script="Thai" typeface="Angsana New"/>
+        <a:font script="Ethi" typeface="Nyala"/>
+        <a:font script="Beng" typeface="Vrinda"/>
+        <a:font script="Gujr" typeface="Shruti"/>
+        <a:font script="Khmr" typeface="MoolBoran"/>
+        <a:font script="Knda" typeface="Tunga"/>
+        <a:font script="Guru" typeface="Raavi"/>
+        <a:font script="Cans" typeface="Euphemia"/>
+        <a:font script="Cher" typeface="Plantagenet Cherokee"/>
+        <a:font script="Yiii" typeface="Microsoft Yi Baiti"/>
+        <a:font script="Tibt" typeface="Microsoft Himalaya"/>
+        <a:font script="Thaa" typeface="MV Boli"/>
+        <a:font script="Deva" typeface="Mangal"/>
+        <a:font script="Telu" typeface="Gautami"/>
+        <a:font script="Taml" typeface="Latha"/>
+        <a:font script="Syrc" typeface="Estrangelo Edessa"/>
+        <a:font script="Orya" typeface="Kalinga"/>
+        <a:font script="Mlym" typeface="Kartika"/>
+        <a:font script="Laoo" typeface="DokChampa"/>
+        <a:font script="Sinh" typeface="Iskoola Pota"/>
+        <a:font script="Mong" typeface="Mongolian Baiti"/>
+        <a:font script="Viet" typeface="Times New Roman"/>
+        <a:font script="Uigh" typeface="Microsoft Uighur"/>
+        <a:font script="Geor" typeface="Sylfaen"/>
+        <a:font script="Armn" typeface="Arial"/>
+        <a:font script="Bugi" typeface="Leelawadee UI"/>
+        <a:font script="Bopo" typeface="Microsoft JhengHei"/>
+        <a:font script="Java" typeface="Javanese Text"/>
+        <a:font script="Lisu" typeface="Segoe UI"/>
+        <a:font script="Mymr" typeface="Myanmar Text"/>
+        <a:font script="Nkoo" typeface="Ebrima"/>
+        <a:font script="Olck" typeface="Nirmala UI"/>
+        <a:font script="Osma" typeface="Ebrima"/>
+        <a:font script="Phag" typeface="Phagspa"/>
+        <a:font script="Syrn" typeface="Estrangelo Edessa"/>
+        <a:font script="Syrj" typeface="Estrangelo Edessa"/>
+        <a:font script="Syre" typeface="Estrangelo Edessa"/>
+        <a:font script="Sora" typeface="Nirmala UI"/>
+        <a:font script="Tale" typeface="Microsoft Tai Le"/>
+        <a:font script="Talu" typeface="Microsoft New Tai Lue"/>
+        <a:font script="Tfng" typeface="Ebrima"/>
+      </a:majorFont>
+      <a:minorFont>
+        <a:latin typeface="Calibri" panose="020F0502020204030204"/>
+        <a:ea typeface=""/>
+        <a:cs typeface=""/>
+        <a:font script="Jpan" typeface="游ゴシック"/>
+        <a:font script="Hang" typeface="맑은 고딕"/>
+        <a:font script="Hans" typeface="等线"/>
+        <a:font script="Hant" typeface="新細明體"/>
+        <a:font script="Arab" typeface="Arial"/>
+        <a:font script="Hebr" typeface="Arial"/>
+        <a:font script="Thai" typeface="Cordia New"/>
+        <a:font script="Ethi" typeface="Nyala"/>
+        <a:font script="Beng" typeface="Vrinda"/>
+        <a:font script="Gujr" typeface="Shruti"/>
+        <a:font script="Khmr" typeface="DaunPenh"/>
+        <a:font script="Knda" typeface="Tunga"/>
+        <a:font script="Guru" typeface="Raavi"/>
+        <a:font script="Cans" typeface="Euphemia"/>
+        <a:font script="Cher" typeface="Plantagenet Cherokee"/>
+        <a:font script="Yiii" typeface="Microsoft Yi Baiti"/>
+        <a:font script="Tibt" typeface="Microsoft Himalaya"/>
+        <a:font script="Thaa" typeface="MV Boli"/>
+        <a:font script="Deva" typeface="Mangal"/>
+        <a:font script="Telu" typeface="Gautami"/>
+        <a:font script="Taml" typeface="Latha"/>
+        <a:font script="Syrc" typeface="Estrangelo Edessa"/>
+        <a:font script="Orya" typeface="Kalinga"/>
+        <a:font script="Mlym" typeface="Kartika"/>
+        <a:font script="Laoo" typeface="DokChampa"/>
+        <a:font script="Sinh" typeface="Iskoola Pota"/>
+        <a:font script="Mong" typeface="Mongolian Baiti"/>
+        <a:font script="Viet" typeface="Arial"/>
+        <a:font script="Uigh" typeface="Microsoft Uighur"/>
+        <a:font script="Geor" typeface="Sylfaen"/>
+        <a:font script="Armn" typeface="Arial"/>
+        <a:font script="Bugi" typeface="Leelawadee UI"/>
+        <a:font script="Bopo" typeface="Microsoft JhengHei"/>
+        <a:font script="Java" typeface="Javanese Text"/>
+        <a:font script="Lisu" typeface="Segoe UI"/>
+        <a:font script="Mymr" typeface="Myanmar Text"/>
+        <a:font script="Nkoo" typeface="Ebrima"/>
+        <a:font script="Olck" typeface="Nirmala UI"/>
+        <a:font script="Osma" typeface="Ebrima"/>
+        <a:font script="Phag" typeface="Phagspa"/>
+        <a:font script="Syrn" typeface="Estrangelo Edessa"/>
+        <a:font script="Syrj" typeface="Estrangelo Edessa"/>
+        <a:font script="Syre" typeface="Estrangelo Edessa"/>
+        <a:font script="Sora" typeface="Nirmala UI"/>
+        <a:font script="Tale" typeface="Microsoft Tai Le"/>
+        <a:font script="Talu" typeface="Microsoft New Tai Lue"/>
+        <a:font script="Tfng" typeface="Ebrima"/>
+      </a:minorFont>
+    </a:fontScheme>
+    <a:fmtScheme name="Office">
+      <a:fillStyleLst>
+        <a:solidFill>
+          <a:schemeClr val="phClr"/>
+        </a:solidFill>
+        <a:gradFill rotWithShape="1">
+          <a:gsLst>
+            <a:gs pos="0">
+              <a:schemeClr val="phClr">
+                <a:lumMod val="110000"/>
+                <a:satMod val="105000"/>
+                <a:tint val="67000"/>
+              </a:schemeClr>
+            </a:gs>
+            <a:gs pos="50000">
+              <a:schemeClr val="phClr">
+                <a:lumMod val="105000"/>
+                <a:satMod val="103000"/>
+                <a:tint val="73000"/>
+              </a:schemeClr>
+            </a:gs>
+            <a:gs pos="100000">
+              <a:schemeClr val="phClr">
+                <a:lumMod val="105000"/>
+                <a:satMod val="109000"/>
+                <a:tint val="81000"/>
+              </a:schemeClr>
+            </a:gs>
+          </a:gsLst>
+          <a:lin ang="5400000" scaled="0"/>
+        </a:gradFill>
+        <a:gradFill rotWithShape="1">
+          <a:gsLst>
+            <a:gs pos="0">
+              <a:schemeClr val="phClr">
+                <a:satMod val="103000"/>
+                <a:lumMod val="102000"/>
+                <a:tint val="94000"/>
+              </a:schemeClr>
+            </a:gs>
+            <a:gs pos="50000">
+              <a:schemeClr val="phClr">
+                <a:satMod val="110000"/>
+                <a:lumMod val="100000"/>
+                <a:shade val="100000"/>
+              </a:schemeClr>
+            </a:gs>
+            <a:gs pos="100000">
+              <a:schemeClr val="phClr">
+                <a:lumMod val="99000"/>
+                <a:satMod val="120000"/>
+                <a:shade val="78000"/>
+              </a:schemeClr>
+            </a:gs>
+          </a:gsLst>
+          <a:lin ang="5400000" scaled="0"/>
+        </a:gradFill>
+      </a:fillStyleLst>
+      <a:lnStyleLst>
+        <a:ln w="6350" cap="flat" cmpd="sng" algn="ctr">
+          <a:solidFill>
+            <a:schemeClr val="phClr"/>
+          </a:solidFill>
+          <a:prstDash val="solid"/>
+          <a:miter lim="800000"/>
+        </a:ln>
+        <a:ln w="12700" cap="flat" cmpd="sng" algn="ctr">
+          <a:solidFill>
+            <a:schemeClr val="phClr"/>
+          </a:solidFill>
+          <a:prstDash val="solid"/>
+          <a:miter lim="800000"/>
+        </a:ln>
+        <a:ln w="19050" cap="flat" cmpd="sng" algn="ctr">
+          <a:solidFill>
+            <a:schemeClr val="phClr"/>
+          </a:solidFill>
+          <a:prstDash val="solid"/>
+          <a:miter lim="800000"/>
+        </a:ln>
+      </a:lnStyleLst>
+      <a:effectStyleLst>
+        <a:effectStyle>
+          <a:effectLst/>
+        </a:effectStyle>
+        <a:effectStyle>
+          <a:effectLst/>
+        </a:effectStyle>
+        <a:effectStyle>
+          <a:effectLst>
+            <a:outerShdw blurRad="57150" dist="19050" dir="5400000" algn="ctr" rotWithShape="0">
+              <a:srgbClr val="000000">
+                <a:alpha val="63000"/>
+              </a:srgbClr>
+            </a:outerShdw>
+          </a:effectLst>
+        </a:effectStyle>
+      </a:effectStyleLst>
+      <a:bgFillStyleLst>
+        <a:solidFill>
+          <a:schemeClr val="phClr"/>
+        </a:solidFill>
+        <a:solidFill>
+          <a:schemeClr val="phClr">
+            <a:tint val="95000"/>
+            <a:satMod val="170000"/>
+          </a:schemeClr>
+        </a:solidFill>
+        <a:gradFill rotWithShape="1">
+          <a:gsLst>
+            <a:gs pos="0">
+              <a:schemeClr val="phClr">
+                <a:tint val="93000"/>
+                <a:satMod val="150000"/>
+                <a:shade val="98000"/>
+                <a:lumMod val="102000"/>
+              </a:schemeClr>
+            </a:gs>
+            <a:gs pos="50000">
+              <a:schemeClr val="phClr">
+                <a:tint val="98000"/>
+                <a:satMod val="130000"/>
+                <a:shade val="90000"/>
+                <a:lumMod val="103000"/>
+              </a:schemeClr>
+            </a:gs>
+            <a:gs pos="100000">
+              <a:schemeClr val="phClr">
+                <a:shade val="63000"/>
+                <a:satMod val="120000"/>
+              </a:schemeClr>
+            </a:gs>
+          </a:gsLst>
+          <a:lin ang="5400000" scaled="0"/>
+        </a:gradFill>
+      </a:bgFillStyleLst>
+    </a:fmtScheme>
+  </a:themeElements>
+  <a:objectDefaults/>
+  <a:extraClrSchemeLst/>
+  <a:extLst>
+    <a:ext uri="{05A4C25C-085E-4340-85A3-A5531E510DB2}">
+      <thm15:themeFamily xmlns:thm15="http://schemas.microsoft.com/office/thememl/2012/main" name="Office Theme" id="{62F939B6-93AF-4DB8-9C6B-D6C7DFDC589F}" vid="{4A3C46E8-61CC-4603-A589-7422A47A8E4A}"/>
+    </a:ext>
+  </a:extLst>
+</a:theme>
 </file>
--- a/603-ET/social networking ethical issues.pptx
+++ b/603-ET/social networking ethical issues.pptx
@@ -9,8 +9,8 @@
   </p:notesMasterIdLst>
   <p:sldIdLst>
     <p:sldId id="256" r:id="rId2"/>
-    <p:sldId id="257" r:id="rId3"/>
-    <p:sldId id="258" r:id="rId4"/>
+    <p:sldId id="267" r:id="rId3"/>
+    <p:sldId id="268" r:id="rId4"/>
     <p:sldId id="260" r:id="rId5"/>
     <p:sldId id="262" r:id="rId6"/>
     <p:sldId id="266" r:id="rId7"/>
@@ -472,6 +472,90 @@
 </file>
 
 <file path=ppt/notesSlides/notesSlide1.xml><?xml version="1.0" encoding="utf-8"?>
+<p:notes xmlns:a="http://schemas.openxmlformats.org/drawingml/2006/main" xmlns:r="http://schemas.openxmlformats.org/officeDocument/2006/relationships" xmlns:p="http://schemas.openxmlformats.org/presentationml/2006/main">
+  <p:cSld>
+    <p:spTree>
+      <p:nvGrpSpPr>
+        <p:cNvPr id="1" name=""/>
+        <p:cNvGrpSpPr/>
+        <p:nvPr/>
+      </p:nvGrpSpPr>
+      <p:grpSpPr>
+        <a:xfrm>
+          <a:off x="0" y="0"/>
+          <a:ext cx="0" cy="0"/>
+          <a:chOff x="0" y="0"/>
+          <a:chExt cx="0" cy="0"/>
+        </a:xfrm>
+      </p:grpSpPr>
+      <p:sp>
+        <p:nvSpPr>
+          <p:cNvPr id="2" name="Slide Image Placeholder 1"/>
+          <p:cNvSpPr>
+            <a:spLocks noGrp="1" noRot="1" noChangeAspect="1"/>
+          </p:cNvSpPr>
+          <p:nvPr>
+            <p:ph type="sldImg"/>
+          </p:nvPr>
+        </p:nvSpPr>
+        <p:spPr/>
+      </p:sp>
+      <p:sp>
+        <p:nvSpPr>
+          <p:cNvPr id="3" name="Notes Placeholder 2"/>
+          <p:cNvSpPr>
+            <a:spLocks noGrp="1"/>
+          </p:cNvSpPr>
+          <p:nvPr>
+            <p:ph type="body" idx="1"/>
+          </p:nvPr>
+        </p:nvSpPr>
+        <p:spPr/>
+        <p:txBody>
+          <a:bodyPr/>
+          <a:lstStyle/>
+          <a:p>
+            <a:endParaRPr lang="en-US" dirty="0"/>
+          </a:p>
+        </p:txBody>
+      </p:sp>
+      <p:sp>
+        <p:nvSpPr>
+          <p:cNvPr id="4" name="Slide Number Placeholder 3"/>
+          <p:cNvSpPr>
+            <a:spLocks noGrp="1"/>
+          </p:cNvSpPr>
+          <p:nvPr>
+            <p:ph type="sldNum" sz="quarter" idx="10"/>
+          </p:nvPr>
+        </p:nvSpPr>
+        <p:spPr/>
+        <p:txBody>
+          <a:bodyPr/>
+          <a:lstStyle/>
+          <a:p>
+            <a:fld id="{9BF7DB0A-958A-4C23-A36B-812C6BE50EAF}" type="slidenum">
+              <a:rPr lang="en-US" smtClean="0"/>
+              <a:t>2</a:t>
+            </a:fld>
+            <a:endParaRPr lang="en-US"/>
+          </a:p>
+        </p:txBody>
+      </p:sp>
+    </p:spTree>
+    <p:extLst>
+      <p:ext uri="{BB962C8B-B14F-4D97-AF65-F5344CB8AC3E}">
+        <p14:creationId xmlns:p14="http://schemas.microsoft.com/office/powerpoint/2010/main" val="3108615577"/>
+      </p:ext>
+    </p:extLst>
+  </p:cSld>
+  <p:clrMapOvr>
+    <a:masterClrMapping/>
+  </p:clrMapOvr>
+</p:notes>
+</file>
+
+<file path=ppt/notesSlides/notesSlide2.xml><?xml version="1.0" encoding="utf-8"?>
 <p:notes xmlns:a="http://schemas.openxmlformats.org/drawingml/2006/main" xmlns:r="http://schemas.openxmlformats.org/officeDocument/2006/relationships" xmlns:p="http://schemas.openxmlformats.org/presentationml/2006/main">
   <p:cSld>
     <p:spTree>
@@ -3443,6 +3527,12 @@
               </a:rPr>
               <a:t>Social Networking Ethical Issues</a:t>
             </a:r>
+            <a:r>
+              <a:rPr lang="en-US" dirty="0">
+                <a:latin typeface="Copperplate Gothic Bold" panose="020E0705020206020404" pitchFamily="34" charset="0"/>
+              </a:rPr>
+              <a:t/>
+            </a:r>
             <a:br>
               <a:rPr lang="en-US" dirty="0">
                 <a:latin typeface="Copperplate Gothic Bold" panose="020E0705020206020404" pitchFamily="34" charset="0"/>
@@ -3529,17 +3619,1484 @@
   <p:clrMapOvr>
     <a:masterClrMapping/>
   </p:clrMapOvr>
+  <p:transition spd="slow">
+    <p:push dir="u"/>
+  </p:transition>
+  <p:timing>
+    <p:tnLst>
+      <p:par>
+        <p:cTn id="1" dur="indefinite" restart="never" nodeType="tmRoot"/>
+      </p:par>
+    </p:tnLst>
+  </p:timing>
 </p:sld>
 </file>
 
 <file path=ppt/slides/slide2.xml><?xml version="1.0" encoding="utf-8"?>
 <p:sld xmlns:a="http://schemas.openxmlformats.org/drawingml/2006/main" xmlns:r="http://schemas.openxmlformats.org/officeDocument/2006/relationships" xmlns:p="http://schemas.openxmlformats.org/presentationml/2006/main">
   <p:cSld>
+    <p:spTree>
+      <p:nvGrpSpPr>
+        <p:cNvPr id="1" name=""/>
+        <p:cNvGrpSpPr/>
+        <p:nvPr/>
+      </p:nvGrpSpPr>
+      <p:grpSpPr>
+        <a:xfrm>
+          <a:off x="0" y="0"/>
+          <a:ext cx="0" cy="0"/>
+          <a:chOff x="0" y="0"/>
+          <a:chExt cx="0" cy="0"/>
+        </a:xfrm>
+      </p:grpSpPr>
+      <p:sp>
+        <p:nvSpPr>
+          <p:cNvPr id="7" name="Rectangle 6"/>
+          <p:cNvSpPr/>
+          <p:nvPr/>
+        </p:nvSpPr>
+        <p:spPr>
+          <a:xfrm>
+            <a:off x="0" y="0"/>
+            <a:ext cx="12192000" cy="1194619"/>
+          </a:xfrm>
+          <a:prstGeom prst="rect">
+            <a:avLst/>
+          </a:prstGeom>
+          <a:solidFill>
+            <a:srgbClr val="FFDE03"/>
+          </a:solidFill>
+          <a:ln>
+            <a:noFill/>
+          </a:ln>
+        </p:spPr>
+        <p:style>
+          <a:lnRef idx="2">
+            <a:schemeClr val="accent1">
+              <a:shade val="50000"/>
+            </a:schemeClr>
+          </a:lnRef>
+          <a:fillRef idx="1">
+            <a:schemeClr val="accent1"/>
+          </a:fillRef>
+          <a:effectRef idx="0">
+            <a:schemeClr val="accent1"/>
+          </a:effectRef>
+          <a:fontRef idx="minor">
+            <a:schemeClr val="lt1"/>
+          </a:fontRef>
+        </p:style>
+        <p:txBody>
+          <a:bodyPr rtlCol="0" anchor="ctr"/>
+          <a:lstStyle/>
+          <a:p>
+            <a:pPr algn="r"/>
+            <a:r>
+              <a:rPr lang="en-US" sz="4800" dirty="0" smtClean="0">
+                <a:solidFill>
+                  <a:schemeClr val="tx1"/>
+                </a:solidFill>
+                <a:latin typeface="Copperplate Gothic Bold" panose="020E0705020206020404" pitchFamily="34" charset="0"/>
+              </a:rPr>
+              <a:t>Facts                                                   Issues</a:t>
+            </a:r>
+            <a:endParaRPr lang="en-US" sz="4800" dirty="0">
+              <a:solidFill>
+                <a:schemeClr val="tx1"/>
+              </a:solidFill>
+            </a:endParaRPr>
+          </a:p>
+        </p:txBody>
+      </p:sp>
+      <p:sp>
+        <p:nvSpPr>
+          <p:cNvPr id="11" name="Oval 10"/>
+          <p:cNvSpPr/>
+          <p:nvPr/>
+        </p:nvSpPr>
+        <p:spPr>
+          <a:xfrm>
+            <a:off x="329381" y="3440942"/>
+            <a:ext cx="978308" cy="976058"/>
+          </a:xfrm>
+          <a:prstGeom prst="ellipse">
+            <a:avLst/>
+          </a:prstGeom>
+          <a:blipFill dpi="0" rotWithShape="1">
+            <a:blip r:embed="rId3">
+              <a:extLst>
+                <a:ext uri="{28A0092B-C50C-407E-A947-70E740481C1C}">
+                  <a14:useLocalDpi xmlns:a14="http://schemas.microsoft.com/office/drawing/2010/main" val="0"/>
+                </a:ext>
+              </a:extLst>
+            </a:blip>
+            <a:srcRect/>
+            <a:stretch>
+              <a:fillRect/>
+            </a:stretch>
+          </a:blipFill>
+          <a:ln>
+            <a:noFill/>
+          </a:ln>
+        </p:spPr>
+        <p:style>
+          <a:lnRef idx="2">
+            <a:schemeClr val="accent1">
+              <a:shade val="50000"/>
+            </a:schemeClr>
+          </a:lnRef>
+          <a:fillRef idx="1">
+            <a:schemeClr val="accent1"/>
+          </a:fillRef>
+          <a:effectRef idx="0">
+            <a:schemeClr val="accent1"/>
+          </a:effectRef>
+          <a:fontRef idx="minor">
+            <a:schemeClr val="lt1"/>
+          </a:fontRef>
+        </p:style>
+        <p:txBody>
+          <a:bodyPr rtlCol="0" anchor="ctr"/>
+          <a:lstStyle/>
+          <a:p>
+            <a:pPr algn="ctr"/>
+            <a:endParaRPr lang="en-US"/>
+          </a:p>
+        </p:txBody>
+      </p:sp>
+      <p:sp>
+        <p:nvSpPr>
+          <p:cNvPr id="16" name="Rectangle 15"/>
+          <p:cNvSpPr/>
+          <p:nvPr/>
+        </p:nvSpPr>
+        <p:spPr>
+          <a:xfrm>
+            <a:off x="0" y="1194619"/>
+            <a:ext cx="12192000" cy="5663381"/>
+          </a:xfrm>
+          <a:prstGeom prst="rect">
+            <a:avLst/>
+          </a:prstGeom>
+          <a:blipFill dpi="0" rotWithShape="1">
+            <a:blip r:embed="rId4">
+              <a:extLst>
+                <a:ext uri="{28A0092B-C50C-407E-A947-70E740481C1C}">
+                  <a14:useLocalDpi xmlns:a14="http://schemas.microsoft.com/office/drawing/2010/main" val="0"/>
+                </a:ext>
+              </a:extLst>
+            </a:blip>
+            <a:srcRect/>
+            <a:stretch>
+              <a:fillRect/>
+            </a:stretch>
+          </a:blipFill>
+          <a:ln>
+            <a:noFill/>
+          </a:ln>
+        </p:spPr>
+        <p:style>
+          <a:lnRef idx="2">
+            <a:schemeClr val="accent1">
+              <a:shade val="50000"/>
+            </a:schemeClr>
+          </a:lnRef>
+          <a:fillRef idx="1">
+            <a:schemeClr val="accent1"/>
+          </a:fillRef>
+          <a:effectRef idx="0">
+            <a:schemeClr val="accent1"/>
+          </a:effectRef>
+          <a:fontRef idx="minor">
+            <a:schemeClr val="lt1"/>
+          </a:fontRef>
+        </p:style>
+        <p:txBody>
+          <a:bodyPr rtlCol="0" anchor="ctr"/>
+          <a:lstStyle/>
+          <a:p>
+            <a:pPr algn="ctr"/>
+            <a:endParaRPr lang="en-US"/>
+          </a:p>
+        </p:txBody>
+      </p:sp>
+      <p:sp>
+        <p:nvSpPr>
+          <p:cNvPr id="17" name="Rectangle 16"/>
+          <p:cNvSpPr/>
+          <p:nvPr/>
+        </p:nvSpPr>
+        <p:spPr>
+          <a:xfrm>
+            <a:off x="0" y="1183273"/>
+            <a:ext cx="3764280" cy="5686073"/>
+          </a:xfrm>
+          <a:prstGeom prst="rect">
+            <a:avLst/>
+          </a:prstGeom>
+          <a:solidFill>
+            <a:schemeClr val="tx1">
+              <a:alpha val="70000"/>
+            </a:schemeClr>
+          </a:solidFill>
+          <a:ln>
+            <a:noFill/>
+          </a:ln>
+        </p:spPr>
+        <p:style>
+          <a:lnRef idx="2">
+            <a:schemeClr val="accent1">
+              <a:shade val="50000"/>
+            </a:schemeClr>
+          </a:lnRef>
+          <a:fillRef idx="1">
+            <a:schemeClr val="accent1"/>
+          </a:fillRef>
+          <a:effectRef idx="0">
+            <a:schemeClr val="accent1"/>
+          </a:effectRef>
+          <a:fontRef idx="minor">
+            <a:schemeClr val="lt1"/>
+          </a:fontRef>
+        </p:style>
+        <p:txBody>
+          <a:bodyPr rtlCol="0" anchor="ctr"/>
+          <a:lstStyle/>
+          <a:p>
+            <a:pPr algn="ctr"/>
+            <a:endParaRPr lang="en-US"/>
+          </a:p>
+        </p:txBody>
+      </p:sp>
+      <p:sp>
+        <p:nvSpPr>
+          <p:cNvPr id="10" name="Oval 9"/>
+          <p:cNvSpPr/>
+          <p:nvPr/>
+        </p:nvSpPr>
+        <p:spPr>
+          <a:xfrm>
+            <a:off x="0" y="3057342"/>
+            <a:ext cx="1747276" cy="1743258"/>
+          </a:xfrm>
+          <a:prstGeom prst="ellipse">
+            <a:avLst/>
+          </a:prstGeom>
+          <a:solidFill>
+            <a:srgbClr val="A5D6A7"/>
+          </a:solidFill>
+          <a:ln>
+            <a:solidFill>
+              <a:schemeClr val="bg1"/>
+            </a:solidFill>
+          </a:ln>
+          <a:effectLst>
+            <a:glow rad="63500">
+              <a:srgbClr val="A5D6A7">
+                <a:alpha val="40000"/>
+              </a:srgbClr>
+            </a:glow>
+          </a:effectLst>
+        </p:spPr>
+        <p:style>
+          <a:lnRef idx="2">
+            <a:schemeClr val="accent1">
+              <a:shade val="50000"/>
+            </a:schemeClr>
+          </a:lnRef>
+          <a:fillRef idx="1">
+            <a:schemeClr val="accent1"/>
+          </a:fillRef>
+          <a:effectRef idx="0">
+            <a:schemeClr val="accent1"/>
+          </a:effectRef>
+          <a:fontRef idx="minor">
+            <a:schemeClr val="lt1"/>
+          </a:fontRef>
+        </p:style>
+        <p:txBody>
+          <a:bodyPr rtlCol="0" anchor="ctr"/>
+          <a:lstStyle/>
+          <a:p>
+            <a:pPr algn="ctr"/>
+            <a:endParaRPr lang="en-US"/>
+          </a:p>
+        </p:txBody>
+      </p:sp>
+      <p:sp>
+        <p:nvSpPr>
+          <p:cNvPr id="9" name="Oval 8"/>
+          <p:cNvSpPr/>
+          <p:nvPr/>
+        </p:nvSpPr>
+        <p:spPr>
+          <a:xfrm>
+            <a:off x="232084" y="3288891"/>
+            <a:ext cx="1283109" cy="1280160"/>
+          </a:xfrm>
+          <a:prstGeom prst="ellipse">
+            <a:avLst/>
+          </a:prstGeom>
+          <a:solidFill>
+            <a:srgbClr val="FFCC80"/>
+          </a:solidFill>
+          <a:ln>
+            <a:noFill/>
+          </a:ln>
+        </p:spPr>
+        <p:style>
+          <a:lnRef idx="2">
+            <a:schemeClr val="accent1">
+              <a:shade val="50000"/>
+            </a:schemeClr>
+          </a:lnRef>
+          <a:fillRef idx="1">
+            <a:schemeClr val="accent1"/>
+          </a:fillRef>
+          <a:effectRef idx="0">
+            <a:schemeClr val="accent1"/>
+          </a:effectRef>
+          <a:fontRef idx="minor">
+            <a:schemeClr val="lt1"/>
+          </a:fontRef>
+        </p:style>
+        <p:txBody>
+          <a:bodyPr rtlCol="0" anchor="ctr"/>
+          <a:lstStyle/>
+          <a:p>
+            <a:pPr algn="ctr"/>
+            <a:endParaRPr lang="en-US"/>
+          </a:p>
+        </p:txBody>
+      </p:sp>
+      <p:sp>
+        <p:nvSpPr>
+          <p:cNvPr id="12" name="Oval 11"/>
+          <p:cNvSpPr/>
+          <p:nvPr/>
+        </p:nvSpPr>
+        <p:spPr>
+          <a:xfrm>
+            <a:off x="384484" y="3452288"/>
+            <a:ext cx="978308" cy="976058"/>
+          </a:xfrm>
+          <a:prstGeom prst="ellipse">
+            <a:avLst/>
+          </a:prstGeom>
+          <a:blipFill dpi="0" rotWithShape="1">
+            <a:blip r:embed="rId3">
+              <a:extLst>
+                <a:ext uri="{28A0092B-C50C-407E-A947-70E740481C1C}">
+                  <a14:useLocalDpi xmlns:a14="http://schemas.microsoft.com/office/drawing/2010/main" val="0"/>
+                </a:ext>
+              </a:extLst>
+            </a:blip>
+            <a:srcRect/>
+            <a:stretch>
+              <a:fillRect/>
+            </a:stretch>
+          </a:blipFill>
+          <a:ln>
+            <a:noFill/>
+          </a:ln>
+        </p:spPr>
+        <p:style>
+          <a:lnRef idx="2">
+            <a:schemeClr val="accent1">
+              <a:shade val="50000"/>
+            </a:schemeClr>
+          </a:lnRef>
+          <a:fillRef idx="1">
+            <a:schemeClr val="accent1"/>
+          </a:fillRef>
+          <a:effectRef idx="0">
+            <a:schemeClr val="accent1"/>
+          </a:effectRef>
+          <a:fontRef idx="minor">
+            <a:schemeClr val="lt1"/>
+          </a:fontRef>
+        </p:style>
+        <p:txBody>
+          <a:bodyPr rtlCol="0" anchor="ctr"/>
+          <a:lstStyle/>
+          <a:p>
+            <a:pPr algn="ctr"/>
+            <a:endParaRPr lang="en-US"/>
+          </a:p>
+        </p:txBody>
+      </p:sp>
+      <p:sp>
+        <p:nvSpPr>
+          <p:cNvPr id="14" name="Rectangle 13"/>
+          <p:cNvSpPr/>
+          <p:nvPr/>
+        </p:nvSpPr>
+        <p:spPr>
+          <a:xfrm>
+            <a:off x="818535" y="1691640"/>
+            <a:ext cx="2672899" cy="868680"/>
+          </a:xfrm>
+          <a:prstGeom prst="rect">
+            <a:avLst/>
+          </a:prstGeom>
+          <a:noFill/>
+          <a:ln>
+            <a:noFill/>
+          </a:ln>
+        </p:spPr>
+        <p:style>
+          <a:lnRef idx="2">
+            <a:schemeClr val="accent1">
+              <a:shade val="50000"/>
+            </a:schemeClr>
+          </a:lnRef>
+          <a:fillRef idx="1">
+            <a:schemeClr val="accent1"/>
+          </a:fillRef>
+          <a:effectRef idx="0">
+            <a:schemeClr val="accent1"/>
+          </a:effectRef>
+          <a:fontRef idx="minor">
+            <a:schemeClr val="lt1"/>
+          </a:fontRef>
+        </p:style>
+        <p:txBody>
+          <a:bodyPr rtlCol="0" anchor="ctr"/>
+          <a:lstStyle/>
+          <a:p>
+            <a:r>
+              <a:rPr lang="en-US" b="1" u="sng" dirty="0">
+                <a:effectLst>
+                  <a:glow rad="101600">
+                    <a:srgbClr val="A5D6A7">
+                      <a:alpha val="40000"/>
+                    </a:srgbClr>
+                  </a:glow>
+                </a:effectLst>
+                <a:latin typeface="Arial Rounded MT Bold" panose="020F0704030504030204" pitchFamily="34" charset="0"/>
+              </a:rPr>
+              <a:t>Disloyal</a:t>
+            </a:r>
+          </a:p>
+          <a:p>
+            <a:r>
+              <a:rPr lang="en-US" sz="1200" dirty="0" smtClean="0"/>
+              <a:t>Not </a:t>
+            </a:r>
+            <a:r>
+              <a:rPr lang="en-US" sz="1200" dirty="0"/>
+              <a:t>everyone is going to be a good</a:t>
+            </a:r>
+          </a:p>
+          <a:p>
+            <a:r>
+              <a:rPr lang="en-US" sz="1200" dirty="0"/>
+              <a:t>“neighbor” and abide by the rules of the community</a:t>
+            </a:r>
+            <a:endParaRPr lang="en-US" sz="1200" dirty="0"/>
+          </a:p>
+        </p:txBody>
+      </p:sp>
+      <p:sp>
+        <p:nvSpPr>
+          <p:cNvPr id="15" name="Rectangle 14"/>
+          <p:cNvSpPr/>
+          <p:nvPr/>
+        </p:nvSpPr>
+        <p:spPr>
+          <a:xfrm>
+            <a:off x="795675" y="5297622"/>
+            <a:ext cx="2672899" cy="868680"/>
+          </a:xfrm>
+          <a:prstGeom prst="rect">
+            <a:avLst/>
+          </a:prstGeom>
+          <a:noFill/>
+          <a:ln>
+            <a:noFill/>
+          </a:ln>
+        </p:spPr>
+        <p:style>
+          <a:lnRef idx="2">
+            <a:schemeClr val="accent1">
+              <a:shade val="50000"/>
+            </a:schemeClr>
+          </a:lnRef>
+          <a:fillRef idx="1">
+            <a:schemeClr val="accent1"/>
+          </a:fillRef>
+          <a:effectRef idx="0">
+            <a:schemeClr val="accent1"/>
+          </a:effectRef>
+          <a:fontRef idx="minor">
+            <a:schemeClr val="lt1"/>
+          </a:fontRef>
+        </p:style>
+        <p:txBody>
+          <a:bodyPr rtlCol="0" anchor="ctr"/>
+          <a:lstStyle/>
+          <a:p>
+            <a:r>
+              <a:rPr lang="en-US" b="1" u="sng" dirty="0" smtClean="0">
+                <a:effectLst>
+                  <a:glow rad="63500">
+                    <a:srgbClr val="A5D6A7">
+                      <a:alpha val="40000"/>
+                    </a:srgbClr>
+                  </a:glow>
+                </a:effectLst>
+                <a:latin typeface="Arial Rounded MT Bold" panose="020F0704030504030204" pitchFamily="34" charset="0"/>
+              </a:rPr>
+              <a:t>Crosses limit</a:t>
+            </a:r>
+          </a:p>
+          <a:p>
+            <a:r>
+              <a:rPr lang="en-US" sz="1200" dirty="0"/>
+              <a:t>Many will stretch or exceed the</a:t>
+            </a:r>
+          </a:p>
+          <a:p>
+            <a:r>
+              <a:rPr lang="en-US" sz="1200" dirty="0"/>
+              <a:t>bounds of generally accepted behavior</a:t>
+            </a:r>
+            <a:endParaRPr lang="en-US" sz="1200" dirty="0"/>
+          </a:p>
+        </p:txBody>
+      </p:sp>
+      <p:cxnSp>
+        <p:nvCxnSpPr>
+          <p:cNvPr id="19" name="Straight Connector 18"/>
+          <p:cNvCxnSpPr>
+            <a:stCxn id="10" idx="1"/>
+          </p:cNvCxnSpPr>
+          <p:nvPr/>
+        </p:nvCxnSpPr>
+        <p:spPr>
+          <a:xfrm flipV="1">
+            <a:off x="255883" y="1963918"/>
+            <a:ext cx="661659" cy="1348718"/>
+          </a:xfrm>
+          <a:prstGeom prst="line">
+            <a:avLst/>
+          </a:prstGeom>
+          <a:ln w="12700">
+            <a:solidFill>
+              <a:schemeClr val="bg1"/>
+            </a:solidFill>
+          </a:ln>
+          <a:effectLst>
+            <a:glow rad="63500">
+              <a:srgbClr val="A5D6A7">
+                <a:alpha val="40000"/>
+              </a:srgbClr>
+            </a:glow>
+          </a:effectLst>
+        </p:spPr>
+        <p:style>
+          <a:lnRef idx="1">
+            <a:schemeClr val="accent1"/>
+          </a:lnRef>
+          <a:fillRef idx="0">
+            <a:schemeClr val="accent1"/>
+          </a:fillRef>
+          <a:effectRef idx="0">
+            <a:schemeClr val="accent1"/>
+          </a:effectRef>
+          <a:fontRef idx="minor">
+            <a:schemeClr val="tx1"/>
+          </a:fontRef>
+        </p:style>
+      </p:cxnSp>
+      <p:cxnSp>
+        <p:nvCxnSpPr>
+          <p:cNvPr id="22" name="Straight Connector 21"/>
+          <p:cNvCxnSpPr>
+            <a:stCxn id="10" idx="3"/>
+          </p:cNvCxnSpPr>
+          <p:nvPr/>
+        </p:nvCxnSpPr>
+        <p:spPr>
+          <a:xfrm>
+            <a:off x="255883" y="4545306"/>
+            <a:ext cx="639663" cy="1117061"/>
+          </a:xfrm>
+          <a:prstGeom prst="line">
+            <a:avLst/>
+          </a:prstGeom>
+          <a:ln w="12700">
+            <a:solidFill>
+              <a:schemeClr val="bg1"/>
+            </a:solidFill>
+          </a:ln>
+          <a:effectLst>
+            <a:glow rad="63500">
+              <a:srgbClr val="A5D6A7">
+                <a:alpha val="40000"/>
+              </a:srgbClr>
+            </a:glow>
+          </a:effectLst>
+        </p:spPr>
+        <p:style>
+          <a:lnRef idx="1">
+            <a:schemeClr val="accent1"/>
+          </a:lnRef>
+          <a:fillRef idx="0">
+            <a:schemeClr val="accent1"/>
+          </a:fillRef>
+          <a:effectRef idx="0">
+            <a:schemeClr val="accent1"/>
+          </a:effectRef>
+          <a:fontRef idx="minor">
+            <a:schemeClr val="tx1"/>
+          </a:fontRef>
+        </p:style>
+      </p:cxnSp>
+      <p:sp>
+        <p:nvSpPr>
+          <p:cNvPr id="32" name="Folded Corner 31"/>
+          <p:cNvSpPr/>
+          <p:nvPr/>
+        </p:nvSpPr>
+        <p:spPr>
+          <a:xfrm>
+            <a:off x="8880127" y="4133213"/>
+            <a:ext cx="2258716" cy="2527663"/>
+          </a:xfrm>
+          <a:prstGeom prst="foldedCorner">
+            <a:avLst/>
+          </a:prstGeom>
+          <a:solidFill>
+            <a:srgbClr val="FFF59D">
+              <a:alpha val="92000"/>
+            </a:srgbClr>
+          </a:solidFill>
+          <a:ln>
+            <a:noFill/>
+          </a:ln>
+        </p:spPr>
+        <p:style>
+          <a:lnRef idx="2">
+            <a:schemeClr val="accent1">
+              <a:shade val="50000"/>
+            </a:schemeClr>
+          </a:lnRef>
+          <a:fillRef idx="1">
+            <a:schemeClr val="accent1"/>
+          </a:fillRef>
+          <a:effectRef idx="0">
+            <a:schemeClr val="accent1"/>
+          </a:effectRef>
+          <a:fontRef idx="minor">
+            <a:schemeClr val="lt1"/>
+          </a:fontRef>
+        </p:style>
+        <p:txBody>
+          <a:bodyPr rtlCol="0" anchor="ctr"/>
+          <a:lstStyle/>
+          <a:p>
+            <a:pPr algn="ctr"/>
+            <a:endParaRPr lang="en-US"/>
+          </a:p>
+        </p:txBody>
+      </p:sp>
+      <p:sp>
+        <p:nvSpPr>
+          <p:cNvPr id="33" name="Folded Corner 32"/>
+          <p:cNvSpPr/>
+          <p:nvPr/>
+        </p:nvSpPr>
+        <p:spPr>
+          <a:xfrm>
+            <a:off x="8880127" y="1400084"/>
+            <a:ext cx="2258716" cy="2527663"/>
+          </a:xfrm>
+          <a:prstGeom prst="foldedCorner">
+            <a:avLst/>
+          </a:prstGeom>
+          <a:solidFill>
+            <a:srgbClr val="B0BEC5">
+              <a:alpha val="91765"/>
+            </a:srgbClr>
+          </a:solidFill>
+          <a:ln>
+            <a:noFill/>
+          </a:ln>
+        </p:spPr>
+        <p:style>
+          <a:lnRef idx="2">
+            <a:schemeClr val="accent1">
+              <a:shade val="50000"/>
+            </a:schemeClr>
+          </a:lnRef>
+          <a:fillRef idx="1">
+            <a:schemeClr val="accent1"/>
+          </a:fillRef>
+          <a:effectRef idx="0">
+            <a:schemeClr val="accent1"/>
+          </a:effectRef>
+          <a:fontRef idx="minor">
+            <a:schemeClr val="lt1"/>
+          </a:fontRef>
+        </p:style>
+        <p:txBody>
+          <a:bodyPr rtlCol="0" anchor="ctr"/>
+          <a:lstStyle/>
+          <a:p>
+            <a:pPr algn="ctr"/>
+            <a:endParaRPr lang="en-US"/>
+          </a:p>
+        </p:txBody>
+      </p:sp>
+      <p:sp>
+        <p:nvSpPr>
+          <p:cNvPr id="34" name="Folded Corner 33"/>
+          <p:cNvSpPr/>
+          <p:nvPr/>
+        </p:nvSpPr>
+        <p:spPr>
+          <a:xfrm>
+            <a:off x="5161331" y="4133213"/>
+            <a:ext cx="2258716" cy="2527663"/>
+          </a:xfrm>
+          <a:prstGeom prst="foldedCorner">
+            <a:avLst/>
+          </a:prstGeom>
+          <a:solidFill>
+            <a:srgbClr val="A5D6A7">
+              <a:alpha val="92000"/>
+            </a:srgbClr>
+          </a:solidFill>
+          <a:ln>
+            <a:noFill/>
+          </a:ln>
+        </p:spPr>
+        <p:style>
+          <a:lnRef idx="2">
+            <a:schemeClr val="accent1">
+              <a:shade val="50000"/>
+            </a:schemeClr>
+          </a:lnRef>
+          <a:fillRef idx="1">
+            <a:schemeClr val="accent1"/>
+          </a:fillRef>
+          <a:effectRef idx="0">
+            <a:schemeClr val="accent1"/>
+          </a:effectRef>
+          <a:fontRef idx="minor">
+            <a:schemeClr val="lt1"/>
+          </a:fontRef>
+        </p:style>
+        <p:txBody>
+          <a:bodyPr rtlCol="0" anchor="ctr"/>
+          <a:lstStyle/>
+          <a:p>
+            <a:pPr algn="ctr"/>
+            <a:endParaRPr lang="en-US"/>
+          </a:p>
+        </p:txBody>
+      </p:sp>
+      <p:sp>
+        <p:nvSpPr>
+          <p:cNvPr id="35" name="Folded Corner 34"/>
+          <p:cNvSpPr/>
+          <p:nvPr/>
+        </p:nvSpPr>
+        <p:spPr>
+          <a:xfrm>
+            <a:off x="5161331" y="1400084"/>
+            <a:ext cx="2258716" cy="2527663"/>
+          </a:xfrm>
+          <a:prstGeom prst="foldedCorner">
+            <a:avLst/>
+          </a:prstGeom>
+          <a:solidFill>
+            <a:srgbClr val="F48FB1">
+              <a:alpha val="92000"/>
+            </a:srgbClr>
+          </a:solidFill>
+          <a:ln>
+            <a:noFill/>
+          </a:ln>
+        </p:spPr>
+        <p:style>
+          <a:lnRef idx="2">
+            <a:schemeClr val="accent1">
+              <a:shade val="50000"/>
+            </a:schemeClr>
+          </a:lnRef>
+          <a:fillRef idx="1">
+            <a:schemeClr val="accent1"/>
+          </a:fillRef>
+          <a:effectRef idx="0">
+            <a:schemeClr val="accent1"/>
+          </a:effectRef>
+          <a:fontRef idx="minor">
+            <a:schemeClr val="lt1"/>
+          </a:fontRef>
+        </p:style>
+        <p:txBody>
+          <a:bodyPr rtlCol="0" anchor="ctr"/>
+          <a:lstStyle/>
+          <a:p>
+            <a:pPr algn="ctr"/>
+            <a:endParaRPr lang="en-US" dirty="0" smtClean="0"/>
+          </a:p>
+          <a:p>
+            <a:pPr algn="ctr"/>
+            <a:endParaRPr lang="en-US" dirty="0"/>
+          </a:p>
+          <a:p>
+            <a:pPr algn="ctr"/>
+            <a:endParaRPr lang="en-US" dirty="0" smtClean="0"/>
+          </a:p>
+          <a:p>
+            <a:pPr algn="ctr"/>
+            <a:endParaRPr lang="en-US" dirty="0"/>
+          </a:p>
+          <a:p>
+            <a:pPr algn="ctr"/>
+            <a:endParaRPr lang="en-US" dirty="0"/>
+          </a:p>
+        </p:txBody>
+      </p:sp>
+      <p:sp>
+        <p:nvSpPr>
+          <p:cNvPr id="36" name="Rectangle 35"/>
+          <p:cNvSpPr/>
+          <p:nvPr/>
+        </p:nvSpPr>
+        <p:spPr>
+          <a:xfrm>
+            <a:off x="5161331" y="1568766"/>
+            <a:ext cx="2258715" cy="820472"/>
+          </a:xfrm>
+          <a:prstGeom prst="rect">
+            <a:avLst/>
+          </a:prstGeom>
+          <a:noFill/>
+          <a:ln>
+            <a:noFill/>
+          </a:ln>
+        </p:spPr>
+        <p:style>
+          <a:lnRef idx="2">
+            <a:schemeClr val="accent1">
+              <a:shade val="50000"/>
+            </a:schemeClr>
+          </a:lnRef>
+          <a:fillRef idx="1">
+            <a:schemeClr val="accent1"/>
+          </a:fillRef>
+          <a:effectRef idx="0">
+            <a:schemeClr val="accent1"/>
+          </a:effectRef>
+          <a:fontRef idx="minor">
+            <a:schemeClr val="lt1"/>
+          </a:fontRef>
+        </p:style>
+        <p:txBody>
+          <a:bodyPr rtlCol="0" anchor="ctr"/>
+          <a:lstStyle/>
+          <a:p>
+            <a:pPr algn="ctr"/>
+            <a:r>
+              <a:rPr lang="en-US" sz="2000" u="sng" dirty="0" smtClean="0">
+                <a:solidFill>
+                  <a:schemeClr val="tx1"/>
+                </a:solidFill>
+                <a:latin typeface="Bahnschrift SemiBold" panose="020B0502040204020203" pitchFamily="34" charset="0"/>
+              </a:rPr>
+              <a:t>Cyber bulling</a:t>
+            </a:r>
+            <a:endParaRPr lang="en-US" sz="2000" u="sng" dirty="0">
+              <a:solidFill>
+                <a:schemeClr val="tx1"/>
+              </a:solidFill>
+              <a:latin typeface="Bahnschrift SemiBold" panose="020B0502040204020203" pitchFamily="34" charset="0"/>
+            </a:endParaRPr>
+          </a:p>
+        </p:txBody>
+      </p:sp>
+      <p:sp>
+        <p:nvSpPr>
+          <p:cNvPr id="37" name="Rectangle 36"/>
+          <p:cNvSpPr/>
+          <p:nvPr/>
+        </p:nvSpPr>
+        <p:spPr>
+          <a:xfrm>
+            <a:off x="8880126" y="1568766"/>
+            <a:ext cx="2258715" cy="820472"/>
+          </a:xfrm>
+          <a:prstGeom prst="rect">
+            <a:avLst/>
+          </a:prstGeom>
+          <a:noFill/>
+          <a:ln>
+            <a:noFill/>
+          </a:ln>
+        </p:spPr>
+        <p:style>
+          <a:lnRef idx="2">
+            <a:schemeClr val="accent1">
+              <a:shade val="50000"/>
+            </a:schemeClr>
+          </a:lnRef>
+          <a:fillRef idx="1">
+            <a:schemeClr val="accent1"/>
+          </a:fillRef>
+          <a:effectRef idx="0">
+            <a:schemeClr val="accent1"/>
+          </a:effectRef>
+          <a:fontRef idx="minor">
+            <a:schemeClr val="lt1"/>
+          </a:fontRef>
+        </p:style>
+        <p:txBody>
+          <a:bodyPr rtlCol="0" anchor="ctr"/>
+          <a:lstStyle/>
+          <a:p>
+            <a:pPr algn="ctr"/>
+            <a:r>
+              <a:rPr lang="en-US" sz="2000" u="sng" dirty="0" smtClean="0">
+                <a:solidFill>
+                  <a:schemeClr val="tx1"/>
+                </a:solidFill>
+                <a:latin typeface="Bahnschrift SemiBold" panose="020B0502040204020203" pitchFamily="34" charset="0"/>
+              </a:rPr>
+              <a:t>Cyberstalking</a:t>
+            </a:r>
+            <a:endParaRPr lang="en-US" sz="2000" u="sng" dirty="0">
+              <a:solidFill>
+                <a:schemeClr val="tx1"/>
+              </a:solidFill>
+              <a:latin typeface="Bahnschrift SemiBold" panose="020B0502040204020203" pitchFamily="34" charset="0"/>
+            </a:endParaRPr>
+          </a:p>
+        </p:txBody>
+      </p:sp>
+      <p:sp>
+        <p:nvSpPr>
+          <p:cNvPr id="38" name="Rectangle 37"/>
+          <p:cNvSpPr/>
+          <p:nvPr/>
+        </p:nvSpPr>
+        <p:spPr>
+          <a:xfrm>
+            <a:off x="8880125" y="4301894"/>
+            <a:ext cx="2258715" cy="820472"/>
+          </a:xfrm>
+          <a:prstGeom prst="rect">
+            <a:avLst/>
+          </a:prstGeom>
+          <a:noFill/>
+          <a:ln>
+            <a:noFill/>
+          </a:ln>
+        </p:spPr>
+        <p:style>
+          <a:lnRef idx="2">
+            <a:schemeClr val="accent1">
+              <a:shade val="50000"/>
+            </a:schemeClr>
+          </a:lnRef>
+          <a:fillRef idx="1">
+            <a:schemeClr val="accent1"/>
+          </a:fillRef>
+          <a:effectRef idx="0">
+            <a:schemeClr val="accent1"/>
+          </a:effectRef>
+          <a:fontRef idx="minor">
+            <a:schemeClr val="lt1"/>
+          </a:fontRef>
+        </p:style>
+        <p:txBody>
+          <a:bodyPr rtlCol="0" anchor="ctr"/>
+          <a:lstStyle/>
+          <a:p>
+            <a:pPr algn="ctr"/>
+            <a:r>
+              <a:rPr lang="en-US" u="sng" dirty="0">
+                <a:solidFill>
+                  <a:schemeClr val="tx1"/>
+                </a:solidFill>
+                <a:latin typeface="Bahnschrift SemiBold" panose="020B0502040204020203" pitchFamily="34" charset="0"/>
+              </a:rPr>
+              <a:t>Uploading of inappropriate </a:t>
+            </a:r>
+            <a:r>
+              <a:rPr lang="en-US" u="sng" dirty="0" smtClean="0">
+                <a:solidFill>
+                  <a:schemeClr val="tx1"/>
+                </a:solidFill>
+                <a:latin typeface="Bahnschrift SemiBold" panose="020B0502040204020203" pitchFamily="34" charset="0"/>
+              </a:rPr>
+              <a:t>material</a:t>
+            </a:r>
+            <a:endParaRPr lang="en-US" u="sng" dirty="0">
+              <a:solidFill>
+                <a:schemeClr val="tx1"/>
+              </a:solidFill>
+              <a:latin typeface="Bahnschrift SemiBold" panose="020B0502040204020203" pitchFamily="34" charset="0"/>
+            </a:endParaRPr>
+          </a:p>
+        </p:txBody>
+      </p:sp>
+      <p:sp>
+        <p:nvSpPr>
+          <p:cNvPr id="39" name="Rectangle 38"/>
+          <p:cNvSpPr/>
+          <p:nvPr/>
+        </p:nvSpPr>
+        <p:spPr>
+          <a:xfrm>
+            <a:off x="5161328" y="4301894"/>
+            <a:ext cx="2258715" cy="820472"/>
+          </a:xfrm>
+          <a:prstGeom prst="rect">
+            <a:avLst/>
+          </a:prstGeom>
+          <a:noFill/>
+          <a:ln>
+            <a:noFill/>
+          </a:ln>
+        </p:spPr>
+        <p:style>
+          <a:lnRef idx="2">
+            <a:schemeClr val="accent1">
+              <a:shade val="50000"/>
+            </a:schemeClr>
+          </a:lnRef>
+          <a:fillRef idx="1">
+            <a:schemeClr val="accent1"/>
+          </a:fillRef>
+          <a:effectRef idx="0">
+            <a:schemeClr val="accent1"/>
+          </a:effectRef>
+          <a:fontRef idx="minor">
+            <a:schemeClr val="lt1"/>
+          </a:fontRef>
+        </p:style>
+        <p:txBody>
+          <a:bodyPr rtlCol="0" anchor="ctr"/>
+          <a:lstStyle/>
+          <a:p>
+            <a:pPr algn="ctr"/>
+            <a:r>
+              <a:rPr lang="en-US" sz="2000" u="sng" dirty="0">
+                <a:solidFill>
+                  <a:schemeClr val="tx1"/>
+                </a:solidFill>
+                <a:latin typeface="Bahnschrift SemiBold" panose="020B0502040204020203" pitchFamily="34" charset="0"/>
+              </a:rPr>
+              <a:t>E</a:t>
+            </a:r>
+            <a:r>
+              <a:rPr lang="en-US" sz="2000" u="sng" dirty="0" smtClean="0">
+                <a:solidFill>
+                  <a:schemeClr val="tx1"/>
+                </a:solidFill>
+                <a:latin typeface="Bahnschrift SemiBold" panose="020B0502040204020203" pitchFamily="34" charset="0"/>
+              </a:rPr>
+              <a:t>ncounters </a:t>
+            </a:r>
+            <a:r>
+              <a:rPr lang="en-US" sz="2000" u="sng" dirty="0">
+                <a:solidFill>
+                  <a:schemeClr val="tx1"/>
+                </a:solidFill>
+                <a:latin typeface="Bahnschrift SemiBold" panose="020B0502040204020203" pitchFamily="34" charset="0"/>
+              </a:rPr>
+              <a:t>with</a:t>
+            </a:r>
+          </a:p>
+          <a:p>
+            <a:pPr algn="ctr"/>
+            <a:r>
+              <a:rPr lang="en-US" sz="2000" u="sng" dirty="0">
+                <a:solidFill>
+                  <a:schemeClr val="tx1"/>
+                </a:solidFill>
+                <a:latin typeface="Bahnschrift SemiBold" panose="020B0502040204020203" pitchFamily="34" charset="0"/>
+              </a:rPr>
+              <a:t>sexual predators</a:t>
+            </a:r>
+            <a:endParaRPr lang="en-US" sz="2000" u="sng" dirty="0">
+              <a:solidFill>
+                <a:schemeClr val="tx1"/>
+              </a:solidFill>
+              <a:latin typeface="Bahnschrift SemiBold" panose="020B0502040204020203" pitchFamily="34" charset="0"/>
+            </a:endParaRPr>
+          </a:p>
+        </p:txBody>
+      </p:sp>
+      <p:sp>
+        <p:nvSpPr>
+          <p:cNvPr id="40" name="Rectangle 39"/>
+          <p:cNvSpPr/>
+          <p:nvPr/>
+        </p:nvSpPr>
+        <p:spPr>
+          <a:xfrm>
+            <a:off x="5161329" y="2389238"/>
+            <a:ext cx="2258714" cy="1063050"/>
+          </a:xfrm>
+          <a:prstGeom prst="rect">
+            <a:avLst/>
+          </a:prstGeom>
+          <a:noFill/>
+          <a:ln>
+            <a:noFill/>
+          </a:ln>
+        </p:spPr>
+        <p:style>
+          <a:lnRef idx="2">
+            <a:schemeClr val="accent1">
+              <a:shade val="50000"/>
+            </a:schemeClr>
+          </a:lnRef>
+          <a:fillRef idx="1">
+            <a:schemeClr val="accent1"/>
+          </a:fillRef>
+          <a:effectRef idx="0">
+            <a:schemeClr val="accent1"/>
+          </a:effectRef>
+          <a:fontRef idx="minor">
+            <a:schemeClr val="lt1"/>
+          </a:fontRef>
+        </p:style>
+        <p:txBody>
+          <a:bodyPr rtlCol="0" anchor="ctr"/>
+          <a:lstStyle/>
+          <a:p>
+            <a:pPr algn="ctr"/>
+            <a:r>
+              <a:rPr lang="en-US" sz="1400" dirty="0">
+                <a:solidFill>
+                  <a:schemeClr val="tx1"/>
+                </a:solidFill>
+              </a:rPr>
+              <a:t>a</a:t>
+            </a:r>
+            <a:r>
+              <a:rPr lang="en-US" sz="1400" dirty="0" smtClean="0">
+                <a:solidFill>
+                  <a:schemeClr val="tx1"/>
+                </a:solidFill>
+              </a:rPr>
+              <a:t> form of bulling using electronic means</a:t>
+            </a:r>
+            <a:endParaRPr lang="en-US" sz="1400" dirty="0">
+              <a:solidFill>
+                <a:schemeClr val="tx1"/>
+              </a:solidFill>
+            </a:endParaRPr>
+          </a:p>
+        </p:txBody>
+      </p:sp>
+      <p:sp>
+        <p:nvSpPr>
+          <p:cNvPr id="41" name="Rectangle 40"/>
+          <p:cNvSpPr/>
+          <p:nvPr/>
+        </p:nvSpPr>
+        <p:spPr>
+          <a:xfrm>
+            <a:off x="8880121" y="2389238"/>
+            <a:ext cx="2258714" cy="1063050"/>
+          </a:xfrm>
+          <a:prstGeom prst="rect">
+            <a:avLst/>
+          </a:prstGeom>
+          <a:noFill/>
+          <a:ln>
+            <a:noFill/>
+          </a:ln>
+        </p:spPr>
+        <p:style>
+          <a:lnRef idx="2">
+            <a:schemeClr val="accent1">
+              <a:shade val="50000"/>
+            </a:schemeClr>
+          </a:lnRef>
+          <a:fillRef idx="1">
+            <a:schemeClr val="accent1"/>
+          </a:fillRef>
+          <a:effectRef idx="0">
+            <a:schemeClr val="accent1"/>
+          </a:effectRef>
+          <a:fontRef idx="minor">
+            <a:schemeClr val="lt1"/>
+          </a:fontRef>
+        </p:style>
+        <p:txBody>
+          <a:bodyPr rtlCol="0" anchor="ctr"/>
+          <a:lstStyle/>
+          <a:p>
+            <a:pPr algn="ctr"/>
+            <a:r>
+              <a:rPr lang="en-US" sz="1400" dirty="0">
+                <a:solidFill>
+                  <a:schemeClr val="tx1"/>
+                </a:solidFill>
+              </a:rPr>
+              <a:t>the use of </a:t>
+            </a:r>
+            <a:r>
+              <a:rPr lang="en-US" sz="1400" dirty="0" smtClean="0">
+                <a:solidFill>
+                  <a:schemeClr val="tx1"/>
+                </a:solidFill>
+              </a:rPr>
+              <a:t>the</a:t>
+            </a:r>
+            <a:r>
+              <a:rPr lang="en-US" sz="1400" dirty="0">
+                <a:solidFill>
+                  <a:schemeClr val="tx1"/>
+                </a:solidFill>
+              </a:rPr>
+              <a:t> </a:t>
+            </a:r>
+            <a:r>
+              <a:rPr lang="en-US" sz="1400" dirty="0" smtClean="0">
+                <a:solidFill>
+                  <a:schemeClr val="tx1"/>
+                </a:solidFill>
+              </a:rPr>
+              <a:t>internet</a:t>
+            </a:r>
+            <a:r>
+              <a:rPr lang="en-US" sz="1400" dirty="0">
+                <a:solidFill>
+                  <a:schemeClr val="tx1"/>
+                </a:solidFill>
+              </a:rPr>
+              <a:t> or other electronic means to </a:t>
+            </a:r>
+            <a:r>
+              <a:rPr lang="en-US" sz="1400" dirty="0" smtClean="0">
+                <a:solidFill>
+                  <a:schemeClr val="tx1"/>
+                </a:solidFill>
+              </a:rPr>
+              <a:t>harass</a:t>
+            </a:r>
+            <a:r>
+              <a:rPr lang="en-US" sz="1400" dirty="0">
+                <a:solidFill>
+                  <a:schemeClr val="tx1"/>
+                </a:solidFill>
+              </a:rPr>
+              <a:t> an individual, group, or organization</a:t>
+            </a:r>
+            <a:endParaRPr lang="en-US" sz="1400" dirty="0">
+              <a:solidFill>
+                <a:schemeClr val="tx1"/>
+              </a:solidFill>
+            </a:endParaRPr>
+          </a:p>
+        </p:txBody>
+      </p:sp>
+      <p:sp>
+        <p:nvSpPr>
+          <p:cNvPr id="42" name="Rectangle 41"/>
+          <p:cNvSpPr/>
+          <p:nvPr/>
+        </p:nvSpPr>
+        <p:spPr>
+          <a:xfrm>
+            <a:off x="8880121" y="5131661"/>
+            <a:ext cx="2258714" cy="1063050"/>
+          </a:xfrm>
+          <a:prstGeom prst="rect">
+            <a:avLst/>
+          </a:prstGeom>
+          <a:noFill/>
+          <a:ln>
+            <a:noFill/>
+          </a:ln>
+        </p:spPr>
+        <p:style>
+          <a:lnRef idx="2">
+            <a:schemeClr val="accent1">
+              <a:shade val="50000"/>
+            </a:schemeClr>
+          </a:lnRef>
+          <a:fillRef idx="1">
+            <a:schemeClr val="accent1"/>
+          </a:fillRef>
+          <a:effectRef idx="0">
+            <a:schemeClr val="accent1"/>
+          </a:effectRef>
+          <a:fontRef idx="minor">
+            <a:schemeClr val="lt1"/>
+          </a:fontRef>
+        </p:style>
+        <p:txBody>
+          <a:bodyPr rtlCol="0" anchor="ctr"/>
+          <a:lstStyle/>
+          <a:p>
+            <a:pPr algn="ctr"/>
+            <a:r>
+              <a:rPr lang="en-US" altLang="en-US" sz="1400" dirty="0" smtClean="0">
+                <a:solidFill>
+                  <a:schemeClr val="tx1"/>
+                </a:solidFill>
+              </a:rPr>
+              <a:t>posting </a:t>
+            </a:r>
+            <a:r>
+              <a:rPr lang="en-US" altLang="en-US" sz="1400" dirty="0">
+                <a:solidFill>
+                  <a:schemeClr val="tx1"/>
+                </a:solidFill>
+              </a:rPr>
+              <a:t>mean, personal, or false information about the victim</a:t>
+            </a:r>
+            <a:r>
+              <a:rPr lang="en-US" sz="1400" dirty="0" smtClean="0">
+                <a:solidFill>
+                  <a:schemeClr val="tx1"/>
+                </a:solidFill>
+              </a:rPr>
+              <a:t> </a:t>
+            </a:r>
+            <a:endParaRPr lang="en-US" sz="1400" dirty="0">
+              <a:solidFill>
+                <a:schemeClr val="tx1"/>
+              </a:solidFill>
+            </a:endParaRPr>
+          </a:p>
+        </p:txBody>
+      </p:sp>
+      <p:sp>
+        <p:nvSpPr>
+          <p:cNvPr id="43" name="Rectangle 42"/>
+          <p:cNvSpPr/>
+          <p:nvPr/>
+        </p:nvSpPr>
+        <p:spPr>
+          <a:xfrm>
+            <a:off x="5161323" y="5131661"/>
+            <a:ext cx="2258714" cy="1063050"/>
+          </a:xfrm>
+          <a:prstGeom prst="rect">
+            <a:avLst/>
+          </a:prstGeom>
+          <a:noFill/>
+          <a:ln>
+            <a:noFill/>
+          </a:ln>
+        </p:spPr>
+        <p:style>
+          <a:lnRef idx="2">
+            <a:schemeClr val="accent1">
+              <a:shade val="50000"/>
+            </a:schemeClr>
+          </a:lnRef>
+          <a:fillRef idx="1">
+            <a:schemeClr val="accent1"/>
+          </a:fillRef>
+          <a:effectRef idx="0">
+            <a:schemeClr val="accent1"/>
+          </a:effectRef>
+          <a:fontRef idx="minor">
+            <a:schemeClr val="lt1"/>
+          </a:fontRef>
+        </p:style>
+        <p:txBody>
+          <a:bodyPr rtlCol="0" anchor="ctr"/>
+          <a:lstStyle/>
+          <a:p>
+            <a:pPr algn="ctr"/>
+            <a:r>
+              <a:rPr lang="en-US" sz="1400" dirty="0">
+                <a:solidFill>
+                  <a:schemeClr val="tx1"/>
+                </a:solidFill>
+              </a:rPr>
+              <a:t>a person seen as </a:t>
+            </a:r>
+            <a:r>
+              <a:rPr lang="en-US" sz="1400" dirty="0" smtClean="0">
+                <a:solidFill>
+                  <a:schemeClr val="tx1"/>
+                </a:solidFill>
+              </a:rPr>
+              <a:t>trying </a:t>
+            </a:r>
+            <a:r>
+              <a:rPr lang="en-US" sz="1400" dirty="0">
+                <a:solidFill>
+                  <a:schemeClr val="tx1"/>
+                </a:solidFill>
+              </a:rPr>
+              <a:t>to obtain </a:t>
+            </a:r>
+            <a:r>
+              <a:rPr lang="en-US" sz="1400" b="1" dirty="0">
+                <a:solidFill>
+                  <a:schemeClr val="tx1"/>
+                </a:solidFill>
+              </a:rPr>
+              <a:t>sexual</a:t>
+            </a:r>
+            <a:r>
+              <a:rPr lang="en-US" sz="1400" dirty="0">
+                <a:solidFill>
+                  <a:schemeClr val="tx1"/>
+                </a:solidFill>
+              </a:rPr>
+              <a:t> contact with another person in a metaphorically "predatory" or abusive manner</a:t>
+            </a:r>
+            <a:endParaRPr lang="en-US" sz="1400" dirty="0">
+              <a:solidFill>
+                <a:schemeClr val="tx1"/>
+              </a:solidFill>
+            </a:endParaRPr>
+          </a:p>
+        </p:txBody>
+      </p:sp>
+    </p:spTree>
+    <p:extLst>
+      <p:ext uri="{BB962C8B-B14F-4D97-AF65-F5344CB8AC3E}">
+        <p14:creationId xmlns:p14="http://schemas.microsoft.com/office/powerpoint/2010/main" val="97062742"/>
+      </p:ext>
+    </p:extLst>
+  </p:cSld>
+  <p:clrMapOvr>
+    <a:masterClrMapping/>
+  </p:clrMapOvr>
+  <p:transition spd="slow">
+    <p:push dir="u"/>
+  </p:transition>
+  <p:timing>
+    <p:tnLst>
+      <p:par>
+        <p:cTn id="1" dur="indefinite" restart="never" nodeType="tmRoot"/>
+      </p:par>
+    </p:tnLst>
+  </p:timing>
+</p:sld>
+</file>
+
+<file path=ppt/slides/slide3.xml><?xml version="1.0" encoding="utf-8"?>
+<p:sld xmlns:a="http://schemas.openxmlformats.org/drawingml/2006/main" xmlns:r="http://schemas.openxmlformats.org/officeDocument/2006/relationships" xmlns:p="http://schemas.openxmlformats.org/presentationml/2006/main">
+  <p:cSld>
     <p:bg>
       <p:bgPr>
-        <a:solidFill>
-          <a:schemeClr val="bg1"/>
-        </a:solidFill>
+        <a:blipFill dpi="0" rotWithShape="1">
+          <a:blip r:embed="rId2">
+            <a:lum/>
+          </a:blip>
+          <a:srcRect/>
+          <a:stretch>
+            <a:fillRect/>
+          </a:stretch>
+        </a:blipFill>
         <a:effectLst/>
       </p:bgPr>
     </p:bg>
@@ -3559,88 +5116,173 @@
       </p:grpSpPr>
       <p:sp>
         <p:nvSpPr>
+          <p:cNvPr id="5" name="Rounded Rectangle 4"/>
+          <p:cNvSpPr/>
+          <p:nvPr/>
+        </p:nvSpPr>
+        <p:spPr>
+          <a:xfrm>
+            <a:off x="-1012371" y="0"/>
+            <a:ext cx="3347357" cy="6858000"/>
+          </a:xfrm>
+          <a:prstGeom prst="roundRect">
+            <a:avLst/>
+          </a:prstGeom>
+          <a:solidFill>
+            <a:srgbClr val="FFDE03"/>
+          </a:solidFill>
+          <a:ln>
+            <a:noFill/>
+          </a:ln>
+          <a:effectLst>
+            <a:reflection endPos="0" dir="5400000" sy="-100000" algn="bl" rotWithShape="0"/>
+          </a:effectLst>
+        </p:spPr>
+        <p:style>
+          <a:lnRef idx="2">
+            <a:schemeClr val="accent1">
+              <a:shade val="50000"/>
+            </a:schemeClr>
+          </a:lnRef>
+          <a:fillRef idx="1">
+            <a:schemeClr val="accent1"/>
+          </a:fillRef>
+          <a:effectRef idx="0">
+            <a:schemeClr val="accent1"/>
+          </a:effectRef>
+          <a:fontRef idx="minor">
+            <a:schemeClr val="lt1"/>
+          </a:fontRef>
+        </p:style>
+        <p:txBody>
+          <a:bodyPr rtlCol="0" anchor="ctr"/>
+          <a:lstStyle/>
+          <a:p>
+            <a:pPr algn="ctr"/>
+            <a:endParaRPr lang="en-US"/>
+          </a:p>
+        </p:txBody>
+      </p:sp>
+      <p:sp>
+        <p:nvSpPr>
           <p:cNvPr id="6" name="Rectangle 5"/>
           <p:cNvSpPr/>
           <p:nvPr/>
         </p:nvSpPr>
         <p:spPr>
-          <a:xfrm rot="2622125">
-            <a:off x="-1589264" y="2184183"/>
-            <a:ext cx="6643716" cy="4438988"/>
+          <a:xfrm rot="16200000">
+            <a:off x="-1298121" y="2106386"/>
+            <a:ext cx="4620986" cy="2645228"/>
+          </a:xfrm>
+          <a:prstGeom prst="rect">
+            <a:avLst/>
+          </a:prstGeom>
+          <a:noFill/>
+          <a:ln>
+            <a:noFill/>
+          </a:ln>
+        </p:spPr>
+        <p:style>
+          <a:lnRef idx="2">
+            <a:schemeClr val="accent1">
+              <a:shade val="50000"/>
+            </a:schemeClr>
+          </a:lnRef>
+          <a:fillRef idx="1">
+            <a:schemeClr val="accent1"/>
+          </a:fillRef>
+          <a:effectRef idx="0">
+            <a:schemeClr val="accent1"/>
+          </a:effectRef>
+          <a:fontRef idx="minor">
+            <a:schemeClr val="lt1"/>
+          </a:fontRef>
+        </p:style>
+        <p:txBody>
+          <a:bodyPr rtlCol="0" anchor="ctr"/>
+          <a:lstStyle/>
+          <a:p>
+            <a:pPr algn="ctr"/>
+            <a:r>
+              <a:rPr lang="en-US" sz="4000" dirty="0">
+                <a:solidFill>
+                  <a:schemeClr val="tx1"/>
+                </a:solidFill>
+                <a:latin typeface="Copperplate Gothic Bold" panose="020E0705020206020404" pitchFamily="34" charset="0"/>
+              </a:rPr>
+              <a:t>Cyber </a:t>
+            </a:r>
+            <a:r>
+              <a:rPr lang="en-US" sz="4000" dirty="0" smtClean="0">
+                <a:solidFill>
+                  <a:schemeClr val="tx1"/>
+                </a:solidFill>
+                <a:latin typeface="Copperplate Gothic Bold" panose="020E0705020206020404" pitchFamily="34" charset="0"/>
+              </a:rPr>
+              <a:t>bullying</a:t>
+            </a:r>
+            <a:endParaRPr lang="en-US" sz="4000" dirty="0">
+              <a:solidFill>
+                <a:schemeClr val="tx1"/>
+              </a:solidFill>
+            </a:endParaRPr>
+          </a:p>
+        </p:txBody>
+      </p:sp>
+      <p:sp>
+        <p:nvSpPr>
+          <p:cNvPr id="7" name="Rectangle 6"/>
+          <p:cNvSpPr/>
+          <p:nvPr/>
+        </p:nvSpPr>
+        <p:spPr>
+          <a:xfrm>
+            <a:off x="3069771" y="-16330"/>
+            <a:ext cx="9122229" cy="6874329"/>
           </a:xfrm>
           <a:custGeom>
             <a:avLst/>
             <a:gdLst>
-              <a:gd name="connsiteX0" fmla="*/ 0 w 6827592"/>
-              <a:gd name="connsiteY0" fmla="*/ 0 h 3615388"/>
-              <a:gd name="connsiteX1" fmla="*/ 6827592 w 6827592"/>
-              <a:gd name="connsiteY1" fmla="*/ 0 h 3615388"/>
-              <a:gd name="connsiteX2" fmla="*/ 6827592 w 6827592"/>
-              <a:gd name="connsiteY2" fmla="*/ 3615388 h 3615388"/>
-              <a:gd name="connsiteX3" fmla="*/ 0 w 6827592"/>
-              <a:gd name="connsiteY3" fmla="*/ 3615388 h 3615388"/>
-              <a:gd name="connsiteX4" fmla="*/ 0 w 6827592"/>
-              <a:gd name="connsiteY4" fmla="*/ 0 h 3615388"/>
-              <a:gd name="connsiteX0" fmla="*/ 0 w 7275813"/>
-              <a:gd name="connsiteY0" fmla="*/ 1366785 h 4982173"/>
-              <a:gd name="connsiteX1" fmla="*/ 7275813 w 7275813"/>
-              <a:gd name="connsiteY1" fmla="*/ 0 h 4982173"/>
-              <a:gd name="connsiteX2" fmla="*/ 6827592 w 7275813"/>
-              <a:gd name="connsiteY2" fmla="*/ 4982173 h 4982173"/>
-              <a:gd name="connsiteX3" fmla="*/ 0 w 7275813"/>
-              <a:gd name="connsiteY3" fmla="*/ 4982173 h 4982173"/>
-              <a:gd name="connsiteX4" fmla="*/ 0 w 7275813"/>
-              <a:gd name="connsiteY4" fmla="*/ 1366785 h 4982173"/>
-              <a:gd name="connsiteX0" fmla="*/ 403951 w 7275813"/>
-              <a:gd name="connsiteY0" fmla="*/ 572722 h 4982173"/>
-              <a:gd name="connsiteX1" fmla="*/ 7275813 w 7275813"/>
-              <a:gd name="connsiteY1" fmla="*/ 0 h 4982173"/>
-              <a:gd name="connsiteX2" fmla="*/ 6827592 w 7275813"/>
-              <a:gd name="connsiteY2" fmla="*/ 4982173 h 4982173"/>
-              <a:gd name="connsiteX3" fmla="*/ 0 w 7275813"/>
-              <a:gd name="connsiteY3" fmla="*/ 4982173 h 4982173"/>
-              <a:gd name="connsiteX4" fmla="*/ 403951 w 7275813"/>
-              <a:gd name="connsiteY4" fmla="*/ 572722 h 4982173"/>
-              <a:gd name="connsiteX0" fmla="*/ 403951 w 6882728"/>
-              <a:gd name="connsiteY0" fmla="*/ 258255 h 4667706"/>
-              <a:gd name="connsiteX1" fmla="*/ 6882728 w 6882728"/>
-              <a:gd name="connsiteY1" fmla="*/ 0 h 4667706"/>
-              <a:gd name="connsiteX2" fmla="*/ 6827592 w 6882728"/>
-              <a:gd name="connsiteY2" fmla="*/ 4667706 h 4667706"/>
-              <a:gd name="connsiteX3" fmla="*/ 0 w 6882728"/>
-              <a:gd name="connsiteY3" fmla="*/ 4667706 h 4667706"/>
-              <a:gd name="connsiteX4" fmla="*/ 403951 w 6882728"/>
-              <a:gd name="connsiteY4" fmla="*/ 258255 h 4667706"/>
-              <a:gd name="connsiteX0" fmla="*/ 420284 w 6882728"/>
-              <a:gd name="connsiteY0" fmla="*/ 0 h 4669865"/>
-              <a:gd name="connsiteX1" fmla="*/ 6882728 w 6882728"/>
-              <a:gd name="connsiteY1" fmla="*/ 2159 h 4669865"/>
-              <a:gd name="connsiteX2" fmla="*/ 6827592 w 6882728"/>
-              <a:gd name="connsiteY2" fmla="*/ 4669865 h 4669865"/>
-              <a:gd name="connsiteX3" fmla="*/ 0 w 6882728"/>
-              <a:gd name="connsiteY3" fmla="*/ 4669865 h 4669865"/>
-              <a:gd name="connsiteX4" fmla="*/ 420284 w 6882728"/>
-              <a:gd name="connsiteY4" fmla="*/ 0 h 4669865"/>
-              <a:gd name="connsiteX0" fmla="*/ 420284 w 6859514"/>
-              <a:gd name="connsiteY0" fmla="*/ 0 h 4669865"/>
-              <a:gd name="connsiteX1" fmla="*/ 6859514 w 6859514"/>
-              <a:gd name="connsiteY1" fmla="*/ 105947 h 4669865"/>
-              <a:gd name="connsiteX2" fmla="*/ 6827592 w 6859514"/>
-              <a:gd name="connsiteY2" fmla="*/ 4669865 h 4669865"/>
-              <a:gd name="connsiteX3" fmla="*/ 0 w 6859514"/>
-              <a:gd name="connsiteY3" fmla="*/ 4669865 h 4669865"/>
-              <a:gd name="connsiteX4" fmla="*/ 420284 w 6859514"/>
-              <a:gd name="connsiteY4" fmla="*/ 0 h 4669865"/>
-              <a:gd name="connsiteX0" fmla="*/ 432365 w 6859514"/>
-              <a:gd name="connsiteY0" fmla="*/ 0 h 4742611"/>
-              <a:gd name="connsiteX1" fmla="*/ 6859514 w 6859514"/>
-              <a:gd name="connsiteY1" fmla="*/ 178693 h 4742611"/>
-              <a:gd name="connsiteX2" fmla="*/ 6827592 w 6859514"/>
-              <a:gd name="connsiteY2" fmla="*/ 4742611 h 4742611"/>
-              <a:gd name="connsiteX3" fmla="*/ 0 w 6859514"/>
-              <a:gd name="connsiteY3" fmla="*/ 4742611 h 4742611"/>
-              <a:gd name="connsiteX4" fmla="*/ 432365 w 6859514"/>
-              <a:gd name="connsiteY4" fmla="*/ 0 h 4742611"/>
+              <a:gd name="connsiteX0" fmla="*/ 0 w 9122229"/>
+              <a:gd name="connsiteY0" fmla="*/ 0 h 6858000"/>
+              <a:gd name="connsiteX1" fmla="*/ 9122229 w 9122229"/>
+              <a:gd name="connsiteY1" fmla="*/ 0 h 6858000"/>
+              <a:gd name="connsiteX2" fmla="*/ 9122229 w 9122229"/>
+              <a:gd name="connsiteY2" fmla="*/ 6858000 h 6858000"/>
+              <a:gd name="connsiteX3" fmla="*/ 0 w 9122229"/>
+              <a:gd name="connsiteY3" fmla="*/ 6858000 h 6858000"/>
+              <a:gd name="connsiteX4" fmla="*/ 0 w 9122229"/>
+              <a:gd name="connsiteY4" fmla="*/ 0 h 6858000"/>
+              <a:gd name="connsiteX0" fmla="*/ 3657600 w 9122229"/>
+              <a:gd name="connsiteY0" fmla="*/ 0 h 6874329"/>
+              <a:gd name="connsiteX1" fmla="*/ 9122229 w 9122229"/>
+              <a:gd name="connsiteY1" fmla="*/ 16329 h 6874329"/>
+              <a:gd name="connsiteX2" fmla="*/ 9122229 w 9122229"/>
+              <a:gd name="connsiteY2" fmla="*/ 6874329 h 6874329"/>
+              <a:gd name="connsiteX3" fmla="*/ 0 w 9122229"/>
+              <a:gd name="connsiteY3" fmla="*/ 6874329 h 6874329"/>
+              <a:gd name="connsiteX4" fmla="*/ 3657600 w 9122229"/>
+              <a:gd name="connsiteY4" fmla="*/ 0 h 6874329"/>
+              <a:gd name="connsiteX0" fmla="*/ 3657600 w 9122229"/>
+              <a:gd name="connsiteY0" fmla="*/ 0 h 6874329"/>
+              <a:gd name="connsiteX1" fmla="*/ 9122229 w 9122229"/>
+              <a:gd name="connsiteY1" fmla="*/ 16329 h 6874329"/>
+              <a:gd name="connsiteX2" fmla="*/ 9122229 w 9122229"/>
+              <a:gd name="connsiteY2" fmla="*/ 6874329 h 6874329"/>
+              <a:gd name="connsiteX3" fmla="*/ 0 w 9122229"/>
+              <a:gd name="connsiteY3" fmla="*/ 6874329 h 6874329"/>
+              <a:gd name="connsiteX4" fmla="*/ 3657600 w 9122229"/>
+              <a:gd name="connsiteY4" fmla="*/ 0 h 6874329"/>
+              <a:gd name="connsiteX0" fmla="*/ 3657600 w 9122229"/>
+              <a:gd name="connsiteY0" fmla="*/ 0 h 6874329"/>
+              <a:gd name="connsiteX1" fmla="*/ 9122229 w 9122229"/>
+              <a:gd name="connsiteY1" fmla="*/ 16329 h 6874329"/>
+              <a:gd name="connsiteX2" fmla="*/ 9122229 w 9122229"/>
+              <a:gd name="connsiteY2" fmla="*/ 6874329 h 6874329"/>
+              <a:gd name="connsiteX3" fmla="*/ 0 w 9122229"/>
+              <a:gd name="connsiteY3" fmla="*/ 6874329 h 6874329"/>
+              <a:gd name="connsiteX4" fmla="*/ 3657600 w 9122229"/>
+              <a:gd name="connsiteY4" fmla="*/ 0 h 6874329"/>
             </a:gdLst>
             <a:ahLst/>
             <a:cxnLst>
@@ -3662,44 +5304,35 @@
             </a:cxnLst>
             <a:rect l="l" t="t" r="r" b="b"/>
             <a:pathLst>
-              <a:path w="6859514" h="4742611">
+              <a:path w="9122229" h="6874329">
                 <a:moveTo>
-                  <a:pt x="432365" y="0"/>
+                  <a:pt x="3657600" y="0"/>
                 </a:moveTo>
                 <a:lnTo>
-                  <a:pt x="6859514" y="178693"/>
+                  <a:pt x="9122229" y="16329"/>
                 </a:lnTo>
                 <a:lnTo>
-                  <a:pt x="6827592" y="4742611"/>
+                  <a:pt x="9122229" y="6874329"/>
                 </a:lnTo>
                 <a:lnTo>
-                  <a:pt x="0" y="4742611"/>
+                  <a:pt x="0" y="6874329"/>
                 </a:lnTo>
-                <a:lnTo>
-                  <a:pt x="432365" y="0"/>
-                </a:lnTo>
+                <a:cubicBezTo>
+                  <a:pt x="1219200" y="4582886"/>
+                  <a:pt x="-1725385" y="1915886"/>
+                  <a:pt x="3657600" y="0"/>
+                </a:cubicBezTo>
                 <a:close/>
               </a:path>
             </a:pathLst>
           </a:custGeom>
-          <a:blipFill dpi="0" rotWithShape="1">
-            <a:blip r:embed="rId2">
-              <a:alphaModFix amt="30000"/>
-              <a:extLst>
-                <a:ext uri="{28A0092B-C50C-407E-A947-70E740481C1C}">
-                  <a14:useLocalDpi xmlns:a14="http://schemas.microsoft.com/office/drawing/2010/main" val="0"/>
-                </a:ext>
-              </a:extLst>
-            </a:blip>
-            <a:srcRect/>
-            <a:stretch>
-              <a:fillRect/>
-            </a:stretch>
-          </a:blipFill>
+          <a:solidFill>
+            <a:schemeClr val="tx1">
+              <a:alpha val="81000"/>
+            </a:schemeClr>
+          </a:solidFill>
           <a:ln>
-            <a:solidFill>
-              <a:srgbClr val="F7F8FA"/>
-            </a:solidFill>
+            <a:noFill/>
           </a:ln>
         </p:spPr>
         <p:style>
@@ -3729,820 +5362,13 @@
       </p:sp>
       <p:sp>
         <p:nvSpPr>
-          <p:cNvPr id="2" name="Title 1"/>
-          <p:cNvSpPr>
-            <a:spLocks noGrp="1"/>
-          </p:cNvSpPr>
-          <p:nvPr>
-            <p:ph type="title"/>
-          </p:nvPr>
-        </p:nvSpPr>
-        <p:spPr>
-          <a:xfrm>
-            <a:off x="0" y="0"/>
-            <a:ext cx="12192000" cy="1548581"/>
-          </a:xfrm>
-          <a:solidFill>
-            <a:srgbClr val="FFDE03"/>
-          </a:solidFill>
-        </p:spPr>
-        <p:txBody>
-          <a:bodyPr>
-            <a:normAutofit/>
-          </a:bodyPr>
-          <a:lstStyle/>
-          <a:p>
-            <a:pPr algn="ctr"/>
-            <a:r>
-              <a:rPr lang="en-US" sz="4000" dirty="0">
-                <a:latin typeface="Copperplate Gothic Bold" panose="020E0705020206020404" pitchFamily="34" charset="0"/>
-              </a:rPr>
-              <a:t>Facts &amp; Issues</a:t>
-            </a:r>
-            <a:r>
-              <a:rPr lang="en-US" sz="4000" dirty="0"/>
-              <a:t> </a:t>
-            </a:r>
-          </a:p>
-        </p:txBody>
-      </p:sp>
-      <p:grpSp>
-        <p:nvGrpSpPr>
-          <p:cNvPr id="28" name="Group 27"/>
-          <p:cNvGrpSpPr/>
-          <p:nvPr/>
-        </p:nvGrpSpPr>
-        <p:grpSpPr>
-          <a:xfrm>
-            <a:off x="675853" y="2480522"/>
-            <a:ext cx="3760884" cy="3116775"/>
-            <a:chOff x="675853" y="2480522"/>
-            <a:chExt cx="3760884" cy="3116775"/>
-          </a:xfrm>
-          <a:effectLst>
-            <a:outerShdw blurRad="152400" dir="5400000" sx="90000" sy="-19000" rotWithShape="0">
-              <a:prstClr val="black">
-                <a:alpha val="15000"/>
-              </a:prstClr>
-            </a:outerShdw>
-          </a:effectLst>
-        </p:grpSpPr>
-        <p:sp>
-          <p:nvSpPr>
-            <p:cNvPr id="21" name="Pentagon 20"/>
-            <p:cNvSpPr/>
-            <p:nvPr/>
-          </p:nvSpPr>
-          <p:spPr>
-            <a:xfrm>
-              <a:off x="675853" y="3021911"/>
-              <a:ext cx="3330848" cy="1017000"/>
-            </a:xfrm>
-            <a:prstGeom prst="homePlate">
-              <a:avLst>
-                <a:gd name="adj" fmla="val 0"/>
-              </a:avLst>
-            </a:prstGeom>
-            <a:solidFill>
-              <a:srgbClr val="F9AA33"/>
-            </a:solidFill>
-            <a:ln>
-              <a:noFill/>
-            </a:ln>
-          </p:spPr>
-          <p:style>
-            <a:lnRef idx="2">
-              <a:schemeClr val="accent1">
-                <a:shade val="50000"/>
-              </a:schemeClr>
-            </a:lnRef>
-            <a:fillRef idx="1">
-              <a:schemeClr val="accent1"/>
-            </a:fillRef>
-            <a:effectRef idx="0">
-              <a:schemeClr val="accent1"/>
-            </a:effectRef>
-            <a:fontRef idx="minor">
-              <a:schemeClr val="lt1"/>
-            </a:fontRef>
-          </p:style>
-          <p:txBody>
-            <a:bodyPr rtlCol="0" anchor="ctr"/>
-            <a:lstStyle/>
-            <a:p>
-              <a:r>
-                <a:rPr lang="en-US" sz="4000" b="1" dirty="0">
-                  <a:latin typeface="Arial Rounded MT Bold" panose="020F0704030504030204" pitchFamily="34" charset="0"/>
-                </a:rPr>
-                <a:t>1 |</a:t>
-              </a:r>
-              <a:r>
-                <a:rPr lang="en-US" b="1" dirty="0">
-                  <a:latin typeface="Arial Rounded MT Bold" panose="020F0704030504030204" pitchFamily="34" charset="0"/>
-                </a:rPr>
-                <a:t>  Disloyal</a:t>
-              </a:r>
-            </a:p>
-          </p:txBody>
-        </p:sp>
-        <p:sp>
-          <p:nvSpPr>
-            <p:cNvPr id="22" name="Pentagon 21"/>
-            <p:cNvSpPr/>
-            <p:nvPr/>
-          </p:nvSpPr>
-          <p:spPr>
-            <a:xfrm>
-              <a:off x="685704" y="4192079"/>
-              <a:ext cx="3320998" cy="1017000"/>
-            </a:xfrm>
-            <a:prstGeom prst="homePlate">
-              <a:avLst>
-                <a:gd name="adj" fmla="val 0"/>
-              </a:avLst>
-            </a:prstGeom>
-            <a:solidFill>
-              <a:srgbClr val="B00020"/>
-            </a:solidFill>
-            <a:ln>
-              <a:noFill/>
-            </a:ln>
-          </p:spPr>
-          <p:style>
-            <a:lnRef idx="2">
-              <a:schemeClr val="accent1">
-                <a:shade val="50000"/>
-              </a:schemeClr>
-            </a:lnRef>
-            <a:fillRef idx="1">
-              <a:schemeClr val="accent1"/>
-            </a:fillRef>
-            <a:effectRef idx="0">
-              <a:schemeClr val="accent1"/>
-            </a:effectRef>
-            <a:fontRef idx="minor">
-              <a:schemeClr val="lt1"/>
-            </a:fontRef>
-          </p:style>
-          <p:txBody>
-            <a:bodyPr rtlCol="0" anchor="ctr"/>
-            <a:lstStyle/>
-            <a:p>
-              <a:r>
-                <a:rPr lang="en-US" sz="4000" b="1" dirty="0">
-                  <a:latin typeface="Arial Rounded MT Bold" panose="020F0704030504030204" pitchFamily="34" charset="0"/>
-                </a:rPr>
-                <a:t>2 |</a:t>
-              </a:r>
-              <a:r>
-                <a:rPr lang="en-US" b="1" dirty="0">
-                  <a:latin typeface="Arial Rounded MT Bold" panose="020F0704030504030204" pitchFamily="34" charset="0"/>
-                </a:rPr>
-                <a:t>  crosses limit</a:t>
-              </a:r>
-              <a:endParaRPr lang="en-US" dirty="0"/>
-            </a:p>
-          </p:txBody>
-        </p:sp>
-        <p:sp>
-          <p:nvSpPr>
-            <p:cNvPr id="25" name="Half Frame 24"/>
-            <p:cNvSpPr/>
-            <p:nvPr/>
-          </p:nvSpPr>
-          <p:spPr>
-            <a:xfrm rot="8164286">
-              <a:off x="1156694" y="2633698"/>
-              <a:ext cx="2665804" cy="2810426"/>
-            </a:xfrm>
-            <a:prstGeom prst="halfFrame">
-              <a:avLst>
-                <a:gd name="adj1" fmla="val 14399"/>
-                <a:gd name="adj2" fmla="val 15533"/>
-              </a:avLst>
-            </a:prstGeom>
-            <a:solidFill>
-              <a:schemeClr val="bg1"/>
-            </a:solidFill>
-            <a:ln>
-              <a:noFill/>
-            </a:ln>
-          </p:spPr>
-          <p:style>
-            <a:lnRef idx="2">
-              <a:schemeClr val="accent1">
-                <a:shade val="50000"/>
-              </a:schemeClr>
-            </a:lnRef>
-            <a:fillRef idx="1">
-              <a:schemeClr val="accent1"/>
-            </a:fillRef>
-            <a:effectRef idx="0">
-              <a:schemeClr val="accent1"/>
-            </a:effectRef>
-            <a:fontRef idx="minor">
-              <a:schemeClr val="lt1"/>
-            </a:fontRef>
-          </p:style>
-          <p:txBody>
-            <a:bodyPr rtlCol="0" anchor="ctr"/>
-            <a:lstStyle/>
-            <a:p>
-              <a:pPr algn="ctr"/>
-              <a:endParaRPr lang="en-US">
-                <a:solidFill>
-                  <a:schemeClr val="tx1"/>
-                </a:solidFill>
-              </a:endParaRPr>
-            </a:p>
-          </p:txBody>
-        </p:sp>
-        <p:sp>
-          <p:nvSpPr>
-            <p:cNvPr id="26" name="Half Frame 25"/>
-            <p:cNvSpPr/>
-            <p:nvPr/>
-          </p:nvSpPr>
-          <p:spPr>
-            <a:xfrm rot="8164286">
-              <a:off x="1560834" y="2480522"/>
-              <a:ext cx="2875903" cy="3116775"/>
-            </a:xfrm>
-            <a:prstGeom prst="halfFrame">
-              <a:avLst>
-                <a:gd name="adj1" fmla="val 17029"/>
-                <a:gd name="adj2" fmla="val 15575"/>
-              </a:avLst>
-            </a:prstGeom>
-            <a:solidFill>
-              <a:schemeClr val="bg1">
-                <a:lumMod val="50000"/>
-              </a:schemeClr>
-            </a:solidFill>
-            <a:ln w="57150">
-              <a:solidFill>
-                <a:schemeClr val="bg1">
-                  <a:lumMod val="50000"/>
-                </a:schemeClr>
-              </a:solidFill>
-            </a:ln>
-          </p:spPr>
-          <p:style>
-            <a:lnRef idx="2">
-              <a:schemeClr val="accent1">
-                <a:shade val="50000"/>
-              </a:schemeClr>
-            </a:lnRef>
-            <a:fillRef idx="1">
-              <a:schemeClr val="accent1"/>
-            </a:fillRef>
-            <a:effectRef idx="0">
-              <a:schemeClr val="accent1"/>
-            </a:effectRef>
-            <a:fontRef idx="minor">
-              <a:schemeClr val="lt1"/>
-            </a:fontRef>
-          </p:style>
-          <p:txBody>
-            <a:bodyPr rtlCol="0" anchor="ctr"/>
-            <a:lstStyle/>
-            <a:p>
-              <a:pPr algn="ctr"/>
-              <a:endParaRPr lang="en-US">
-                <a:solidFill>
-                  <a:schemeClr val="tx1"/>
-                </a:solidFill>
-              </a:endParaRPr>
-            </a:p>
-          </p:txBody>
-        </p:sp>
-      </p:grpSp>
-      <p:grpSp>
-        <p:nvGrpSpPr>
-          <p:cNvPr id="53" name="Group 52"/>
-          <p:cNvGrpSpPr/>
-          <p:nvPr/>
-        </p:nvGrpSpPr>
-        <p:grpSpPr>
-          <a:xfrm>
-            <a:off x="5321718" y="1548581"/>
-            <a:ext cx="6540315" cy="5309419"/>
-            <a:chOff x="5321718" y="1548581"/>
-            <a:chExt cx="6540315" cy="5309419"/>
-          </a:xfrm>
-        </p:grpSpPr>
-        <p:cxnSp>
-          <p:nvCxnSpPr>
-            <p:cNvPr id="31" name="Straight Connector 30"/>
-            <p:cNvCxnSpPr/>
-            <p:nvPr/>
-          </p:nvCxnSpPr>
-          <p:spPr>
-            <a:xfrm>
-              <a:off x="7586819" y="1548581"/>
-              <a:ext cx="0" cy="5309419"/>
-            </a:xfrm>
-            <a:prstGeom prst="line">
-              <a:avLst/>
-            </a:prstGeom>
-            <a:ln w="34925">
-              <a:solidFill>
-                <a:schemeClr val="bg1">
-                  <a:lumMod val="50000"/>
-                </a:schemeClr>
-              </a:solidFill>
-              <a:bevel/>
-            </a:ln>
-          </p:spPr>
-          <p:style>
-            <a:lnRef idx="1">
-              <a:schemeClr val="accent1"/>
-            </a:lnRef>
-            <a:fillRef idx="0">
-              <a:schemeClr val="accent1"/>
-            </a:fillRef>
-            <a:effectRef idx="0">
-              <a:schemeClr val="accent1"/>
-            </a:effectRef>
-            <a:fontRef idx="minor">
-              <a:schemeClr val="tx1"/>
-            </a:fontRef>
-          </p:style>
-        </p:cxnSp>
-        <p:sp>
-          <p:nvSpPr>
-            <p:cNvPr id="36" name="Pentagon 35"/>
-            <p:cNvSpPr/>
-            <p:nvPr/>
-          </p:nvSpPr>
-          <p:spPr>
-            <a:xfrm flipH="1">
-              <a:off x="5321718" y="2013646"/>
-              <a:ext cx="2265101" cy="822960"/>
-            </a:xfrm>
-            <a:prstGeom prst="homePlate">
-              <a:avLst/>
-            </a:prstGeom>
-            <a:solidFill>
-              <a:srgbClr val="5D1049"/>
-            </a:solidFill>
-            <a:ln>
-              <a:noFill/>
-            </a:ln>
-          </p:spPr>
-          <p:style>
-            <a:lnRef idx="2">
-              <a:schemeClr val="accent1">
-                <a:shade val="50000"/>
-              </a:schemeClr>
-            </a:lnRef>
-            <a:fillRef idx="1">
-              <a:schemeClr val="accent1"/>
-            </a:fillRef>
-            <a:effectRef idx="0">
-              <a:schemeClr val="accent1"/>
-            </a:effectRef>
-            <a:fontRef idx="minor">
-              <a:schemeClr val="lt1"/>
-            </a:fontRef>
-          </p:style>
-          <p:txBody>
-            <a:bodyPr rtlCol="0" anchor="ctr"/>
-            <a:lstStyle/>
-            <a:p>
-              <a:r>
-                <a:rPr lang="en-US" dirty="0">
-                  <a:latin typeface="Bahnschrift SemiBold" panose="020B0502040204020203" pitchFamily="34" charset="0"/>
-                </a:rPr>
-                <a:t>Cyber bullying</a:t>
-              </a:r>
-            </a:p>
-          </p:txBody>
-        </p:sp>
-        <p:sp>
-          <p:nvSpPr>
-            <p:cNvPr id="37" name="Pentagon 36"/>
-            <p:cNvSpPr/>
-            <p:nvPr/>
-          </p:nvSpPr>
-          <p:spPr>
-            <a:xfrm flipH="1">
-              <a:off x="5442821" y="4165356"/>
-              <a:ext cx="2143998" cy="822960"/>
-            </a:xfrm>
-            <a:prstGeom prst="homePlate">
-              <a:avLst/>
-            </a:prstGeom>
-            <a:solidFill>
-              <a:srgbClr val="356859"/>
-            </a:solidFill>
-            <a:ln>
-              <a:noFill/>
-            </a:ln>
-          </p:spPr>
-          <p:style>
-            <a:lnRef idx="2">
-              <a:schemeClr val="accent1">
-                <a:shade val="50000"/>
-              </a:schemeClr>
-            </a:lnRef>
-            <a:fillRef idx="1">
-              <a:schemeClr val="accent1"/>
-            </a:fillRef>
-            <a:effectRef idx="0">
-              <a:schemeClr val="accent1"/>
-            </a:effectRef>
-            <a:fontRef idx="minor">
-              <a:schemeClr val="lt1"/>
-            </a:fontRef>
-          </p:style>
-          <p:txBody>
-            <a:bodyPr rtlCol="0" anchor="ctr"/>
-            <a:lstStyle/>
-            <a:p>
-              <a:r>
-                <a:rPr lang="en-US" dirty="0">
-                  <a:latin typeface="Bahnschrift SemiBold" panose="020B0502040204020203" pitchFamily="34" charset="0"/>
-                </a:rPr>
-                <a:t>Cyberstalking</a:t>
-              </a:r>
-            </a:p>
-          </p:txBody>
-        </p:sp>
-        <p:sp>
-          <p:nvSpPr>
-            <p:cNvPr id="38" name="Pentagon 37"/>
-            <p:cNvSpPr/>
-            <p:nvPr/>
-          </p:nvSpPr>
-          <p:spPr>
-            <a:xfrm>
-              <a:off x="7586820" y="3089501"/>
-              <a:ext cx="4138053" cy="822960"/>
-            </a:xfrm>
-            <a:prstGeom prst="homePlate">
-              <a:avLst/>
-            </a:prstGeom>
-            <a:solidFill>
-              <a:srgbClr val="344955"/>
-            </a:solidFill>
-            <a:ln>
-              <a:noFill/>
-            </a:ln>
-          </p:spPr>
-          <p:style>
-            <a:lnRef idx="2">
-              <a:schemeClr val="accent1">
-                <a:shade val="50000"/>
-              </a:schemeClr>
-            </a:lnRef>
-            <a:fillRef idx="1">
-              <a:schemeClr val="accent1"/>
-            </a:fillRef>
-            <a:effectRef idx="0">
-              <a:schemeClr val="accent1"/>
-            </a:effectRef>
-            <a:fontRef idx="minor">
-              <a:schemeClr val="lt1"/>
-            </a:fontRef>
-          </p:style>
-          <p:txBody>
-            <a:bodyPr rtlCol="0" anchor="ctr"/>
-            <a:lstStyle/>
-            <a:p>
-              <a:pPr algn="r"/>
-              <a:r>
-                <a:rPr lang="en-US" dirty="0">
-                  <a:latin typeface="Bahnschrift SemiBold" panose="020B0502040204020203" pitchFamily="34" charset="0"/>
-                </a:rPr>
-                <a:t>Encounters with sexual predators</a:t>
-              </a:r>
-            </a:p>
-          </p:txBody>
-        </p:sp>
-        <p:sp>
-          <p:nvSpPr>
-            <p:cNvPr id="39" name="Pentagon 38"/>
-            <p:cNvSpPr/>
-            <p:nvPr/>
-          </p:nvSpPr>
-          <p:spPr>
-            <a:xfrm>
-              <a:off x="7586819" y="5241211"/>
-              <a:ext cx="4275214" cy="822960"/>
-            </a:xfrm>
-            <a:prstGeom prst="homePlate">
-              <a:avLst/>
-            </a:prstGeom>
-            <a:solidFill>
-              <a:srgbClr val="442C2E"/>
-            </a:solidFill>
-            <a:ln>
-              <a:noFill/>
-            </a:ln>
-          </p:spPr>
-          <p:style>
-            <a:lnRef idx="2">
-              <a:schemeClr val="accent1">
-                <a:shade val="50000"/>
-              </a:schemeClr>
-            </a:lnRef>
-            <a:fillRef idx="1">
-              <a:schemeClr val="accent1"/>
-            </a:fillRef>
-            <a:effectRef idx="0">
-              <a:schemeClr val="accent1"/>
-            </a:effectRef>
-            <a:fontRef idx="minor">
-              <a:schemeClr val="lt1"/>
-            </a:fontRef>
-          </p:style>
-          <p:txBody>
-            <a:bodyPr rtlCol="0" anchor="ctr"/>
-            <a:lstStyle/>
-            <a:p>
-              <a:pPr algn="r"/>
-              <a:r>
-                <a:rPr lang="en-US" dirty="0">
-                  <a:latin typeface="Bahnschrift SemiBold" panose="020B0502040204020203" pitchFamily="34" charset="0"/>
-                </a:rPr>
-                <a:t>Uploading of inappropriate material</a:t>
-              </a:r>
-            </a:p>
-          </p:txBody>
-        </p:sp>
-        <p:sp>
-          <p:nvSpPr>
-            <p:cNvPr id="48" name="Hexagon 47"/>
-            <p:cNvSpPr/>
-            <p:nvPr/>
-          </p:nvSpPr>
-          <p:spPr>
-            <a:xfrm>
-              <a:off x="7205818" y="2013646"/>
-              <a:ext cx="730733" cy="822960"/>
-            </a:xfrm>
-            <a:prstGeom prst="hexagon">
-              <a:avLst/>
-            </a:prstGeom>
-            <a:solidFill>
-              <a:srgbClr val="E30425"/>
-            </a:solidFill>
-            <a:ln>
-              <a:noFill/>
-            </a:ln>
-            <a:effectLst>
-              <a:outerShdw blurRad="50800" dist="50800" dir="5400000" algn="ctr" rotWithShape="0">
-                <a:srgbClr val="000000">
-                  <a:alpha val="43137"/>
-                </a:srgbClr>
-              </a:outerShdw>
-            </a:effectLst>
-          </p:spPr>
-          <p:style>
-            <a:lnRef idx="2">
-              <a:schemeClr val="accent1">
-                <a:shade val="50000"/>
-              </a:schemeClr>
-            </a:lnRef>
-            <a:fillRef idx="1">
-              <a:schemeClr val="accent1"/>
-            </a:fillRef>
-            <a:effectRef idx="0">
-              <a:schemeClr val="accent1"/>
-            </a:effectRef>
-            <a:fontRef idx="minor">
-              <a:schemeClr val="lt1"/>
-            </a:fontRef>
-          </p:style>
-          <p:txBody>
-            <a:bodyPr rtlCol="0" anchor="ctr"/>
-            <a:lstStyle/>
-            <a:p>
-              <a:pPr algn="ctr"/>
-              <a:r>
-                <a:rPr lang="en-US" sz="4800" dirty="0">
-                  <a:latin typeface="Arial Rounded MT Bold" panose="020F0704030504030204" pitchFamily="34" charset="0"/>
-                </a:rPr>
-                <a:t>1</a:t>
-              </a:r>
-            </a:p>
-          </p:txBody>
-        </p:sp>
-        <p:sp>
-          <p:nvSpPr>
-            <p:cNvPr id="49" name="Hexagon 48"/>
-            <p:cNvSpPr/>
-            <p:nvPr/>
-          </p:nvSpPr>
-          <p:spPr>
-            <a:xfrm>
-              <a:off x="7205817" y="3094337"/>
-              <a:ext cx="730733" cy="822960"/>
-            </a:xfrm>
-            <a:prstGeom prst="hexagon">
-              <a:avLst/>
-            </a:prstGeom>
-            <a:solidFill>
-              <a:srgbClr val="E30425"/>
-            </a:solidFill>
-            <a:ln>
-              <a:noFill/>
-            </a:ln>
-            <a:effectLst>
-              <a:outerShdw blurRad="50800" dist="50800" dir="5400000" algn="ctr" rotWithShape="0">
-                <a:srgbClr val="000000">
-                  <a:alpha val="43137"/>
-                </a:srgbClr>
-              </a:outerShdw>
-            </a:effectLst>
-          </p:spPr>
-          <p:style>
-            <a:lnRef idx="2">
-              <a:schemeClr val="accent1">
-                <a:shade val="50000"/>
-              </a:schemeClr>
-            </a:lnRef>
-            <a:fillRef idx="1">
-              <a:schemeClr val="accent1"/>
-            </a:fillRef>
-            <a:effectRef idx="0">
-              <a:schemeClr val="accent1"/>
-            </a:effectRef>
-            <a:fontRef idx="minor">
-              <a:schemeClr val="lt1"/>
-            </a:fontRef>
-          </p:style>
-          <p:txBody>
-            <a:bodyPr rtlCol="0" anchor="ctr"/>
-            <a:lstStyle/>
-            <a:p>
-              <a:pPr algn="ctr"/>
-              <a:r>
-                <a:rPr lang="en-US" sz="4800" dirty="0">
-                  <a:latin typeface="Arial Rounded MT Bold" panose="020F0704030504030204" pitchFamily="34" charset="0"/>
-                </a:rPr>
-                <a:t>2</a:t>
-              </a:r>
-            </a:p>
-          </p:txBody>
-        </p:sp>
-        <p:sp>
-          <p:nvSpPr>
-            <p:cNvPr id="50" name="Hexagon 49"/>
-            <p:cNvSpPr/>
-            <p:nvPr/>
-          </p:nvSpPr>
-          <p:spPr>
-            <a:xfrm>
-              <a:off x="7221450" y="4161446"/>
-              <a:ext cx="730733" cy="822960"/>
-            </a:xfrm>
-            <a:prstGeom prst="hexagon">
-              <a:avLst/>
-            </a:prstGeom>
-            <a:solidFill>
-              <a:srgbClr val="E30425"/>
-            </a:solidFill>
-            <a:ln>
-              <a:noFill/>
-            </a:ln>
-            <a:effectLst>
-              <a:outerShdw blurRad="50800" dist="50800" dir="5400000" algn="ctr" rotWithShape="0">
-                <a:srgbClr val="000000">
-                  <a:alpha val="43137"/>
-                </a:srgbClr>
-              </a:outerShdw>
-            </a:effectLst>
-          </p:spPr>
-          <p:style>
-            <a:lnRef idx="2">
-              <a:schemeClr val="accent1">
-                <a:shade val="50000"/>
-              </a:schemeClr>
-            </a:lnRef>
-            <a:fillRef idx="1">
-              <a:schemeClr val="accent1"/>
-            </a:fillRef>
-            <a:effectRef idx="0">
-              <a:schemeClr val="accent1"/>
-            </a:effectRef>
-            <a:fontRef idx="minor">
-              <a:schemeClr val="lt1"/>
-            </a:fontRef>
-          </p:style>
-          <p:txBody>
-            <a:bodyPr rtlCol="0" anchor="ctr"/>
-            <a:lstStyle/>
-            <a:p>
-              <a:pPr algn="ctr"/>
-              <a:r>
-                <a:rPr lang="en-US" sz="4800" dirty="0">
-                  <a:latin typeface="Arial Rounded MT Bold" panose="020F0704030504030204" pitchFamily="34" charset="0"/>
-                </a:rPr>
-                <a:t>3</a:t>
-              </a:r>
-            </a:p>
-          </p:txBody>
-        </p:sp>
-        <p:sp>
-          <p:nvSpPr>
-            <p:cNvPr id="51" name="Hexagon 50"/>
-            <p:cNvSpPr/>
-            <p:nvPr/>
-          </p:nvSpPr>
-          <p:spPr>
-            <a:xfrm>
-              <a:off x="7221451" y="5247705"/>
-              <a:ext cx="730733" cy="822960"/>
-            </a:xfrm>
-            <a:prstGeom prst="hexagon">
-              <a:avLst/>
-            </a:prstGeom>
-            <a:solidFill>
-              <a:srgbClr val="E30425"/>
-            </a:solidFill>
-            <a:ln>
-              <a:noFill/>
-            </a:ln>
-            <a:effectLst>
-              <a:outerShdw blurRad="50800" dist="50800" dir="5400000" algn="ctr" rotWithShape="0">
-                <a:srgbClr val="000000">
-                  <a:alpha val="43137"/>
-                </a:srgbClr>
-              </a:outerShdw>
-            </a:effectLst>
-          </p:spPr>
-          <p:style>
-            <a:lnRef idx="2">
-              <a:schemeClr val="accent1">
-                <a:shade val="50000"/>
-              </a:schemeClr>
-            </a:lnRef>
-            <a:fillRef idx="1">
-              <a:schemeClr val="accent1"/>
-            </a:fillRef>
-            <a:effectRef idx="0">
-              <a:schemeClr val="accent1"/>
-            </a:effectRef>
-            <a:fontRef idx="minor">
-              <a:schemeClr val="lt1"/>
-            </a:fontRef>
-          </p:style>
-          <p:txBody>
-            <a:bodyPr rtlCol="0" anchor="ctr"/>
-            <a:lstStyle/>
-            <a:p>
-              <a:pPr algn="ctr"/>
-              <a:r>
-                <a:rPr lang="en-US" sz="4800" dirty="0">
-                  <a:latin typeface="Arial Rounded MT Bold" panose="020F0704030504030204" pitchFamily="34" charset="0"/>
-                </a:rPr>
-                <a:t>4</a:t>
-              </a:r>
-            </a:p>
-          </p:txBody>
-        </p:sp>
-      </p:grpSp>
-    </p:spTree>
-    <p:extLst>
-      <p:ext uri="{BB962C8B-B14F-4D97-AF65-F5344CB8AC3E}">
-        <p14:creationId xmlns:p14="http://schemas.microsoft.com/office/powerpoint/2010/main" val="641054501"/>
-      </p:ext>
-    </p:extLst>
-  </p:cSld>
-  <p:clrMapOvr>
-    <a:masterClrMapping/>
-  </p:clrMapOvr>
-</p:sld>
-</file>
-
-<file path=ppt/slides/slide3.xml><?xml version="1.0" encoding="utf-8"?>
-<p:sld xmlns:a="http://schemas.openxmlformats.org/drawingml/2006/main" xmlns:r="http://schemas.openxmlformats.org/officeDocument/2006/relationships" xmlns:p="http://schemas.openxmlformats.org/presentationml/2006/main">
-  <p:cSld>
-    <p:spTree>
-      <p:nvGrpSpPr>
-        <p:cNvPr id="1" name=""/>
-        <p:cNvGrpSpPr/>
-        <p:nvPr/>
-      </p:nvGrpSpPr>
-      <p:grpSpPr>
-        <a:xfrm>
-          <a:off x="0" y="0"/>
-          <a:ext cx="0" cy="0"/>
-          <a:chOff x="0" y="0"/>
-          <a:chExt cx="0" cy="0"/>
-        </a:xfrm>
-      </p:grpSpPr>
-      <p:sp>
-        <p:nvSpPr>
-          <p:cNvPr id="10" name="Pentagon 9"/>
+          <p:cNvPr id="8" name="Pentagon 7"/>
           <p:cNvSpPr/>
           <p:nvPr/>
         </p:nvSpPr>
         <p:spPr>
           <a:xfrm flipH="1">
-            <a:off x="4754880" y="4644207"/>
+            <a:off x="3889465" y="4718333"/>
             <a:ext cx="7437120" cy="731520"/>
           </a:xfrm>
           <a:prstGeom prst="homePlate">
@@ -4550,9 +5376,7 @@
               <a:gd name="adj" fmla="val 0"/>
             </a:avLst>
           </a:prstGeom>
-          <a:solidFill>
-            <a:srgbClr val="002060"/>
-          </a:solidFill>
+          <a:noFill/>
           <a:ln>
             <a:noFill/>
           </a:ln>
@@ -4589,13 +5413,13 @@
       </p:sp>
       <p:sp>
         <p:nvSpPr>
-          <p:cNvPr id="14" name="Pentagon 13"/>
+          <p:cNvPr id="9" name="Pentagon 8"/>
           <p:cNvSpPr/>
           <p:nvPr/>
         </p:nvSpPr>
         <p:spPr>
           <a:xfrm flipH="1">
-            <a:off x="4933268" y="3846363"/>
+            <a:off x="4067853" y="3920489"/>
             <a:ext cx="7239102" cy="731520"/>
           </a:xfrm>
           <a:prstGeom prst="homePlate">
@@ -4603,9 +5427,7 @@
               <a:gd name="adj" fmla="val 0"/>
             </a:avLst>
           </a:prstGeom>
-          <a:solidFill>
-            <a:srgbClr val="F9AA33"/>
-          </a:solidFill>
+          <a:noFill/>
           <a:ln>
             <a:noFill/>
           </a:ln>
@@ -4642,13 +5464,13 @@
       </p:sp>
       <p:sp>
         <p:nvSpPr>
-          <p:cNvPr id="15" name="Pentagon 14"/>
+          <p:cNvPr id="10" name="Pentagon 9"/>
           <p:cNvSpPr/>
           <p:nvPr/>
         </p:nvSpPr>
         <p:spPr>
           <a:xfrm flipH="1">
-            <a:off x="5074916" y="3055596"/>
+            <a:off x="4209501" y="3129722"/>
             <a:ext cx="7097454" cy="731520"/>
           </a:xfrm>
           <a:prstGeom prst="homePlate">
@@ -4656,9 +5478,7 @@
               <a:gd name="adj" fmla="val 0"/>
             </a:avLst>
           </a:prstGeom>
-          <a:solidFill>
-            <a:srgbClr val="0070C0"/>
-          </a:solidFill>
+          <a:noFill/>
           <a:ln>
             <a:noFill/>
           </a:ln>
@@ -4695,21 +5515,19 @@
       </p:sp>
       <p:sp>
         <p:nvSpPr>
-          <p:cNvPr id="16" name="Pentagon 15"/>
+          <p:cNvPr id="11" name="Pentagon 10"/>
           <p:cNvSpPr/>
           <p:nvPr/>
         </p:nvSpPr>
         <p:spPr>
           <a:xfrm flipH="1">
-            <a:off x="4571997" y="2264829"/>
+            <a:off x="3706582" y="2338955"/>
             <a:ext cx="7600373" cy="731520"/>
           </a:xfrm>
           <a:prstGeom prst="homePlate">
             <a:avLst/>
           </a:prstGeom>
-          <a:solidFill>
-            <a:srgbClr val="7030A0"/>
-          </a:solidFill>
+          <a:noFill/>
           <a:ln>
             <a:noFill/>
           </a:ln>
@@ -4746,21 +5564,19 @@
       </p:sp>
       <p:sp>
         <p:nvSpPr>
-          <p:cNvPr id="17" name="Pentagon 16"/>
+          <p:cNvPr id="12" name="Pentagon 11"/>
           <p:cNvSpPr/>
           <p:nvPr/>
         </p:nvSpPr>
         <p:spPr>
           <a:xfrm flipH="1">
-            <a:off x="4571997" y="1474062"/>
+            <a:off x="3706582" y="1548188"/>
             <a:ext cx="7600374" cy="731520"/>
           </a:xfrm>
           <a:prstGeom prst="homePlate">
             <a:avLst/>
           </a:prstGeom>
-          <a:solidFill>
-            <a:srgbClr val="356859"/>
-          </a:solidFill>
+          <a:noFill/>
           <a:ln>
             <a:noFill/>
           </a:ln>
@@ -4797,21 +5613,19 @@
       </p:sp>
       <p:sp>
         <p:nvSpPr>
-          <p:cNvPr id="18" name="Pentagon 17"/>
+          <p:cNvPr id="13" name="Pentagon 12"/>
           <p:cNvSpPr/>
           <p:nvPr/>
         </p:nvSpPr>
         <p:spPr>
           <a:xfrm flipH="1">
-            <a:off x="4571997" y="678621"/>
+            <a:off x="3706582" y="752747"/>
             <a:ext cx="7600374" cy="731520"/>
           </a:xfrm>
           <a:prstGeom prst="homePlate">
             <a:avLst/>
           </a:prstGeom>
-          <a:solidFill>
-            <a:srgbClr val="002060"/>
-          </a:solidFill>
+          <a:noFill/>
           <a:ln>
             <a:noFill/>
           </a:ln>
@@ -4848,13 +5662,13 @@
       </p:sp>
       <p:sp>
         <p:nvSpPr>
-          <p:cNvPr id="20" name="Pentagon 19"/>
+          <p:cNvPr id="14" name="Pentagon 13"/>
           <p:cNvSpPr/>
           <p:nvPr/>
         </p:nvSpPr>
         <p:spPr>
           <a:xfrm flipH="1">
-            <a:off x="4735250" y="5447858"/>
+            <a:off x="3869835" y="5521984"/>
             <a:ext cx="7437120" cy="731520"/>
           </a:xfrm>
           <a:prstGeom prst="homePlate">
@@ -4862,9 +5676,7 @@
               <a:gd name="adj" fmla="val 0"/>
             </a:avLst>
           </a:prstGeom>
-          <a:solidFill>
-            <a:srgbClr val="FF0000"/>
-          </a:solidFill>
+          <a:noFill/>
           <a:ln>
             <a:noFill/>
           </a:ln>
@@ -4901,14 +5713,14 @@
       </p:sp>
       <p:sp>
         <p:nvSpPr>
-          <p:cNvPr id="23" name="Diamond 22"/>
+          <p:cNvPr id="15" name="Diamond 14"/>
           <p:cNvSpPr/>
           <p:nvPr/>
         </p:nvSpPr>
         <p:spPr>
-          <a:xfrm rot="20767747">
-            <a:off x="1378861" y="206481"/>
-            <a:ext cx="7872438" cy="6874689"/>
+          <a:xfrm>
+            <a:off x="11943767" y="824592"/>
+            <a:ext cx="522514" cy="587829"/>
           </a:xfrm>
           <a:prstGeom prst="diamond">
             <a:avLst/>
@@ -4947,20 +5759,20 @@
       </p:sp>
       <p:sp>
         <p:nvSpPr>
-          <p:cNvPr id="5" name="Rectangle 4"/>
+          <p:cNvPr id="16" name="Diamond 15"/>
           <p:cNvSpPr/>
           <p:nvPr/>
         </p:nvSpPr>
         <p:spPr>
           <a:xfrm>
-            <a:off x="0" y="0"/>
-            <a:ext cx="3520440" cy="6858000"/>
-          </a:xfrm>
-          <a:prstGeom prst="rect">
+            <a:off x="11943767" y="1620033"/>
+            <a:ext cx="522514" cy="587829"/>
+          </a:xfrm>
+          <a:prstGeom prst="diamond">
             <a:avLst/>
           </a:prstGeom>
           <a:solidFill>
-            <a:srgbClr val="FFDE03"/>
+            <a:schemeClr val="bg1"/>
           </a:solidFill>
           <a:ln>
             <a:noFill/>
@@ -4993,56 +5805,17 @@
       </p:sp>
       <p:sp>
         <p:nvSpPr>
-          <p:cNvPr id="2" name="Title 1"/>
-          <p:cNvSpPr>
-            <a:spLocks noGrp="1"/>
-          </p:cNvSpPr>
-          <p:nvPr>
-            <p:ph type="title"/>
-          </p:nvPr>
-        </p:nvSpPr>
-        <p:spPr>
-          <a:xfrm rot="18193852">
-            <a:off x="-610653" y="792481"/>
-            <a:ext cx="3932237" cy="1600200"/>
-          </a:xfrm>
-        </p:spPr>
-        <p:txBody>
-          <a:bodyPr/>
-          <a:lstStyle/>
-          <a:p>
-            <a:r>
-              <a:rPr lang="en-US" dirty="0">
-                <a:latin typeface="Copperplate Gothic Bold" panose="020E0705020206020404" pitchFamily="34" charset="0"/>
-              </a:rPr>
-              <a:t>Cyber bullying</a:t>
-            </a:r>
-            <a:br>
-              <a:rPr lang="en-US" dirty="0">
-                <a:latin typeface="Copperplate Gothic Bold" panose="020E0705020206020404" pitchFamily="34" charset="0"/>
-              </a:rPr>
-            </a:br>
-            <a:endParaRPr lang="en-US" dirty="0">
-              <a:latin typeface="Copperplate Gothic Bold" panose="020E0705020206020404" pitchFamily="34" charset="0"/>
-            </a:endParaRPr>
-          </a:p>
-        </p:txBody>
-      </p:sp>
-      <p:sp>
-        <p:nvSpPr>
-          <p:cNvPr id="6" name="Trapezoid 5"/>
+          <p:cNvPr id="17" name="Diamond 16"/>
           <p:cNvSpPr/>
           <p:nvPr/>
         </p:nvSpPr>
         <p:spPr>
-          <a:xfrm rot="1534288">
-            <a:off x="1233743" y="75511"/>
-            <a:ext cx="3825863" cy="6263563"/>
-          </a:xfrm>
-          <a:prstGeom prst="trapezoid">
-            <a:avLst>
-              <a:gd name="adj" fmla="val 19328"/>
-            </a:avLst>
+          <a:xfrm>
+            <a:off x="11954653" y="2410800"/>
+            <a:ext cx="522514" cy="587829"/>
+          </a:xfrm>
+          <a:prstGeom prst="diamond">
+            <a:avLst/>
           </a:prstGeom>
           <a:solidFill>
             <a:schemeClr val="bg1"/>
@@ -5078,137 +5851,21 @@
       </p:sp>
       <p:sp>
         <p:nvSpPr>
-          <p:cNvPr id="4" name="Text Placeholder 3"/>
-          <p:cNvSpPr>
-            <a:spLocks noGrp="1"/>
-          </p:cNvSpPr>
-          <p:nvPr>
-            <p:ph type="body" sz="half" idx="2"/>
-          </p:nvPr>
-        </p:nvSpPr>
-        <p:spPr>
-          <a:xfrm>
-            <a:off x="2597953" y="1410141"/>
-            <a:ext cx="3679894" cy="4384933"/>
-          </a:xfrm>
-          <a:blipFill dpi="0" rotWithShape="1">
-            <a:blip r:embed="rId2" cstate="print">
-              <a:extLst>
-                <a:ext uri="{28A0092B-C50C-407E-A947-70E740481C1C}">
-                  <a14:useLocalDpi xmlns:a14="http://schemas.microsoft.com/office/drawing/2010/main" val="0"/>
-                </a:ext>
-              </a:extLst>
-            </a:blip>
-            <a:srcRect/>
-            <a:stretch>
-              <a:fillRect/>
-            </a:stretch>
-          </a:blipFill>
-        </p:spPr>
-        <p:txBody>
-          <a:bodyPr>
-            <a:normAutofit/>
-          </a:bodyPr>
-          <a:lstStyle/>
-          <a:p>
-            <a:endParaRPr lang="en-US" sz="1000" dirty="0">
-              <a:latin typeface="Segoe Print" panose="02000600000000000000" pitchFamily="2" charset="0"/>
-            </a:endParaRPr>
-          </a:p>
-          <a:p>
-            <a:endParaRPr lang="en-US" sz="1000" dirty="0">
-              <a:latin typeface="Segoe Print" panose="02000600000000000000" pitchFamily="2" charset="0"/>
-            </a:endParaRPr>
-          </a:p>
-          <a:p>
-            <a:endParaRPr lang="en-US" sz="1000" dirty="0">
-              <a:latin typeface="Segoe Print" panose="02000600000000000000" pitchFamily="2" charset="0"/>
-            </a:endParaRPr>
-          </a:p>
-          <a:p>
-            <a:endParaRPr lang="en-US" sz="1000" dirty="0">
-              <a:latin typeface="Segoe Print" panose="02000600000000000000" pitchFamily="2" charset="0"/>
-            </a:endParaRPr>
-          </a:p>
-          <a:p>
-            <a:endParaRPr lang="en-US" sz="1000" dirty="0">
-              <a:latin typeface="Segoe Print" panose="02000600000000000000" pitchFamily="2" charset="0"/>
-            </a:endParaRPr>
-          </a:p>
-          <a:p>
-            <a:endParaRPr lang="en-US" sz="1000" dirty="0">
-              <a:latin typeface="Segoe Print" panose="02000600000000000000" pitchFamily="2" charset="0"/>
-            </a:endParaRPr>
-          </a:p>
-          <a:p>
-            <a:endParaRPr lang="en-US" sz="1000" dirty="0">
-              <a:latin typeface="Segoe Print" panose="02000600000000000000" pitchFamily="2" charset="0"/>
-            </a:endParaRPr>
-          </a:p>
-          <a:p>
-            <a:endParaRPr lang="en-US" sz="1000" dirty="0">
-              <a:latin typeface="Segoe Print" panose="02000600000000000000" pitchFamily="2" charset="0"/>
-            </a:endParaRPr>
-          </a:p>
-          <a:p>
-            <a:endParaRPr lang="en-US" sz="1000" dirty="0">
-              <a:latin typeface="Segoe Print" panose="02000600000000000000" pitchFamily="2" charset="0"/>
-            </a:endParaRPr>
-          </a:p>
-          <a:p>
-            <a:endParaRPr lang="en-US" sz="1000" dirty="0">
-              <a:latin typeface="Segoe Print" panose="02000600000000000000" pitchFamily="2" charset="0"/>
-            </a:endParaRPr>
-          </a:p>
-          <a:p>
-            <a:endParaRPr lang="en-US" sz="1000" dirty="0">
-              <a:latin typeface="Segoe Print" panose="02000600000000000000" pitchFamily="2" charset="0"/>
-            </a:endParaRPr>
-          </a:p>
-          <a:p>
-            <a:endParaRPr lang="en-US" sz="1000" dirty="0">
-              <a:latin typeface="Segoe Print" panose="02000600000000000000" pitchFamily="2" charset="0"/>
-            </a:endParaRPr>
-          </a:p>
-          <a:p>
-            <a:endParaRPr lang="en-US" sz="1000" dirty="0">
-              <a:latin typeface="Segoe Print" panose="02000600000000000000" pitchFamily="2" charset="0"/>
-            </a:endParaRPr>
-          </a:p>
-          <a:p>
-            <a:endParaRPr lang="en-US" sz="1000" dirty="0">
-              <a:latin typeface="Segoe Print" panose="02000600000000000000" pitchFamily="2" charset="0"/>
-            </a:endParaRPr>
-          </a:p>
-        </p:txBody>
-      </p:sp>
-      <p:sp>
-        <p:nvSpPr>
-          <p:cNvPr id="7" name="Flowchart: Preparation 6"/>
+          <p:cNvPr id="18" name="Diamond 17"/>
           <p:cNvSpPr/>
           <p:nvPr/>
         </p:nvSpPr>
         <p:spPr>
           <a:xfrm>
-            <a:off x="4581290" y="6225741"/>
-            <a:ext cx="2455718" cy="632260"/>
-          </a:xfrm>
-          <a:prstGeom prst="flowChartPreparation">
+            <a:off x="11938324" y="3201567"/>
+            <a:ext cx="522514" cy="587829"/>
+          </a:xfrm>
+          <a:prstGeom prst="diamond">
             <a:avLst/>
           </a:prstGeom>
-          <a:blipFill dpi="0" rotWithShape="1">
-            <a:blip r:embed="rId3">
-              <a:extLst>
-                <a:ext uri="{28A0092B-C50C-407E-A947-70E740481C1C}">
-                  <a14:useLocalDpi xmlns:a14="http://schemas.microsoft.com/office/drawing/2010/main" val="0"/>
-                </a:ext>
-              </a:extLst>
-            </a:blip>
-            <a:srcRect/>
-            <a:stretch>
-              <a:fillRect/>
-            </a:stretch>
-          </a:blipFill>
+          <a:solidFill>
+            <a:schemeClr val="bg1"/>
+          </a:solidFill>
           <a:ln>
             <a:noFill/>
           </a:ln>
@@ -5238,16 +5895,164 @@
           </a:p>
         </p:txBody>
       </p:sp>
+      <p:sp>
+        <p:nvSpPr>
+          <p:cNvPr id="19" name="Diamond 18"/>
+          <p:cNvSpPr/>
+          <p:nvPr/>
+        </p:nvSpPr>
+        <p:spPr>
+          <a:xfrm>
+            <a:off x="11938324" y="3992334"/>
+            <a:ext cx="522514" cy="587829"/>
+          </a:xfrm>
+          <a:prstGeom prst="diamond">
+            <a:avLst/>
+          </a:prstGeom>
+          <a:solidFill>
+            <a:schemeClr val="bg1"/>
+          </a:solidFill>
+          <a:ln>
+            <a:noFill/>
+          </a:ln>
+        </p:spPr>
+        <p:style>
+          <a:lnRef idx="2">
+            <a:schemeClr val="accent1">
+              <a:shade val="50000"/>
+            </a:schemeClr>
+          </a:lnRef>
+          <a:fillRef idx="1">
+            <a:schemeClr val="accent1"/>
+          </a:fillRef>
+          <a:effectRef idx="0">
+            <a:schemeClr val="accent1"/>
+          </a:effectRef>
+          <a:fontRef idx="minor">
+            <a:schemeClr val="lt1"/>
+          </a:fontRef>
+        </p:style>
+        <p:txBody>
+          <a:bodyPr rtlCol="0" anchor="ctr"/>
+          <a:lstStyle/>
+          <a:p>
+            <a:pPr algn="ctr"/>
+            <a:endParaRPr lang="en-US"/>
+          </a:p>
+        </p:txBody>
+      </p:sp>
+      <p:sp>
+        <p:nvSpPr>
+          <p:cNvPr id="20" name="Diamond 19"/>
+          <p:cNvSpPr/>
+          <p:nvPr/>
+        </p:nvSpPr>
+        <p:spPr>
+          <a:xfrm>
+            <a:off x="11938324" y="4790178"/>
+            <a:ext cx="522514" cy="587829"/>
+          </a:xfrm>
+          <a:prstGeom prst="diamond">
+            <a:avLst/>
+          </a:prstGeom>
+          <a:solidFill>
+            <a:schemeClr val="bg1"/>
+          </a:solidFill>
+          <a:ln>
+            <a:noFill/>
+          </a:ln>
+        </p:spPr>
+        <p:style>
+          <a:lnRef idx="2">
+            <a:schemeClr val="accent1">
+              <a:shade val="50000"/>
+            </a:schemeClr>
+          </a:lnRef>
+          <a:fillRef idx="1">
+            <a:schemeClr val="accent1"/>
+          </a:fillRef>
+          <a:effectRef idx="0">
+            <a:schemeClr val="accent1"/>
+          </a:effectRef>
+          <a:fontRef idx="minor">
+            <a:schemeClr val="lt1"/>
+          </a:fontRef>
+        </p:style>
+        <p:txBody>
+          <a:bodyPr rtlCol="0" anchor="ctr"/>
+          <a:lstStyle/>
+          <a:p>
+            <a:pPr algn="ctr"/>
+            <a:endParaRPr lang="en-US"/>
+          </a:p>
+        </p:txBody>
+      </p:sp>
+      <p:sp>
+        <p:nvSpPr>
+          <p:cNvPr id="21" name="Diamond 20"/>
+          <p:cNvSpPr/>
+          <p:nvPr/>
+        </p:nvSpPr>
+        <p:spPr>
+          <a:xfrm>
+            <a:off x="11930743" y="5593829"/>
+            <a:ext cx="522514" cy="587829"/>
+          </a:xfrm>
+          <a:prstGeom prst="diamond">
+            <a:avLst/>
+          </a:prstGeom>
+          <a:solidFill>
+            <a:schemeClr val="bg1"/>
+          </a:solidFill>
+          <a:ln>
+            <a:noFill/>
+          </a:ln>
+        </p:spPr>
+        <p:style>
+          <a:lnRef idx="2">
+            <a:schemeClr val="accent1">
+              <a:shade val="50000"/>
+            </a:schemeClr>
+          </a:lnRef>
+          <a:fillRef idx="1">
+            <a:schemeClr val="accent1"/>
+          </a:fillRef>
+          <a:effectRef idx="0">
+            <a:schemeClr val="accent1"/>
+          </a:effectRef>
+          <a:fontRef idx="minor">
+            <a:schemeClr val="lt1"/>
+          </a:fontRef>
+        </p:style>
+        <p:txBody>
+          <a:bodyPr rtlCol="0" anchor="ctr"/>
+          <a:lstStyle/>
+          <a:p>
+            <a:pPr algn="ctr"/>
+            <a:endParaRPr lang="en-US"/>
+          </a:p>
+        </p:txBody>
+      </p:sp>
     </p:spTree>
     <p:extLst>
       <p:ext uri="{BB962C8B-B14F-4D97-AF65-F5344CB8AC3E}">
-        <p14:creationId xmlns:p14="http://schemas.microsoft.com/office/powerpoint/2010/main" val="2907470930"/>
+        <p14:creationId xmlns:p14="http://schemas.microsoft.com/office/powerpoint/2010/main" val="3323923644"/>
       </p:ext>
     </p:extLst>
   </p:cSld>
   <p:clrMapOvr>
     <a:masterClrMapping/>
   </p:clrMapOvr>
+  <p:transition spd="slow">
+    <p:push dir="u"/>
+  </p:transition>
+  <p:timing>
+    <p:tnLst>
+      <p:par>
+        <p:cTn id="1" dur="indefinite" restart="never" nodeType="tmRoot"/>
+      </p:par>
+    </p:tnLst>
+  </p:timing>
 </p:sld>
 </file>
 
@@ -5288,9 +6093,61 @@
           <a:prstGeom prst="rect">
             <a:avLst/>
           </a:prstGeom>
+          <a:solidFill>
+            <a:schemeClr val="bg1"/>
+          </a:solidFill>
+          <a:ln>
+            <a:noFill/>
+          </a:ln>
+        </p:spPr>
+        <p:style>
+          <a:lnRef idx="2">
+            <a:schemeClr val="accent1">
+              <a:shade val="50000"/>
+            </a:schemeClr>
+          </a:lnRef>
+          <a:fillRef idx="1">
+            <a:schemeClr val="accent1"/>
+          </a:fillRef>
+          <a:effectRef idx="0">
+            <a:schemeClr val="accent1"/>
+          </a:effectRef>
+          <a:fontRef idx="minor">
+            <a:schemeClr val="lt1"/>
+          </a:fontRef>
+        </p:style>
+        <p:txBody>
+          <a:bodyPr rtlCol="0" anchor="ctr"/>
+          <a:lstStyle/>
+          <a:p>
+            <a:pPr algn="ctr"/>
+            <a:endParaRPr lang="en-US"/>
+          </a:p>
+        </p:txBody>
+      </p:sp>
+      <p:sp>
+        <p:nvSpPr>
+          <p:cNvPr id="20" name="Rectangle 19">
+            <a:extLst>
+              <a:ext uri="{FF2B5EF4-FFF2-40B4-BE49-F238E27FC236}">
+                <a16:creationId xmlns:a16="http://schemas.microsoft.com/office/drawing/2014/main" id="{41CA679D-262B-48BD-8755-9DAEC4CB8B8C}"/>
+              </a:ext>
+            </a:extLst>
+          </p:cNvPr>
+          <p:cNvSpPr/>
+          <p:nvPr/>
+        </p:nvSpPr>
+        <p:spPr>
+          <a:xfrm>
+            <a:off x="-9" y="1032387"/>
+            <a:ext cx="12191991" cy="5825613"/>
+          </a:xfrm>
+          <a:prstGeom prst="rect">
+            <a:avLst/>
+          </a:prstGeom>
           <a:blipFill dpi="0" rotWithShape="1">
             <a:blip r:embed="rId2">
-              <a:alphaModFix amt="20000"/>
+              <a:alphaModFix amt="23000"/>
               <a:extLst>
                 <a:ext uri="{28A0092B-C50C-407E-A947-70E740481C1C}">
                   <a14:useLocalDpi xmlns:a14="http://schemas.microsoft.com/office/drawing/2010/main" val="0"/>
@@ -6236,6 +7093,16 @@
   <p:clrMapOvr>
     <a:masterClrMapping/>
   </p:clrMapOvr>
+  <p:transition spd="slow">
+    <p:push dir="u"/>
+  </p:transition>
+  <p:timing>
+    <p:tnLst>
+      <p:par>
+        <p:cTn id="1" dur="indefinite" restart="never" nodeType="tmRoot"/>
+      </p:par>
+    </p:tnLst>
+  </p:timing>
 </p:sld>
 </file>
 
@@ -6532,10 +7399,10 @@
       </p:sp>
       <p:sp>
         <p:nvSpPr>
-          <p:cNvPr id="43" name="Rectangle 1">
+          <p:cNvPr id="44" name="Rectangle 1">
             <a:extLst>
               <a:ext uri="{FF2B5EF4-FFF2-40B4-BE49-F238E27FC236}">
-                <a16:creationId xmlns:a16="http://schemas.microsoft.com/office/drawing/2014/main" id="{0E5E0C39-D791-43FD-92A1-43B066A24815}"/>
+                <a16:creationId xmlns:a16="http://schemas.microsoft.com/office/drawing/2014/main" id="{8419BDE5-0310-4181-B2E2-1B0D2689F64D}"/>
               </a:ext>
             </a:extLst>
           </p:cNvPr>
@@ -6544,7 +7411,7 @@
         </p:nvSpPr>
         <p:spPr>
           <a:xfrm>
-            <a:off x="0" y="-19271"/>
+            <a:off x="0" y="-14017"/>
             <a:ext cx="9223240" cy="6896541"/>
           </a:xfrm>
           <a:custGeom>
@@ -6613,7 +7480,7 @@
           </a:custGeom>
           <a:solidFill>
             <a:schemeClr val="tx1">
-              <a:alpha val="80000"/>
+              <a:alpha val="46000"/>
             </a:schemeClr>
           </a:solidFill>
           <a:ln>
@@ -6641,7 +7508,7 @@
           <a:lstStyle/>
           <a:p>
             <a:pPr algn="ctr"/>
-            <a:endParaRPr lang="en-US"/>
+            <a:endParaRPr lang="en-US" dirty="0"/>
           </a:p>
         </p:txBody>
       </p:sp>
@@ -7546,6 +8413,16 @@
   <p:clrMapOvr>
     <a:masterClrMapping/>
   </p:clrMapOvr>
+  <p:transition spd="slow">
+    <p:push dir="u"/>
+  </p:transition>
+  <p:timing>
+    <p:tnLst>
+      <p:par>
+        <p:cTn id="1" dur="indefinite" restart="never" nodeType="tmRoot"/>
+      </p:par>
+    </p:tnLst>
+  </p:timing>
 </p:sld>
 </file>
 
@@ -8118,7 +8995,23 @@
                   <a:schemeClr val="tx1"/>
                 </a:solidFill>
               </a:rPr>
-              <a:t>Website has right to material and terminate user accounts that violate the site’s policies</a:t>
+              <a:t>w</a:t>
+            </a:r>
+            <a:r>
+              <a:rPr lang="en-US" dirty="0" smtClean="0">
+                <a:solidFill>
+                  <a:schemeClr val="tx1"/>
+                </a:solidFill>
+              </a:rPr>
+              <a:t>ebsite </a:t>
+            </a:r>
+            <a:r>
+              <a:rPr lang="en-US" dirty="0">
+                <a:solidFill>
+                  <a:schemeClr val="tx1"/>
+                </a:solidFill>
+              </a:rPr>
+              <a:t>has right to material and terminate user accounts that violate the site’s policies</a:t>
             </a:r>
           </a:p>
         </p:txBody>
@@ -8591,6 +9484,16 @@
   <p:clrMapOvr>
     <a:masterClrMapping/>
   </p:clrMapOvr>
+  <p:transition spd="slow">
+    <p:push dir="u"/>
+  </p:transition>
+  <p:timing>
+    <p:tnLst>
+      <p:par>
+        <p:cTn id="1" dur="indefinite" restart="never" nodeType="tmRoot"/>
+      </p:par>
+    </p:tnLst>
+  </p:timing>
 </p:sld>
 </file>
 
@@ -8645,9 +9548,7 @@
             </a:stretch>
           </a:blipFill>
           <a:ln>
-            <a:solidFill>
-              <a:srgbClr val="F7F8FA"/>
-            </a:solidFill>
+            <a:noFill/>
           </a:ln>
         </p:spPr>
         <p:style>
@@ -8768,13 +9669,11 @@
           </a:prstGeom>
           <a:solidFill>
             <a:schemeClr val="tx1">
-              <a:alpha val="80000"/>
+              <a:alpha val="85000"/>
             </a:schemeClr>
           </a:solidFill>
           <a:ln>
-            <a:solidFill>
-              <a:srgbClr val="F7F8FA"/>
-            </a:solidFill>
+            <a:noFill/>
           </a:ln>
         </p:spPr>
         <p:style>
@@ -9365,6 +10264,16 @@
   <p:clrMapOvr>
     <a:masterClrMapping/>
   </p:clrMapOvr>
+  <p:transition spd="slow">
+    <p:push dir="u"/>
+  </p:transition>
+  <p:timing>
+    <p:tnLst>
+      <p:par>
+        <p:cTn id="1" dur="indefinite" restart="never" nodeType="tmRoot"/>
+      </p:par>
+    </p:tnLst>
+  </p:timing>
 </p:sld>
 </file>
 
@@ -9549,6 +10458,16 @@
   <p:clrMapOvr>
     <a:masterClrMapping/>
   </p:clrMapOvr>
+  <p:transition spd="slow">
+    <p:push dir="u"/>
+  </p:transition>
+  <p:timing>
+    <p:tnLst>
+      <p:par>
+        <p:cTn id="1" dur="indefinite" restart="never" nodeType="tmRoot"/>
+      </p:par>
+    </p:tnLst>
+  </p:timing>
 </p:sld>
 </file>
 

--- a/603-ET/social networking ethical issues.pptx
+++ b/603-ET/social networking ethical issues.pptx
@@ -204,7 +204,7 @@
           <a:p>
             <a:fld id="{777C3AE2-11B6-4294-A847-386849C64755}" type="datetimeFigureOut">
               <a:rPr lang="en-US" smtClean="0"/>
-              <a:t>9/26/2018</a:t>
+              <a:t>9/27/2018</a:t>
             </a:fld>
             <a:endParaRPr lang="en-US"/>
           </a:p>
@@ -768,7 +768,7 @@
           <a:p>
             <a:fld id="{9EF7D3A6-9E8E-4941-BB94-5A31170A0B6C}" type="datetimeFigureOut">
               <a:rPr lang="en-US" smtClean="0"/>
-              <a:t>9/26/2018</a:t>
+              <a:t>9/27/2018</a:t>
             </a:fld>
             <a:endParaRPr lang="en-US"/>
           </a:p>
@@ -936,7 +936,7 @@
           <a:p>
             <a:fld id="{9EF7D3A6-9E8E-4941-BB94-5A31170A0B6C}" type="datetimeFigureOut">
               <a:rPr lang="en-US" smtClean="0"/>
-              <a:t>9/26/2018</a:t>
+              <a:t>9/27/2018</a:t>
             </a:fld>
             <a:endParaRPr lang="en-US"/>
           </a:p>
@@ -1114,7 +1114,7 @@
           <a:p>
             <a:fld id="{9EF7D3A6-9E8E-4941-BB94-5A31170A0B6C}" type="datetimeFigureOut">
               <a:rPr lang="en-US" smtClean="0"/>
-              <a:t>9/26/2018</a:t>
+              <a:t>9/27/2018</a:t>
             </a:fld>
             <a:endParaRPr lang="en-US"/>
           </a:p>
@@ -1282,7 +1282,7 @@
           <a:p>
             <a:fld id="{9EF7D3A6-9E8E-4941-BB94-5A31170A0B6C}" type="datetimeFigureOut">
               <a:rPr lang="en-US" smtClean="0"/>
-              <a:t>9/26/2018</a:t>
+              <a:t>9/27/2018</a:t>
             </a:fld>
             <a:endParaRPr lang="en-US"/>
           </a:p>
@@ -1527,7 +1527,7 @@
           <a:p>
             <a:fld id="{9EF7D3A6-9E8E-4941-BB94-5A31170A0B6C}" type="datetimeFigureOut">
               <a:rPr lang="en-US" smtClean="0"/>
-              <a:t>9/26/2018</a:t>
+              <a:t>9/27/2018</a:t>
             </a:fld>
             <a:endParaRPr lang="en-US"/>
           </a:p>
@@ -1756,7 +1756,7 @@
           <a:p>
             <a:fld id="{9EF7D3A6-9E8E-4941-BB94-5A31170A0B6C}" type="datetimeFigureOut">
               <a:rPr lang="en-US" smtClean="0"/>
-              <a:t>9/26/2018</a:t>
+              <a:t>9/27/2018</a:t>
             </a:fld>
             <a:endParaRPr lang="en-US"/>
           </a:p>
@@ -2120,7 +2120,7 @@
           <a:p>
             <a:fld id="{9EF7D3A6-9E8E-4941-BB94-5A31170A0B6C}" type="datetimeFigureOut">
               <a:rPr lang="en-US" smtClean="0"/>
-              <a:t>9/26/2018</a:t>
+              <a:t>9/27/2018</a:t>
             </a:fld>
             <a:endParaRPr lang="en-US"/>
           </a:p>
@@ -2237,7 +2237,7 @@
           <a:p>
             <a:fld id="{9EF7D3A6-9E8E-4941-BB94-5A31170A0B6C}" type="datetimeFigureOut">
               <a:rPr lang="en-US" smtClean="0"/>
-              <a:t>9/26/2018</a:t>
+              <a:t>9/27/2018</a:t>
             </a:fld>
             <a:endParaRPr lang="en-US"/>
           </a:p>
@@ -2332,7 +2332,7 @@
           <a:p>
             <a:fld id="{9EF7D3A6-9E8E-4941-BB94-5A31170A0B6C}" type="datetimeFigureOut">
               <a:rPr lang="en-US" smtClean="0"/>
-              <a:t>9/26/2018</a:t>
+              <a:t>9/27/2018</a:t>
             </a:fld>
             <a:endParaRPr lang="en-US"/>
           </a:p>
@@ -2607,7 +2607,7 @@
           <a:p>
             <a:fld id="{9EF7D3A6-9E8E-4941-BB94-5A31170A0B6C}" type="datetimeFigureOut">
               <a:rPr lang="en-US" smtClean="0"/>
-              <a:t>9/26/2018</a:t>
+              <a:t>9/27/2018</a:t>
             </a:fld>
             <a:endParaRPr lang="en-US"/>
           </a:p>
@@ -2859,7 +2859,7 @@
           <a:p>
             <a:fld id="{9EF7D3A6-9E8E-4941-BB94-5A31170A0B6C}" type="datetimeFigureOut">
               <a:rPr lang="en-US" smtClean="0"/>
-              <a:t>9/26/2018</a:t>
+              <a:t>9/27/2018</a:t>
             </a:fld>
             <a:endParaRPr lang="en-US"/>
           </a:p>
@@ -3070,7 +3070,7 @@
           <a:p>
             <a:fld id="{9EF7D3A6-9E8E-4941-BB94-5A31170A0B6C}" type="datetimeFigureOut">
               <a:rPr lang="en-US" smtClean="0"/>
-              <a:t>9/26/2018</a:t>
+              <a:t>9/27/2018</a:t>
             </a:fld>
             <a:endParaRPr lang="en-US"/>
           </a:p>
@@ -3527,12 +3527,6 @@
               </a:rPr>
               <a:t>Social Networking Ethical Issues</a:t>
             </a:r>
-            <a:r>
-              <a:rPr lang="en-US" dirty="0">
-                <a:latin typeface="Copperplate Gothic Bold" panose="020E0705020206020404" pitchFamily="34" charset="0"/>
-              </a:rPr>
-              <a:t/>
-            </a:r>
             <a:br>
               <a:rPr lang="en-US" dirty="0">
                 <a:latin typeface="Copperplate Gothic Bold" panose="020E0705020206020404" pitchFamily="34" charset="0"/>
@@ -3622,13 +3616,6 @@
   <p:transition spd="slow">
     <p:push dir="u"/>
   </p:transition>
-  <p:timing>
-    <p:tnLst>
-      <p:par>
-        <p:cTn id="1" dur="indefinite" restart="never" nodeType="tmRoot"/>
-      </p:par>
-    </p:tnLst>
-  </p:timing>
 </p:sld>
 </file>
 
@@ -3692,7 +3679,7 @@
           <a:p>
             <a:pPr algn="r"/>
             <a:r>
-              <a:rPr lang="en-US" sz="4800" dirty="0" smtClean="0">
+              <a:rPr lang="en-US" sz="4800" dirty="0">
                 <a:solidFill>
                   <a:schemeClr val="tx1"/>
                 </a:solidFill>
@@ -3723,7 +3710,7 @@
             <a:avLst/>
           </a:prstGeom>
           <a:blipFill dpi="0" rotWithShape="1">
-            <a:blip r:embed="rId3">
+            <a:blip r:embed="rId3" cstate="print">
               <a:extLst>
                 <a:ext uri="{28A0092B-C50C-407E-A947-70E740481C1C}">
                   <a14:useLocalDpi xmlns:a14="http://schemas.microsoft.com/office/drawing/2010/main" val="0"/>
@@ -3828,8 +3815,8 @@
         </p:nvSpPr>
         <p:spPr>
           <a:xfrm>
-            <a:off x="0" y="1183273"/>
-            <a:ext cx="3764280" cy="5686073"/>
+            <a:off x="0" y="1194619"/>
+            <a:ext cx="3764280" cy="5674727"/>
           </a:xfrm>
           <a:prstGeom prst="rect">
             <a:avLst/>
@@ -3984,7 +3971,7 @@
             <a:avLst/>
           </a:prstGeom>
           <a:blipFill dpi="0" rotWithShape="1">
-            <a:blip r:embed="rId3">
+            <a:blip r:embed="rId3" cstate="print">
               <a:extLst>
                 <a:ext uri="{28A0092B-C50C-407E-A947-70E740481C1C}">
                   <a14:useLocalDpi xmlns:a14="http://schemas.microsoft.com/office/drawing/2010/main" val="0"/>
@@ -4080,12 +4067,8 @@
           </a:p>
           <a:p>
             <a:r>
-              <a:rPr lang="en-US" sz="1200" dirty="0" smtClean="0"/>
-              <a:t>Not </a:t>
-            </a:r>
-            <a:r>
               <a:rPr lang="en-US" sz="1200" dirty="0"/>
-              <a:t>everyone is going to be a good</a:t>
+              <a:t>Not everyone is going to be a good</a:t>
             </a:r>
           </a:p>
           <a:p>
@@ -4093,7 +4076,6 @@
               <a:rPr lang="en-US" sz="1200" dirty="0"/>
               <a:t>“neighbor” and abide by the rules of the community</a:t>
             </a:r>
-            <a:endParaRPr lang="en-US" sz="1200" dirty="0"/>
           </a:p>
         </p:txBody>
       </p:sp>
@@ -4137,7 +4119,7 @@
           <a:lstStyle/>
           <a:p>
             <a:r>
-              <a:rPr lang="en-US" b="1" u="sng" dirty="0" smtClean="0">
+              <a:rPr lang="en-US" b="1" u="sng" dirty="0">
                 <a:effectLst>
                   <a:glow rad="63500">
                     <a:srgbClr val="A5D6A7">
@@ -4161,7 +4143,6 @@
               <a:rPr lang="en-US" sz="1200" dirty="0"/>
               <a:t>bounds of generally accepted behavior</a:t>
             </a:r>
-            <a:endParaRPr lang="en-US" sz="1200" dirty="0"/>
           </a:p>
         </p:txBody>
       </p:sp>
@@ -4441,7 +4422,7 @@
           <a:lstStyle/>
           <a:p>
             <a:pPr algn="ctr"/>
-            <a:endParaRPr lang="en-US" dirty="0" smtClean="0"/>
+            <a:endParaRPr lang="en-US" dirty="0"/>
           </a:p>
           <a:p>
             <a:pPr algn="ctr"/>
@@ -4449,7 +4430,7 @@
           </a:p>
           <a:p>
             <a:pPr algn="ctr"/>
-            <a:endParaRPr lang="en-US" dirty="0" smtClean="0"/>
+            <a:endParaRPr lang="en-US" dirty="0"/>
           </a:p>
           <a:p>
             <a:pPr algn="ctr"/>
@@ -4502,7 +4483,7 @@
           <a:p>
             <a:pPr algn="ctr"/>
             <a:r>
-              <a:rPr lang="en-US" sz="2000" u="sng" dirty="0" smtClean="0">
+              <a:rPr lang="en-US" sz="2000" u="sng" dirty="0">
                 <a:solidFill>
                   <a:schemeClr val="tx1"/>
                 </a:solidFill>
@@ -4510,12 +4491,6 @@
               </a:rPr>
               <a:t>Cyber bulling</a:t>
             </a:r>
-            <a:endParaRPr lang="en-US" sz="2000" u="sng" dirty="0">
-              <a:solidFill>
-                <a:schemeClr val="tx1"/>
-              </a:solidFill>
-              <a:latin typeface="Bahnschrift SemiBold" panose="020B0502040204020203" pitchFamily="34" charset="0"/>
-            </a:endParaRPr>
           </a:p>
         </p:txBody>
       </p:sp>
@@ -4560,7 +4535,7 @@
           <a:p>
             <a:pPr algn="ctr"/>
             <a:r>
-              <a:rPr lang="en-US" sz="2000" u="sng" dirty="0" smtClean="0">
+              <a:rPr lang="en-US" sz="2000" u="sng" dirty="0">
                 <a:solidFill>
                   <a:schemeClr val="tx1"/>
                 </a:solidFill>
@@ -4568,12 +4543,6 @@
               </a:rPr>
               <a:t>Cyberstalking</a:t>
             </a:r>
-            <a:endParaRPr lang="en-US" sz="2000" u="sng" dirty="0">
-              <a:solidFill>
-                <a:schemeClr val="tx1"/>
-              </a:solidFill>
-              <a:latin typeface="Bahnschrift SemiBold" panose="020B0502040204020203" pitchFamily="34" charset="0"/>
-            </a:endParaRPr>
           </a:p>
         </p:txBody>
       </p:sp>
@@ -4624,23 +4593,8 @@
                 </a:solidFill>
                 <a:latin typeface="Bahnschrift SemiBold" panose="020B0502040204020203" pitchFamily="34" charset="0"/>
               </a:rPr>
-              <a:t>Uploading of inappropriate </a:t>
-            </a:r>
-            <a:r>
-              <a:rPr lang="en-US" u="sng" dirty="0" smtClean="0">
-                <a:solidFill>
-                  <a:schemeClr val="tx1"/>
-                </a:solidFill>
-                <a:latin typeface="Bahnschrift SemiBold" panose="020B0502040204020203" pitchFamily="34" charset="0"/>
-              </a:rPr>
-              <a:t>material</a:t>
-            </a:r>
-            <a:endParaRPr lang="en-US" u="sng" dirty="0">
-              <a:solidFill>
-                <a:schemeClr val="tx1"/>
-              </a:solidFill>
-              <a:latin typeface="Bahnschrift SemiBold" panose="020B0502040204020203" pitchFamily="34" charset="0"/>
-            </a:endParaRPr>
+              <a:t>Uploading of inappropriate material</a:t>
+            </a:r>
           </a:p>
         </p:txBody>
       </p:sp>
@@ -4691,25 +4645,7 @@
                 </a:solidFill>
                 <a:latin typeface="Bahnschrift SemiBold" panose="020B0502040204020203" pitchFamily="34" charset="0"/>
               </a:rPr>
-              <a:t>E</a:t>
-            </a:r>
-            <a:r>
-              <a:rPr lang="en-US" sz="2000" u="sng" dirty="0" smtClean="0">
-                <a:solidFill>
-                  <a:schemeClr val="tx1"/>
-                </a:solidFill>
-                <a:latin typeface="Bahnschrift SemiBold" panose="020B0502040204020203" pitchFamily="34" charset="0"/>
-              </a:rPr>
-              <a:t>ncounters </a:t>
-            </a:r>
-            <a:r>
-              <a:rPr lang="en-US" sz="2000" u="sng" dirty="0">
-                <a:solidFill>
-                  <a:schemeClr val="tx1"/>
-                </a:solidFill>
-                <a:latin typeface="Bahnschrift SemiBold" panose="020B0502040204020203" pitchFamily="34" charset="0"/>
-              </a:rPr>
-              <a:t>with</a:t>
+              <a:t>Encounters with</a:t>
             </a:r>
           </a:p>
           <a:p>
@@ -4723,12 +4659,6 @@
               </a:rPr>
               <a:t>sexual predators</a:t>
             </a:r>
-            <a:endParaRPr lang="en-US" sz="2000" u="sng" dirty="0">
-              <a:solidFill>
-                <a:schemeClr val="tx1"/>
-              </a:solidFill>
-              <a:latin typeface="Bahnschrift SemiBold" panose="020B0502040204020203" pitchFamily="34" charset="0"/>
-            </a:endParaRPr>
           </a:p>
         </p:txBody>
       </p:sp>
@@ -4778,21 +4708,8 @@
                   <a:schemeClr val="tx1"/>
                 </a:solidFill>
               </a:rPr>
-              <a:t>a</a:t>
-            </a:r>
-            <a:r>
-              <a:rPr lang="en-US" sz="1400" dirty="0" smtClean="0">
-                <a:solidFill>
-                  <a:schemeClr val="tx1"/>
-                </a:solidFill>
-              </a:rPr>
-              <a:t> form of bulling using electronic means</a:t>
-            </a:r>
-            <a:endParaRPr lang="en-US" sz="1400" dirty="0">
-              <a:solidFill>
-                <a:schemeClr val="tx1"/>
-              </a:solidFill>
-            </a:endParaRPr>
+              <a:t>a form of bulling using electronic means</a:t>
+            </a:r>
           </a:p>
         </p:txBody>
       </p:sp>
@@ -4842,61 +4759,8 @@
                   <a:schemeClr val="tx1"/>
                 </a:solidFill>
               </a:rPr>
-              <a:t>the use of </a:t>
-            </a:r>
-            <a:r>
-              <a:rPr lang="en-US" sz="1400" dirty="0" smtClean="0">
-                <a:solidFill>
-                  <a:schemeClr val="tx1"/>
-                </a:solidFill>
-              </a:rPr>
-              <a:t>the</a:t>
-            </a:r>
-            <a:r>
-              <a:rPr lang="en-US" sz="1400" dirty="0">
-                <a:solidFill>
-                  <a:schemeClr val="tx1"/>
-                </a:solidFill>
-              </a:rPr>
-              <a:t> </a:t>
-            </a:r>
-            <a:r>
-              <a:rPr lang="en-US" sz="1400" dirty="0" smtClean="0">
-                <a:solidFill>
-                  <a:schemeClr val="tx1"/>
-                </a:solidFill>
-              </a:rPr>
-              <a:t>internet</a:t>
-            </a:r>
-            <a:r>
-              <a:rPr lang="en-US" sz="1400" dirty="0">
-                <a:solidFill>
-                  <a:schemeClr val="tx1"/>
-                </a:solidFill>
-              </a:rPr>
-              <a:t> or other electronic means to </a:t>
-            </a:r>
-            <a:r>
-              <a:rPr lang="en-US" sz="1400" dirty="0" smtClean="0">
-                <a:solidFill>
-                  <a:schemeClr val="tx1"/>
-                </a:solidFill>
-              </a:rPr>
-              <a:t>harass</a:t>
-            </a:r>
-            <a:r>
-              <a:rPr lang="en-US" sz="1400" dirty="0">
-                <a:solidFill>
-                  <a:schemeClr val="tx1"/>
-                </a:solidFill>
-              </a:rPr>
-              <a:t> an individual, group, or organization</a:t>
-            </a:r>
-            <a:endParaRPr lang="en-US" sz="1400" dirty="0">
-              <a:solidFill>
-                <a:schemeClr val="tx1"/>
-              </a:solidFill>
-            </a:endParaRPr>
+              <a:t>the use of the internet or other electronic means to harass an individual, group, or organization</a:t>
+            </a:r>
           </a:p>
         </p:txBody>
       </p:sp>
@@ -4941,34 +4805,21 @@
           <a:p>
             <a:pPr algn="ctr"/>
             <a:r>
-              <a:rPr lang="en-US" altLang="en-US" sz="1400" dirty="0" smtClean="0">
-                <a:solidFill>
-                  <a:schemeClr val="tx1"/>
-                </a:solidFill>
-              </a:rPr>
-              <a:t>posting </a:t>
-            </a:r>
-            <a:r>
               <a:rPr lang="en-US" altLang="en-US" sz="1400" dirty="0">
                 <a:solidFill>
                   <a:schemeClr val="tx1"/>
                 </a:solidFill>
               </a:rPr>
-              <a:t>mean, personal, or false information about the victim</a:t>
-            </a:r>
-            <a:r>
-              <a:rPr lang="en-US" sz="1400" dirty="0" smtClean="0">
+              <a:t>posting mean, personal, or false information about the victim</a:t>
+            </a:r>
+            <a:r>
+              <a:rPr lang="en-US" sz="1400" dirty="0">
                 <a:solidFill>
                   <a:schemeClr val="tx1"/>
                 </a:solidFill>
               </a:rPr>
               <a:t> </a:t>
             </a:r>
-            <a:endParaRPr lang="en-US" sz="1400" dirty="0">
-              <a:solidFill>
-                <a:schemeClr val="tx1"/>
-              </a:solidFill>
-            </a:endParaRPr>
           </a:p>
         </p:txBody>
       </p:sp>
@@ -5018,23 +4869,7 @@
                   <a:schemeClr val="tx1"/>
                 </a:solidFill>
               </a:rPr>
-              <a:t>a person seen as </a:t>
-            </a:r>
-            <a:r>
-              <a:rPr lang="en-US" sz="1400" dirty="0" smtClean="0">
-                <a:solidFill>
-                  <a:schemeClr val="tx1"/>
-                </a:solidFill>
-              </a:rPr>
-              <a:t>trying </a:t>
-            </a:r>
-            <a:r>
-              <a:rPr lang="en-US" sz="1400" dirty="0">
-                <a:solidFill>
-                  <a:schemeClr val="tx1"/>
-                </a:solidFill>
-              </a:rPr>
-              <a:t>to obtain </a:t>
+              <a:t>a person seen as trying to obtain </a:t>
             </a:r>
             <a:r>
               <a:rPr lang="en-US" sz="1400" b="1" dirty="0">
@@ -5052,11 +4887,254 @@
               </a:rPr>
               <a:t> contact with another person in a metaphorically "predatory" or abusive manner</a:t>
             </a:r>
-            <a:endParaRPr lang="en-US" sz="1400" dirty="0">
-              <a:solidFill>
-                <a:schemeClr val="tx1"/>
-              </a:solidFill>
-            </a:endParaRPr>
+          </a:p>
+        </p:txBody>
+      </p:sp>
+      <p:sp>
+        <p:nvSpPr>
+          <p:cNvPr id="2" name="Rectangle 1">
+            <a:extLst>
+              <a:ext uri="{FF2B5EF4-FFF2-40B4-BE49-F238E27FC236}">
+                <a16:creationId xmlns:a16="http://schemas.microsoft.com/office/drawing/2014/main" id="{D5EA1C5E-2CFC-4EEB-9ABA-B77E84A22E5F}"/>
+              </a:ext>
+            </a:extLst>
+          </p:cNvPr>
+          <p:cNvSpPr/>
+          <p:nvPr/>
+        </p:nvSpPr>
+        <p:spPr>
+          <a:xfrm>
+            <a:off x="6148948" y="1299681"/>
+            <a:ext cx="283464" cy="286897"/>
+          </a:xfrm>
+          <a:prstGeom prst="rect">
+            <a:avLst/>
+          </a:prstGeom>
+          <a:blipFill dpi="0" rotWithShape="1">
+            <a:blip r:embed="rId5" cstate="print">
+              <a:extLst>
+                <a:ext uri="{28A0092B-C50C-407E-A947-70E740481C1C}">
+                  <a14:useLocalDpi xmlns:a14="http://schemas.microsoft.com/office/drawing/2010/main" val="0"/>
+                </a:ext>
+              </a:extLst>
+            </a:blip>
+            <a:srcRect/>
+            <a:stretch>
+              <a:fillRect/>
+            </a:stretch>
+          </a:blipFill>
+          <a:ln>
+            <a:noFill/>
+          </a:ln>
+        </p:spPr>
+        <p:style>
+          <a:lnRef idx="2">
+            <a:schemeClr val="accent1">
+              <a:shade val="50000"/>
+            </a:schemeClr>
+          </a:lnRef>
+          <a:fillRef idx="1">
+            <a:schemeClr val="accent1"/>
+          </a:fillRef>
+          <a:effectRef idx="0">
+            <a:schemeClr val="accent1"/>
+          </a:effectRef>
+          <a:fontRef idx="minor">
+            <a:schemeClr val="lt1"/>
+          </a:fontRef>
+        </p:style>
+        <p:txBody>
+          <a:bodyPr rtlCol="0" anchor="ctr"/>
+          <a:lstStyle/>
+          <a:p>
+            <a:pPr algn="ctr"/>
+            <a:endParaRPr lang="en-US"/>
+          </a:p>
+        </p:txBody>
+      </p:sp>
+      <p:sp>
+        <p:nvSpPr>
+          <p:cNvPr id="26" name="Rectangle 25">
+            <a:extLst>
+              <a:ext uri="{FF2B5EF4-FFF2-40B4-BE49-F238E27FC236}">
+                <a16:creationId xmlns:a16="http://schemas.microsoft.com/office/drawing/2014/main" id="{0812CF51-F495-4E2D-B1B2-6791D79A7425}"/>
+              </a:ext>
+            </a:extLst>
+          </p:cNvPr>
+          <p:cNvSpPr/>
+          <p:nvPr/>
+        </p:nvSpPr>
+        <p:spPr>
+          <a:xfrm>
+            <a:off x="9884165" y="1305777"/>
+            <a:ext cx="283464" cy="286897"/>
+          </a:xfrm>
+          <a:prstGeom prst="rect">
+            <a:avLst/>
+          </a:prstGeom>
+          <a:blipFill dpi="0" rotWithShape="1">
+            <a:blip r:embed="rId5" cstate="print">
+              <a:extLst>
+                <a:ext uri="{28A0092B-C50C-407E-A947-70E740481C1C}">
+                  <a14:useLocalDpi xmlns:a14="http://schemas.microsoft.com/office/drawing/2010/main" val="0"/>
+                </a:ext>
+              </a:extLst>
+            </a:blip>
+            <a:srcRect/>
+            <a:stretch>
+              <a:fillRect/>
+            </a:stretch>
+          </a:blipFill>
+          <a:ln>
+            <a:noFill/>
+          </a:ln>
+        </p:spPr>
+        <p:style>
+          <a:lnRef idx="2">
+            <a:schemeClr val="accent1">
+              <a:shade val="50000"/>
+            </a:schemeClr>
+          </a:lnRef>
+          <a:fillRef idx="1">
+            <a:schemeClr val="accent1"/>
+          </a:fillRef>
+          <a:effectRef idx="0">
+            <a:schemeClr val="accent1"/>
+          </a:effectRef>
+          <a:fontRef idx="minor">
+            <a:schemeClr val="lt1"/>
+          </a:fontRef>
+        </p:style>
+        <p:txBody>
+          <a:bodyPr rtlCol="0" anchor="ctr"/>
+          <a:lstStyle/>
+          <a:p>
+            <a:pPr algn="ctr"/>
+            <a:endParaRPr lang="en-US"/>
+          </a:p>
+        </p:txBody>
+      </p:sp>
+      <p:sp>
+        <p:nvSpPr>
+          <p:cNvPr id="27" name="Rectangle 26">
+            <a:extLst>
+              <a:ext uri="{FF2B5EF4-FFF2-40B4-BE49-F238E27FC236}">
+                <a16:creationId xmlns:a16="http://schemas.microsoft.com/office/drawing/2014/main" id="{3C0773E9-204B-4D7C-AC18-4C234CABEF9E}"/>
+              </a:ext>
+            </a:extLst>
+          </p:cNvPr>
+          <p:cNvSpPr/>
+          <p:nvPr/>
+        </p:nvSpPr>
+        <p:spPr>
+          <a:xfrm>
+            <a:off x="9884165" y="4055713"/>
+            <a:ext cx="283464" cy="286897"/>
+          </a:xfrm>
+          <a:prstGeom prst="rect">
+            <a:avLst/>
+          </a:prstGeom>
+          <a:blipFill dpi="0" rotWithShape="1">
+            <a:blip r:embed="rId5" cstate="print">
+              <a:extLst>
+                <a:ext uri="{28A0092B-C50C-407E-A947-70E740481C1C}">
+                  <a14:useLocalDpi xmlns:a14="http://schemas.microsoft.com/office/drawing/2010/main" val="0"/>
+                </a:ext>
+              </a:extLst>
+            </a:blip>
+            <a:srcRect/>
+            <a:stretch>
+              <a:fillRect/>
+            </a:stretch>
+          </a:blipFill>
+          <a:ln>
+            <a:noFill/>
+          </a:ln>
+        </p:spPr>
+        <p:style>
+          <a:lnRef idx="2">
+            <a:schemeClr val="accent1">
+              <a:shade val="50000"/>
+            </a:schemeClr>
+          </a:lnRef>
+          <a:fillRef idx="1">
+            <a:schemeClr val="accent1"/>
+          </a:fillRef>
+          <a:effectRef idx="0">
+            <a:schemeClr val="accent1"/>
+          </a:effectRef>
+          <a:fontRef idx="minor">
+            <a:schemeClr val="lt1"/>
+          </a:fontRef>
+        </p:style>
+        <p:txBody>
+          <a:bodyPr rtlCol="0" anchor="ctr"/>
+          <a:lstStyle/>
+          <a:p>
+            <a:pPr algn="ctr"/>
+            <a:endParaRPr lang="en-US"/>
+          </a:p>
+        </p:txBody>
+      </p:sp>
+      <p:sp>
+        <p:nvSpPr>
+          <p:cNvPr id="28" name="Rectangle 27">
+            <a:extLst>
+              <a:ext uri="{FF2B5EF4-FFF2-40B4-BE49-F238E27FC236}">
+                <a16:creationId xmlns:a16="http://schemas.microsoft.com/office/drawing/2014/main" id="{B020F17A-D6D3-468A-B01E-55FBE660E9EA}"/>
+              </a:ext>
+            </a:extLst>
+          </p:cNvPr>
+          <p:cNvSpPr/>
+          <p:nvPr/>
+        </p:nvSpPr>
+        <p:spPr>
+          <a:xfrm>
+            <a:off x="6098353" y="4029103"/>
+            <a:ext cx="283464" cy="286897"/>
+          </a:xfrm>
+          <a:prstGeom prst="rect">
+            <a:avLst/>
+          </a:prstGeom>
+          <a:blipFill dpi="0" rotWithShape="1">
+            <a:blip r:embed="rId5" cstate="print">
+              <a:extLst>
+                <a:ext uri="{28A0092B-C50C-407E-A947-70E740481C1C}">
+                  <a14:useLocalDpi xmlns:a14="http://schemas.microsoft.com/office/drawing/2010/main" val="0"/>
+                </a:ext>
+              </a:extLst>
+            </a:blip>
+            <a:srcRect/>
+            <a:stretch>
+              <a:fillRect/>
+            </a:stretch>
+          </a:blipFill>
+          <a:ln>
+            <a:noFill/>
+          </a:ln>
+        </p:spPr>
+        <p:style>
+          <a:lnRef idx="2">
+            <a:schemeClr val="accent1">
+              <a:shade val="50000"/>
+            </a:schemeClr>
+          </a:lnRef>
+          <a:fillRef idx="1">
+            <a:schemeClr val="accent1"/>
+          </a:fillRef>
+          <a:effectRef idx="0">
+            <a:schemeClr val="accent1"/>
+          </a:effectRef>
+          <a:fontRef idx="minor">
+            <a:schemeClr val="lt1"/>
+          </a:fontRef>
+        </p:style>
+        <p:txBody>
+          <a:bodyPr rtlCol="0" anchor="ctr"/>
+          <a:lstStyle/>
+          <a:p>
+            <a:pPr algn="ctr"/>
+            <a:endParaRPr lang="en-US"/>
           </a:p>
         </p:txBody>
       </p:sp>
@@ -5073,13 +5151,6 @@
   <p:transition spd="slow">
     <p:push dir="u"/>
   </p:transition>
-  <p:timing>
-    <p:tnLst>
-      <p:par>
-        <p:cTn id="1" dur="indefinite" restart="never" nodeType="tmRoot"/>
-      </p:par>
-    </p:tnLst>
-  </p:timing>
 </p:sld>
 </file>
 
@@ -5210,16 +5281,7 @@
                 </a:solidFill>
                 <a:latin typeface="Copperplate Gothic Bold" panose="020E0705020206020404" pitchFamily="34" charset="0"/>
               </a:rPr>
-              <a:t>Cyber </a:t>
-            </a:r>
-            <a:r>
-              <a:rPr lang="en-US" sz="4000" dirty="0" smtClean="0">
-                <a:solidFill>
-                  <a:schemeClr val="tx1"/>
-                </a:solidFill>
-                <a:latin typeface="Copperplate Gothic Bold" panose="020E0705020206020404" pitchFamily="34" charset="0"/>
-              </a:rPr>
-              <a:t>bullying</a:t>
+              <a:t>Cyber bullying</a:t>
             </a:r>
             <a:endParaRPr lang="en-US" sz="4000" dirty="0">
               <a:solidFill>
@@ -6046,13 +6108,6 @@
   <p:transition spd="slow">
     <p:push dir="u"/>
   </p:transition>
-  <p:timing>
-    <p:tnLst>
-      <p:par>
-        <p:cTn id="1" dur="indefinite" restart="never" nodeType="tmRoot"/>
-      </p:par>
-    </p:tnLst>
-  </p:timing>
 </p:sld>
 </file>
 
@@ -7096,13 +7151,6 @@
   <p:transition spd="slow">
     <p:push dir="u"/>
   </p:transition>
-  <p:timing>
-    <p:tnLst>
-      <p:par>
-        <p:cTn id="1" dur="indefinite" restart="never" nodeType="tmRoot"/>
-      </p:par>
-    </p:tnLst>
-  </p:timing>
 </p:sld>
 </file>
 
@@ -8416,13 +8464,6 @@
   <p:transition spd="slow">
     <p:push dir="u"/>
   </p:transition>
-  <p:timing>
-    <p:tnLst>
-      <p:par>
-        <p:cTn id="1" dur="indefinite" restart="never" nodeType="tmRoot"/>
-      </p:par>
-    </p:tnLst>
-  </p:timing>
 </p:sld>
 </file>
 
@@ -8492,7 +8533,7 @@
           <a:p>
             <a:pPr algn="ctr"/>
             <a:r>
-              <a:rPr lang="en-US" dirty="0">
+              <a:rPr lang="en-US" sz="3200" dirty="0">
                 <a:solidFill>
                   <a:schemeClr val="tx1"/>
                 </a:solidFill>
@@ -8501,11 +8542,11 @@
               <a:t>Uploading Inappropriate</a:t>
             </a:r>
             <a:r>
-              <a:rPr lang="en-US" dirty="0"/>
+              <a:rPr lang="en-US" sz="3200" dirty="0"/>
               <a:t> </a:t>
             </a:r>
             <a:r>
-              <a:rPr lang="en-US" dirty="0">
+              <a:rPr lang="en-US" sz="3200" dirty="0">
                 <a:solidFill>
                   <a:schemeClr val="tx1"/>
                 </a:solidFill>
@@ -8513,7 +8554,7 @@
               </a:rPr>
               <a:t>Material</a:t>
             </a:r>
-            <a:endParaRPr lang="en-US" dirty="0">
+            <a:endParaRPr lang="en-US" sz="3200" dirty="0">
               <a:solidFill>
                 <a:schemeClr val="tx1"/>
               </a:solidFill>
@@ -8995,23 +9036,7 @@
                   <a:schemeClr val="tx1"/>
                 </a:solidFill>
               </a:rPr>
-              <a:t>w</a:t>
-            </a:r>
-            <a:r>
-              <a:rPr lang="en-US" dirty="0" smtClean="0">
-                <a:solidFill>
-                  <a:schemeClr val="tx1"/>
-                </a:solidFill>
-              </a:rPr>
-              <a:t>ebsite </a:t>
-            </a:r>
-            <a:r>
-              <a:rPr lang="en-US" dirty="0">
-                <a:solidFill>
-                  <a:schemeClr val="tx1"/>
-                </a:solidFill>
-              </a:rPr>
-              <a:t>has right to material and terminate user accounts that violate the site’s policies</a:t>
+              <a:t>website has right to material and terminate user accounts that violate the site’s policies</a:t>
             </a:r>
           </a:p>
         </p:txBody>
@@ -9487,13 +9512,6 @@
   <p:transition spd="slow">
     <p:push dir="u"/>
   </p:transition>
-  <p:timing>
-    <p:tnLst>
-      <p:par>
-        <p:cTn id="1" dur="indefinite" restart="never" nodeType="tmRoot"/>
-      </p:par>
-    </p:tnLst>
-  </p:timing>
 </p:sld>
 </file>
 
@@ -10267,13 +10285,6 @@
   <p:transition spd="slow">
     <p:push dir="u"/>
   </p:transition>
-  <p:timing>
-    <p:tnLst>
-      <p:par>
-        <p:cTn id="1" dur="indefinite" restart="never" nodeType="tmRoot"/>
-      </p:par>
-    </p:tnLst>
-  </p:timing>
 </p:sld>
 </file>
 
@@ -10461,13 +10472,6 @@
   <p:transition spd="slow">
     <p:push dir="u"/>
   </p:transition>
-  <p:timing>
-    <p:tnLst>
-      <p:par>
-        <p:cTn id="1" dur="indefinite" restart="never" nodeType="tmRoot"/>
-      </p:par>
-    </p:tnLst>
-  </p:timing>
 </p:sld>
 </file>
 

--- a/603-ET/social networking ethical issues.pptx
+++ b/603-ET/social networking ethical issues.pptx
@@ -204,7 +204,7 @@
           <a:p>
             <a:fld id="{777C3AE2-11B6-4294-A847-386849C64755}" type="datetimeFigureOut">
               <a:rPr lang="en-US" smtClean="0"/>
-              <a:t>9/27/2018</a:t>
+              <a:t>10/26/2018</a:t>
             </a:fld>
             <a:endParaRPr lang="en-US"/>
           </a:p>
@@ -768,7 +768,7 @@
           <a:p>
             <a:fld id="{9EF7D3A6-9E8E-4941-BB94-5A31170A0B6C}" type="datetimeFigureOut">
               <a:rPr lang="en-US" smtClean="0"/>
-              <a:t>9/27/2018</a:t>
+              <a:t>10/26/2018</a:t>
             </a:fld>
             <a:endParaRPr lang="en-US"/>
           </a:p>
@@ -936,7 +936,7 @@
           <a:p>
             <a:fld id="{9EF7D3A6-9E8E-4941-BB94-5A31170A0B6C}" type="datetimeFigureOut">
               <a:rPr lang="en-US" smtClean="0"/>
-              <a:t>9/27/2018</a:t>
+              <a:t>10/26/2018</a:t>
             </a:fld>
             <a:endParaRPr lang="en-US"/>
           </a:p>
@@ -1114,7 +1114,7 @@
           <a:p>
             <a:fld id="{9EF7D3A6-9E8E-4941-BB94-5A31170A0B6C}" type="datetimeFigureOut">
               <a:rPr lang="en-US" smtClean="0"/>
-              <a:t>9/27/2018</a:t>
+              <a:t>10/26/2018</a:t>
             </a:fld>
             <a:endParaRPr lang="en-US"/>
           </a:p>
@@ -1282,7 +1282,7 @@
           <a:p>
             <a:fld id="{9EF7D3A6-9E8E-4941-BB94-5A31170A0B6C}" type="datetimeFigureOut">
               <a:rPr lang="en-US" smtClean="0"/>
-              <a:t>9/27/2018</a:t>
+              <a:t>10/26/2018</a:t>
             </a:fld>
             <a:endParaRPr lang="en-US"/>
           </a:p>
@@ -1527,7 +1527,7 @@
           <a:p>
             <a:fld id="{9EF7D3A6-9E8E-4941-BB94-5A31170A0B6C}" type="datetimeFigureOut">
               <a:rPr lang="en-US" smtClean="0"/>
-              <a:t>9/27/2018</a:t>
+              <a:t>10/26/2018</a:t>
             </a:fld>
             <a:endParaRPr lang="en-US"/>
           </a:p>
@@ -1756,7 +1756,7 @@
           <a:p>
             <a:fld id="{9EF7D3A6-9E8E-4941-BB94-5A31170A0B6C}" type="datetimeFigureOut">
               <a:rPr lang="en-US" smtClean="0"/>
-              <a:t>9/27/2018</a:t>
+              <a:t>10/26/2018</a:t>
             </a:fld>
             <a:endParaRPr lang="en-US"/>
           </a:p>
@@ -2120,7 +2120,7 @@
           <a:p>
             <a:fld id="{9EF7D3A6-9E8E-4941-BB94-5A31170A0B6C}" type="datetimeFigureOut">
               <a:rPr lang="en-US" smtClean="0"/>
-              <a:t>9/27/2018</a:t>
+              <a:t>10/26/2018</a:t>
             </a:fld>
             <a:endParaRPr lang="en-US"/>
           </a:p>
@@ -2237,7 +2237,7 @@
           <a:p>
             <a:fld id="{9EF7D3A6-9E8E-4941-BB94-5A31170A0B6C}" type="datetimeFigureOut">
               <a:rPr lang="en-US" smtClean="0"/>
-              <a:t>9/27/2018</a:t>
+              <a:t>10/26/2018</a:t>
             </a:fld>
             <a:endParaRPr lang="en-US"/>
           </a:p>
@@ -2332,7 +2332,7 @@
           <a:p>
             <a:fld id="{9EF7D3A6-9E8E-4941-BB94-5A31170A0B6C}" type="datetimeFigureOut">
               <a:rPr lang="en-US" smtClean="0"/>
-              <a:t>9/27/2018</a:t>
+              <a:t>10/26/2018</a:t>
             </a:fld>
             <a:endParaRPr lang="en-US"/>
           </a:p>
@@ -2607,7 +2607,7 @@
           <a:p>
             <a:fld id="{9EF7D3A6-9E8E-4941-BB94-5A31170A0B6C}" type="datetimeFigureOut">
               <a:rPr lang="en-US" smtClean="0"/>
-              <a:t>9/27/2018</a:t>
+              <a:t>10/26/2018</a:t>
             </a:fld>
             <a:endParaRPr lang="en-US"/>
           </a:p>
@@ -2859,7 +2859,7 @@
           <a:p>
             <a:fld id="{9EF7D3A6-9E8E-4941-BB94-5A31170A0B6C}" type="datetimeFigureOut">
               <a:rPr lang="en-US" smtClean="0"/>
-              <a:t>9/27/2018</a:t>
+              <a:t>10/26/2018</a:t>
             </a:fld>
             <a:endParaRPr lang="en-US"/>
           </a:p>
@@ -3070,7 +3070,7 @@
           <a:p>
             <a:fld id="{9EF7D3A6-9E8E-4941-BB94-5A31170A0B6C}" type="datetimeFigureOut">
               <a:rPr lang="en-US" smtClean="0"/>
-              <a:t>9/27/2018</a:t>
+              <a:t>10/26/2018</a:t>
             </a:fld>
             <a:endParaRPr lang="en-US"/>
           </a:p>
@@ -3526,6 +3526,12 @@
                 <a:latin typeface="Copperplate Gothic Bold" panose="020E0705020206020404" pitchFamily="34" charset="0"/>
               </a:rPr>
               <a:t>Social Networking Ethical Issues</a:t>
+            </a:r>
+            <a:r>
+              <a:rPr lang="en-US" dirty="0">
+                <a:latin typeface="Copperplate Gothic Bold" panose="020E0705020206020404" pitchFamily="34" charset="0"/>
+              </a:rPr>
+              <a:t/>
             </a:r>
             <a:br>
               <a:rPr lang="en-US" dirty="0">
@@ -10454,8 +10460,23 @@
                 </a:solidFill>
                 <a:latin typeface="Bradley Hand ITC" panose="03070402050302030203" pitchFamily="66" charset="0"/>
               </a:rPr>
-              <a:t>Thank you for your patients</a:t>
-            </a:r>
+              <a:t>Thank </a:t>
+            </a:r>
+            <a:r>
+              <a:rPr lang="en-US" sz="6600" b="1" dirty="0" smtClean="0">
+                <a:solidFill>
+                  <a:schemeClr val="tx1"/>
+                </a:solidFill>
+                <a:latin typeface="Bradley Hand ITC" panose="03070402050302030203" pitchFamily="66" charset="0"/>
+              </a:rPr>
+              <a:t>you</a:t>
+            </a:r>
+            <a:endParaRPr lang="en-US" sz="6600" b="1" dirty="0">
+              <a:solidFill>
+                <a:schemeClr val="tx1"/>
+              </a:solidFill>
+              <a:latin typeface="Bradley Hand ITC" panose="03070402050302030203" pitchFamily="66" charset="0"/>
+            </a:endParaRPr>
           </a:p>
         </p:txBody>
       </p:sp>
